--- a/extras/Explorer_Tool_Workflow_2.pptx
+++ b/extras/Explorer_Tool_Workflow_2.pptx
@@ -259,7 +259,7 @@
           <a:p>
             <a:fld id="{1560D20A-E720-4ECB-907E-0F9EBDE75356}" type="datetimeFigureOut">
               <a:rPr lang="en-US" smtClean="0"/>
-              <a:t>10/21/2021</a:t>
+              <a:t>12/16/2021</a:t>
             </a:fld>
             <a:endParaRPr lang="en-US"/>
           </a:p>
@@ -457,7 +457,7 @@
           <a:p>
             <a:fld id="{1560D20A-E720-4ECB-907E-0F9EBDE75356}" type="datetimeFigureOut">
               <a:rPr lang="en-US" smtClean="0"/>
-              <a:t>10/21/2021</a:t>
+              <a:t>12/16/2021</a:t>
             </a:fld>
             <a:endParaRPr lang="en-US"/>
           </a:p>
@@ -665,7 +665,7 @@
           <a:p>
             <a:fld id="{1560D20A-E720-4ECB-907E-0F9EBDE75356}" type="datetimeFigureOut">
               <a:rPr lang="en-US" smtClean="0"/>
-              <a:t>10/21/2021</a:t>
+              <a:t>12/16/2021</a:t>
             </a:fld>
             <a:endParaRPr lang="en-US"/>
           </a:p>
@@ -863,7 +863,7 @@
           <a:p>
             <a:fld id="{1560D20A-E720-4ECB-907E-0F9EBDE75356}" type="datetimeFigureOut">
               <a:rPr lang="en-US" smtClean="0"/>
-              <a:t>10/21/2021</a:t>
+              <a:t>12/16/2021</a:t>
             </a:fld>
             <a:endParaRPr lang="en-US"/>
           </a:p>
@@ -1138,7 +1138,7 @@
           <a:p>
             <a:fld id="{1560D20A-E720-4ECB-907E-0F9EBDE75356}" type="datetimeFigureOut">
               <a:rPr lang="en-US" smtClean="0"/>
-              <a:t>10/21/2021</a:t>
+              <a:t>12/16/2021</a:t>
             </a:fld>
             <a:endParaRPr lang="en-US"/>
           </a:p>
@@ -1403,7 +1403,7 @@
           <a:p>
             <a:fld id="{1560D20A-E720-4ECB-907E-0F9EBDE75356}" type="datetimeFigureOut">
               <a:rPr lang="en-US" smtClean="0"/>
-              <a:t>10/21/2021</a:t>
+              <a:t>12/16/2021</a:t>
             </a:fld>
             <a:endParaRPr lang="en-US"/>
           </a:p>
@@ -1815,7 +1815,7 @@
           <a:p>
             <a:fld id="{1560D20A-E720-4ECB-907E-0F9EBDE75356}" type="datetimeFigureOut">
               <a:rPr lang="en-US" smtClean="0"/>
-              <a:t>10/21/2021</a:t>
+              <a:t>12/16/2021</a:t>
             </a:fld>
             <a:endParaRPr lang="en-US"/>
           </a:p>
@@ -1956,7 +1956,7 @@
           <a:p>
             <a:fld id="{1560D20A-E720-4ECB-907E-0F9EBDE75356}" type="datetimeFigureOut">
               <a:rPr lang="en-US" smtClean="0"/>
-              <a:t>10/21/2021</a:t>
+              <a:t>12/16/2021</a:t>
             </a:fld>
             <a:endParaRPr lang="en-US"/>
           </a:p>
@@ -2069,7 +2069,7 @@
           <a:p>
             <a:fld id="{1560D20A-E720-4ECB-907E-0F9EBDE75356}" type="datetimeFigureOut">
               <a:rPr lang="en-US" smtClean="0"/>
-              <a:t>10/21/2021</a:t>
+              <a:t>12/16/2021</a:t>
             </a:fld>
             <a:endParaRPr lang="en-US"/>
           </a:p>
@@ -2380,7 +2380,7 @@
           <a:p>
             <a:fld id="{1560D20A-E720-4ECB-907E-0F9EBDE75356}" type="datetimeFigureOut">
               <a:rPr lang="en-US" smtClean="0"/>
-              <a:t>10/21/2021</a:t>
+              <a:t>12/16/2021</a:t>
             </a:fld>
             <a:endParaRPr lang="en-US"/>
           </a:p>
@@ -2668,7 +2668,7 @@
           <a:p>
             <a:fld id="{1560D20A-E720-4ECB-907E-0F9EBDE75356}" type="datetimeFigureOut">
               <a:rPr lang="en-US" smtClean="0"/>
-              <a:t>10/21/2021</a:t>
+              <a:t>12/16/2021</a:t>
             </a:fld>
             <a:endParaRPr lang="en-US"/>
           </a:p>
@@ -2909,7 +2909,7 @@
           <a:p>
             <a:fld id="{1560D20A-E720-4ECB-907E-0F9EBDE75356}" type="datetimeFigureOut">
               <a:rPr lang="en-US" smtClean="0"/>
-              <a:t>10/21/2021</a:t>
+              <a:t>12/16/2021</a:t>
             </a:fld>
             <a:endParaRPr lang="en-US"/>
           </a:p>
@@ -3411,53 +3411,6 @@
           </a:p>
         </p:txBody>
       </p:sp>
-      <p:cxnSp>
-        <p:nvCxnSpPr>
-          <p:cNvPr id="21" name="Straight Arrow Connector 20">
-            <a:extLst>
-              <a:ext uri="{FF2B5EF4-FFF2-40B4-BE49-F238E27FC236}">
-                <a16:creationId xmlns:a16="http://schemas.microsoft.com/office/drawing/2014/main" id="{0D5BF0FB-5C51-42CE-8B1F-1A3BDDE5C017}"/>
-              </a:ext>
-            </a:extLst>
-          </p:cNvPr>
-          <p:cNvCxnSpPr>
-            <a:stCxn id="42" idx="3"/>
-            <a:endCxn id="54" idx="1"/>
-          </p:cNvCxnSpPr>
-          <p:nvPr/>
-        </p:nvCxnSpPr>
-        <p:spPr>
-          <a:xfrm flipV="1">
-            <a:off x="8796135" y="4210339"/>
-            <a:ext cx="391768" cy="1637938"/>
-          </a:xfrm>
-          <a:prstGeom prst="straightConnector1">
-            <a:avLst/>
-          </a:prstGeom>
-          <a:ln w="38100">
-            <a:solidFill>
-              <a:schemeClr val="bg1">
-                <a:lumMod val="50000"/>
-              </a:schemeClr>
-            </a:solidFill>
-            <a:tailEnd type="triangle"/>
-          </a:ln>
-        </p:spPr>
-        <p:style>
-          <a:lnRef idx="1">
-            <a:schemeClr val="accent1"/>
-          </a:lnRef>
-          <a:fillRef idx="0">
-            <a:schemeClr val="accent1"/>
-          </a:fillRef>
-          <a:effectRef idx="0">
-            <a:schemeClr val="accent1"/>
-          </a:effectRef>
-          <a:fontRef idx="minor">
-            <a:schemeClr val="tx1"/>
-          </a:fontRef>
-        </p:style>
-      </p:cxnSp>
       <p:sp>
         <p:nvSpPr>
           <p:cNvPr id="38" name="TextBox 37">
@@ -4478,25 +4431,8 @@
                 <a:latin typeface="Times New Roman" panose="02020603050405020304" pitchFamily="18" charset="0"/>
                 <a:cs typeface="Times New Roman" panose="02020603050405020304" pitchFamily="18" charset="0"/>
               </a:rPr>
-              <a:t>Interactive: </a:t>
-            </a:r>
-            <a:r>
-              <a:rPr lang="en-US" sz="1200" dirty="0" err="1">
-                <a:solidFill>
-                  <a:schemeClr val="tx1"/>
-                </a:solidFill>
-                <a:latin typeface="Times New Roman" panose="02020603050405020304" pitchFamily="18" charset="0"/>
-                <a:cs typeface="Times New Roman" panose="02020603050405020304" pitchFamily="18" charset="0"/>
-              </a:rPr>
-              <a:t>plotly</a:t>
-            </a:r>
-            <a:endParaRPr lang="en-US" sz="1200" dirty="0">
-              <a:solidFill>
-                <a:schemeClr val="tx1"/>
-              </a:solidFill>
-              <a:latin typeface="Times New Roman" panose="02020603050405020304" pitchFamily="18" charset="0"/>
-              <a:cs typeface="Times New Roman" panose="02020603050405020304" pitchFamily="18" charset="0"/>
-            </a:endParaRPr>
+              <a:t>Interactive: plotly</a:t>
+            </a:r>
           </a:p>
           <a:p>
             <a:pPr marL="228600" indent="-228600">
@@ -4511,25 +4447,8 @@
                 <a:latin typeface="Times New Roman" panose="02020603050405020304" pitchFamily="18" charset="0"/>
                 <a:cs typeface="Times New Roman" panose="02020603050405020304" pitchFamily="18" charset="0"/>
               </a:rPr>
-              <a:t>Boxplots: </a:t>
-            </a:r>
-            <a:r>
-              <a:rPr lang="en-US" sz="1200" dirty="0" err="1">
-                <a:solidFill>
-                  <a:schemeClr val="tx1"/>
-                </a:solidFill>
-                <a:latin typeface="Times New Roman" panose="02020603050405020304" pitchFamily="18" charset="0"/>
-                <a:cs typeface="Times New Roman" panose="02020603050405020304" pitchFamily="18" charset="0"/>
-              </a:rPr>
-              <a:t>beeswarm</a:t>
-            </a:r>
-            <a:endParaRPr lang="en-US" sz="1200" dirty="0">
-              <a:solidFill>
-                <a:schemeClr val="tx1"/>
-              </a:solidFill>
-              <a:latin typeface="Times New Roman" panose="02020603050405020304" pitchFamily="18" charset="0"/>
-              <a:cs typeface="Times New Roman" panose="02020603050405020304" pitchFamily="18" charset="0"/>
-            </a:endParaRPr>
+              <a:t>Boxplots: beeswarm</a:t>
+            </a:r>
           </a:p>
           <a:p>
             <a:pPr marL="228600" indent="-228600">
@@ -4544,25 +4463,8 @@
                 <a:latin typeface="Times New Roman" panose="02020603050405020304" pitchFamily="18" charset="0"/>
                 <a:cs typeface="Times New Roman" panose="02020603050405020304" pitchFamily="18" charset="0"/>
               </a:rPr>
-              <a:t>Heatmaps: </a:t>
-            </a:r>
-            <a:r>
-              <a:rPr lang="en-US" sz="1200" dirty="0" err="1">
-                <a:solidFill>
-                  <a:schemeClr val="tx1"/>
-                </a:solidFill>
-                <a:latin typeface="Times New Roman" panose="02020603050405020304" pitchFamily="18" charset="0"/>
-                <a:cs typeface="Times New Roman" panose="02020603050405020304" pitchFamily="18" charset="0"/>
-              </a:rPr>
-              <a:t>heatmaply</a:t>
-            </a:r>
-            <a:endParaRPr lang="en-US" sz="1200" dirty="0">
-              <a:solidFill>
-                <a:schemeClr val="tx1"/>
-              </a:solidFill>
-              <a:latin typeface="Times New Roman" panose="02020603050405020304" pitchFamily="18" charset="0"/>
-              <a:cs typeface="Times New Roman" panose="02020603050405020304" pitchFamily="18" charset="0"/>
-            </a:endParaRPr>
+              <a:t>Heatmaps: heatmaply</a:t>
+            </a:r>
           </a:p>
           <a:p>
             <a:pPr marL="228600" indent="-228600">
@@ -4577,25 +4479,8 @@
                 <a:latin typeface="Times New Roman" panose="02020603050405020304" pitchFamily="18" charset="0"/>
                 <a:cs typeface="Times New Roman" panose="02020603050405020304" pitchFamily="18" charset="0"/>
               </a:rPr>
-              <a:t>Intersections: </a:t>
-            </a:r>
-            <a:r>
-              <a:rPr lang="en-US" sz="1200" dirty="0" err="1">
-                <a:solidFill>
-                  <a:schemeClr val="tx1"/>
-                </a:solidFill>
-                <a:latin typeface="Times New Roman" panose="02020603050405020304" pitchFamily="18" charset="0"/>
-                <a:cs typeface="Times New Roman" panose="02020603050405020304" pitchFamily="18" charset="0"/>
-              </a:rPr>
-              <a:t>VennDiagram</a:t>
-            </a:r>
-            <a:endParaRPr lang="en-US" sz="1200" dirty="0">
-              <a:solidFill>
-                <a:schemeClr val="tx1"/>
-              </a:solidFill>
-              <a:latin typeface="Times New Roman" panose="02020603050405020304" pitchFamily="18" charset="0"/>
-              <a:cs typeface="Times New Roman" panose="02020603050405020304" pitchFamily="18" charset="0"/>
-            </a:endParaRPr>
+              <a:t>Intersections: VennDiagram</a:t>
+            </a:r>
           </a:p>
           <a:p>
             <a:pPr marL="228600" indent="-228600">
@@ -5774,6 +5659,109 @@
           </a:fontRef>
         </p:style>
       </p:cxnSp>
+      <p:sp>
+        <p:nvSpPr>
+          <p:cNvPr id="3" name="Arrow: Curved Up 2">
+            <a:extLst>
+              <a:ext uri="{FF2B5EF4-FFF2-40B4-BE49-F238E27FC236}">
+                <a16:creationId xmlns:a16="http://schemas.microsoft.com/office/drawing/2014/main" id="{BF829807-EAE6-40C4-A0F8-8BB42F200AEA}"/>
+              </a:ext>
+            </a:extLst>
+          </p:cNvPr>
+          <p:cNvSpPr/>
+          <p:nvPr/>
+        </p:nvSpPr>
+        <p:spPr>
+          <a:xfrm>
+            <a:off x="8844577" y="3902859"/>
+            <a:ext cx="278994" cy="159391"/>
+          </a:xfrm>
+          <a:prstGeom prst="curvedUpArrow">
+            <a:avLst/>
+          </a:prstGeom>
+        </p:spPr>
+        <p:style>
+          <a:lnRef idx="2">
+            <a:schemeClr val="accent1">
+              <a:shade val="50000"/>
+            </a:schemeClr>
+          </a:lnRef>
+          <a:fillRef idx="1">
+            <a:schemeClr val="accent1"/>
+          </a:fillRef>
+          <a:effectRef idx="0">
+            <a:schemeClr val="accent1"/>
+          </a:effectRef>
+          <a:fontRef idx="minor">
+            <a:schemeClr val="lt1"/>
+          </a:fontRef>
+        </p:style>
+        <p:txBody>
+          <a:bodyPr rtlCol="0" anchor="ctr"/>
+          <a:lstStyle/>
+          <a:p>
+            <a:pPr algn="ctr"/>
+            <a:endParaRPr lang="en-US">
+              <a:solidFill>
+                <a:schemeClr val="tx1"/>
+              </a:solidFill>
+            </a:endParaRPr>
+          </a:p>
+        </p:txBody>
+      </p:sp>
+      <p:sp>
+        <p:nvSpPr>
+          <p:cNvPr id="34" name="Arrow: Curved Up 33">
+            <a:extLst>
+              <a:ext uri="{FF2B5EF4-FFF2-40B4-BE49-F238E27FC236}">
+                <a16:creationId xmlns:a16="http://schemas.microsoft.com/office/drawing/2014/main" id="{8F73A799-DB67-4C20-A429-CD01CBB3E052}"/>
+              </a:ext>
+            </a:extLst>
+          </p:cNvPr>
+          <p:cNvSpPr/>
+          <p:nvPr/>
+        </p:nvSpPr>
+        <p:spPr>
+          <a:xfrm rot="10800000">
+            <a:off x="8835501" y="3705621"/>
+            <a:ext cx="278994" cy="159391"/>
+          </a:xfrm>
+          <a:prstGeom prst="curvedUpArrow">
+            <a:avLst/>
+          </a:prstGeom>
+          <a:solidFill>
+            <a:srgbClr val="FF0000"/>
+          </a:solidFill>
+        </p:spPr>
+        <p:style>
+          <a:lnRef idx="2">
+            <a:schemeClr val="accent1">
+              <a:shade val="50000"/>
+            </a:schemeClr>
+          </a:lnRef>
+          <a:fillRef idx="1">
+            <a:schemeClr val="accent1"/>
+          </a:fillRef>
+          <a:effectRef idx="0">
+            <a:schemeClr val="accent1"/>
+          </a:effectRef>
+          <a:fontRef idx="minor">
+            <a:schemeClr val="lt1"/>
+          </a:fontRef>
+        </p:style>
+        <p:txBody>
+          <a:bodyPr rtlCol="0" anchor="ctr"/>
+          <a:lstStyle/>
+          <a:p>
+            <a:pPr algn="ctr"/>
+            <a:endParaRPr lang="en-US">
+              <a:solidFill>
+                <a:srgbClr val="FF0000"/>
+              </a:solidFill>
+            </a:endParaRPr>
+          </a:p>
+        </p:txBody>
+      </p:sp>
     </p:spTree>
     <p:extLst>
       <p:ext uri="{BB962C8B-B14F-4D97-AF65-F5344CB8AC3E}">

--- a/extras/Explorer_Tool_Workflow_2.pptx
+++ b/extras/Explorer_Tool_Workflow_2.pptx
@@ -6,6 +6,7 @@
   </p:sldMasterIdLst>
   <p:sldIdLst>
     <p:sldId id="256" r:id="rId2"/>
+    <p:sldId id="257" r:id="rId3"/>
   </p:sldIdLst>
   <p:sldSz cx="12192000" cy="6858000"/>
   <p:notesSz cx="6858000" cy="9144000"/>
@@ -259,7 +260,7 @@
           <a:p>
             <a:fld id="{1560D20A-E720-4ECB-907E-0F9EBDE75356}" type="datetimeFigureOut">
               <a:rPr lang="en-US" smtClean="0"/>
-              <a:t>12/16/2021</a:t>
+              <a:t>1/5/2022</a:t>
             </a:fld>
             <a:endParaRPr lang="en-US"/>
           </a:p>
@@ -457,7 +458,7 @@
           <a:p>
             <a:fld id="{1560D20A-E720-4ECB-907E-0F9EBDE75356}" type="datetimeFigureOut">
               <a:rPr lang="en-US" smtClean="0"/>
-              <a:t>12/16/2021</a:t>
+              <a:t>1/5/2022</a:t>
             </a:fld>
             <a:endParaRPr lang="en-US"/>
           </a:p>
@@ -665,7 +666,7 @@
           <a:p>
             <a:fld id="{1560D20A-E720-4ECB-907E-0F9EBDE75356}" type="datetimeFigureOut">
               <a:rPr lang="en-US" smtClean="0"/>
-              <a:t>12/16/2021</a:t>
+              <a:t>1/5/2022</a:t>
             </a:fld>
             <a:endParaRPr lang="en-US"/>
           </a:p>
@@ -863,7 +864,7 @@
           <a:p>
             <a:fld id="{1560D20A-E720-4ECB-907E-0F9EBDE75356}" type="datetimeFigureOut">
               <a:rPr lang="en-US" smtClean="0"/>
-              <a:t>12/16/2021</a:t>
+              <a:t>1/5/2022</a:t>
             </a:fld>
             <a:endParaRPr lang="en-US"/>
           </a:p>
@@ -1138,7 +1139,7 @@
           <a:p>
             <a:fld id="{1560D20A-E720-4ECB-907E-0F9EBDE75356}" type="datetimeFigureOut">
               <a:rPr lang="en-US" smtClean="0"/>
-              <a:t>12/16/2021</a:t>
+              <a:t>1/5/2022</a:t>
             </a:fld>
             <a:endParaRPr lang="en-US"/>
           </a:p>
@@ -1403,7 +1404,7 @@
           <a:p>
             <a:fld id="{1560D20A-E720-4ECB-907E-0F9EBDE75356}" type="datetimeFigureOut">
               <a:rPr lang="en-US" smtClean="0"/>
-              <a:t>12/16/2021</a:t>
+              <a:t>1/5/2022</a:t>
             </a:fld>
             <a:endParaRPr lang="en-US"/>
           </a:p>
@@ -1815,7 +1816,7 @@
           <a:p>
             <a:fld id="{1560D20A-E720-4ECB-907E-0F9EBDE75356}" type="datetimeFigureOut">
               <a:rPr lang="en-US" smtClean="0"/>
-              <a:t>12/16/2021</a:t>
+              <a:t>1/5/2022</a:t>
             </a:fld>
             <a:endParaRPr lang="en-US"/>
           </a:p>
@@ -1956,7 +1957,7 @@
           <a:p>
             <a:fld id="{1560D20A-E720-4ECB-907E-0F9EBDE75356}" type="datetimeFigureOut">
               <a:rPr lang="en-US" smtClean="0"/>
-              <a:t>12/16/2021</a:t>
+              <a:t>1/5/2022</a:t>
             </a:fld>
             <a:endParaRPr lang="en-US"/>
           </a:p>
@@ -2069,7 +2070,7 @@
           <a:p>
             <a:fld id="{1560D20A-E720-4ECB-907E-0F9EBDE75356}" type="datetimeFigureOut">
               <a:rPr lang="en-US" smtClean="0"/>
-              <a:t>12/16/2021</a:t>
+              <a:t>1/5/2022</a:t>
             </a:fld>
             <a:endParaRPr lang="en-US"/>
           </a:p>
@@ -2380,7 +2381,7 @@
           <a:p>
             <a:fld id="{1560D20A-E720-4ECB-907E-0F9EBDE75356}" type="datetimeFigureOut">
               <a:rPr lang="en-US" smtClean="0"/>
-              <a:t>12/16/2021</a:t>
+              <a:t>1/5/2022</a:t>
             </a:fld>
             <a:endParaRPr lang="en-US"/>
           </a:p>
@@ -2668,7 +2669,7 @@
           <a:p>
             <a:fld id="{1560D20A-E720-4ECB-907E-0F9EBDE75356}" type="datetimeFigureOut">
               <a:rPr lang="en-US" smtClean="0"/>
-              <a:t>12/16/2021</a:t>
+              <a:t>1/5/2022</a:t>
             </a:fld>
             <a:endParaRPr lang="en-US"/>
           </a:p>
@@ -2909,7 +2910,7 @@
           <a:p>
             <a:fld id="{1560D20A-E720-4ECB-907E-0F9EBDE75356}" type="datetimeFigureOut">
               <a:rPr lang="en-US" smtClean="0"/>
-              <a:t>12/16/2021</a:t>
+              <a:t>1/5/2022</a:t>
             </a:fld>
             <a:endParaRPr lang="en-US"/>
           </a:p>
@@ -5775,6 +5776,1735 @@
 </p:sld>
 </file>
 
+<file path=ppt/slides/slide2.xml><?xml version="1.0" encoding="utf-8"?>
+<p:sld xmlns:a="http://schemas.openxmlformats.org/drawingml/2006/main" xmlns:r="http://schemas.openxmlformats.org/officeDocument/2006/relationships" xmlns:p="http://schemas.openxmlformats.org/presentationml/2006/main">
+  <p:cSld>
+    <p:spTree>
+      <p:nvGrpSpPr>
+        <p:cNvPr id="1" name=""/>
+        <p:cNvGrpSpPr/>
+        <p:nvPr/>
+      </p:nvGrpSpPr>
+      <p:grpSpPr>
+        <a:xfrm>
+          <a:off x="0" y="0"/>
+          <a:ext cx="0" cy="0"/>
+          <a:chOff x="0" y="0"/>
+          <a:chExt cx="0" cy="0"/>
+        </a:xfrm>
+      </p:grpSpPr>
+      <p:sp>
+        <p:nvSpPr>
+          <p:cNvPr id="70" name="TextBox 69">
+            <a:extLst>
+              <a:ext uri="{FF2B5EF4-FFF2-40B4-BE49-F238E27FC236}">
+                <a16:creationId xmlns:a16="http://schemas.microsoft.com/office/drawing/2014/main" id="{21F68456-9555-4B46-A5FB-4CDC51CBEE72}"/>
+              </a:ext>
+            </a:extLst>
+          </p:cNvPr>
+          <p:cNvSpPr txBox="1"/>
+          <p:nvPr/>
+        </p:nvSpPr>
+        <p:spPr>
+          <a:xfrm>
+            <a:off x="1684704" y="109581"/>
+            <a:ext cx="7711342" cy="276999"/>
+          </a:xfrm>
+          <a:prstGeom prst="rect">
+            <a:avLst/>
+          </a:prstGeom>
+          <a:solidFill>
+            <a:schemeClr val="bg2"/>
+          </a:solidFill>
+          <a:ln/>
+        </p:spPr>
+        <p:style>
+          <a:lnRef idx="2">
+            <a:schemeClr val="accent1"/>
+          </a:lnRef>
+          <a:fillRef idx="1">
+            <a:schemeClr val="lt1"/>
+          </a:fillRef>
+          <a:effectRef idx="0">
+            <a:schemeClr val="accent1"/>
+          </a:effectRef>
+          <a:fontRef idx="minor">
+            <a:schemeClr val="dk1"/>
+          </a:fontRef>
+        </p:style>
+        <p:txBody>
+          <a:bodyPr wrap="square" rtlCol="0">
+            <a:spAutoFit/>
+          </a:bodyPr>
+          <a:lstStyle/>
+          <a:p>
+            <a:pPr algn="ctr"/>
+            <a:r>
+              <a:rPr lang="en-US" sz="1200" b="1" dirty="0">
+                <a:solidFill>
+                  <a:schemeClr val="tx1"/>
+                </a:solidFill>
+                <a:latin typeface="Times New Roman" panose="02020603050405020304" pitchFamily="18" charset="0"/>
+                <a:cs typeface="Times New Roman" panose="02020603050405020304" pitchFamily="18" charset="0"/>
+              </a:rPr>
+              <a:t>install.R</a:t>
+            </a:r>
+            <a:r>
+              <a:rPr lang="en-US" sz="1200" dirty="0">
+                <a:solidFill>
+                  <a:schemeClr val="tx1"/>
+                </a:solidFill>
+                <a:latin typeface="Times New Roman" panose="02020603050405020304" pitchFamily="18" charset="0"/>
+                <a:cs typeface="Times New Roman" panose="02020603050405020304" pitchFamily="18" charset="0"/>
+              </a:rPr>
+              <a:t>: Declares functions, determines the environment, installs packages, and stores the file root.  </a:t>
+            </a:r>
+          </a:p>
+        </p:txBody>
+      </p:sp>
+      <p:sp>
+        <p:nvSpPr>
+          <p:cNvPr id="36" name="TextBox 35">
+            <a:extLst>
+              <a:ext uri="{FF2B5EF4-FFF2-40B4-BE49-F238E27FC236}">
+                <a16:creationId xmlns:a16="http://schemas.microsoft.com/office/drawing/2014/main" id="{BAAD0B62-E9A4-43AE-B1F7-9615289B2EDC}"/>
+              </a:ext>
+            </a:extLst>
+          </p:cNvPr>
+          <p:cNvSpPr txBox="1"/>
+          <p:nvPr/>
+        </p:nvSpPr>
+        <p:spPr>
+          <a:xfrm>
+            <a:off x="2733967" y="1547964"/>
+            <a:ext cx="2363437" cy="461665"/>
+          </a:xfrm>
+          <a:prstGeom prst="rect">
+            <a:avLst/>
+          </a:prstGeom>
+          <a:solidFill>
+            <a:schemeClr val="bg1"/>
+          </a:solidFill>
+          <a:ln/>
+        </p:spPr>
+        <p:style>
+          <a:lnRef idx="2">
+            <a:schemeClr val="accent1"/>
+          </a:lnRef>
+          <a:fillRef idx="1">
+            <a:schemeClr val="lt1"/>
+          </a:fillRef>
+          <a:effectRef idx="0">
+            <a:schemeClr val="accent1"/>
+          </a:effectRef>
+          <a:fontRef idx="minor">
+            <a:schemeClr val="dk1"/>
+          </a:fontRef>
+        </p:style>
+        <p:txBody>
+          <a:bodyPr wrap="square" rtlCol="0">
+            <a:spAutoFit/>
+          </a:bodyPr>
+          <a:lstStyle/>
+          <a:p>
+            <a:pPr algn="ctr"/>
+            <a:r>
+              <a:rPr lang="en-US" sz="1200" b="1" dirty="0">
+                <a:solidFill>
+                  <a:schemeClr val="tx1"/>
+                </a:solidFill>
+                <a:latin typeface="Times New Roman" panose="02020603050405020304" pitchFamily="18" charset="0"/>
+                <a:cs typeface="Times New Roman" panose="02020603050405020304" pitchFamily="18" charset="0"/>
+              </a:rPr>
+              <a:t>workflows.R</a:t>
+            </a:r>
+            <a:r>
+              <a:rPr lang="en-US" sz="1200" dirty="0">
+                <a:solidFill>
+                  <a:schemeClr val="tx1"/>
+                </a:solidFill>
+                <a:latin typeface="Times New Roman" panose="02020603050405020304" pitchFamily="18" charset="0"/>
+                <a:cs typeface="Times New Roman" panose="02020603050405020304" pitchFamily="18" charset="0"/>
+              </a:rPr>
+              <a:t>: Manage folders and app deployment for each workflow.</a:t>
+            </a:r>
+          </a:p>
+        </p:txBody>
+      </p:sp>
+      <p:sp>
+        <p:nvSpPr>
+          <p:cNvPr id="37" name="TextBox 36">
+            <a:extLst>
+              <a:ext uri="{FF2B5EF4-FFF2-40B4-BE49-F238E27FC236}">
+                <a16:creationId xmlns:a16="http://schemas.microsoft.com/office/drawing/2014/main" id="{C2C6C6C6-1069-411B-BF55-0C07A966CAC0}"/>
+              </a:ext>
+            </a:extLst>
+          </p:cNvPr>
+          <p:cNvSpPr txBox="1"/>
+          <p:nvPr/>
+        </p:nvSpPr>
+        <p:spPr>
+          <a:xfrm>
+            <a:off x="5259938" y="5212776"/>
+            <a:ext cx="2363421" cy="1384995"/>
+          </a:xfrm>
+          <a:prstGeom prst="rect">
+            <a:avLst/>
+          </a:prstGeom>
+          <a:solidFill>
+            <a:schemeClr val="bg1"/>
+          </a:solidFill>
+          <a:ln/>
+        </p:spPr>
+        <p:style>
+          <a:lnRef idx="2">
+            <a:schemeClr val="accent1"/>
+          </a:lnRef>
+          <a:fillRef idx="1">
+            <a:schemeClr val="lt1"/>
+          </a:fillRef>
+          <a:effectRef idx="0">
+            <a:schemeClr val="accent1"/>
+          </a:effectRef>
+          <a:fontRef idx="minor">
+            <a:schemeClr val="dk1"/>
+          </a:fontRef>
+        </p:style>
+        <p:txBody>
+          <a:bodyPr wrap="square" rtlCol="0">
+            <a:spAutoFit/>
+          </a:bodyPr>
+          <a:lstStyle/>
+          <a:p>
+            <a:pPr algn="ctr"/>
+            <a:r>
+              <a:rPr lang="en-US" sz="1200" b="1" dirty="0">
+                <a:solidFill>
+                  <a:schemeClr val="tx1"/>
+                </a:solidFill>
+                <a:latin typeface="Times New Roman" panose="02020603050405020304" pitchFamily="18" charset="0"/>
+                <a:cs typeface="Times New Roman" panose="02020603050405020304" pitchFamily="18" charset="0"/>
+              </a:rPr>
+              <a:t>authentication.R</a:t>
+            </a:r>
+            <a:r>
+              <a:rPr lang="en-US" sz="1200" dirty="0">
+                <a:solidFill>
+                  <a:schemeClr val="tx1"/>
+                </a:solidFill>
+                <a:latin typeface="Times New Roman" panose="02020603050405020304" pitchFamily="18" charset="0"/>
+                <a:cs typeface="Times New Roman" panose="02020603050405020304" pitchFamily="18" charset="0"/>
+              </a:rPr>
+              <a:t>: Manages user authentication for the application.</a:t>
+            </a:r>
+          </a:p>
+          <a:p>
+            <a:pPr algn="ctr"/>
+            <a:endParaRPr lang="en-US" sz="1200" dirty="0">
+              <a:solidFill>
+                <a:schemeClr val="tx1"/>
+              </a:solidFill>
+              <a:latin typeface="Times New Roman" panose="02020603050405020304" pitchFamily="18" charset="0"/>
+              <a:cs typeface="Times New Roman" panose="02020603050405020304" pitchFamily="18" charset="0"/>
+            </a:endParaRPr>
+          </a:p>
+          <a:p>
+            <a:pPr algn="ctr"/>
+            <a:r>
+              <a:rPr lang="en-US" sz="1200" b="1" dirty="0">
+                <a:solidFill>
+                  <a:schemeClr val="tx1"/>
+                </a:solidFill>
+                <a:latin typeface="Times New Roman" panose="02020603050405020304" pitchFamily="18" charset="0"/>
+                <a:cs typeface="Times New Roman" panose="02020603050405020304" pitchFamily="18" charset="0"/>
+              </a:rPr>
+              <a:t>plotting.R</a:t>
+            </a:r>
+            <a:r>
+              <a:rPr lang="en-US" sz="1200" dirty="0">
+                <a:solidFill>
+                  <a:schemeClr val="tx1"/>
+                </a:solidFill>
+                <a:latin typeface="Times New Roman" panose="02020603050405020304" pitchFamily="18" charset="0"/>
+                <a:cs typeface="Times New Roman" panose="02020603050405020304" pitchFamily="18" charset="0"/>
+              </a:rPr>
+              <a:t>: Makes ggplot2, plotly, boxplot / beeswarm, DT, UpSetR, heatmaply, and Venn Diagram objects for Shiny applications.</a:t>
+            </a:r>
+          </a:p>
+        </p:txBody>
+      </p:sp>
+      <p:sp>
+        <p:nvSpPr>
+          <p:cNvPr id="44" name="TextBox 43">
+            <a:extLst>
+              <a:ext uri="{FF2B5EF4-FFF2-40B4-BE49-F238E27FC236}">
+                <a16:creationId xmlns:a16="http://schemas.microsoft.com/office/drawing/2014/main" id="{47F8FFAB-12ED-4067-8FEC-65125D573990}"/>
+              </a:ext>
+            </a:extLst>
+          </p:cNvPr>
+          <p:cNvSpPr txBox="1"/>
+          <p:nvPr/>
+        </p:nvSpPr>
+        <p:spPr>
+          <a:xfrm>
+            <a:off x="5266800" y="3581672"/>
+            <a:ext cx="2363437" cy="461665"/>
+          </a:xfrm>
+          <a:prstGeom prst="rect">
+            <a:avLst/>
+          </a:prstGeom>
+          <a:solidFill>
+            <a:schemeClr val="bg1"/>
+          </a:solidFill>
+          <a:ln/>
+        </p:spPr>
+        <p:style>
+          <a:lnRef idx="2">
+            <a:schemeClr val="accent1"/>
+          </a:lnRef>
+          <a:fillRef idx="1">
+            <a:schemeClr val="lt1"/>
+          </a:fillRef>
+          <a:effectRef idx="0">
+            <a:schemeClr val="accent1"/>
+          </a:effectRef>
+          <a:fontRef idx="minor">
+            <a:schemeClr val="dk1"/>
+          </a:fontRef>
+        </p:style>
+        <p:txBody>
+          <a:bodyPr wrap="square" rtlCol="0">
+            <a:spAutoFit/>
+          </a:bodyPr>
+          <a:lstStyle/>
+          <a:p>
+            <a:pPr algn="ctr"/>
+            <a:r>
+              <a:rPr lang="en-US" sz="1200" b="1" dirty="0">
+                <a:solidFill>
+                  <a:schemeClr val="tx1"/>
+                </a:solidFill>
+                <a:latin typeface="Times New Roman" panose="02020603050405020304" pitchFamily="18" charset="0"/>
+                <a:cs typeface="Times New Roman" panose="02020603050405020304" pitchFamily="18" charset="0"/>
+              </a:rPr>
+              <a:t>storage.R</a:t>
+            </a:r>
+            <a:r>
+              <a:rPr lang="en-US" sz="1200" dirty="0">
+                <a:solidFill>
+                  <a:schemeClr val="tx1"/>
+                </a:solidFill>
+                <a:latin typeface="Times New Roman" panose="02020603050405020304" pitchFamily="18" charset="0"/>
+                <a:cs typeface="Times New Roman" panose="02020603050405020304" pitchFamily="18" charset="0"/>
+              </a:rPr>
+              <a:t>: Names, stores, and loads reduction analysis files. </a:t>
+            </a:r>
+          </a:p>
+        </p:txBody>
+      </p:sp>
+      <p:sp>
+        <p:nvSpPr>
+          <p:cNvPr id="50" name="TextBox 49">
+            <a:extLst>
+              <a:ext uri="{FF2B5EF4-FFF2-40B4-BE49-F238E27FC236}">
+                <a16:creationId xmlns:a16="http://schemas.microsoft.com/office/drawing/2014/main" id="{83B2102D-D373-4C95-A96F-FC4023A9A31D}"/>
+              </a:ext>
+            </a:extLst>
+          </p:cNvPr>
+          <p:cNvSpPr txBox="1"/>
+          <p:nvPr/>
+        </p:nvSpPr>
+        <p:spPr>
+          <a:xfrm>
+            <a:off x="2728466" y="3484011"/>
+            <a:ext cx="2363435" cy="646331"/>
+          </a:xfrm>
+          <a:prstGeom prst="rect">
+            <a:avLst/>
+          </a:prstGeom>
+          <a:solidFill>
+            <a:schemeClr val="bg1"/>
+          </a:solidFill>
+          <a:ln/>
+        </p:spPr>
+        <p:style>
+          <a:lnRef idx="2">
+            <a:schemeClr val="accent1"/>
+          </a:lnRef>
+          <a:fillRef idx="1">
+            <a:schemeClr val="lt1"/>
+          </a:fillRef>
+          <a:effectRef idx="0">
+            <a:schemeClr val="accent1"/>
+          </a:effectRef>
+          <a:fontRef idx="minor">
+            <a:schemeClr val="dk1"/>
+          </a:fontRef>
+        </p:style>
+        <p:txBody>
+          <a:bodyPr wrap="square" rtlCol="0">
+            <a:spAutoFit/>
+          </a:bodyPr>
+          <a:lstStyle/>
+          <a:p>
+            <a:pPr algn="ctr"/>
+            <a:r>
+              <a:rPr lang="en-US" sz="1200" b="1" dirty="0">
+                <a:solidFill>
+                  <a:schemeClr val="tx1"/>
+                </a:solidFill>
+                <a:latin typeface="Times New Roman" panose="02020603050405020304" pitchFamily="18" charset="0"/>
+                <a:cs typeface="Times New Roman" panose="02020603050405020304" pitchFamily="18" charset="0"/>
+              </a:rPr>
+              <a:t>preprocess.R</a:t>
+            </a:r>
+            <a:r>
+              <a:rPr lang="en-US" sz="1200" dirty="0">
+                <a:solidFill>
+                  <a:schemeClr val="tx1"/>
+                </a:solidFill>
+                <a:latin typeface="Times New Roman" panose="02020603050405020304" pitchFamily="18" charset="0"/>
+                <a:cs typeface="Times New Roman" panose="02020603050405020304" pitchFamily="18" charset="0"/>
+              </a:rPr>
+              <a:t>: Declares scaling / normalization functions and loads stored category / subset data.</a:t>
+            </a:r>
+          </a:p>
+        </p:txBody>
+      </p:sp>
+      <p:cxnSp>
+        <p:nvCxnSpPr>
+          <p:cNvPr id="51" name="Straight Arrow Connector 50">
+            <a:extLst>
+              <a:ext uri="{FF2B5EF4-FFF2-40B4-BE49-F238E27FC236}">
+                <a16:creationId xmlns:a16="http://schemas.microsoft.com/office/drawing/2014/main" id="{40C47DC1-7BA7-45E6-846C-79D5D7DB91AF}"/>
+              </a:ext>
+            </a:extLst>
+          </p:cNvPr>
+          <p:cNvCxnSpPr>
+            <a:cxnSpLocks/>
+            <a:stCxn id="36" idx="2"/>
+            <a:endCxn id="50" idx="0"/>
+          </p:cNvCxnSpPr>
+          <p:nvPr/>
+        </p:nvCxnSpPr>
+        <p:spPr>
+          <a:xfrm flipH="1">
+            <a:off x="3910184" y="2009629"/>
+            <a:ext cx="5502" cy="1474382"/>
+          </a:xfrm>
+          <a:prstGeom prst="straightConnector1">
+            <a:avLst/>
+          </a:prstGeom>
+          <a:ln>
+            <a:tailEnd type="triangle"/>
+          </a:ln>
+        </p:spPr>
+        <p:style>
+          <a:lnRef idx="1">
+            <a:schemeClr val="accent1"/>
+          </a:lnRef>
+          <a:fillRef idx="0">
+            <a:schemeClr val="accent1"/>
+          </a:fillRef>
+          <a:effectRef idx="0">
+            <a:schemeClr val="accent1"/>
+          </a:effectRef>
+          <a:fontRef idx="minor">
+            <a:schemeClr val="tx1"/>
+          </a:fontRef>
+        </p:style>
+      </p:cxnSp>
+      <p:cxnSp>
+        <p:nvCxnSpPr>
+          <p:cNvPr id="55" name="Straight Arrow Connector 54">
+            <a:extLst>
+              <a:ext uri="{FF2B5EF4-FFF2-40B4-BE49-F238E27FC236}">
+                <a16:creationId xmlns:a16="http://schemas.microsoft.com/office/drawing/2014/main" id="{86217779-404D-44EC-820E-6456D1841D8F}"/>
+              </a:ext>
+            </a:extLst>
+          </p:cNvPr>
+          <p:cNvCxnSpPr>
+            <a:cxnSpLocks/>
+            <a:stCxn id="44" idx="1"/>
+            <a:endCxn id="50" idx="3"/>
+          </p:cNvCxnSpPr>
+          <p:nvPr/>
+        </p:nvCxnSpPr>
+        <p:spPr>
+          <a:xfrm flipH="1" flipV="1">
+            <a:off x="5091901" y="3807177"/>
+            <a:ext cx="174899" cy="5328"/>
+          </a:xfrm>
+          <a:prstGeom prst="straightConnector1">
+            <a:avLst/>
+          </a:prstGeom>
+          <a:ln>
+            <a:tailEnd type="triangle"/>
+          </a:ln>
+        </p:spPr>
+        <p:style>
+          <a:lnRef idx="1">
+            <a:schemeClr val="accent1"/>
+          </a:lnRef>
+          <a:fillRef idx="0">
+            <a:schemeClr val="accent1"/>
+          </a:fillRef>
+          <a:effectRef idx="0">
+            <a:schemeClr val="accent1"/>
+          </a:effectRef>
+          <a:fontRef idx="minor">
+            <a:schemeClr val="tx1"/>
+          </a:fontRef>
+        </p:style>
+      </p:cxnSp>
+      <p:sp>
+        <p:nvSpPr>
+          <p:cNvPr id="57" name="TextBox 56">
+            <a:extLst>
+              <a:ext uri="{FF2B5EF4-FFF2-40B4-BE49-F238E27FC236}">
+                <a16:creationId xmlns:a16="http://schemas.microsoft.com/office/drawing/2014/main" id="{68AD7BA7-2A6A-4680-B127-FE1900A22BDC}"/>
+              </a:ext>
+            </a:extLst>
+          </p:cNvPr>
+          <p:cNvSpPr txBox="1"/>
+          <p:nvPr/>
+        </p:nvSpPr>
+        <p:spPr>
+          <a:xfrm>
+            <a:off x="5271919" y="1455630"/>
+            <a:ext cx="2363435" cy="646331"/>
+          </a:xfrm>
+          <a:prstGeom prst="rect">
+            <a:avLst/>
+          </a:prstGeom>
+          <a:ln/>
+        </p:spPr>
+        <p:style>
+          <a:lnRef idx="2">
+            <a:schemeClr val="accent1"/>
+          </a:lnRef>
+          <a:fillRef idx="1">
+            <a:schemeClr val="lt1"/>
+          </a:fillRef>
+          <a:effectRef idx="0">
+            <a:schemeClr val="accent1"/>
+          </a:effectRef>
+          <a:fontRef idx="minor">
+            <a:schemeClr val="dk1"/>
+          </a:fontRef>
+        </p:style>
+        <p:txBody>
+          <a:bodyPr wrap="square" rtlCol="0">
+            <a:spAutoFit/>
+          </a:bodyPr>
+          <a:lstStyle/>
+          <a:p>
+            <a:pPr algn="ctr"/>
+            <a:r>
+              <a:rPr lang="en-US" sz="1200" b="1" dirty="0">
+                <a:latin typeface="Times New Roman" panose="02020603050405020304" pitchFamily="18" charset="0"/>
+                <a:cs typeface="Times New Roman" panose="02020603050405020304" pitchFamily="18" charset="0"/>
+              </a:rPr>
+              <a:t>converter.R</a:t>
+            </a:r>
+            <a:r>
+              <a:rPr lang="en-US" sz="1200" dirty="0">
+                <a:latin typeface="Times New Roman" panose="02020603050405020304" pitchFamily="18" charset="0"/>
+                <a:cs typeface="Times New Roman" panose="02020603050405020304" pitchFamily="18" charset="0"/>
+              </a:rPr>
+              <a:t>: Standardizes data for downstream processing and generates app configuration files.</a:t>
+            </a:r>
+            <a:endParaRPr lang="en-US" sz="1200" dirty="0">
+              <a:solidFill>
+                <a:srgbClr val="C00000"/>
+              </a:solidFill>
+              <a:latin typeface="Times New Roman" panose="02020603050405020304" pitchFamily="18" charset="0"/>
+              <a:cs typeface="Times New Roman" panose="02020603050405020304" pitchFamily="18" charset="0"/>
+            </a:endParaRPr>
+          </a:p>
+        </p:txBody>
+      </p:sp>
+      <p:sp>
+        <p:nvSpPr>
+          <p:cNvPr id="58" name="TextBox 57">
+            <a:extLst>
+              <a:ext uri="{FF2B5EF4-FFF2-40B4-BE49-F238E27FC236}">
+                <a16:creationId xmlns:a16="http://schemas.microsoft.com/office/drawing/2014/main" id="{202F6C71-5184-44C4-B84B-653193BA4C43}"/>
+              </a:ext>
+            </a:extLst>
+          </p:cNvPr>
+          <p:cNvSpPr txBox="1"/>
+          <p:nvPr/>
+        </p:nvSpPr>
+        <p:spPr>
+          <a:xfrm>
+            <a:off x="5266816" y="668166"/>
+            <a:ext cx="2368538" cy="646331"/>
+          </a:xfrm>
+          <a:prstGeom prst="rect">
+            <a:avLst/>
+          </a:prstGeom>
+          <a:ln/>
+        </p:spPr>
+        <p:style>
+          <a:lnRef idx="2">
+            <a:schemeClr val="accent1"/>
+          </a:lnRef>
+          <a:fillRef idx="1">
+            <a:schemeClr val="lt1"/>
+          </a:fillRef>
+          <a:effectRef idx="0">
+            <a:schemeClr val="accent1"/>
+          </a:effectRef>
+          <a:fontRef idx="minor">
+            <a:schemeClr val="dk1"/>
+          </a:fontRef>
+        </p:style>
+        <p:txBody>
+          <a:bodyPr wrap="square" rtlCol="0">
+            <a:spAutoFit/>
+          </a:bodyPr>
+          <a:lstStyle/>
+          <a:p>
+            <a:pPr algn="ctr"/>
+            <a:r>
+              <a:rPr lang="en-US" sz="1200" b="1" dirty="0">
+                <a:latin typeface="Times New Roman" panose="02020603050405020304" pitchFamily="18" charset="0"/>
+                <a:cs typeface="Times New Roman" panose="02020603050405020304" pitchFamily="18" charset="0"/>
+              </a:rPr>
+              <a:t>find_replace.R</a:t>
+            </a:r>
+            <a:r>
+              <a:rPr lang="en-US" sz="1200" dirty="0">
+                <a:latin typeface="Times New Roman" panose="02020603050405020304" pitchFamily="18" charset="0"/>
+                <a:cs typeface="Times New Roman" panose="02020603050405020304" pitchFamily="18" charset="0"/>
+              </a:rPr>
+              <a:t>: Declares functions for finding / replacing fixed / regex expressions in text.</a:t>
+            </a:r>
+            <a:endParaRPr lang="en-US" sz="1200" dirty="0">
+              <a:solidFill>
+                <a:srgbClr val="C00000"/>
+              </a:solidFill>
+              <a:latin typeface="Times New Roman" panose="02020603050405020304" pitchFamily="18" charset="0"/>
+              <a:cs typeface="Times New Roman" panose="02020603050405020304" pitchFamily="18" charset="0"/>
+            </a:endParaRPr>
+          </a:p>
+        </p:txBody>
+      </p:sp>
+      <p:sp>
+        <p:nvSpPr>
+          <p:cNvPr id="60" name="TextBox 59">
+            <a:extLst>
+              <a:ext uri="{FF2B5EF4-FFF2-40B4-BE49-F238E27FC236}">
+                <a16:creationId xmlns:a16="http://schemas.microsoft.com/office/drawing/2014/main" id="{E4EB0E64-1995-482F-B725-0FF5114DE87B}"/>
+              </a:ext>
+            </a:extLst>
+          </p:cNvPr>
+          <p:cNvSpPr txBox="1"/>
+          <p:nvPr/>
+        </p:nvSpPr>
+        <p:spPr>
+          <a:xfrm>
+            <a:off x="7799637" y="668165"/>
+            <a:ext cx="2363435" cy="646331"/>
+          </a:xfrm>
+          <a:prstGeom prst="rect">
+            <a:avLst/>
+          </a:prstGeom>
+          <a:ln/>
+        </p:spPr>
+        <p:style>
+          <a:lnRef idx="2">
+            <a:schemeClr val="accent1"/>
+          </a:lnRef>
+          <a:fillRef idx="1">
+            <a:schemeClr val="lt1"/>
+          </a:fillRef>
+          <a:effectRef idx="0">
+            <a:schemeClr val="accent1"/>
+          </a:effectRef>
+          <a:fontRef idx="minor">
+            <a:schemeClr val="dk1"/>
+          </a:fontRef>
+        </p:style>
+        <p:txBody>
+          <a:bodyPr wrap="square" rtlCol="0">
+            <a:spAutoFit/>
+          </a:bodyPr>
+          <a:lstStyle/>
+          <a:p>
+            <a:pPr algn="ctr"/>
+            <a:r>
+              <a:rPr lang="en-US" sz="1200" b="1" dirty="0">
+                <a:latin typeface="Times New Roman" panose="02020603050405020304" pitchFamily="18" charset="0"/>
+                <a:cs typeface="Times New Roman" panose="02020603050405020304" pitchFamily="18" charset="0"/>
+              </a:rPr>
+              <a:t>text_work.R</a:t>
+            </a:r>
+            <a:r>
+              <a:rPr lang="en-US" sz="1200" dirty="0">
+                <a:latin typeface="Times New Roman" panose="02020603050405020304" pitchFamily="18" charset="0"/>
+                <a:cs typeface="Times New Roman" panose="02020603050405020304" pitchFamily="18" charset="0"/>
+              </a:rPr>
+              <a:t>: Declares functions for identifying bookmarkable elements, manipulating menu text.</a:t>
+            </a:r>
+            <a:endParaRPr lang="en-US" sz="1200" dirty="0">
+              <a:solidFill>
+                <a:srgbClr val="C00000"/>
+              </a:solidFill>
+              <a:latin typeface="Times New Roman" panose="02020603050405020304" pitchFamily="18" charset="0"/>
+              <a:cs typeface="Times New Roman" panose="02020603050405020304" pitchFamily="18" charset="0"/>
+            </a:endParaRPr>
+          </a:p>
+        </p:txBody>
+      </p:sp>
+      <p:cxnSp>
+        <p:nvCxnSpPr>
+          <p:cNvPr id="61" name="Straight Arrow Connector 60">
+            <a:extLst>
+              <a:ext uri="{FF2B5EF4-FFF2-40B4-BE49-F238E27FC236}">
+                <a16:creationId xmlns:a16="http://schemas.microsoft.com/office/drawing/2014/main" id="{15B1A851-0A37-4A93-82D0-243EA5E58D3B}"/>
+              </a:ext>
+            </a:extLst>
+          </p:cNvPr>
+          <p:cNvCxnSpPr>
+            <a:cxnSpLocks/>
+            <a:stCxn id="58" idx="3"/>
+            <a:endCxn id="60" idx="1"/>
+          </p:cNvCxnSpPr>
+          <p:nvPr/>
+        </p:nvCxnSpPr>
+        <p:spPr>
+          <a:xfrm flipV="1">
+            <a:off x="7635354" y="991331"/>
+            <a:ext cx="164283" cy="1"/>
+          </a:xfrm>
+          <a:prstGeom prst="straightConnector1">
+            <a:avLst/>
+          </a:prstGeom>
+          <a:ln>
+            <a:tailEnd type="triangle"/>
+          </a:ln>
+        </p:spPr>
+        <p:style>
+          <a:lnRef idx="1">
+            <a:schemeClr val="accent1"/>
+          </a:lnRef>
+          <a:fillRef idx="0">
+            <a:schemeClr val="accent1"/>
+          </a:fillRef>
+          <a:effectRef idx="0">
+            <a:schemeClr val="accent1"/>
+          </a:effectRef>
+          <a:fontRef idx="minor">
+            <a:schemeClr val="tx1"/>
+          </a:fontRef>
+        </p:style>
+      </p:cxnSp>
+      <p:cxnSp>
+        <p:nvCxnSpPr>
+          <p:cNvPr id="66" name="Straight Arrow Connector 65">
+            <a:extLst>
+              <a:ext uri="{FF2B5EF4-FFF2-40B4-BE49-F238E27FC236}">
+                <a16:creationId xmlns:a16="http://schemas.microsoft.com/office/drawing/2014/main" id="{5C391A2D-EC4B-4629-8C28-CDADA1EFBDF6}"/>
+              </a:ext>
+            </a:extLst>
+          </p:cNvPr>
+          <p:cNvCxnSpPr>
+            <a:cxnSpLocks/>
+            <a:stCxn id="36" idx="3"/>
+            <a:endCxn id="57" idx="1"/>
+          </p:cNvCxnSpPr>
+          <p:nvPr/>
+        </p:nvCxnSpPr>
+        <p:spPr>
+          <a:xfrm flipV="1">
+            <a:off x="5097404" y="1778796"/>
+            <a:ext cx="174515" cy="1"/>
+          </a:xfrm>
+          <a:prstGeom prst="straightConnector1">
+            <a:avLst/>
+          </a:prstGeom>
+          <a:ln>
+            <a:tailEnd type="triangle"/>
+          </a:ln>
+        </p:spPr>
+        <p:style>
+          <a:lnRef idx="1">
+            <a:schemeClr val="accent1"/>
+          </a:lnRef>
+          <a:fillRef idx="0">
+            <a:schemeClr val="accent1"/>
+          </a:fillRef>
+          <a:effectRef idx="0">
+            <a:schemeClr val="accent1"/>
+          </a:effectRef>
+          <a:fontRef idx="minor">
+            <a:schemeClr val="tx1"/>
+          </a:fontRef>
+        </p:style>
+      </p:cxnSp>
+      <p:cxnSp>
+        <p:nvCxnSpPr>
+          <p:cNvPr id="69" name="Straight Arrow Connector 68">
+            <a:extLst>
+              <a:ext uri="{FF2B5EF4-FFF2-40B4-BE49-F238E27FC236}">
+                <a16:creationId xmlns:a16="http://schemas.microsoft.com/office/drawing/2014/main" id="{574DBF76-4D9E-4EF1-9450-9824C9696607}"/>
+              </a:ext>
+            </a:extLst>
+          </p:cNvPr>
+          <p:cNvCxnSpPr>
+            <a:cxnSpLocks/>
+            <a:stCxn id="58" idx="2"/>
+            <a:endCxn id="57" idx="0"/>
+          </p:cNvCxnSpPr>
+          <p:nvPr/>
+        </p:nvCxnSpPr>
+        <p:spPr>
+          <a:xfrm>
+            <a:off x="6451085" y="1314497"/>
+            <a:ext cx="2552" cy="141133"/>
+          </a:xfrm>
+          <a:prstGeom prst="straightConnector1">
+            <a:avLst/>
+          </a:prstGeom>
+          <a:ln>
+            <a:tailEnd type="triangle"/>
+          </a:ln>
+        </p:spPr>
+        <p:style>
+          <a:lnRef idx="1">
+            <a:schemeClr val="accent1"/>
+          </a:lnRef>
+          <a:fillRef idx="0">
+            <a:schemeClr val="accent1"/>
+          </a:fillRef>
+          <a:effectRef idx="0">
+            <a:schemeClr val="accent1"/>
+          </a:effectRef>
+          <a:fontRef idx="minor">
+            <a:schemeClr val="tx1"/>
+          </a:fontRef>
+        </p:style>
+      </p:cxnSp>
+      <p:sp>
+        <p:nvSpPr>
+          <p:cNvPr id="72" name="TextBox 71">
+            <a:extLst>
+              <a:ext uri="{FF2B5EF4-FFF2-40B4-BE49-F238E27FC236}">
+                <a16:creationId xmlns:a16="http://schemas.microsoft.com/office/drawing/2014/main" id="{0DDBF855-611B-496D-8242-E7680463917E}"/>
+              </a:ext>
+            </a:extLst>
+          </p:cNvPr>
+          <p:cNvSpPr txBox="1"/>
+          <p:nvPr/>
+        </p:nvSpPr>
+        <p:spPr>
+          <a:xfrm>
+            <a:off x="5259938" y="4408533"/>
+            <a:ext cx="2363435" cy="646331"/>
+          </a:xfrm>
+          <a:prstGeom prst="rect">
+            <a:avLst/>
+          </a:prstGeom>
+          <a:solidFill>
+            <a:schemeClr val="bg1"/>
+          </a:solidFill>
+          <a:ln/>
+        </p:spPr>
+        <p:style>
+          <a:lnRef idx="2">
+            <a:schemeClr val="accent1"/>
+          </a:lnRef>
+          <a:fillRef idx="1">
+            <a:schemeClr val="lt1"/>
+          </a:fillRef>
+          <a:effectRef idx="0">
+            <a:schemeClr val="accent1"/>
+          </a:effectRef>
+          <a:fontRef idx="minor">
+            <a:schemeClr val="dk1"/>
+          </a:fontRef>
+        </p:style>
+        <p:txBody>
+          <a:bodyPr wrap="square" rtlCol="0">
+            <a:spAutoFit/>
+          </a:bodyPr>
+          <a:lstStyle/>
+          <a:p>
+            <a:pPr algn="ctr"/>
+            <a:r>
+              <a:rPr lang="en-US" sz="1200" b="1" dirty="0">
+                <a:solidFill>
+                  <a:schemeClr val="tx1"/>
+                </a:solidFill>
+                <a:latin typeface="Times New Roman" panose="02020603050405020304" pitchFamily="18" charset="0"/>
+                <a:cs typeface="Times New Roman" panose="02020603050405020304" pitchFamily="18" charset="0"/>
+              </a:rPr>
+              <a:t>red_methods.R</a:t>
+            </a:r>
+            <a:r>
+              <a:rPr lang="en-US" sz="1200" dirty="0">
+                <a:solidFill>
+                  <a:schemeClr val="tx1"/>
+                </a:solidFill>
+                <a:latin typeface="Times New Roman" panose="02020603050405020304" pitchFamily="18" charset="0"/>
+                <a:cs typeface="Times New Roman" panose="02020603050405020304" pitchFamily="18" charset="0"/>
+              </a:rPr>
+              <a:t>: Implements PCA, VAE, UMAP, PHATE, Sets, and tSNE as reduction methods.</a:t>
+            </a:r>
+          </a:p>
+        </p:txBody>
+      </p:sp>
+      <p:cxnSp>
+        <p:nvCxnSpPr>
+          <p:cNvPr id="73" name="Straight Arrow Connector 72">
+            <a:extLst>
+              <a:ext uri="{FF2B5EF4-FFF2-40B4-BE49-F238E27FC236}">
+                <a16:creationId xmlns:a16="http://schemas.microsoft.com/office/drawing/2014/main" id="{A1587B77-7F6D-4C31-8D06-F59F41E61A98}"/>
+              </a:ext>
+            </a:extLst>
+          </p:cNvPr>
+          <p:cNvCxnSpPr>
+            <a:cxnSpLocks/>
+            <a:stCxn id="50" idx="2"/>
+            <a:endCxn id="75" idx="0"/>
+          </p:cNvCxnSpPr>
+          <p:nvPr/>
+        </p:nvCxnSpPr>
+        <p:spPr>
+          <a:xfrm flipH="1">
+            <a:off x="3907449" y="4130342"/>
+            <a:ext cx="2735" cy="192719"/>
+          </a:xfrm>
+          <a:prstGeom prst="straightConnector1">
+            <a:avLst/>
+          </a:prstGeom>
+          <a:ln>
+            <a:tailEnd type="triangle"/>
+          </a:ln>
+        </p:spPr>
+        <p:style>
+          <a:lnRef idx="1">
+            <a:schemeClr val="accent1"/>
+          </a:lnRef>
+          <a:fillRef idx="0">
+            <a:schemeClr val="accent1"/>
+          </a:fillRef>
+          <a:effectRef idx="0">
+            <a:schemeClr val="accent1"/>
+          </a:effectRef>
+          <a:fontRef idx="minor">
+            <a:schemeClr val="tx1"/>
+          </a:fontRef>
+        </p:style>
+      </p:cxnSp>
+      <p:sp>
+        <p:nvSpPr>
+          <p:cNvPr id="75" name="TextBox 74">
+            <a:extLst>
+              <a:ext uri="{FF2B5EF4-FFF2-40B4-BE49-F238E27FC236}">
+                <a16:creationId xmlns:a16="http://schemas.microsoft.com/office/drawing/2014/main" id="{9442B296-0C54-4F5A-894E-60788236002A}"/>
+              </a:ext>
+            </a:extLst>
+          </p:cNvPr>
+          <p:cNvSpPr txBox="1"/>
+          <p:nvPr/>
+        </p:nvSpPr>
+        <p:spPr>
+          <a:xfrm>
+            <a:off x="2725731" y="4323061"/>
+            <a:ext cx="2363435" cy="830997"/>
+          </a:xfrm>
+          <a:prstGeom prst="rect">
+            <a:avLst/>
+          </a:prstGeom>
+          <a:solidFill>
+            <a:schemeClr val="bg1"/>
+          </a:solidFill>
+          <a:ln/>
+        </p:spPr>
+        <p:style>
+          <a:lnRef idx="2">
+            <a:schemeClr val="accent1"/>
+          </a:lnRef>
+          <a:fillRef idx="1">
+            <a:schemeClr val="lt1"/>
+          </a:fillRef>
+          <a:effectRef idx="0">
+            <a:schemeClr val="accent1"/>
+          </a:effectRef>
+          <a:fontRef idx="minor">
+            <a:schemeClr val="dk1"/>
+          </a:fontRef>
+        </p:style>
+        <p:txBody>
+          <a:bodyPr wrap="square" rtlCol="0">
+            <a:spAutoFit/>
+          </a:bodyPr>
+          <a:lstStyle/>
+          <a:p>
+            <a:pPr algn="ctr"/>
+            <a:r>
+              <a:rPr lang="en-US" sz="1200" b="1" dirty="0">
+                <a:solidFill>
+                  <a:schemeClr val="tx1"/>
+                </a:solidFill>
+                <a:latin typeface="Times New Roman" panose="02020603050405020304" pitchFamily="18" charset="0"/>
+                <a:cs typeface="Times New Roman" panose="02020603050405020304" pitchFamily="18" charset="0"/>
+              </a:rPr>
+              <a:t>red_requests.R</a:t>
+            </a:r>
+            <a:r>
+              <a:rPr lang="en-US" sz="1200" dirty="0">
+                <a:solidFill>
+                  <a:schemeClr val="tx1"/>
+                </a:solidFill>
+                <a:latin typeface="Times New Roman" panose="02020603050405020304" pitchFamily="18" charset="0"/>
+                <a:cs typeface="Times New Roman" panose="02020603050405020304" pitchFamily="18" charset="0"/>
+              </a:rPr>
+              <a:t>: Declares efficient functions for creating, validating, performing, combining, and storing valid reduction requests.</a:t>
+            </a:r>
+          </a:p>
+        </p:txBody>
+      </p:sp>
+      <p:cxnSp>
+        <p:nvCxnSpPr>
+          <p:cNvPr id="86" name="Straight Arrow Connector 85">
+            <a:extLst>
+              <a:ext uri="{FF2B5EF4-FFF2-40B4-BE49-F238E27FC236}">
+                <a16:creationId xmlns:a16="http://schemas.microsoft.com/office/drawing/2014/main" id="{20B010BD-418B-45F6-90E1-D70589449D1F}"/>
+              </a:ext>
+            </a:extLst>
+          </p:cNvPr>
+          <p:cNvCxnSpPr>
+            <a:cxnSpLocks/>
+            <a:stCxn id="72" idx="1"/>
+            <a:endCxn id="75" idx="3"/>
+          </p:cNvCxnSpPr>
+          <p:nvPr/>
+        </p:nvCxnSpPr>
+        <p:spPr>
+          <a:xfrm flipH="1">
+            <a:off x="5089166" y="4731699"/>
+            <a:ext cx="170772" cy="6861"/>
+          </a:xfrm>
+          <a:prstGeom prst="straightConnector1">
+            <a:avLst/>
+          </a:prstGeom>
+          <a:ln>
+            <a:tailEnd type="triangle"/>
+          </a:ln>
+        </p:spPr>
+        <p:style>
+          <a:lnRef idx="1">
+            <a:schemeClr val="accent1"/>
+          </a:lnRef>
+          <a:fillRef idx="0">
+            <a:schemeClr val="accent1"/>
+          </a:fillRef>
+          <a:effectRef idx="0">
+            <a:schemeClr val="accent1"/>
+          </a:effectRef>
+          <a:fontRef idx="minor">
+            <a:schemeClr val="tx1"/>
+          </a:fontRef>
+        </p:style>
+      </p:cxnSp>
+      <p:sp>
+        <p:nvSpPr>
+          <p:cNvPr id="89" name="TextBox 88">
+            <a:extLst>
+              <a:ext uri="{FF2B5EF4-FFF2-40B4-BE49-F238E27FC236}">
+                <a16:creationId xmlns:a16="http://schemas.microsoft.com/office/drawing/2014/main" id="{C725F408-E273-454E-B8F7-65747149875B}"/>
+              </a:ext>
+            </a:extLst>
+          </p:cNvPr>
+          <p:cNvSpPr txBox="1"/>
+          <p:nvPr/>
+        </p:nvSpPr>
+        <p:spPr>
+          <a:xfrm>
+            <a:off x="7799637" y="3484011"/>
+            <a:ext cx="2363434" cy="646331"/>
+          </a:xfrm>
+          <a:prstGeom prst="rect">
+            <a:avLst/>
+          </a:prstGeom>
+          <a:solidFill>
+            <a:schemeClr val="bg1"/>
+          </a:solidFill>
+          <a:ln/>
+        </p:spPr>
+        <p:style>
+          <a:lnRef idx="2">
+            <a:schemeClr val="accent1"/>
+          </a:lnRef>
+          <a:fillRef idx="1">
+            <a:schemeClr val="lt1"/>
+          </a:fillRef>
+          <a:effectRef idx="0">
+            <a:schemeClr val="accent1"/>
+          </a:effectRef>
+          <a:fontRef idx="minor">
+            <a:schemeClr val="dk1"/>
+          </a:fontRef>
+        </p:style>
+        <p:txBody>
+          <a:bodyPr wrap="square" rtlCol="0">
+            <a:spAutoFit/>
+          </a:bodyPr>
+          <a:lstStyle/>
+          <a:p>
+            <a:pPr algn="ctr"/>
+            <a:r>
+              <a:rPr lang="en-US" sz="1200" b="1" dirty="0">
+                <a:solidFill>
+                  <a:schemeClr val="tx1"/>
+                </a:solidFill>
+                <a:latin typeface="Times New Roman" panose="02020603050405020304" pitchFamily="18" charset="0"/>
+                <a:cs typeface="Times New Roman" panose="02020603050405020304" pitchFamily="18" charset="0"/>
+              </a:rPr>
+              <a:t>options.R</a:t>
+            </a:r>
+            <a:r>
+              <a:rPr lang="en-US" sz="1200" dirty="0">
+                <a:solidFill>
+                  <a:schemeClr val="tx1"/>
+                </a:solidFill>
+                <a:latin typeface="Times New Roman" panose="02020603050405020304" pitchFamily="18" charset="0"/>
+                <a:cs typeface="Times New Roman" panose="02020603050405020304" pitchFamily="18" charset="0"/>
+              </a:rPr>
+              <a:t>: Tests storage systems, generates menus, and assembles user interfaces for the application. </a:t>
+            </a:r>
+          </a:p>
+        </p:txBody>
+      </p:sp>
+      <p:sp>
+        <p:nvSpPr>
+          <p:cNvPr id="90" name="TextBox 89">
+            <a:extLst>
+              <a:ext uri="{FF2B5EF4-FFF2-40B4-BE49-F238E27FC236}">
+                <a16:creationId xmlns:a16="http://schemas.microsoft.com/office/drawing/2014/main" id="{9DA55329-65F0-4F3A-B710-F4D59D756E1A}"/>
+              </a:ext>
+            </a:extLst>
+          </p:cNvPr>
+          <p:cNvSpPr txBox="1"/>
+          <p:nvPr/>
+        </p:nvSpPr>
+        <p:spPr>
+          <a:xfrm>
+            <a:off x="7804483" y="2076087"/>
+            <a:ext cx="2363434" cy="646331"/>
+          </a:xfrm>
+          <a:prstGeom prst="rect">
+            <a:avLst/>
+          </a:prstGeom>
+          <a:solidFill>
+            <a:schemeClr val="bg1"/>
+          </a:solidFill>
+          <a:ln/>
+        </p:spPr>
+        <p:style>
+          <a:lnRef idx="2">
+            <a:schemeClr val="accent1"/>
+          </a:lnRef>
+          <a:fillRef idx="1">
+            <a:schemeClr val="lt1"/>
+          </a:fillRef>
+          <a:effectRef idx="0">
+            <a:schemeClr val="accent1"/>
+          </a:effectRef>
+          <a:fontRef idx="minor">
+            <a:schemeClr val="dk1"/>
+          </a:fontRef>
+        </p:style>
+        <p:txBody>
+          <a:bodyPr wrap="square" rtlCol="0">
+            <a:spAutoFit/>
+          </a:bodyPr>
+          <a:lstStyle/>
+          <a:p>
+            <a:pPr algn="ctr"/>
+            <a:r>
+              <a:rPr lang="en-US" sz="1200" b="1" dirty="0">
+                <a:solidFill>
+                  <a:schemeClr val="tx1"/>
+                </a:solidFill>
+                <a:latin typeface="Times New Roman" panose="02020603050405020304" pitchFamily="18" charset="0"/>
+                <a:cs typeface="Times New Roman" panose="02020603050405020304" pitchFamily="18" charset="0"/>
+              </a:rPr>
+              <a:t>ui_functions.R</a:t>
+            </a:r>
+            <a:r>
+              <a:rPr lang="en-US" sz="1200" dirty="0">
+                <a:solidFill>
+                  <a:schemeClr val="tx1"/>
+                </a:solidFill>
+                <a:latin typeface="Times New Roman" panose="02020603050405020304" pitchFamily="18" charset="0"/>
+                <a:cs typeface="Times New Roman" panose="02020603050405020304" pitchFamily="18" charset="0"/>
+              </a:rPr>
+              <a:t>: Declares functions that generate interactive HTML widgets for Shiny applications.</a:t>
+            </a:r>
+          </a:p>
+        </p:txBody>
+      </p:sp>
+      <p:sp>
+        <p:nvSpPr>
+          <p:cNvPr id="91" name="TextBox 90">
+            <a:extLst>
+              <a:ext uri="{FF2B5EF4-FFF2-40B4-BE49-F238E27FC236}">
+                <a16:creationId xmlns:a16="http://schemas.microsoft.com/office/drawing/2014/main" id="{F6F9E16A-6C86-470D-9A79-6EDD3DF8873C}"/>
+              </a:ext>
+            </a:extLst>
+          </p:cNvPr>
+          <p:cNvSpPr txBox="1"/>
+          <p:nvPr/>
+        </p:nvSpPr>
+        <p:spPr>
+          <a:xfrm>
+            <a:off x="7794130" y="5579278"/>
+            <a:ext cx="2363426" cy="646331"/>
+          </a:xfrm>
+          <a:prstGeom prst="rect">
+            <a:avLst/>
+          </a:prstGeom>
+          <a:solidFill>
+            <a:srgbClr val="FFC5C5"/>
+          </a:solidFill>
+          <a:ln/>
+        </p:spPr>
+        <p:style>
+          <a:lnRef idx="2">
+            <a:schemeClr val="accent1"/>
+          </a:lnRef>
+          <a:fillRef idx="1">
+            <a:schemeClr val="lt1"/>
+          </a:fillRef>
+          <a:effectRef idx="0">
+            <a:schemeClr val="accent1"/>
+          </a:effectRef>
+          <a:fontRef idx="minor">
+            <a:schemeClr val="dk1"/>
+          </a:fontRef>
+        </p:style>
+        <p:txBody>
+          <a:bodyPr wrap="square" rtlCol="0">
+            <a:spAutoFit/>
+          </a:bodyPr>
+          <a:lstStyle/>
+          <a:p>
+            <a:pPr algn="ctr"/>
+            <a:r>
+              <a:rPr lang="en-US" sz="1200" b="1" dirty="0">
+                <a:solidFill>
+                  <a:schemeClr val="tx1"/>
+                </a:solidFill>
+                <a:latin typeface="Times New Roman" panose="02020603050405020304" pitchFamily="18" charset="0"/>
+                <a:cs typeface="Times New Roman" panose="02020603050405020304" pitchFamily="18" charset="0"/>
+              </a:rPr>
+              <a:t>app.R</a:t>
+            </a:r>
+            <a:r>
+              <a:rPr lang="en-US" sz="1200" dirty="0">
+                <a:solidFill>
+                  <a:schemeClr val="tx1"/>
+                </a:solidFill>
+                <a:latin typeface="Times New Roman" panose="02020603050405020304" pitchFamily="18" charset="0"/>
+                <a:cs typeface="Times New Roman" panose="02020603050405020304" pitchFamily="18" charset="0"/>
+              </a:rPr>
+              <a:t>: Makes an interactive Shiny application capable of visualizing dimensionally reduced data.</a:t>
+            </a:r>
+          </a:p>
+        </p:txBody>
+      </p:sp>
+      <p:cxnSp>
+        <p:nvCxnSpPr>
+          <p:cNvPr id="92" name="Straight Arrow Connector 91">
+            <a:extLst>
+              <a:ext uri="{FF2B5EF4-FFF2-40B4-BE49-F238E27FC236}">
+                <a16:creationId xmlns:a16="http://schemas.microsoft.com/office/drawing/2014/main" id="{842D5465-4D26-49C8-8AF8-FF3282C2C34B}"/>
+              </a:ext>
+            </a:extLst>
+          </p:cNvPr>
+          <p:cNvCxnSpPr>
+            <a:cxnSpLocks/>
+            <a:stCxn id="37" idx="3"/>
+            <a:endCxn id="91" idx="1"/>
+          </p:cNvCxnSpPr>
+          <p:nvPr/>
+        </p:nvCxnSpPr>
+        <p:spPr>
+          <a:xfrm flipV="1">
+            <a:off x="7623359" y="5902444"/>
+            <a:ext cx="170771" cy="2830"/>
+          </a:xfrm>
+          <a:prstGeom prst="straightConnector1">
+            <a:avLst/>
+          </a:prstGeom>
+          <a:ln>
+            <a:tailEnd type="triangle"/>
+          </a:ln>
+        </p:spPr>
+        <p:style>
+          <a:lnRef idx="1">
+            <a:schemeClr val="accent1"/>
+          </a:lnRef>
+          <a:fillRef idx="0">
+            <a:schemeClr val="accent1"/>
+          </a:fillRef>
+          <a:effectRef idx="0">
+            <a:schemeClr val="accent1"/>
+          </a:effectRef>
+          <a:fontRef idx="minor">
+            <a:schemeClr val="tx1"/>
+          </a:fontRef>
+        </p:style>
+      </p:cxnSp>
+      <p:sp>
+        <p:nvSpPr>
+          <p:cNvPr id="99" name="TextBox 98">
+            <a:extLst>
+              <a:ext uri="{FF2B5EF4-FFF2-40B4-BE49-F238E27FC236}">
+                <a16:creationId xmlns:a16="http://schemas.microsoft.com/office/drawing/2014/main" id="{EF381171-67B5-4BFC-AD3E-8631338DF517}"/>
+              </a:ext>
+            </a:extLst>
+          </p:cNvPr>
+          <p:cNvSpPr txBox="1"/>
+          <p:nvPr/>
+        </p:nvSpPr>
+        <p:spPr>
+          <a:xfrm>
+            <a:off x="2725732" y="5339038"/>
+            <a:ext cx="2363435" cy="646331"/>
+          </a:xfrm>
+          <a:prstGeom prst="rect">
+            <a:avLst/>
+          </a:prstGeom>
+          <a:solidFill>
+            <a:schemeClr val="accent5">
+              <a:lumMod val="20000"/>
+              <a:lumOff val="80000"/>
+            </a:schemeClr>
+          </a:solidFill>
+          <a:ln/>
+        </p:spPr>
+        <p:style>
+          <a:lnRef idx="2">
+            <a:schemeClr val="accent1"/>
+          </a:lnRef>
+          <a:fillRef idx="1">
+            <a:schemeClr val="lt1"/>
+          </a:fillRef>
+          <a:effectRef idx="0">
+            <a:schemeClr val="accent1"/>
+          </a:effectRef>
+          <a:fontRef idx="minor">
+            <a:schemeClr val="dk1"/>
+          </a:fontRef>
+        </p:style>
+        <p:txBody>
+          <a:bodyPr wrap="square" rtlCol="0">
+            <a:spAutoFit/>
+          </a:bodyPr>
+          <a:lstStyle/>
+          <a:p>
+            <a:pPr algn="ctr"/>
+            <a:r>
+              <a:rPr lang="en-US" sz="1200" b="1" dirty="0">
+                <a:solidFill>
+                  <a:schemeClr val="tx1"/>
+                </a:solidFill>
+                <a:latin typeface="Times New Roman" panose="02020603050405020304" pitchFamily="18" charset="0"/>
+                <a:cs typeface="Times New Roman" panose="02020603050405020304" pitchFamily="18" charset="0"/>
+              </a:rPr>
+              <a:t>packaging.R</a:t>
+            </a:r>
+            <a:r>
+              <a:rPr lang="en-US" sz="1200" dirty="0">
+                <a:solidFill>
+                  <a:schemeClr val="tx1"/>
+                </a:solidFill>
+                <a:latin typeface="Times New Roman" panose="02020603050405020304" pitchFamily="18" charset="0"/>
+                <a:cs typeface="Times New Roman" panose="02020603050405020304" pitchFamily="18" charset="0"/>
+              </a:rPr>
+              <a:t>: Assembles a broad set of reduction requests, executes them, and syncs data to AWS.</a:t>
+            </a:r>
+          </a:p>
+        </p:txBody>
+      </p:sp>
+      <p:cxnSp>
+        <p:nvCxnSpPr>
+          <p:cNvPr id="102" name="Straight Arrow Connector 101">
+            <a:extLst>
+              <a:ext uri="{FF2B5EF4-FFF2-40B4-BE49-F238E27FC236}">
+                <a16:creationId xmlns:a16="http://schemas.microsoft.com/office/drawing/2014/main" id="{53584A7D-CA14-42E2-A9AC-F88242C1902B}"/>
+              </a:ext>
+            </a:extLst>
+          </p:cNvPr>
+          <p:cNvCxnSpPr>
+            <a:cxnSpLocks/>
+            <a:stCxn id="75" idx="2"/>
+            <a:endCxn id="99" idx="0"/>
+          </p:cNvCxnSpPr>
+          <p:nvPr/>
+        </p:nvCxnSpPr>
+        <p:spPr>
+          <a:xfrm>
+            <a:off x="3907449" y="5154058"/>
+            <a:ext cx="1" cy="184980"/>
+          </a:xfrm>
+          <a:prstGeom prst="straightConnector1">
+            <a:avLst/>
+          </a:prstGeom>
+          <a:ln>
+            <a:tailEnd type="triangle"/>
+          </a:ln>
+        </p:spPr>
+        <p:style>
+          <a:lnRef idx="1">
+            <a:schemeClr val="accent1"/>
+          </a:lnRef>
+          <a:fillRef idx="0">
+            <a:schemeClr val="accent1"/>
+          </a:fillRef>
+          <a:effectRef idx="0">
+            <a:schemeClr val="accent1"/>
+          </a:effectRef>
+          <a:fontRef idx="minor">
+            <a:schemeClr val="tx1"/>
+          </a:fontRef>
+        </p:style>
+      </p:cxnSp>
+      <p:cxnSp>
+        <p:nvCxnSpPr>
+          <p:cNvPr id="145" name="Straight Arrow Connector 144">
+            <a:extLst>
+              <a:ext uri="{FF2B5EF4-FFF2-40B4-BE49-F238E27FC236}">
+                <a16:creationId xmlns:a16="http://schemas.microsoft.com/office/drawing/2014/main" id="{23FA99E0-EBBC-4C8D-8061-31BFC97FEA14}"/>
+              </a:ext>
+            </a:extLst>
+          </p:cNvPr>
+          <p:cNvCxnSpPr>
+            <a:cxnSpLocks/>
+            <a:stCxn id="89" idx="2"/>
+            <a:endCxn id="91" idx="0"/>
+          </p:cNvCxnSpPr>
+          <p:nvPr/>
+        </p:nvCxnSpPr>
+        <p:spPr>
+          <a:xfrm flipH="1">
+            <a:off x="8975843" y="4130342"/>
+            <a:ext cx="5511" cy="1448936"/>
+          </a:xfrm>
+          <a:prstGeom prst="straightConnector1">
+            <a:avLst/>
+          </a:prstGeom>
+          <a:ln>
+            <a:tailEnd type="triangle"/>
+          </a:ln>
+        </p:spPr>
+        <p:style>
+          <a:lnRef idx="1">
+            <a:schemeClr val="accent1"/>
+          </a:lnRef>
+          <a:fillRef idx="0">
+            <a:schemeClr val="accent1"/>
+          </a:fillRef>
+          <a:effectRef idx="0">
+            <a:schemeClr val="accent1"/>
+          </a:effectRef>
+          <a:fontRef idx="minor">
+            <a:schemeClr val="tx1"/>
+          </a:fontRef>
+        </p:style>
+      </p:cxnSp>
+      <p:cxnSp>
+        <p:nvCxnSpPr>
+          <p:cNvPr id="151" name="Straight Arrow Connector 150">
+            <a:extLst>
+              <a:ext uri="{FF2B5EF4-FFF2-40B4-BE49-F238E27FC236}">
+                <a16:creationId xmlns:a16="http://schemas.microsoft.com/office/drawing/2014/main" id="{A94AF1FF-D4B7-421F-A229-9769D55E7ED4}"/>
+              </a:ext>
+            </a:extLst>
+          </p:cNvPr>
+          <p:cNvCxnSpPr>
+            <a:cxnSpLocks/>
+            <a:stCxn id="60" idx="2"/>
+            <a:endCxn id="90" idx="0"/>
+          </p:cNvCxnSpPr>
+          <p:nvPr/>
+        </p:nvCxnSpPr>
+        <p:spPr>
+          <a:xfrm>
+            <a:off x="8981355" y="1314496"/>
+            <a:ext cx="4845" cy="761591"/>
+          </a:xfrm>
+          <a:prstGeom prst="straightConnector1">
+            <a:avLst/>
+          </a:prstGeom>
+          <a:ln>
+            <a:tailEnd type="triangle"/>
+          </a:ln>
+        </p:spPr>
+        <p:style>
+          <a:lnRef idx="1">
+            <a:schemeClr val="accent1"/>
+          </a:lnRef>
+          <a:fillRef idx="0">
+            <a:schemeClr val="accent1"/>
+          </a:fillRef>
+          <a:effectRef idx="0">
+            <a:schemeClr val="accent1"/>
+          </a:effectRef>
+          <a:fontRef idx="minor">
+            <a:schemeClr val="tx1"/>
+          </a:fontRef>
+        </p:style>
+      </p:cxnSp>
+      <p:cxnSp>
+        <p:nvCxnSpPr>
+          <p:cNvPr id="182" name="Straight Arrow Connector 181">
+            <a:extLst>
+              <a:ext uri="{FF2B5EF4-FFF2-40B4-BE49-F238E27FC236}">
+                <a16:creationId xmlns:a16="http://schemas.microsoft.com/office/drawing/2014/main" id="{36E4DBB6-A5C2-4276-84AE-90E303EBFC8E}"/>
+              </a:ext>
+            </a:extLst>
+          </p:cNvPr>
+          <p:cNvCxnSpPr>
+            <a:cxnSpLocks/>
+            <a:stCxn id="90" idx="2"/>
+            <a:endCxn id="89" idx="0"/>
+          </p:cNvCxnSpPr>
+          <p:nvPr/>
+        </p:nvCxnSpPr>
+        <p:spPr>
+          <a:xfrm flipH="1">
+            <a:off x="8981354" y="2722418"/>
+            <a:ext cx="4846" cy="761593"/>
+          </a:xfrm>
+          <a:prstGeom prst="straightConnector1">
+            <a:avLst/>
+          </a:prstGeom>
+          <a:ln>
+            <a:tailEnd type="triangle"/>
+          </a:ln>
+        </p:spPr>
+        <p:style>
+          <a:lnRef idx="1">
+            <a:schemeClr val="accent1"/>
+          </a:lnRef>
+          <a:fillRef idx="0">
+            <a:schemeClr val="accent1"/>
+          </a:fillRef>
+          <a:effectRef idx="0">
+            <a:schemeClr val="accent1"/>
+          </a:effectRef>
+          <a:fontRef idx="minor">
+            <a:schemeClr val="tx1"/>
+          </a:fontRef>
+        </p:style>
+      </p:cxnSp>
+      <p:sp>
+        <p:nvSpPr>
+          <p:cNvPr id="242" name="TextBox 241">
+            <a:extLst>
+              <a:ext uri="{FF2B5EF4-FFF2-40B4-BE49-F238E27FC236}">
+                <a16:creationId xmlns:a16="http://schemas.microsoft.com/office/drawing/2014/main" id="{9B6B1A3E-3E66-40CA-9245-ECC9004C6D3B}"/>
+              </a:ext>
+            </a:extLst>
+          </p:cNvPr>
+          <p:cNvSpPr txBox="1"/>
+          <p:nvPr/>
+        </p:nvSpPr>
+        <p:spPr>
+          <a:xfrm>
+            <a:off x="5266800" y="2241652"/>
+            <a:ext cx="2363167" cy="1200329"/>
+          </a:xfrm>
+          <a:prstGeom prst="rect">
+            <a:avLst/>
+          </a:prstGeom>
+          <a:solidFill>
+            <a:schemeClr val="bg1"/>
+          </a:solidFill>
+          <a:ln/>
+        </p:spPr>
+        <p:style>
+          <a:lnRef idx="2">
+            <a:schemeClr val="accent1"/>
+          </a:lnRef>
+          <a:fillRef idx="1">
+            <a:schemeClr val="lt1"/>
+          </a:fillRef>
+          <a:effectRef idx="0">
+            <a:schemeClr val="accent1"/>
+          </a:effectRef>
+          <a:fontRef idx="minor">
+            <a:schemeClr val="dk1"/>
+          </a:fontRef>
+        </p:style>
+        <p:txBody>
+          <a:bodyPr wrap="square" rtlCol="0">
+            <a:spAutoFit/>
+          </a:bodyPr>
+          <a:lstStyle/>
+          <a:p>
+            <a:pPr algn="ctr"/>
+            <a:r>
+              <a:rPr lang="en-US" sz="1200" b="1" dirty="0">
+                <a:latin typeface="Times New Roman" panose="02020603050405020304" pitchFamily="18" charset="0"/>
+                <a:cs typeface="Times New Roman" panose="02020603050405020304" pitchFamily="18" charset="0"/>
+              </a:rPr>
+              <a:t>read_write.R</a:t>
+            </a:r>
+            <a:r>
+              <a:rPr lang="en-US" sz="1200" dirty="0">
+                <a:latin typeface="Times New Roman" panose="02020603050405020304" pitchFamily="18" charset="0"/>
+                <a:cs typeface="Times New Roman" panose="02020603050405020304" pitchFamily="18" charset="0"/>
+              </a:rPr>
+              <a:t>: Declares functions for listing / reading / writing files on operating systems / AWS.</a:t>
+            </a:r>
+          </a:p>
+          <a:p>
+            <a:pPr algn="ctr"/>
+            <a:endParaRPr lang="en-US" sz="1200" dirty="0">
+              <a:latin typeface="Times New Roman" panose="02020603050405020304" pitchFamily="18" charset="0"/>
+              <a:cs typeface="Times New Roman" panose="02020603050405020304" pitchFamily="18" charset="0"/>
+            </a:endParaRPr>
+          </a:p>
+          <a:p>
+            <a:pPr algn="ctr"/>
+            <a:r>
+              <a:rPr lang="en-US" sz="1200" b="1" dirty="0">
+                <a:latin typeface="Times New Roman" panose="02020603050405020304" pitchFamily="18" charset="0"/>
+                <a:cs typeface="Times New Roman" panose="02020603050405020304" pitchFamily="18" charset="0"/>
+              </a:rPr>
+              <a:t>parameters.R</a:t>
+            </a:r>
+            <a:r>
+              <a:rPr lang="en-US" sz="1200" dirty="0">
+                <a:latin typeface="Times New Roman" panose="02020603050405020304" pitchFamily="18" charset="0"/>
+                <a:cs typeface="Times New Roman" panose="02020603050405020304" pitchFamily="18" charset="0"/>
+              </a:rPr>
+              <a:t>: Specifies names and roles for reduction parameters</a:t>
+            </a:r>
+            <a:r>
+              <a:rPr lang="en-US" sz="1200" dirty="0">
+                <a:solidFill>
+                  <a:schemeClr val="tx1"/>
+                </a:solidFill>
+                <a:latin typeface="Times New Roman" panose="02020603050405020304" pitchFamily="18" charset="0"/>
+                <a:cs typeface="Times New Roman" panose="02020603050405020304" pitchFamily="18" charset="0"/>
+              </a:rPr>
+              <a:t>.</a:t>
+            </a:r>
+            <a:endParaRPr lang="en-US" sz="1200" dirty="0">
+              <a:latin typeface="Times New Roman" panose="02020603050405020304" pitchFamily="18" charset="0"/>
+              <a:cs typeface="Times New Roman" panose="02020603050405020304" pitchFamily="18" charset="0"/>
+            </a:endParaRPr>
+          </a:p>
+        </p:txBody>
+      </p:sp>
+      <p:cxnSp>
+        <p:nvCxnSpPr>
+          <p:cNvPr id="253" name="Straight Arrow Connector 252">
+            <a:extLst>
+              <a:ext uri="{FF2B5EF4-FFF2-40B4-BE49-F238E27FC236}">
+                <a16:creationId xmlns:a16="http://schemas.microsoft.com/office/drawing/2014/main" id="{2E7B6505-B033-4B5F-9E74-CD836A84169F}"/>
+              </a:ext>
+            </a:extLst>
+          </p:cNvPr>
+          <p:cNvCxnSpPr>
+            <a:cxnSpLocks/>
+            <a:stCxn id="242" idx="2"/>
+            <a:endCxn id="44" idx="0"/>
+          </p:cNvCxnSpPr>
+          <p:nvPr/>
+        </p:nvCxnSpPr>
+        <p:spPr>
+          <a:xfrm>
+            <a:off x="6448384" y="3441981"/>
+            <a:ext cx="135" cy="139691"/>
+          </a:xfrm>
+          <a:prstGeom prst="straightConnector1">
+            <a:avLst/>
+          </a:prstGeom>
+          <a:ln>
+            <a:tailEnd type="triangle"/>
+          </a:ln>
+        </p:spPr>
+        <p:style>
+          <a:lnRef idx="1">
+            <a:schemeClr val="accent1"/>
+          </a:lnRef>
+          <a:fillRef idx="0">
+            <a:schemeClr val="accent1"/>
+          </a:fillRef>
+          <a:effectRef idx="0">
+            <a:schemeClr val="accent1"/>
+          </a:effectRef>
+          <a:fontRef idx="minor">
+            <a:schemeClr val="tx1"/>
+          </a:fontRef>
+        </p:style>
+      </p:cxnSp>
+      <p:cxnSp>
+        <p:nvCxnSpPr>
+          <p:cNvPr id="269" name="Straight Arrow Connector 268">
+            <a:extLst>
+              <a:ext uri="{FF2B5EF4-FFF2-40B4-BE49-F238E27FC236}">
+                <a16:creationId xmlns:a16="http://schemas.microsoft.com/office/drawing/2014/main" id="{EDDD2A27-C497-4272-AC5A-EDE1AF86D86E}"/>
+              </a:ext>
+            </a:extLst>
+          </p:cNvPr>
+          <p:cNvCxnSpPr>
+            <a:cxnSpLocks/>
+            <a:stCxn id="44" idx="3"/>
+            <a:endCxn id="89" idx="1"/>
+          </p:cNvCxnSpPr>
+          <p:nvPr/>
+        </p:nvCxnSpPr>
+        <p:spPr>
+          <a:xfrm flipV="1">
+            <a:off x="7630237" y="3807177"/>
+            <a:ext cx="169400" cy="5328"/>
+          </a:xfrm>
+          <a:prstGeom prst="straightConnector1">
+            <a:avLst/>
+          </a:prstGeom>
+          <a:ln>
+            <a:tailEnd type="triangle"/>
+          </a:ln>
+        </p:spPr>
+        <p:style>
+          <a:lnRef idx="1">
+            <a:schemeClr val="accent1"/>
+          </a:lnRef>
+          <a:fillRef idx="0">
+            <a:schemeClr val="accent1"/>
+          </a:fillRef>
+          <a:effectRef idx="0">
+            <a:schemeClr val="accent1"/>
+          </a:effectRef>
+          <a:fontRef idx="minor">
+            <a:schemeClr val="tx1"/>
+          </a:fontRef>
+        </p:style>
+      </p:cxnSp>
+    </p:spTree>
+    <p:extLst>
+      <p:ext uri="{BB962C8B-B14F-4D97-AF65-F5344CB8AC3E}">
+        <p14:creationId xmlns:p14="http://schemas.microsoft.com/office/powerpoint/2010/main" val="2483493740"/>
+      </p:ext>
+    </p:extLst>
+  </p:cSld>
+  <p:clrMapOvr>
+    <a:masterClrMapping/>
+  </p:clrMapOvr>
+</p:sld>
+</file>
+
 <file path=ppt/theme/theme1.xml><?xml version="1.0" encoding="utf-8"?>
 <a:theme xmlns:a="http://schemas.openxmlformats.org/drawingml/2006/main" name="Office Theme">
   <a:themeElements>

--- a/extras/Explorer_Tool_Workflow_2.pptx
+++ b/extras/Explorer_Tool_Workflow_2.pptx
@@ -260,7 +260,7 @@
           <a:p>
             <a:fld id="{1560D20A-E720-4ECB-907E-0F9EBDE75356}" type="datetimeFigureOut">
               <a:rPr lang="en-US" smtClean="0"/>
-              <a:t>1/5/2022</a:t>
+              <a:t>1/8/2022</a:t>
             </a:fld>
             <a:endParaRPr lang="en-US"/>
           </a:p>
@@ -458,7 +458,7 @@
           <a:p>
             <a:fld id="{1560D20A-E720-4ECB-907E-0F9EBDE75356}" type="datetimeFigureOut">
               <a:rPr lang="en-US" smtClean="0"/>
-              <a:t>1/5/2022</a:t>
+              <a:t>1/8/2022</a:t>
             </a:fld>
             <a:endParaRPr lang="en-US"/>
           </a:p>
@@ -666,7 +666,7 @@
           <a:p>
             <a:fld id="{1560D20A-E720-4ECB-907E-0F9EBDE75356}" type="datetimeFigureOut">
               <a:rPr lang="en-US" smtClean="0"/>
-              <a:t>1/5/2022</a:t>
+              <a:t>1/8/2022</a:t>
             </a:fld>
             <a:endParaRPr lang="en-US"/>
           </a:p>
@@ -864,7 +864,7 @@
           <a:p>
             <a:fld id="{1560D20A-E720-4ECB-907E-0F9EBDE75356}" type="datetimeFigureOut">
               <a:rPr lang="en-US" smtClean="0"/>
-              <a:t>1/5/2022</a:t>
+              <a:t>1/8/2022</a:t>
             </a:fld>
             <a:endParaRPr lang="en-US"/>
           </a:p>
@@ -1139,7 +1139,7 @@
           <a:p>
             <a:fld id="{1560D20A-E720-4ECB-907E-0F9EBDE75356}" type="datetimeFigureOut">
               <a:rPr lang="en-US" smtClean="0"/>
-              <a:t>1/5/2022</a:t>
+              <a:t>1/8/2022</a:t>
             </a:fld>
             <a:endParaRPr lang="en-US"/>
           </a:p>
@@ -1404,7 +1404,7 @@
           <a:p>
             <a:fld id="{1560D20A-E720-4ECB-907E-0F9EBDE75356}" type="datetimeFigureOut">
               <a:rPr lang="en-US" smtClean="0"/>
-              <a:t>1/5/2022</a:t>
+              <a:t>1/8/2022</a:t>
             </a:fld>
             <a:endParaRPr lang="en-US"/>
           </a:p>
@@ -1816,7 +1816,7 @@
           <a:p>
             <a:fld id="{1560D20A-E720-4ECB-907E-0F9EBDE75356}" type="datetimeFigureOut">
               <a:rPr lang="en-US" smtClean="0"/>
-              <a:t>1/5/2022</a:t>
+              <a:t>1/8/2022</a:t>
             </a:fld>
             <a:endParaRPr lang="en-US"/>
           </a:p>
@@ -1957,7 +1957,7 @@
           <a:p>
             <a:fld id="{1560D20A-E720-4ECB-907E-0F9EBDE75356}" type="datetimeFigureOut">
               <a:rPr lang="en-US" smtClean="0"/>
-              <a:t>1/5/2022</a:t>
+              <a:t>1/8/2022</a:t>
             </a:fld>
             <a:endParaRPr lang="en-US"/>
           </a:p>
@@ -2070,7 +2070,7 @@
           <a:p>
             <a:fld id="{1560D20A-E720-4ECB-907E-0F9EBDE75356}" type="datetimeFigureOut">
               <a:rPr lang="en-US" smtClean="0"/>
-              <a:t>1/5/2022</a:t>
+              <a:t>1/8/2022</a:t>
             </a:fld>
             <a:endParaRPr lang="en-US"/>
           </a:p>
@@ -2381,7 +2381,7 @@
           <a:p>
             <a:fld id="{1560D20A-E720-4ECB-907E-0F9EBDE75356}" type="datetimeFigureOut">
               <a:rPr lang="en-US" smtClean="0"/>
-              <a:t>1/5/2022</a:t>
+              <a:t>1/8/2022</a:t>
             </a:fld>
             <a:endParaRPr lang="en-US"/>
           </a:p>
@@ -2669,7 +2669,7 @@
           <a:p>
             <a:fld id="{1560D20A-E720-4ECB-907E-0F9EBDE75356}" type="datetimeFigureOut">
               <a:rPr lang="en-US" smtClean="0"/>
-              <a:t>1/5/2022</a:t>
+              <a:t>1/8/2022</a:t>
             </a:fld>
             <a:endParaRPr lang="en-US"/>
           </a:p>
@@ -2910,7 +2910,7 @@
           <a:p>
             <a:fld id="{1560D20A-E720-4ECB-907E-0F9EBDE75356}" type="datetimeFigureOut">
               <a:rPr lang="en-US" smtClean="0"/>
-              <a:t>1/5/2022</a:t>
+              <a:t>1/8/2022</a:t>
             </a:fld>
             <a:endParaRPr lang="en-US"/>
           </a:p>
@@ -7380,7 +7380,7 @@
                 <a:latin typeface="Times New Roman" panose="02020603050405020304" pitchFamily="18" charset="0"/>
                 <a:cs typeface="Times New Roman" panose="02020603050405020304" pitchFamily="18" charset="0"/>
               </a:rPr>
-              <a:t>parameters.R</a:t>
+              <a:t>parameters.R*</a:t>
             </a:r>
             <a:r>
               <a:rPr lang="en-US" sz="1200" dirty="0">
@@ -7492,6 +7492,126 @@
           </a:fontRef>
         </p:style>
       </p:cxnSp>
+      <p:cxnSp>
+        <p:nvCxnSpPr>
+          <p:cNvPr id="31" name="Straight Arrow Connector 30">
+            <a:extLst>
+              <a:ext uri="{FF2B5EF4-FFF2-40B4-BE49-F238E27FC236}">
+                <a16:creationId xmlns:a16="http://schemas.microsoft.com/office/drawing/2014/main" id="{BCF9682C-EFFE-468E-B0CB-EF390D0FF338}"/>
+              </a:ext>
+            </a:extLst>
+          </p:cNvPr>
+          <p:cNvCxnSpPr>
+            <a:cxnSpLocks/>
+            <a:stCxn id="242" idx="0"/>
+            <a:endCxn id="57" idx="2"/>
+          </p:cNvCxnSpPr>
+          <p:nvPr/>
+        </p:nvCxnSpPr>
+        <p:spPr>
+          <a:xfrm flipV="1">
+            <a:off x="6448384" y="2101961"/>
+            <a:ext cx="5253" cy="139691"/>
+          </a:xfrm>
+          <a:prstGeom prst="straightConnector1">
+            <a:avLst/>
+          </a:prstGeom>
+          <a:ln>
+            <a:tailEnd type="triangle"/>
+          </a:ln>
+        </p:spPr>
+        <p:style>
+          <a:lnRef idx="1">
+            <a:schemeClr val="accent1"/>
+          </a:lnRef>
+          <a:fillRef idx="0">
+            <a:schemeClr val="accent1"/>
+          </a:fillRef>
+          <a:effectRef idx="0">
+            <a:schemeClr val="accent1"/>
+          </a:effectRef>
+          <a:fontRef idx="minor">
+            <a:schemeClr val="tx1"/>
+          </a:fontRef>
+        </p:style>
+      </p:cxnSp>
+      <p:sp>
+        <p:nvSpPr>
+          <p:cNvPr id="34" name="TextBox 33">
+            <a:extLst>
+              <a:ext uri="{FF2B5EF4-FFF2-40B4-BE49-F238E27FC236}">
+                <a16:creationId xmlns:a16="http://schemas.microsoft.com/office/drawing/2014/main" id="{BF7C1383-BBEE-431F-83DB-1A80CBAEBFB7}"/>
+              </a:ext>
+            </a:extLst>
+          </p:cNvPr>
+          <p:cNvSpPr txBox="1"/>
+          <p:nvPr/>
+        </p:nvSpPr>
+        <p:spPr>
+          <a:xfrm>
+            <a:off x="362564" y="736439"/>
+            <a:ext cx="2363167" cy="461665"/>
+          </a:xfrm>
+          <a:prstGeom prst="rect">
+            <a:avLst/>
+          </a:prstGeom>
+          <a:solidFill>
+            <a:schemeClr val="bg1"/>
+          </a:solidFill>
+          <a:ln/>
+        </p:spPr>
+        <p:style>
+          <a:lnRef idx="2">
+            <a:schemeClr val="accent1"/>
+          </a:lnRef>
+          <a:fillRef idx="1">
+            <a:schemeClr val="lt1"/>
+          </a:fillRef>
+          <a:effectRef idx="0">
+            <a:schemeClr val="accent1"/>
+          </a:effectRef>
+          <a:fontRef idx="minor">
+            <a:schemeClr val="dk1"/>
+          </a:fontRef>
+        </p:style>
+        <p:txBody>
+          <a:bodyPr wrap="square" rtlCol="0">
+            <a:spAutoFit/>
+          </a:bodyPr>
+          <a:lstStyle/>
+          <a:p>
+            <a:pPr algn="ctr"/>
+            <a:r>
+              <a:rPr lang="en-US" sz="1200" b="1" dirty="0">
+                <a:latin typeface="Times New Roman" panose="02020603050405020304" pitchFamily="18" charset="0"/>
+                <a:cs typeface="Times New Roman" panose="02020603050405020304" pitchFamily="18" charset="0"/>
+              </a:rPr>
+              <a:t>parameters.R*</a:t>
+            </a:r>
+            <a:r>
+              <a:rPr lang="en-US" sz="1200" dirty="0">
+                <a:latin typeface="Times New Roman" panose="02020603050405020304" pitchFamily="18" charset="0"/>
+                <a:cs typeface="Times New Roman" panose="02020603050405020304" pitchFamily="18" charset="0"/>
+              </a:rPr>
+              <a:t>: Not included in converter.R</a:t>
+            </a:r>
+            <a:r>
+              <a:rPr lang="en-US" sz="1200" dirty="0">
+                <a:solidFill>
+                  <a:schemeClr val="tx1"/>
+                </a:solidFill>
+                <a:latin typeface="Times New Roman" panose="02020603050405020304" pitchFamily="18" charset="0"/>
+                <a:cs typeface="Times New Roman" panose="02020603050405020304" pitchFamily="18" charset="0"/>
+              </a:rPr>
+              <a:t>.</a:t>
+            </a:r>
+            <a:endParaRPr lang="en-US" sz="1200" dirty="0">
+              <a:latin typeface="Times New Roman" panose="02020603050405020304" pitchFamily="18" charset="0"/>
+              <a:cs typeface="Times New Roman" panose="02020603050405020304" pitchFamily="18" charset="0"/>
+            </a:endParaRPr>
+          </a:p>
+        </p:txBody>
+      </p:sp>
     </p:spTree>
     <p:extLst>
       <p:ext uri="{BB962C8B-B14F-4D97-AF65-F5344CB8AC3E}">

--- a/extras/Explorer_Tool_Workflow_2.pptx
+++ b/extras/Explorer_Tool_Workflow_2.pptx
@@ -260,7 +260,7 @@
           <a:p>
             <a:fld id="{1560D20A-E720-4ECB-907E-0F9EBDE75356}" type="datetimeFigureOut">
               <a:rPr lang="en-US" smtClean="0"/>
-              <a:t>1/8/2022</a:t>
+              <a:t>1/9/2022</a:t>
             </a:fld>
             <a:endParaRPr lang="en-US"/>
           </a:p>
@@ -458,7 +458,7 @@
           <a:p>
             <a:fld id="{1560D20A-E720-4ECB-907E-0F9EBDE75356}" type="datetimeFigureOut">
               <a:rPr lang="en-US" smtClean="0"/>
-              <a:t>1/8/2022</a:t>
+              <a:t>1/9/2022</a:t>
             </a:fld>
             <a:endParaRPr lang="en-US"/>
           </a:p>
@@ -666,7 +666,7 @@
           <a:p>
             <a:fld id="{1560D20A-E720-4ECB-907E-0F9EBDE75356}" type="datetimeFigureOut">
               <a:rPr lang="en-US" smtClean="0"/>
-              <a:t>1/8/2022</a:t>
+              <a:t>1/9/2022</a:t>
             </a:fld>
             <a:endParaRPr lang="en-US"/>
           </a:p>
@@ -864,7 +864,7 @@
           <a:p>
             <a:fld id="{1560D20A-E720-4ECB-907E-0F9EBDE75356}" type="datetimeFigureOut">
               <a:rPr lang="en-US" smtClean="0"/>
-              <a:t>1/8/2022</a:t>
+              <a:t>1/9/2022</a:t>
             </a:fld>
             <a:endParaRPr lang="en-US"/>
           </a:p>
@@ -1139,7 +1139,7 @@
           <a:p>
             <a:fld id="{1560D20A-E720-4ECB-907E-0F9EBDE75356}" type="datetimeFigureOut">
               <a:rPr lang="en-US" smtClean="0"/>
-              <a:t>1/8/2022</a:t>
+              <a:t>1/9/2022</a:t>
             </a:fld>
             <a:endParaRPr lang="en-US"/>
           </a:p>
@@ -1404,7 +1404,7 @@
           <a:p>
             <a:fld id="{1560D20A-E720-4ECB-907E-0F9EBDE75356}" type="datetimeFigureOut">
               <a:rPr lang="en-US" smtClean="0"/>
-              <a:t>1/8/2022</a:t>
+              <a:t>1/9/2022</a:t>
             </a:fld>
             <a:endParaRPr lang="en-US"/>
           </a:p>
@@ -1816,7 +1816,7 @@
           <a:p>
             <a:fld id="{1560D20A-E720-4ECB-907E-0F9EBDE75356}" type="datetimeFigureOut">
               <a:rPr lang="en-US" smtClean="0"/>
-              <a:t>1/8/2022</a:t>
+              <a:t>1/9/2022</a:t>
             </a:fld>
             <a:endParaRPr lang="en-US"/>
           </a:p>
@@ -1957,7 +1957,7 @@
           <a:p>
             <a:fld id="{1560D20A-E720-4ECB-907E-0F9EBDE75356}" type="datetimeFigureOut">
               <a:rPr lang="en-US" smtClean="0"/>
-              <a:t>1/8/2022</a:t>
+              <a:t>1/9/2022</a:t>
             </a:fld>
             <a:endParaRPr lang="en-US"/>
           </a:p>
@@ -2070,7 +2070,7 @@
           <a:p>
             <a:fld id="{1560D20A-E720-4ECB-907E-0F9EBDE75356}" type="datetimeFigureOut">
               <a:rPr lang="en-US" smtClean="0"/>
-              <a:t>1/8/2022</a:t>
+              <a:t>1/9/2022</a:t>
             </a:fld>
             <a:endParaRPr lang="en-US"/>
           </a:p>
@@ -2381,7 +2381,7 @@
           <a:p>
             <a:fld id="{1560D20A-E720-4ECB-907E-0F9EBDE75356}" type="datetimeFigureOut">
               <a:rPr lang="en-US" smtClean="0"/>
-              <a:t>1/8/2022</a:t>
+              <a:t>1/9/2022</a:t>
             </a:fld>
             <a:endParaRPr lang="en-US"/>
           </a:p>
@@ -2669,7 +2669,7 @@
           <a:p>
             <a:fld id="{1560D20A-E720-4ECB-907E-0F9EBDE75356}" type="datetimeFigureOut">
               <a:rPr lang="en-US" smtClean="0"/>
-              <a:t>1/8/2022</a:t>
+              <a:t>1/9/2022</a:t>
             </a:fld>
             <a:endParaRPr lang="en-US"/>
           </a:p>
@@ -2910,7 +2910,7 @@
           <a:p>
             <a:fld id="{1560D20A-E720-4ECB-907E-0F9EBDE75356}" type="datetimeFigureOut">
               <a:rPr lang="en-US" smtClean="0"/>
-              <a:t>1/8/2022</a:t>
+              <a:t>1/9/2022</a:t>
             </a:fld>
             <a:endParaRPr lang="en-US"/>
           </a:p>
@@ -5807,8 +5807,8 @@
         </p:nvSpPr>
         <p:spPr>
           <a:xfrm>
-            <a:off x="1684704" y="109581"/>
-            <a:ext cx="7711342" cy="276999"/>
+            <a:off x="172427" y="137252"/>
+            <a:ext cx="2363437" cy="646331"/>
           </a:xfrm>
           <a:prstGeom prst="rect">
             <a:avLst/>
@@ -5847,7 +5847,7 @@
                 <a:latin typeface="Times New Roman" panose="02020603050405020304" pitchFamily="18" charset="0"/>
                 <a:cs typeface="Times New Roman" panose="02020603050405020304" pitchFamily="18" charset="0"/>
               </a:rPr>
-              <a:t>install.R</a:t>
+              <a:t>install.R*</a:t>
             </a:r>
             <a:r>
               <a:rPr lang="en-US" sz="1200" dirty="0">
@@ -5857,7 +5857,7 @@
                 <a:latin typeface="Times New Roman" panose="02020603050405020304" pitchFamily="18" charset="0"/>
                 <a:cs typeface="Times New Roman" panose="02020603050405020304" pitchFamily="18" charset="0"/>
               </a:rPr>
-              <a:t>: Declares functions, determines the environment, installs packages, and stores the file root.  </a:t>
+              <a:t>: Declares functions, determines the environment, installs packages, and sets root.  </a:t>
             </a:r>
           </a:p>
         </p:txBody>
@@ -5945,8 +5945,163 @@
         </p:nvSpPr>
         <p:spPr>
           <a:xfrm>
-            <a:off x="5259938" y="5212776"/>
-            <a:ext cx="2363421" cy="1384995"/>
+            <a:off x="5203177" y="6058316"/>
+            <a:ext cx="2476926" cy="461665"/>
+          </a:xfrm>
+          <a:prstGeom prst="rect">
+            <a:avLst/>
+          </a:prstGeom>
+          <a:solidFill>
+            <a:srgbClr val="FFC5C5"/>
+          </a:solidFill>
+          <a:ln/>
+        </p:spPr>
+        <p:style>
+          <a:lnRef idx="2">
+            <a:schemeClr val="accent1"/>
+          </a:lnRef>
+          <a:fillRef idx="1">
+            <a:schemeClr val="lt1"/>
+          </a:fillRef>
+          <a:effectRef idx="0">
+            <a:schemeClr val="accent1"/>
+          </a:effectRef>
+          <a:fontRef idx="minor">
+            <a:schemeClr val="dk1"/>
+          </a:fontRef>
+        </p:style>
+        <p:txBody>
+          <a:bodyPr wrap="square" rtlCol="0">
+            <a:spAutoFit/>
+          </a:bodyPr>
+          <a:lstStyle/>
+          <a:p>
+            <a:pPr algn="ctr"/>
+            <a:r>
+              <a:rPr lang="en-US" sz="1200" b="1" dirty="0">
+                <a:solidFill>
+                  <a:schemeClr val="tx1"/>
+                </a:solidFill>
+                <a:latin typeface="Times New Roman" panose="02020603050405020304" pitchFamily="18" charset="0"/>
+                <a:cs typeface="Times New Roman" panose="02020603050405020304" pitchFamily="18" charset="0"/>
+              </a:rPr>
+              <a:t>authentication.R*</a:t>
+            </a:r>
+            <a:r>
+              <a:rPr lang="en-US" sz="1200" dirty="0">
+                <a:solidFill>
+                  <a:schemeClr val="tx1"/>
+                </a:solidFill>
+                <a:latin typeface="Times New Roman" panose="02020603050405020304" pitchFamily="18" charset="0"/>
+                <a:cs typeface="Times New Roman" panose="02020603050405020304" pitchFamily="18" charset="0"/>
+              </a:rPr>
+              <a:t>: Manages user authentication for the application.</a:t>
+            </a:r>
+          </a:p>
+        </p:txBody>
+      </p:sp>
+      <p:sp>
+        <p:nvSpPr>
+          <p:cNvPr id="44" name="TextBox 43">
+            <a:extLst>
+              <a:ext uri="{FF2B5EF4-FFF2-40B4-BE49-F238E27FC236}">
+                <a16:creationId xmlns:a16="http://schemas.microsoft.com/office/drawing/2014/main" id="{47F8FFAB-12ED-4067-8FEC-65125D573990}"/>
+              </a:ext>
+            </a:extLst>
+          </p:cNvPr>
+          <p:cNvSpPr txBox="1"/>
+          <p:nvPr/>
+        </p:nvSpPr>
+        <p:spPr>
+          <a:xfrm>
+            <a:off x="5259922" y="3478422"/>
+            <a:ext cx="2363437" cy="646331"/>
+          </a:xfrm>
+          <a:prstGeom prst="rect">
+            <a:avLst/>
+          </a:prstGeom>
+          <a:solidFill>
+            <a:srgbClr val="FFC5C5"/>
+          </a:solidFill>
+          <a:ln/>
+        </p:spPr>
+        <p:style>
+          <a:lnRef idx="2">
+            <a:schemeClr val="accent1"/>
+          </a:lnRef>
+          <a:fillRef idx="1">
+            <a:schemeClr val="lt1"/>
+          </a:fillRef>
+          <a:effectRef idx="0">
+            <a:schemeClr val="accent1"/>
+          </a:effectRef>
+          <a:fontRef idx="minor">
+            <a:schemeClr val="dk1"/>
+          </a:fontRef>
+        </p:style>
+        <p:txBody>
+          <a:bodyPr wrap="square" rtlCol="0">
+            <a:spAutoFit/>
+          </a:bodyPr>
+          <a:lstStyle/>
+          <a:p>
+            <a:pPr algn="ctr"/>
+            <a:r>
+              <a:rPr lang="en-US" sz="1200" b="1" dirty="0">
+                <a:solidFill>
+                  <a:schemeClr val="tx1"/>
+                </a:solidFill>
+                <a:latin typeface="Times New Roman" panose="02020603050405020304" pitchFamily="18" charset="0"/>
+                <a:cs typeface="Times New Roman" panose="02020603050405020304" pitchFamily="18" charset="0"/>
+              </a:rPr>
+              <a:t>storage.R</a:t>
+            </a:r>
+            <a:r>
+              <a:rPr lang="en-US" sz="1200" dirty="0">
+                <a:solidFill>
+                  <a:schemeClr val="tx1"/>
+                </a:solidFill>
+                <a:latin typeface="Times New Roman" panose="02020603050405020304" pitchFamily="18" charset="0"/>
+                <a:cs typeface="Times New Roman" panose="02020603050405020304" pitchFamily="18" charset="0"/>
+              </a:rPr>
+              <a:t>: </a:t>
+            </a:r>
+            <a:r>
+              <a:rPr lang="en-US" sz="1200" dirty="0">
+                <a:latin typeface="Times New Roman" panose="02020603050405020304" pitchFamily="18" charset="0"/>
+                <a:cs typeface="Times New Roman" panose="02020603050405020304" pitchFamily="18" charset="0"/>
+              </a:rPr>
+              <a:t>Names and initializes reduction parameters</a:t>
+            </a:r>
+            <a:r>
+              <a:rPr lang="en-US" sz="1200" dirty="0">
+                <a:solidFill>
+                  <a:schemeClr val="tx1"/>
+                </a:solidFill>
+                <a:latin typeface="Times New Roman" panose="02020603050405020304" pitchFamily="18" charset="0"/>
+                <a:cs typeface="Times New Roman" panose="02020603050405020304" pitchFamily="18" charset="0"/>
+              </a:rPr>
+              <a:t>. Names, stores, and loads reduction files. </a:t>
+            </a:r>
+          </a:p>
+        </p:txBody>
+      </p:sp>
+      <p:sp>
+        <p:nvSpPr>
+          <p:cNvPr id="50" name="TextBox 49">
+            <a:extLst>
+              <a:ext uri="{FF2B5EF4-FFF2-40B4-BE49-F238E27FC236}">
+                <a16:creationId xmlns:a16="http://schemas.microsoft.com/office/drawing/2014/main" id="{83B2102D-D373-4C95-A96F-FC4023A9A31D}"/>
+              </a:ext>
+            </a:extLst>
+          </p:cNvPr>
+          <p:cNvSpPr txBox="1"/>
+          <p:nvPr/>
+        </p:nvSpPr>
+        <p:spPr>
+          <a:xfrm>
+            <a:off x="2728466" y="3484011"/>
+            <a:ext cx="2363435" cy="461665"/>
           </a:xfrm>
           <a:prstGeom prst="rect">
             <a:avLst/>
@@ -5985,7 +6140,7 @@
                 <a:latin typeface="Times New Roman" panose="02020603050405020304" pitchFamily="18" charset="0"/>
                 <a:cs typeface="Times New Roman" panose="02020603050405020304" pitchFamily="18" charset="0"/>
               </a:rPr>
-              <a:t>authentication.R</a:t>
+              <a:t>preprocess.R</a:t>
             </a:r>
             <a:r>
               <a:rPr lang="en-US" sz="1200" dirty="0">
@@ -5995,178 +6150,7 @@
                 <a:latin typeface="Times New Roman" panose="02020603050405020304" pitchFamily="18" charset="0"/>
                 <a:cs typeface="Times New Roman" panose="02020603050405020304" pitchFamily="18" charset="0"/>
               </a:rPr>
-              <a:t>: Manages user authentication for the application.</a:t>
-            </a:r>
-          </a:p>
-          <a:p>
-            <a:pPr algn="ctr"/>
-            <a:endParaRPr lang="en-US" sz="1200" dirty="0">
-              <a:solidFill>
-                <a:schemeClr val="tx1"/>
-              </a:solidFill>
-              <a:latin typeface="Times New Roman" panose="02020603050405020304" pitchFamily="18" charset="0"/>
-              <a:cs typeface="Times New Roman" panose="02020603050405020304" pitchFamily="18" charset="0"/>
-            </a:endParaRPr>
-          </a:p>
-          <a:p>
-            <a:pPr algn="ctr"/>
-            <a:r>
-              <a:rPr lang="en-US" sz="1200" b="1" dirty="0">
-                <a:solidFill>
-                  <a:schemeClr val="tx1"/>
-                </a:solidFill>
-                <a:latin typeface="Times New Roman" panose="02020603050405020304" pitchFamily="18" charset="0"/>
-                <a:cs typeface="Times New Roman" panose="02020603050405020304" pitchFamily="18" charset="0"/>
-              </a:rPr>
-              <a:t>plotting.R</a:t>
-            </a:r>
-            <a:r>
-              <a:rPr lang="en-US" sz="1200" dirty="0">
-                <a:solidFill>
-                  <a:schemeClr val="tx1"/>
-                </a:solidFill>
-                <a:latin typeface="Times New Roman" panose="02020603050405020304" pitchFamily="18" charset="0"/>
-                <a:cs typeface="Times New Roman" panose="02020603050405020304" pitchFamily="18" charset="0"/>
-              </a:rPr>
-              <a:t>: Makes ggplot2, plotly, boxplot / beeswarm, DT, UpSetR, heatmaply, and Venn Diagram objects for Shiny applications.</a:t>
-            </a:r>
-          </a:p>
-        </p:txBody>
-      </p:sp>
-      <p:sp>
-        <p:nvSpPr>
-          <p:cNvPr id="44" name="TextBox 43">
-            <a:extLst>
-              <a:ext uri="{FF2B5EF4-FFF2-40B4-BE49-F238E27FC236}">
-                <a16:creationId xmlns:a16="http://schemas.microsoft.com/office/drawing/2014/main" id="{47F8FFAB-12ED-4067-8FEC-65125D573990}"/>
-              </a:ext>
-            </a:extLst>
-          </p:cNvPr>
-          <p:cNvSpPr txBox="1"/>
-          <p:nvPr/>
-        </p:nvSpPr>
-        <p:spPr>
-          <a:xfrm>
-            <a:off x="5266800" y="3581672"/>
-            <a:ext cx="2363437" cy="461665"/>
-          </a:xfrm>
-          <a:prstGeom prst="rect">
-            <a:avLst/>
-          </a:prstGeom>
-          <a:solidFill>
-            <a:schemeClr val="bg1"/>
-          </a:solidFill>
-          <a:ln/>
-        </p:spPr>
-        <p:style>
-          <a:lnRef idx="2">
-            <a:schemeClr val="accent1"/>
-          </a:lnRef>
-          <a:fillRef idx="1">
-            <a:schemeClr val="lt1"/>
-          </a:fillRef>
-          <a:effectRef idx="0">
-            <a:schemeClr val="accent1"/>
-          </a:effectRef>
-          <a:fontRef idx="minor">
-            <a:schemeClr val="dk1"/>
-          </a:fontRef>
-        </p:style>
-        <p:txBody>
-          <a:bodyPr wrap="square" rtlCol="0">
-            <a:spAutoFit/>
-          </a:bodyPr>
-          <a:lstStyle/>
-          <a:p>
-            <a:pPr algn="ctr"/>
-            <a:r>
-              <a:rPr lang="en-US" sz="1200" b="1" dirty="0">
-                <a:solidFill>
-                  <a:schemeClr val="tx1"/>
-                </a:solidFill>
-                <a:latin typeface="Times New Roman" panose="02020603050405020304" pitchFamily="18" charset="0"/>
-                <a:cs typeface="Times New Roman" panose="02020603050405020304" pitchFamily="18" charset="0"/>
-              </a:rPr>
-              <a:t>storage.R</a:t>
-            </a:r>
-            <a:r>
-              <a:rPr lang="en-US" sz="1200" dirty="0">
-                <a:solidFill>
-                  <a:schemeClr val="tx1"/>
-                </a:solidFill>
-                <a:latin typeface="Times New Roman" panose="02020603050405020304" pitchFamily="18" charset="0"/>
-                <a:cs typeface="Times New Roman" panose="02020603050405020304" pitchFamily="18" charset="0"/>
-              </a:rPr>
-              <a:t>: Names, stores, and loads reduction analysis files. </a:t>
-            </a:r>
-          </a:p>
-        </p:txBody>
-      </p:sp>
-      <p:sp>
-        <p:nvSpPr>
-          <p:cNvPr id="50" name="TextBox 49">
-            <a:extLst>
-              <a:ext uri="{FF2B5EF4-FFF2-40B4-BE49-F238E27FC236}">
-                <a16:creationId xmlns:a16="http://schemas.microsoft.com/office/drawing/2014/main" id="{83B2102D-D373-4C95-A96F-FC4023A9A31D}"/>
-              </a:ext>
-            </a:extLst>
-          </p:cNvPr>
-          <p:cNvSpPr txBox="1"/>
-          <p:nvPr/>
-        </p:nvSpPr>
-        <p:spPr>
-          <a:xfrm>
-            <a:off x="2728466" y="3484011"/>
-            <a:ext cx="2363435" cy="646331"/>
-          </a:xfrm>
-          <a:prstGeom prst="rect">
-            <a:avLst/>
-          </a:prstGeom>
-          <a:solidFill>
-            <a:schemeClr val="bg1"/>
-          </a:solidFill>
-          <a:ln/>
-        </p:spPr>
-        <p:style>
-          <a:lnRef idx="2">
-            <a:schemeClr val="accent1"/>
-          </a:lnRef>
-          <a:fillRef idx="1">
-            <a:schemeClr val="lt1"/>
-          </a:fillRef>
-          <a:effectRef idx="0">
-            <a:schemeClr val="accent1"/>
-          </a:effectRef>
-          <a:fontRef idx="minor">
-            <a:schemeClr val="dk1"/>
-          </a:fontRef>
-        </p:style>
-        <p:txBody>
-          <a:bodyPr wrap="square" rtlCol="0">
-            <a:spAutoFit/>
-          </a:bodyPr>
-          <a:lstStyle/>
-          <a:p>
-            <a:pPr algn="ctr"/>
-            <a:r>
-              <a:rPr lang="en-US" sz="1200" b="1" dirty="0">
-                <a:solidFill>
-                  <a:schemeClr val="tx1"/>
-                </a:solidFill>
-                <a:latin typeface="Times New Roman" panose="02020603050405020304" pitchFamily="18" charset="0"/>
-                <a:cs typeface="Times New Roman" panose="02020603050405020304" pitchFamily="18" charset="0"/>
-              </a:rPr>
-              <a:t>preprocess.R</a:t>
-            </a:r>
-            <a:r>
-              <a:rPr lang="en-US" sz="1200" dirty="0">
-                <a:solidFill>
-                  <a:schemeClr val="tx1"/>
-                </a:solidFill>
-                <a:latin typeface="Times New Roman" panose="02020603050405020304" pitchFamily="18" charset="0"/>
-                <a:cs typeface="Times New Roman" panose="02020603050405020304" pitchFamily="18" charset="0"/>
-              </a:rPr>
-              <a:t>: Declares scaling / normalization functions and loads stored category / subset data.</a:t>
+              <a:t>: Loads stored category / subset data.</a:t>
             </a:r>
           </a:p>
         </p:txBody>
@@ -6232,8 +6216,8 @@
         </p:nvCxnSpPr>
         <p:spPr>
           <a:xfrm flipH="1" flipV="1">
-            <a:off x="5091901" y="3807177"/>
-            <a:ext cx="174899" cy="5328"/>
+            <a:off x="5091901" y="3714844"/>
+            <a:ext cx="168021" cy="86744"/>
           </a:xfrm>
           <a:prstGeom prst="straightConnector1">
             <a:avLst/>
@@ -6338,12 +6322,15 @@
         </p:nvSpPr>
         <p:spPr>
           <a:xfrm>
-            <a:off x="5266816" y="668166"/>
+            <a:off x="5269368" y="476518"/>
             <a:ext cx="2368538" cy="646331"/>
           </a:xfrm>
           <a:prstGeom prst="rect">
             <a:avLst/>
           </a:prstGeom>
+          <a:solidFill>
+            <a:srgbClr val="FFC5C5"/>
+          </a:solidFill>
           <a:ln/>
         </p:spPr>
         <p:style>
@@ -6372,7 +6359,7 @@
                 <a:latin typeface="Times New Roman" panose="02020603050405020304" pitchFamily="18" charset="0"/>
                 <a:cs typeface="Times New Roman" panose="02020603050405020304" pitchFamily="18" charset="0"/>
               </a:rPr>
-              <a:t>find_replace.R</a:t>
+              <a:t>find_replace.R*</a:t>
             </a:r>
             <a:r>
               <a:rPr lang="en-US" sz="1200" dirty="0">
@@ -6411,6 +6398,9 @@
           <a:prstGeom prst="rect">
             <a:avLst/>
           </a:prstGeom>
+          <a:solidFill>
+            <a:srgbClr val="FFC5C5"/>
+          </a:solidFill>
           <a:ln/>
         </p:spPr>
         <p:style>
@@ -6475,9 +6465,9 @@
           <p:nvPr/>
         </p:nvCxnSpPr>
         <p:spPr>
-          <a:xfrm flipV="1">
-            <a:off x="7635354" y="991331"/>
-            <a:ext cx="164283" cy="1"/>
+          <a:xfrm>
+            <a:off x="7637906" y="799684"/>
+            <a:ext cx="161731" cy="191647"/>
           </a:xfrm>
           <a:prstGeom prst="straightConnector1">
             <a:avLst/>
@@ -6555,15 +6545,15 @@
           </p:cNvPr>
           <p:cNvCxnSpPr>
             <a:cxnSpLocks/>
-            <a:stCxn id="58" idx="2"/>
+            <a:stCxn id="49" idx="2"/>
             <a:endCxn id="57" idx="0"/>
           </p:cNvCxnSpPr>
           <p:nvPr/>
         </p:nvCxnSpPr>
         <p:spPr>
           <a:xfrm>
-            <a:off x="6451085" y="1314497"/>
-            <a:ext cx="2552" cy="141133"/>
+            <a:off x="6441640" y="1395822"/>
+            <a:ext cx="11997" cy="59808"/>
           </a:xfrm>
           <a:prstGeom prst="straightConnector1">
             <a:avLst/>
@@ -6641,7 +6631,7 @@
                 <a:latin typeface="Times New Roman" panose="02020603050405020304" pitchFamily="18" charset="0"/>
                 <a:cs typeface="Times New Roman" panose="02020603050405020304" pitchFamily="18" charset="0"/>
               </a:rPr>
-              <a:t>red_methods.R</a:t>
+              <a:t>red_methods.R*</a:t>
             </a:r>
             <a:r>
               <a:rPr lang="en-US" sz="1200" dirty="0">
@@ -6674,8 +6664,8 @@
         </p:nvCxnSpPr>
         <p:spPr>
           <a:xfrm flipH="1">
-            <a:off x="3907449" y="4130342"/>
-            <a:ext cx="2735" cy="192719"/>
+            <a:off x="3850704" y="3945676"/>
+            <a:ext cx="59480" cy="377385"/>
           </a:xfrm>
           <a:prstGeom prst="straightConnector1">
             <a:avLst/>
@@ -6713,8 +6703,8 @@
         </p:nvSpPr>
         <p:spPr>
           <a:xfrm>
-            <a:off x="2725731" y="4323061"/>
-            <a:ext cx="2363435" cy="830997"/>
+            <a:off x="2612241" y="4323061"/>
+            <a:ext cx="2476925" cy="830997"/>
           </a:xfrm>
           <a:prstGeom prst="rect">
             <a:avLst/>
@@ -6753,7 +6743,7 @@
                 <a:latin typeface="Times New Roman" panose="02020603050405020304" pitchFamily="18" charset="0"/>
                 <a:cs typeface="Times New Roman" panose="02020603050405020304" pitchFamily="18" charset="0"/>
               </a:rPr>
-              <a:t>red_requests.R</a:t>
+              <a:t>red_requests.R*</a:t>
             </a:r>
             <a:r>
               <a:rPr lang="en-US" sz="1200" dirty="0">
@@ -6832,7 +6822,7 @@
             <a:avLst/>
           </a:prstGeom>
           <a:solidFill>
-            <a:schemeClr val="bg1"/>
+            <a:srgbClr val="FFC5C5"/>
           </a:solidFill>
           <a:ln/>
         </p:spPr>
@@ -6896,75 +6886,6 @@
           <a:xfrm>
             <a:off x="7804483" y="2076087"/>
             <a:ext cx="2363434" cy="646331"/>
-          </a:xfrm>
-          <a:prstGeom prst="rect">
-            <a:avLst/>
-          </a:prstGeom>
-          <a:solidFill>
-            <a:schemeClr val="bg1"/>
-          </a:solidFill>
-          <a:ln/>
-        </p:spPr>
-        <p:style>
-          <a:lnRef idx="2">
-            <a:schemeClr val="accent1"/>
-          </a:lnRef>
-          <a:fillRef idx="1">
-            <a:schemeClr val="lt1"/>
-          </a:fillRef>
-          <a:effectRef idx="0">
-            <a:schemeClr val="accent1"/>
-          </a:effectRef>
-          <a:fontRef idx="minor">
-            <a:schemeClr val="dk1"/>
-          </a:fontRef>
-        </p:style>
-        <p:txBody>
-          <a:bodyPr wrap="square" rtlCol="0">
-            <a:spAutoFit/>
-          </a:bodyPr>
-          <a:lstStyle/>
-          <a:p>
-            <a:pPr algn="ctr"/>
-            <a:r>
-              <a:rPr lang="en-US" sz="1200" b="1" dirty="0">
-                <a:solidFill>
-                  <a:schemeClr val="tx1"/>
-                </a:solidFill>
-                <a:latin typeface="Times New Roman" panose="02020603050405020304" pitchFamily="18" charset="0"/>
-                <a:cs typeface="Times New Roman" panose="02020603050405020304" pitchFamily="18" charset="0"/>
-              </a:rPr>
-              <a:t>ui_functions.R</a:t>
-            </a:r>
-            <a:r>
-              <a:rPr lang="en-US" sz="1200" dirty="0">
-                <a:solidFill>
-                  <a:schemeClr val="tx1"/>
-                </a:solidFill>
-                <a:latin typeface="Times New Roman" panose="02020603050405020304" pitchFamily="18" charset="0"/>
-                <a:cs typeface="Times New Roman" panose="02020603050405020304" pitchFamily="18" charset="0"/>
-              </a:rPr>
-              <a:t>: Declares functions that generate interactive HTML widgets for Shiny applications.</a:t>
-            </a:r>
-          </a:p>
-        </p:txBody>
-      </p:sp>
-      <p:sp>
-        <p:nvSpPr>
-          <p:cNvPr id="91" name="TextBox 90">
-            <a:extLst>
-              <a:ext uri="{FF2B5EF4-FFF2-40B4-BE49-F238E27FC236}">
-                <a16:creationId xmlns:a16="http://schemas.microsoft.com/office/drawing/2014/main" id="{F6F9E16A-6C86-470D-9A79-6EDD3DF8873C}"/>
-              </a:ext>
-            </a:extLst>
-          </p:cNvPr>
-          <p:cNvSpPr txBox="1"/>
-          <p:nvPr/>
-        </p:nvSpPr>
-        <p:spPr>
-          <a:xfrm>
-            <a:off x="7794130" y="5579278"/>
-            <a:ext cx="2363426" cy="646331"/>
           </a:xfrm>
           <a:prstGeom prst="rect">
             <a:avLst/>
@@ -7003,6 +6924,75 @@
                 <a:latin typeface="Times New Roman" panose="02020603050405020304" pitchFamily="18" charset="0"/>
                 <a:cs typeface="Times New Roman" panose="02020603050405020304" pitchFamily="18" charset="0"/>
               </a:rPr>
+              <a:t>ui_functions.R</a:t>
+            </a:r>
+            <a:r>
+              <a:rPr lang="en-US" sz="1200" dirty="0">
+                <a:solidFill>
+                  <a:schemeClr val="tx1"/>
+                </a:solidFill>
+                <a:latin typeface="Times New Roman" panose="02020603050405020304" pitchFamily="18" charset="0"/>
+                <a:cs typeface="Times New Roman" panose="02020603050405020304" pitchFamily="18" charset="0"/>
+              </a:rPr>
+              <a:t>: Declares functions that generate interactive HTML widgets for Shiny applications.</a:t>
+            </a:r>
+          </a:p>
+        </p:txBody>
+      </p:sp>
+      <p:sp>
+        <p:nvSpPr>
+          <p:cNvPr id="91" name="TextBox 90">
+            <a:extLst>
+              <a:ext uri="{FF2B5EF4-FFF2-40B4-BE49-F238E27FC236}">
+                <a16:creationId xmlns:a16="http://schemas.microsoft.com/office/drawing/2014/main" id="{F6F9E16A-6C86-470D-9A79-6EDD3DF8873C}"/>
+              </a:ext>
+            </a:extLst>
+          </p:cNvPr>
+          <p:cNvSpPr txBox="1"/>
+          <p:nvPr/>
+        </p:nvSpPr>
+        <p:spPr>
+          <a:xfrm>
+            <a:off x="7794130" y="5579278"/>
+            <a:ext cx="2363426" cy="646331"/>
+          </a:xfrm>
+          <a:prstGeom prst="rect">
+            <a:avLst/>
+          </a:prstGeom>
+          <a:solidFill>
+            <a:srgbClr val="FFC5C5"/>
+          </a:solidFill>
+          <a:ln/>
+        </p:spPr>
+        <p:style>
+          <a:lnRef idx="2">
+            <a:schemeClr val="accent1"/>
+          </a:lnRef>
+          <a:fillRef idx="1">
+            <a:schemeClr val="lt1"/>
+          </a:fillRef>
+          <a:effectRef idx="0">
+            <a:schemeClr val="accent1"/>
+          </a:effectRef>
+          <a:fontRef idx="minor">
+            <a:schemeClr val="dk1"/>
+          </a:fontRef>
+        </p:style>
+        <p:txBody>
+          <a:bodyPr wrap="square" rtlCol="0">
+            <a:spAutoFit/>
+          </a:bodyPr>
+          <a:lstStyle/>
+          <a:p>
+            <a:pPr algn="ctr"/>
+            <a:r>
+              <a:rPr lang="en-US" sz="1200" b="1" dirty="0">
+                <a:solidFill>
+                  <a:schemeClr val="tx1"/>
+                </a:solidFill>
+                <a:latin typeface="Times New Roman" panose="02020603050405020304" pitchFamily="18" charset="0"/>
+                <a:cs typeface="Times New Roman" panose="02020603050405020304" pitchFamily="18" charset="0"/>
+              </a:rPr>
               <a:t>app.R</a:t>
             </a:r>
             <a:r>
@@ -7036,8 +7026,8 @@
         </p:nvCxnSpPr>
         <p:spPr>
           <a:xfrm flipV="1">
-            <a:off x="7623359" y="5902444"/>
-            <a:ext cx="170771" cy="2830"/>
+            <a:off x="7680103" y="5902444"/>
+            <a:ext cx="114027" cy="386705"/>
           </a:xfrm>
           <a:prstGeom prst="straightConnector1">
             <a:avLst/>
@@ -7081,12 +7071,7 @@
           <a:prstGeom prst="rect">
             <a:avLst/>
           </a:prstGeom>
-          <a:solidFill>
-            <a:schemeClr val="accent5">
-              <a:lumMod val="20000"/>
-              <a:lumOff val="80000"/>
-            </a:schemeClr>
-          </a:solidFill>
+          <a:noFill/>
           <a:ln/>
         </p:spPr>
         <p:style>
@@ -7151,8 +7136,8 @@
         </p:nvCxnSpPr>
         <p:spPr>
           <a:xfrm>
-            <a:off x="3907449" y="5154058"/>
-            <a:ext cx="1" cy="184980"/>
+            <a:off x="3850704" y="5154058"/>
+            <a:ext cx="56746" cy="184980"/>
           </a:xfrm>
           <a:prstGeom prst="straightConnector1">
             <a:avLst/>
@@ -7187,15 +7172,14 @@
           </p:cNvPr>
           <p:cNvCxnSpPr>
             <a:cxnSpLocks/>
-            <a:stCxn id="89" idx="2"/>
             <a:endCxn id="91" idx="0"/>
           </p:cNvCxnSpPr>
           <p:nvPr/>
         </p:nvCxnSpPr>
         <p:spPr>
-          <a:xfrm flipH="1">
-            <a:off x="8975843" y="4130342"/>
-            <a:ext cx="5511" cy="1448936"/>
+          <a:xfrm>
+            <a:off x="8975843" y="4639365"/>
+            <a:ext cx="0" cy="939913"/>
           </a:xfrm>
           <a:prstGeom prst="straightConnector1">
             <a:avLst/>
@@ -7273,15 +7257,15 @@
           </p:cNvPr>
           <p:cNvCxnSpPr>
             <a:cxnSpLocks/>
-            <a:stCxn id="90" idx="2"/>
+            <a:stCxn id="65" idx="2"/>
             <a:endCxn id="89" idx="0"/>
           </p:cNvCxnSpPr>
           <p:nvPr/>
         </p:nvCxnSpPr>
         <p:spPr>
           <a:xfrm flipH="1">
-            <a:off x="8981354" y="2722418"/>
-            <a:ext cx="4846" cy="761593"/>
+            <a:off x="8981354" y="3158790"/>
+            <a:ext cx="4841" cy="325221"/>
           </a:xfrm>
           <a:prstGeom prst="straightConnector1">
             <a:avLst/>
@@ -7320,13 +7304,13 @@
         <p:spPr>
           <a:xfrm>
             <a:off x="5266800" y="2241652"/>
-            <a:ext cx="2363167" cy="1200329"/>
+            <a:ext cx="2363167" cy="646331"/>
           </a:xfrm>
           <a:prstGeom prst="rect">
             <a:avLst/>
           </a:prstGeom>
           <a:solidFill>
-            <a:schemeClr val="bg1"/>
+            <a:srgbClr val="FFC5C5"/>
           </a:solidFill>
           <a:ln/>
         </p:spPr>
@@ -7363,46 +7347,8 @@
                 <a:latin typeface="Times New Roman" panose="02020603050405020304" pitchFamily="18" charset="0"/>
                 <a:cs typeface="Times New Roman" panose="02020603050405020304" pitchFamily="18" charset="0"/>
               </a:rPr>
-              <a:t>: Declares functions for listing / reading / writing files on operating systems / AWS.</a:t>
-            </a:r>
-          </a:p>
-          <a:p>
-            <a:pPr algn="ctr"/>
-            <a:endParaRPr lang="en-US" sz="1200" dirty="0">
-              <a:latin typeface="Times New Roman" panose="02020603050405020304" pitchFamily="18" charset="0"/>
-              <a:cs typeface="Times New Roman" panose="02020603050405020304" pitchFamily="18" charset="0"/>
-            </a:endParaRPr>
-          </a:p>
-          <a:p>
-            <a:pPr algn="ctr"/>
-            <a:r>
-              <a:rPr lang="en-US" sz="1200" b="1" dirty="0">
-                <a:latin typeface="Times New Roman" panose="02020603050405020304" pitchFamily="18" charset="0"/>
-                <a:cs typeface="Times New Roman" panose="02020603050405020304" pitchFamily="18" charset="0"/>
-              </a:rPr>
-              <a:t>parameters.R*</a:t>
-            </a:r>
-            <a:r>
-              <a:rPr lang="en-US" sz="1200" dirty="0">
-                <a:latin typeface="Times New Roman" panose="02020603050405020304" pitchFamily="18" charset="0"/>
-                <a:cs typeface="Times New Roman" panose="02020603050405020304" pitchFamily="18" charset="0"/>
-              </a:rPr>
-              <a:t>: Specifies names and roles for reduction parameters</a:t>
-            </a:r>
-            <a:r>
-              <a:rPr lang="en-US" sz="1200" dirty="0">
-                <a:solidFill>
-                  <a:schemeClr val="tx1"/>
-                </a:solidFill>
-                <a:latin typeface="Times New Roman" panose="02020603050405020304" pitchFamily="18" charset="0"/>
-                <a:cs typeface="Times New Roman" panose="02020603050405020304" pitchFamily="18" charset="0"/>
-              </a:rPr>
-              <a:t>.</a:t>
-            </a:r>
-            <a:endParaRPr lang="en-US" sz="1200" dirty="0">
-              <a:latin typeface="Times New Roman" panose="02020603050405020304" pitchFamily="18" charset="0"/>
-              <a:cs typeface="Times New Roman" panose="02020603050405020304" pitchFamily="18" charset="0"/>
-            </a:endParaRPr>
+              <a:t>: Declares functions to list, find, read, and write files on operating systems / AWS.</a:t>
+            </a:r>
           </a:p>
         </p:txBody>
       </p:sp>
@@ -7417,15 +7363,15 @@
           </p:cNvPr>
           <p:cNvCxnSpPr>
             <a:cxnSpLocks/>
-            <a:stCxn id="242" idx="2"/>
+            <a:stCxn id="46" idx="2"/>
             <a:endCxn id="44" idx="0"/>
           </p:cNvCxnSpPr>
           <p:nvPr/>
         </p:nvCxnSpPr>
         <p:spPr>
-          <a:xfrm>
-            <a:off x="6448384" y="3441981"/>
-            <a:ext cx="135" cy="139691"/>
+          <a:xfrm flipH="1">
+            <a:off x="6441641" y="3160846"/>
+            <a:ext cx="6878" cy="317576"/>
           </a:xfrm>
           <a:prstGeom prst="straightConnector1">
             <a:avLst/>
@@ -7466,9 +7412,9 @@
           <p:nvPr/>
         </p:nvCxnSpPr>
         <p:spPr>
-          <a:xfrm flipV="1">
-            <a:off x="7630237" y="3807177"/>
-            <a:ext cx="169400" cy="5328"/>
+          <a:xfrm>
+            <a:off x="7623359" y="3801588"/>
+            <a:ext cx="176278" cy="5589"/>
           </a:xfrm>
           <a:prstGeom prst="straightConnector1">
             <a:avLst/>
@@ -7537,10 +7483,10 @@
       </p:cxnSp>
       <p:sp>
         <p:nvSpPr>
-          <p:cNvPr id="34" name="TextBox 33">
-            <a:extLst>
-              <a:ext uri="{FF2B5EF4-FFF2-40B4-BE49-F238E27FC236}">
-                <a16:creationId xmlns:a16="http://schemas.microsoft.com/office/drawing/2014/main" id="{BF7C1383-BBEE-431F-83DB-1A80CBAEBFB7}"/>
+          <p:cNvPr id="39" name="TextBox 38">
+            <a:extLst>
+              <a:ext uri="{FF2B5EF4-FFF2-40B4-BE49-F238E27FC236}">
+                <a16:creationId xmlns:a16="http://schemas.microsoft.com/office/drawing/2014/main" id="{029103AD-A728-4D0B-9FEE-183866445CA4}"/>
               </a:ext>
             </a:extLst>
           </p:cNvPr>
@@ -7549,8 +7495,70 @@
         </p:nvSpPr>
         <p:spPr>
           <a:xfrm>
-            <a:off x="362564" y="736439"/>
-            <a:ext cx="2363167" cy="461665"/>
+            <a:off x="172426" y="780809"/>
+            <a:ext cx="2363437" cy="646331"/>
+          </a:xfrm>
+          <a:prstGeom prst="rect">
+            <a:avLst/>
+          </a:prstGeom>
+          <a:solidFill>
+            <a:schemeClr val="accent1">
+              <a:lumMod val="20000"/>
+              <a:lumOff val="80000"/>
+            </a:schemeClr>
+          </a:solidFill>
+          <a:ln/>
+        </p:spPr>
+        <p:style>
+          <a:lnRef idx="2">
+            <a:schemeClr val="accent1"/>
+          </a:lnRef>
+          <a:fillRef idx="1">
+            <a:schemeClr val="lt1"/>
+          </a:fillRef>
+          <a:effectRef idx="0">
+            <a:schemeClr val="accent1"/>
+          </a:effectRef>
+          <a:fontRef idx="minor">
+            <a:schemeClr val="dk1"/>
+          </a:fontRef>
+        </p:style>
+        <p:txBody>
+          <a:bodyPr wrap="square" rtlCol="0">
+            <a:spAutoFit/>
+          </a:bodyPr>
+          <a:lstStyle/>
+          <a:p>
+            <a:pPr algn="ctr"/>
+            <a:r>
+              <a:rPr lang="en-US" sz="1200" dirty="0">
+                <a:solidFill>
+                  <a:schemeClr val="tx1"/>
+                </a:solidFill>
+                <a:latin typeface="Times New Roman" panose="02020603050405020304" pitchFamily="18" charset="0"/>
+                <a:cs typeface="Times New Roman" panose="02020603050405020304" pitchFamily="18" charset="0"/>
+              </a:rPr>
+              <a:t>library(shiny), library(dplyr), library(BiocManager) [only necessary for reduction]</a:t>
+            </a:r>
+          </a:p>
+        </p:txBody>
+      </p:sp>
+      <p:sp>
+        <p:nvSpPr>
+          <p:cNvPr id="33" name="TextBox 32">
+            <a:extLst>
+              <a:ext uri="{FF2B5EF4-FFF2-40B4-BE49-F238E27FC236}">
+                <a16:creationId xmlns:a16="http://schemas.microsoft.com/office/drawing/2014/main" id="{0441AD0E-A153-4EC3-A49F-65D0E2C4D285}"/>
+              </a:ext>
+            </a:extLst>
+          </p:cNvPr>
+          <p:cNvSpPr txBox="1"/>
+          <p:nvPr/>
+        </p:nvSpPr>
+        <p:spPr>
+          <a:xfrm>
+            <a:off x="155681" y="3484010"/>
+            <a:ext cx="2363435" cy="461665"/>
           </a:xfrm>
           <a:prstGeom prst="rect">
             <a:avLst/>
@@ -7583,32 +7591,787 @@
             <a:pPr algn="ctr"/>
             <a:r>
               <a:rPr lang="en-US" sz="1200" b="1" dirty="0">
-                <a:latin typeface="Times New Roman" panose="02020603050405020304" pitchFamily="18" charset="0"/>
-                <a:cs typeface="Times New Roman" panose="02020603050405020304" pitchFamily="18" charset="0"/>
-              </a:rPr>
-              <a:t>parameters.R*</a:t>
-            </a:r>
-            <a:r>
-              <a:rPr lang="en-US" sz="1200" dirty="0">
-                <a:latin typeface="Times New Roman" panose="02020603050405020304" pitchFamily="18" charset="0"/>
-                <a:cs typeface="Times New Roman" panose="02020603050405020304" pitchFamily="18" charset="0"/>
-              </a:rPr>
-              <a:t>: Not included in converter.R</a:t>
-            </a:r>
-            <a:r>
-              <a:rPr lang="en-US" sz="1200" dirty="0">
                 <a:solidFill>
                   <a:schemeClr val="tx1"/>
                 </a:solidFill>
                 <a:latin typeface="Times New Roman" panose="02020603050405020304" pitchFamily="18" charset="0"/>
                 <a:cs typeface="Times New Roman" panose="02020603050405020304" pitchFamily="18" charset="0"/>
               </a:rPr>
-              <a:t>.</a:t>
-            </a:r>
-            <a:endParaRPr lang="en-US" sz="1200" dirty="0">
-              <a:latin typeface="Times New Roman" panose="02020603050405020304" pitchFamily="18" charset="0"/>
-              <a:cs typeface="Times New Roman" panose="02020603050405020304" pitchFamily="18" charset="0"/>
-            </a:endParaRPr>
+              <a:t>sca_nor_fun.R</a:t>
+            </a:r>
+            <a:r>
+              <a:rPr lang="en-US" sz="1200" dirty="0">
+                <a:solidFill>
+                  <a:schemeClr val="tx1"/>
+                </a:solidFill>
+                <a:latin typeface="Times New Roman" panose="02020603050405020304" pitchFamily="18" charset="0"/>
+                <a:cs typeface="Times New Roman" panose="02020603050405020304" pitchFamily="18" charset="0"/>
+              </a:rPr>
+              <a:t>: Declares scaling / normalization functions.</a:t>
+            </a:r>
+          </a:p>
+        </p:txBody>
+      </p:sp>
+      <p:cxnSp>
+        <p:nvCxnSpPr>
+          <p:cNvPr id="34" name="Straight Arrow Connector 33">
+            <a:extLst>
+              <a:ext uri="{FF2B5EF4-FFF2-40B4-BE49-F238E27FC236}">
+                <a16:creationId xmlns:a16="http://schemas.microsoft.com/office/drawing/2014/main" id="{D7A9CDE0-CA41-4289-A132-CA3A9915970E}"/>
+              </a:ext>
+            </a:extLst>
+          </p:cNvPr>
+          <p:cNvCxnSpPr>
+            <a:cxnSpLocks/>
+            <a:stCxn id="33" idx="3"/>
+            <a:endCxn id="50" idx="1"/>
+          </p:cNvCxnSpPr>
+          <p:nvPr/>
+        </p:nvCxnSpPr>
+        <p:spPr>
+          <a:xfrm>
+            <a:off x="2519116" y="3714843"/>
+            <a:ext cx="209350" cy="1"/>
+          </a:xfrm>
+          <a:prstGeom prst="straightConnector1">
+            <a:avLst/>
+          </a:prstGeom>
+          <a:ln>
+            <a:tailEnd type="triangle"/>
+          </a:ln>
+        </p:spPr>
+        <p:style>
+          <a:lnRef idx="1">
+            <a:schemeClr val="accent1"/>
+          </a:lnRef>
+          <a:fillRef idx="0">
+            <a:schemeClr val="accent1"/>
+          </a:fillRef>
+          <a:effectRef idx="0">
+            <a:schemeClr val="accent1"/>
+          </a:effectRef>
+          <a:fontRef idx="minor">
+            <a:schemeClr val="tx1"/>
+          </a:fontRef>
+        </p:style>
+      </p:cxnSp>
+      <p:sp>
+        <p:nvSpPr>
+          <p:cNvPr id="40" name="TextBox 39">
+            <a:extLst>
+              <a:ext uri="{FF2B5EF4-FFF2-40B4-BE49-F238E27FC236}">
+                <a16:creationId xmlns:a16="http://schemas.microsoft.com/office/drawing/2014/main" id="{958CB991-4541-4D29-9ADD-1354203EF18E}"/>
+              </a:ext>
+            </a:extLst>
+          </p:cNvPr>
+          <p:cNvSpPr txBox="1"/>
+          <p:nvPr/>
+        </p:nvSpPr>
+        <p:spPr>
+          <a:xfrm>
+            <a:off x="84504" y="6470870"/>
+            <a:ext cx="2363437" cy="276999"/>
+          </a:xfrm>
+          <a:prstGeom prst="rect">
+            <a:avLst/>
+          </a:prstGeom>
+          <a:solidFill>
+            <a:srgbClr val="D8C2DC"/>
+          </a:solidFill>
+          <a:ln/>
+        </p:spPr>
+        <p:style>
+          <a:lnRef idx="2">
+            <a:schemeClr val="accent1"/>
+          </a:lnRef>
+          <a:fillRef idx="1">
+            <a:schemeClr val="lt1"/>
+          </a:fillRef>
+          <a:effectRef idx="0">
+            <a:schemeClr val="accent1"/>
+          </a:effectRef>
+          <a:fontRef idx="minor">
+            <a:schemeClr val="dk1"/>
+          </a:fontRef>
+        </p:style>
+        <p:txBody>
+          <a:bodyPr wrap="square" rtlCol="0">
+            <a:spAutoFit/>
+          </a:bodyPr>
+          <a:lstStyle/>
+          <a:p>
+            <a:pPr algn="ctr"/>
+            <a:r>
+              <a:rPr lang="en-US" sz="1200" b="1" dirty="0">
+                <a:solidFill>
+                  <a:schemeClr val="tx1"/>
+                </a:solidFill>
+                <a:latin typeface="Times New Roman" panose="02020603050405020304" pitchFamily="18" charset="0"/>
+                <a:cs typeface="Times New Roman" panose="02020603050405020304" pitchFamily="18" charset="0"/>
+              </a:rPr>
+              <a:t>*Has unit tests.</a:t>
+            </a:r>
+          </a:p>
+        </p:txBody>
+      </p:sp>
+      <p:sp>
+        <p:nvSpPr>
+          <p:cNvPr id="45" name="TextBox 44">
+            <a:extLst>
+              <a:ext uri="{FF2B5EF4-FFF2-40B4-BE49-F238E27FC236}">
+                <a16:creationId xmlns:a16="http://schemas.microsoft.com/office/drawing/2014/main" id="{E72BEC92-76D3-4036-8161-FACCC10C6E2A}"/>
+              </a:ext>
+            </a:extLst>
+          </p:cNvPr>
+          <p:cNvSpPr txBox="1"/>
+          <p:nvPr/>
+        </p:nvSpPr>
+        <p:spPr>
+          <a:xfrm>
+            <a:off x="155679" y="3940126"/>
+            <a:ext cx="2363437" cy="276999"/>
+          </a:xfrm>
+          <a:prstGeom prst="rect">
+            <a:avLst/>
+          </a:prstGeom>
+          <a:solidFill>
+            <a:schemeClr val="accent1">
+              <a:lumMod val="20000"/>
+              <a:lumOff val="80000"/>
+            </a:schemeClr>
+          </a:solidFill>
+          <a:ln/>
+        </p:spPr>
+        <p:style>
+          <a:lnRef idx="2">
+            <a:schemeClr val="accent1"/>
+          </a:lnRef>
+          <a:fillRef idx="1">
+            <a:schemeClr val="lt1"/>
+          </a:fillRef>
+          <a:effectRef idx="0">
+            <a:schemeClr val="accent1"/>
+          </a:effectRef>
+          <a:fontRef idx="minor">
+            <a:schemeClr val="dk1"/>
+          </a:fontRef>
+        </p:style>
+        <p:txBody>
+          <a:bodyPr wrap="square" rtlCol="0">
+            <a:spAutoFit/>
+          </a:bodyPr>
+          <a:lstStyle/>
+          <a:p>
+            <a:pPr algn="ctr"/>
+            <a:r>
+              <a:rPr lang="en-US" sz="1200" dirty="0">
+                <a:solidFill>
+                  <a:schemeClr val="tx1"/>
+                </a:solidFill>
+                <a:latin typeface="Times New Roman" panose="02020603050405020304" pitchFamily="18" charset="0"/>
+                <a:cs typeface="Times New Roman" panose="02020603050405020304" pitchFamily="18" charset="0"/>
+              </a:rPr>
+              <a:t>library(limma)</a:t>
+            </a:r>
+          </a:p>
+        </p:txBody>
+      </p:sp>
+      <p:sp>
+        <p:nvSpPr>
+          <p:cNvPr id="46" name="TextBox 45">
+            <a:extLst>
+              <a:ext uri="{FF2B5EF4-FFF2-40B4-BE49-F238E27FC236}">
+                <a16:creationId xmlns:a16="http://schemas.microsoft.com/office/drawing/2014/main" id="{594EF328-46BE-46EE-B6F6-4D322FF359AF}"/>
+              </a:ext>
+            </a:extLst>
+          </p:cNvPr>
+          <p:cNvSpPr txBox="1"/>
+          <p:nvPr/>
+        </p:nvSpPr>
+        <p:spPr>
+          <a:xfrm>
+            <a:off x="5266800" y="2883847"/>
+            <a:ext cx="2363437" cy="276999"/>
+          </a:xfrm>
+          <a:prstGeom prst="rect">
+            <a:avLst/>
+          </a:prstGeom>
+          <a:solidFill>
+            <a:schemeClr val="accent1">
+              <a:lumMod val="20000"/>
+              <a:lumOff val="80000"/>
+            </a:schemeClr>
+          </a:solidFill>
+          <a:ln/>
+        </p:spPr>
+        <p:style>
+          <a:lnRef idx="2">
+            <a:schemeClr val="accent1"/>
+          </a:lnRef>
+          <a:fillRef idx="1">
+            <a:schemeClr val="lt1"/>
+          </a:fillRef>
+          <a:effectRef idx="0">
+            <a:schemeClr val="accent1"/>
+          </a:effectRef>
+          <a:fontRef idx="minor">
+            <a:schemeClr val="dk1"/>
+          </a:fontRef>
+        </p:style>
+        <p:txBody>
+          <a:bodyPr wrap="square" rtlCol="0">
+            <a:spAutoFit/>
+          </a:bodyPr>
+          <a:lstStyle/>
+          <a:p>
+            <a:pPr algn="ctr"/>
+            <a:r>
+              <a:rPr lang="en-US" sz="1200" dirty="0">
+                <a:solidFill>
+                  <a:schemeClr val="tx1"/>
+                </a:solidFill>
+                <a:latin typeface="Times New Roman" panose="02020603050405020304" pitchFamily="18" charset="0"/>
+                <a:cs typeface="Times New Roman" panose="02020603050405020304" pitchFamily="18" charset="0"/>
+              </a:rPr>
+              <a:t>library(aws.s3)</a:t>
+            </a:r>
+          </a:p>
+        </p:txBody>
+      </p:sp>
+      <p:sp>
+        <p:nvSpPr>
+          <p:cNvPr id="49" name="TextBox 48">
+            <a:extLst>
+              <a:ext uri="{FF2B5EF4-FFF2-40B4-BE49-F238E27FC236}">
+                <a16:creationId xmlns:a16="http://schemas.microsoft.com/office/drawing/2014/main" id="{A7EA7F8B-331A-4065-90D3-B478790CF16F}"/>
+              </a:ext>
+            </a:extLst>
+          </p:cNvPr>
+          <p:cNvSpPr txBox="1"/>
+          <p:nvPr/>
+        </p:nvSpPr>
+        <p:spPr>
+          <a:xfrm>
+            <a:off x="5259921" y="1118823"/>
+            <a:ext cx="2363437" cy="276999"/>
+          </a:xfrm>
+          <a:prstGeom prst="rect">
+            <a:avLst/>
+          </a:prstGeom>
+          <a:solidFill>
+            <a:schemeClr val="accent1">
+              <a:lumMod val="20000"/>
+              <a:lumOff val="80000"/>
+            </a:schemeClr>
+          </a:solidFill>
+          <a:ln/>
+        </p:spPr>
+        <p:style>
+          <a:lnRef idx="2">
+            <a:schemeClr val="accent1"/>
+          </a:lnRef>
+          <a:fillRef idx="1">
+            <a:schemeClr val="lt1"/>
+          </a:fillRef>
+          <a:effectRef idx="0">
+            <a:schemeClr val="accent1"/>
+          </a:effectRef>
+          <a:fontRef idx="minor">
+            <a:schemeClr val="dk1"/>
+          </a:fontRef>
+        </p:style>
+        <p:txBody>
+          <a:bodyPr wrap="square" rtlCol="0">
+            <a:spAutoFit/>
+          </a:bodyPr>
+          <a:lstStyle/>
+          <a:p>
+            <a:pPr algn="ctr"/>
+            <a:r>
+              <a:rPr lang="en-US" sz="1200" dirty="0">
+                <a:solidFill>
+                  <a:schemeClr val="tx1"/>
+                </a:solidFill>
+                <a:latin typeface="Times New Roman" panose="02020603050405020304" pitchFamily="18" charset="0"/>
+                <a:cs typeface="Times New Roman" panose="02020603050405020304" pitchFamily="18" charset="0"/>
+              </a:rPr>
+              <a:t>library(stringi)</a:t>
+            </a:r>
+          </a:p>
+        </p:txBody>
+      </p:sp>
+      <p:sp>
+        <p:nvSpPr>
+          <p:cNvPr id="54" name="TextBox 53">
+            <a:extLst>
+              <a:ext uri="{FF2B5EF4-FFF2-40B4-BE49-F238E27FC236}">
+                <a16:creationId xmlns:a16="http://schemas.microsoft.com/office/drawing/2014/main" id="{B9A9D995-A727-4999-95D8-89EBF3439DE8}"/>
+              </a:ext>
+            </a:extLst>
+          </p:cNvPr>
+          <p:cNvSpPr txBox="1"/>
+          <p:nvPr/>
+        </p:nvSpPr>
+        <p:spPr>
+          <a:xfrm>
+            <a:off x="10391809" y="5470362"/>
+            <a:ext cx="2476926" cy="1015663"/>
+          </a:xfrm>
+          <a:prstGeom prst="rect">
+            <a:avLst/>
+          </a:prstGeom>
+          <a:solidFill>
+            <a:schemeClr val="accent1">
+              <a:lumMod val="20000"/>
+              <a:lumOff val="80000"/>
+            </a:schemeClr>
+          </a:solidFill>
+          <a:ln/>
+        </p:spPr>
+        <p:style>
+          <a:lnRef idx="2">
+            <a:schemeClr val="accent1"/>
+          </a:lnRef>
+          <a:fillRef idx="1">
+            <a:schemeClr val="lt1"/>
+          </a:fillRef>
+          <a:effectRef idx="0">
+            <a:schemeClr val="accent1"/>
+          </a:effectRef>
+          <a:fontRef idx="minor">
+            <a:schemeClr val="dk1"/>
+          </a:fontRef>
+        </p:style>
+        <p:txBody>
+          <a:bodyPr wrap="square" rtlCol="0">
+            <a:spAutoFit/>
+          </a:bodyPr>
+          <a:lstStyle/>
+          <a:p>
+            <a:pPr algn="ctr"/>
+            <a:r>
+              <a:rPr lang="en-US" sz="1200" dirty="0">
+                <a:solidFill>
+                  <a:schemeClr val="tx1"/>
+                </a:solidFill>
+                <a:latin typeface="Times New Roman" panose="02020603050405020304" pitchFamily="18" charset="0"/>
+                <a:cs typeface="Times New Roman" panose="02020603050405020304" pitchFamily="18" charset="0"/>
+              </a:rPr>
+              <a:t>library(</a:t>
+            </a:r>
+            <a:r>
+              <a:rPr lang="en-US" sz="1200" dirty="0" err="1">
+                <a:solidFill>
+                  <a:schemeClr val="tx1"/>
+                </a:solidFill>
+                <a:latin typeface="Times New Roman" panose="02020603050405020304" pitchFamily="18" charset="0"/>
+                <a:cs typeface="Times New Roman" panose="02020603050405020304" pitchFamily="18" charset="0"/>
+              </a:rPr>
+              <a:t>viridis</a:t>
+            </a:r>
+            <a:r>
+              <a:rPr lang="en-US" sz="1200" dirty="0">
+                <a:solidFill>
+                  <a:schemeClr val="tx1"/>
+                </a:solidFill>
+                <a:latin typeface="Times New Roman" panose="02020603050405020304" pitchFamily="18" charset="0"/>
+                <a:cs typeface="Times New Roman" panose="02020603050405020304" pitchFamily="18" charset="0"/>
+              </a:rPr>
+              <a:t>), library(ggplot2), library(plotly), library(UpSetR), library(VennDiagram),</a:t>
+            </a:r>
+          </a:p>
+          <a:p>
+            <a:pPr algn="ctr"/>
+            <a:r>
+              <a:rPr lang="en-US" sz="1200" dirty="0">
+                <a:solidFill>
+                  <a:schemeClr val="tx1"/>
+                </a:solidFill>
+                <a:latin typeface="Times New Roman" panose="02020603050405020304" pitchFamily="18" charset="0"/>
+                <a:cs typeface="Times New Roman" panose="02020603050405020304" pitchFamily="18" charset="0"/>
+              </a:rPr>
+              <a:t>library(beeswarm),  library(heatmaply), library(DT)</a:t>
+            </a:r>
+          </a:p>
+        </p:txBody>
+      </p:sp>
+      <p:sp>
+        <p:nvSpPr>
+          <p:cNvPr id="56" name="TextBox 55">
+            <a:extLst>
+              <a:ext uri="{FF2B5EF4-FFF2-40B4-BE49-F238E27FC236}">
+                <a16:creationId xmlns:a16="http://schemas.microsoft.com/office/drawing/2014/main" id="{7822B8AA-2875-418F-8908-0D7DB347535D}"/>
+              </a:ext>
+            </a:extLst>
+          </p:cNvPr>
+          <p:cNvSpPr txBox="1"/>
+          <p:nvPr/>
+        </p:nvSpPr>
+        <p:spPr>
+          <a:xfrm>
+            <a:off x="7804484" y="4134368"/>
+            <a:ext cx="2363424" cy="461665"/>
+          </a:xfrm>
+          <a:prstGeom prst="rect">
+            <a:avLst/>
+          </a:prstGeom>
+          <a:solidFill>
+            <a:schemeClr val="accent1">
+              <a:lumMod val="20000"/>
+              <a:lumOff val="80000"/>
+            </a:schemeClr>
+          </a:solidFill>
+          <a:ln/>
+        </p:spPr>
+        <p:style>
+          <a:lnRef idx="2">
+            <a:schemeClr val="accent1"/>
+          </a:lnRef>
+          <a:fillRef idx="1">
+            <a:schemeClr val="lt1"/>
+          </a:fillRef>
+          <a:effectRef idx="0">
+            <a:schemeClr val="accent1"/>
+          </a:effectRef>
+          <a:fontRef idx="minor">
+            <a:schemeClr val="dk1"/>
+          </a:fontRef>
+        </p:style>
+        <p:txBody>
+          <a:bodyPr wrap="square" rtlCol="0">
+            <a:spAutoFit/>
+          </a:bodyPr>
+          <a:lstStyle/>
+          <a:p>
+            <a:pPr algn="ctr"/>
+            <a:r>
+              <a:rPr lang="en-US" sz="1200" dirty="0">
+                <a:solidFill>
+                  <a:schemeClr val="tx1"/>
+                </a:solidFill>
+                <a:latin typeface="Times New Roman" panose="02020603050405020304" pitchFamily="18" charset="0"/>
+                <a:cs typeface="Times New Roman" panose="02020603050405020304" pitchFamily="18" charset="0"/>
+              </a:rPr>
+              <a:t>library(shinyjs), library(shinydashboard)</a:t>
+            </a:r>
+          </a:p>
+        </p:txBody>
+      </p:sp>
+      <p:sp>
+        <p:nvSpPr>
+          <p:cNvPr id="59" name="TextBox 58">
+            <a:extLst>
+              <a:ext uri="{FF2B5EF4-FFF2-40B4-BE49-F238E27FC236}">
+                <a16:creationId xmlns:a16="http://schemas.microsoft.com/office/drawing/2014/main" id="{C9C150DD-F239-4C59-AA92-42F5C818089B}"/>
+              </a:ext>
+            </a:extLst>
+          </p:cNvPr>
+          <p:cNvSpPr txBox="1"/>
+          <p:nvPr/>
+        </p:nvSpPr>
+        <p:spPr>
+          <a:xfrm>
+            <a:off x="10391809" y="4639365"/>
+            <a:ext cx="2476926" cy="830997"/>
+          </a:xfrm>
+          <a:prstGeom prst="rect">
+            <a:avLst/>
+          </a:prstGeom>
+          <a:solidFill>
+            <a:srgbClr val="FFC5C5"/>
+          </a:solidFill>
+          <a:ln/>
+        </p:spPr>
+        <p:style>
+          <a:lnRef idx="2">
+            <a:schemeClr val="accent1"/>
+          </a:lnRef>
+          <a:fillRef idx="1">
+            <a:schemeClr val="lt1"/>
+          </a:fillRef>
+          <a:effectRef idx="0">
+            <a:schemeClr val="accent1"/>
+          </a:effectRef>
+          <a:fontRef idx="minor">
+            <a:schemeClr val="dk1"/>
+          </a:fontRef>
+        </p:style>
+        <p:txBody>
+          <a:bodyPr wrap="square" rtlCol="0">
+            <a:spAutoFit/>
+          </a:bodyPr>
+          <a:lstStyle/>
+          <a:p>
+            <a:pPr algn="ctr"/>
+            <a:r>
+              <a:rPr lang="en-US" sz="1200" b="1" dirty="0">
+                <a:solidFill>
+                  <a:schemeClr val="tx1"/>
+                </a:solidFill>
+                <a:latin typeface="Times New Roman" panose="02020603050405020304" pitchFamily="18" charset="0"/>
+                <a:cs typeface="Times New Roman" panose="02020603050405020304" pitchFamily="18" charset="0"/>
+              </a:rPr>
+              <a:t>plotting.R*</a:t>
+            </a:r>
+            <a:r>
+              <a:rPr lang="en-US" sz="1200" dirty="0">
+                <a:solidFill>
+                  <a:schemeClr val="tx1"/>
+                </a:solidFill>
+                <a:latin typeface="Times New Roman" panose="02020603050405020304" pitchFamily="18" charset="0"/>
+                <a:cs typeface="Times New Roman" panose="02020603050405020304" pitchFamily="18" charset="0"/>
+              </a:rPr>
+              <a:t>: Makes ggplot2, plotly, boxplot / beeswarm, DT, UpSetR, heatmaply, and Venn Diagram objects for Shiny applications.</a:t>
+            </a:r>
+          </a:p>
+        </p:txBody>
+      </p:sp>
+      <p:cxnSp>
+        <p:nvCxnSpPr>
+          <p:cNvPr id="62" name="Straight Arrow Connector 61">
+            <a:extLst>
+              <a:ext uri="{FF2B5EF4-FFF2-40B4-BE49-F238E27FC236}">
+                <a16:creationId xmlns:a16="http://schemas.microsoft.com/office/drawing/2014/main" id="{130E0494-7416-4E9A-84F3-F779A6FD4B60}"/>
+              </a:ext>
+            </a:extLst>
+          </p:cNvPr>
+          <p:cNvCxnSpPr>
+            <a:cxnSpLocks/>
+            <a:stCxn id="59" idx="1"/>
+            <a:endCxn id="91" idx="3"/>
+          </p:cNvCxnSpPr>
+          <p:nvPr/>
+        </p:nvCxnSpPr>
+        <p:spPr>
+          <a:xfrm flipH="1">
+            <a:off x="10157556" y="5054864"/>
+            <a:ext cx="234253" cy="847580"/>
+          </a:xfrm>
+          <a:prstGeom prst="straightConnector1">
+            <a:avLst/>
+          </a:prstGeom>
+          <a:ln>
+            <a:tailEnd type="triangle"/>
+          </a:ln>
+        </p:spPr>
+        <p:style>
+          <a:lnRef idx="1">
+            <a:schemeClr val="accent1"/>
+          </a:lnRef>
+          <a:fillRef idx="0">
+            <a:schemeClr val="accent1"/>
+          </a:fillRef>
+          <a:effectRef idx="0">
+            <a:schemeClr val="accent1"/>
+          </a:effectRef>
+          <a:fontRef idx="minor">
+            <a:schemeClr val="tx1"/>
+          </a:fontRef>
+        </p:style>
+      </p:cxnSp>
+      <p:sp>
+        <p:nvSpPr>
+          <p:cNvPr id="63" name="TextBox 62">
+            <a:extLst>
+              <a:ext uri="{FF2B5EF4-FFF2-40B4-BE49-F238E27FC236}">
+                <a16:creationId xmlns:a16="http://schemas.microsoft.com/office/drawing/2014/main" id="{1FA21350-8FE0-4C16-B2E6-F797B6173834}"/>
+              </a:ext>
+            </a:extLst>
+          </p:cNvPr>
+          <p:cNvSpPr txBox="1"/>
+          <p:nvPr/>
+        </p:nvSpPr>
+        <p:spPr>
+          <a:xfrm>
+            <a:off x="5217725" y="6525570"/>
+            <a:ext cx="2476926" cy="276999"/>
+          </a:xfrm>
+          <a:prstGeom prst="rect">
+            <a:avLst/>
+          </a:prstGeom>
+          <a:solidFill>
+            <a:schemeClr val="accent1">
+              <a:lumMod val="20000"/>
+              <a:lumOff val="80000"/>
+            </a:schemeClr>
+          </a:solidFill>
+          <a:ln/>
+        </p:spPr>
+        <p:style>
+          <a:lnRef idx="2">
+            <a:schemeClr val="accent1"/>
+          </a:lnRef>
+          <a:fillRef idx="1">
+            <a:schemeClr val="lt1"/>
+          </a:fillRef>
+          <a:effectRef idx="0">
+            <a:schemeClr val="accent1"/>
+          </a:effectRef>
+          <a:fontRef idx="minor">
+            <a:schemeClr val="dk1"/>
+          </a:fontRef>
+        </p:style>
+        <p:txBody>
+          <a:bodyPr wrap="square" rtlCol="0">
+            <a:spAutoFit/>
+          </a:bodyPr>
+          <a:lstStyle/>
+          <a:p>
+            <a:pPr algn="ctr"/>
+            <a:r>
+              <a:rPr lang="en-US" sz="1200" dirty="0">
+                <a:solidFill>
+                  <a:schemeClr val="tx1"/>
+                </a:solidFill>
+                <a:latin typeface="Times New Roman" panose="02020603050405020304" pitchFamily="18" charset="0"/>
+                <a:cs typeface="Times New Roman" panose="02020603050405020304" pitchFamily="18" charset="0"/>
+              </a:rPr>
+              <a:t>library(</a:t>
+            </a:r>
+            <a:r>
+              <a:rPr lang="en-US" sz="1200" dirty="0" err="1">
+                <a:solidFill>
+                  <a:schemeClr val="tx1"/>
+                </a:solidFill>
+                <a:latin typeface="Times New Roman" panose="02020603050405020304" pitchFamily="18" charset="0"/>
+                <a:cs typeface="Times New Roman" panose="02020603050405020304" pitchFamily="18" charset="0"/>
+              </a:rPr>
+              <a:t>bcrypt</a:t>
+            </a:r>
+            <a:r>
+              <a:rPr lang="en-US" sz="1200" dirty="0">
+                <a:solidFill>
+                  <a:schemeClr val="tx1"/>
+                </a:solidFill>
+                <a:latin typeface="Times New Roman" panose="02020603050405020304" pitchFamily="18" charset="0"/>
+                <a:cs typeface="Times New Roman" panose="02020603050405020304" pitchFamily="18" charset="0"/>
+              </a:rPr>
+              <a:t>)</a:t>
+            </a:r>
+          </a:p>
+        </p:txBody>
+      </p:sp>
+      <p:sp>
+        <p:nvSpPr>
+          <p:cNvPr id="64" name="TextBox 63">
+            <a:extLst>
+              <a:ext uri="{FF2B5EF4-FFF2-40B4-BE49-F238E27FC236}">
+                <a16:creationId xmlns:a16="http://schemas.microsoft.com/office/drawing/2014/main" id="{4C573B83-433F-4431-9FB2-152F211F8AB0}"/>
+              </a:ext>
+            </a:extLst>
+          </p:cNvPr>
+          <p:cNvSpPr txBox="1"/>
+          <p:nvPr/>
+        </p:nvSpPr>
+        <p:spPr>
+          <a:xfrm>
+            <a:off x="5259920" y="5053945"/>
+            <a:ext cx="2363435" cy="830997"/>
+          </a:xfrm>
+          <a:prstGeom prst="rect">
+            <a:avLst/>
+          </a:prstGeom>
+          <a:solidFill>
+            <a:schemeClr val="accent1">
+              <a:lumMod val="20000"/>
+              <a:lumOff val="80000"/>
+            </a:schemeClr>
+          </a:solidFill>
+          <a:ln/>
+        </p:spPr>
+        <p:style>
+          <a:lnRef idx="2">
+            <a:schemeClr val="accent1"/>
+          </a:lnRef>
+          <a:fillRef idx="1">
+            <a:schemeClr val="lt1"/>
+          </a:fillRef>
+          <a:effectRef idx="0">
+            <a:schemeClr val="accent1"/>
+          </a:effectRef>
+          <a:fontRef idx="minor">
+            <a:schemeClr val="dk1"/>
+          </a:fontRef>
+        </p:style>
+        <p:txBody>
+          <a:bodyPr wrap="square" rtlCol="0">
+            <a:spAutoFit/>
+          </a:bodyPr>
+          <a:lstStyle/>
+          <a:p>
+            <a:pPr algn="ctr"/>
+            <a:r>
+              <a:rPr lang="en-US" sz="1200" dirty="0">
+                <a:solidFill>
+                  <a:schemeClr val="tx1"/>
+                </a:solidFill>
+                <a:latin typeface="Times New Roman" panose="02020603050405020304" pitchFamily="18" charset="0"/>
+                <a:cs typeface="Times New Roman" panose="02020603050405020304" pitchFamily="18" charset="0"/>
+              </a:rPr>
+              <a:t>library(reticulate), library(tensorflow), library(keras), library(phateR), library(umap), library(Rtsne), library(Matrix)</a:t>
+            </a:r>
+          </a:p>
+        </p:txBody>
+      </p:sp>
+      <p:sp>
+        <p:nvSpPr>
+          <p:cNvPr id="65" name="TextBox 64">
+            <a:extLst>
+              <a:ext uri="{FF2B5EF4-FFF2-40B4-BE49-F238E27FC236}">
+                <a16:creationId xmlns:a16="http://schemas.microsoft.com/office/drawing/2014/main" id="{612FA4AC-40BD-44CC-84D2-2B9B9081BC58}"/>
+              </a:ext>
+            </a:extLst>
+          </p:cNvPr>
+          <p:cNvSpPr txBox="1"/>
+          <p:nvPr/>
+        </p:nvSpPr>
+        <p:spPr>
+          <a:xfrm>
+            <a:off x="7804483" y="2697125"/>
+            <a:ext cx="2363424" cy="461665"/>
+          </a:xfrm>
+          <a:prstGeom prst="rect">
+            <a:avLst/>
+          </a:prstGeom>
+          <a:solidFill>
+            <a:schemeClr val="accent1">
+              <a:lumMod val="20000"/>
+              <a:lumOff val="80000"/>
+            </a:schemeClr>
+          </a:solidFill>
+          <a:ln/>
+        </p:spPr>
+        <p:style>
+          <a:lnRef idx="2">
+            <a:schemeClr val="accent1"/>
+          </a:lnRef>
+          <a:fillRef idx="1">
+            <a:schemeClr val="lt1"/>
+          </a:fillRef>
+          <a:effectRef idx="0">
+            <a:schemeClr val="accent1"/>
+          </a:effectRef>
+          <a:fontRef idx="minor">
+            <a:schemeClr val="dk1"/>
+          </a:fontRef>
+        </p:style>
+        <p:txBody>
+          <a:bodyPr wrap="square" rtlCol="0">
+            <a:spAutoFit/>
+          </a:bodyPr>
+          <a:lstStyle/>
+          <a:p>
+            <a:pPr algn="ctr"/>
+            <a:r>
+              <a:rPr lang="en-US" sz="1200" dirty="0">
+                <a:solidFill>
+                  <a:schemeClr val="tx1"/>
+                </a:solidFill>
+                <a:latin typeface="Times New Roman" panose="02020603050405020304" pitchFamily="18" charset="0"/>
+                <a:cs typeface="Times New Roman" panose="02020603050405020304" pitchFamily="18" charset="0"/>
+              </a:rPr>
+              <a:t>library(shinycssloaders), library(shinywidgets)</a:t>
+            </a:r>
           </a:p>
         </p:txBody>
       </p:sp>

--- a/extras/Explorer_Tool_Workflow_2.pptx
+++ b/extras/Explorer_Tool_Workflow_2.pptx
@@ -260,7 +260,7 @@
           <a:p>
             <a:fld id="{1560D20A-E720-4ECB-907E-0F9EBDE75356}" type="datetimeFigureOut">
               <a:rPr lang="en-US" smtClean="0"/>
-              <a:t>1/9/2022</a:t>
+              <a:t>1/11/2022</a:t>
             </a:fld>
             <a:endParaRPr lang="en-US"/>
           </a:p>
@@ -458,7 +458,7 @@
           <a:p>
             <a:fld id="{1560D20A-E720-4ECB-907E-0F9EBDE75356}" type="datetimeFigureOut">
               <a:rPr lang="en-US" smtClean="0"/>
-              <a:t>1/9/2022</a:t>
+              <a:t>1/11/2022</a:t>
             </a:fld>
             <a:endParaRPr lang="en-US"/>
           </a:p>
@@ -666,7 +666,7 @@
           <a:p>
             <a:fld id="{1560D20A-E720-4ECB-907E-0F9EBDE75356}" type="datetimeFigureOut">
               <a:rPr lang="en-US" smtClean="0"/>
-              <a:t>1/9/2022</a:t>
+              <a:t>1/11/2022</a:t>
             </a:fld>
             <a:endParaRPr lang="en-US"/>
           </a:p>
@@ -864,7 +864,7 @@
           <a:p>
             <a:fld id="{1560D20A-E720-4ECB-907E-0F9EBDE75356}" type="datetimeFigureOut">
               <a:rPr lang="en-US" smtClean="0"/>
-              <a:t>1/9/2022</a:t>
+              <a:t>1/11/2022</a:t>
             </a:fld>
             <a:endParaRPr lang="en-US"/>
           </a:p>
@@ -1139,7 +1139,7 @@
           <a:p>
             <a:fld id="{1560D20A-E720-4ECB-907E-0F9EBDE75356}" type="datetimeFigureOut">
               <a:rPr lang="en-US" smtClean="0"/>
-              <a:t>1/9/2022</a:t>
+              <a:t>1/11/2022</a:t>
             </a:fld>
             <a:endParaRPr lang="en-US"/>
           </a:p>
@@ -1404,7 +1404,7 @@
           <a:p>
             <a:fld id="{1560D20A-E720-4ECB-907E-0F9EBDE75356}" type="datetimeFigureOut">
               <a:rPr lang="en-US" smtClean="0"/>
-              <a:t>1/9/2022</a:t>
+              <a:t>1/11/2022</a:t>
             </a:fld>
             <a:endParaRPr lang="en-US"/>
           </a:p>
@@ -1816,7 +1816,7 @@
           <a:p>
             <a:fld id="{1560D20A-E720-4ECB-907E-0F9EBDE75356}" type="datetimeFigureOut">
               <a:rPr lang="en-US" smtClean="0"/>
-              <a:t>1/9/2022</a:t>
+              <a:t>1/11/2022</a:t>
             </a:fld>
             <a:endParaRPr lang="en-US"/>
           </a:p>
@@ -1957,7 +1957,7 @@
           <a:p>
             <a:fld id="{1560D20A-E720-4ECB-907E-0F9EBDE75356}" type="datetimeFigureOut">
               <a:rPr lang="en-US" smtClean="0"/>
-              <a:t>1/9/2022</a:t>
+              <a:t>1/11/2022</a:t>
             </a:fld>
             <a:endParaRPr lang="en-US"/>
           </a:p>
@@ -2070,7 +2070,7 @@
           <a:p>
             <a:fld id="{1560D20A-E720-4ECB-907E-0F9EBDE75356}" type="datetimeFigureOut">
               <a:rPr lang="en-US" smtClean="0"/>
-              <a:t>1/9/2022</a:t>
+              <a:t>1/11/2022</a:t>
             </a:fld>
             <a:endParaRPr lang="en-US"/>
           </a:p>
@@ -2381,7 +2381,7 @@
           <a:p>
             <a:fld id="{1560D20A-E720-4ECB-907E-0F9EBDE75356}" type="datetimeFigureOut">
               <a:rPr lang="en-US" smtClean="0"/>
-              <a:t>1/9/2022</a:t>
+              <a:t>1/11/2022</a:t>
             </a:fld>
             <a:endParaRPr lang="en-US"/>
           </a:p>
@@ -2669,7 +2669,7 @@
           <a:p>
             <a:fld id="{1560D20A-E720-4ECB-907E-0F9EBDE75356}" type="datetimeFigureOut">
               <a:rPr lang="en-US" smtClean="0"/>
-              <a:t>1/9/2022</a:t>
+              <a:t>1/11/2022</a:t>
             </a:fld>
             <a:endParaRPr lang="en-US"/>
           </a:p>
@@ -2910,7 +2910,7 @@
           <a:p>
             <a:fld id="{1560D20A-E720-4ECB-907E-0F9EBDE75356}" type="datetimeFigureOut">
               <a:rPr lang="en-US" smtClean="0"/>
-              <a:t>1/9/2022</a:t>
+              <a:t>1/11/2022</a:t>
             </a:fld>
             <a:endParaRPr lang="en-US"/>
           </a:p>
@@ -5876,8 +5876,8 @@
         </p:nvSpPr>
         <p:spPr>
           <a:xfrm>
-            <a:off x="2733967" y="1547964"/>
-            <a:ext cx="2363437" cy="461665"/>
+            <a:off x="1814074" y="3100880"/>
+            <a:ext cx="2491894" cy="461665"/>
           </a:xfrm>
           <a:prstGeom prst="rect">
             <a:avLst/>
@@ -5916,7 +5916,7 @@
                 <a:latin typeface="Times New Roman" panose="02020603050405020304" pitchFamily="18" charset="0"/>
                 <a:cs typeface="Times New Roman" panose="02020603050405020304" pitchFamily="18" charset="0"/>
               </a:rPr>
-              <a:t>workflows.R</a:t>
+              <a:t>workflows.R*</a:t>
             </a:r>
             <a:r>
               <a:rPr lang="en-US" sz="1200" dirty="0">
@@ -6014,8 +6014,8 @@
         </p:nvSpPr>
         <p:spPr>
           <a:xfrm>
-            <a:off x="5259922" y="3478422"/>
-            <a:ext cx="2363437" cy="646331"/>
+            <a:off x="4709436" y="2578516"/>
+            <a:ext cx="2363167" cy="830997"/>
           </a:xfrm>
           <a:prstGeom prst="rect">
             <a:avLst/>
@@ -6054,7 +6054,7 @@
                 <a:latin typeface="Times New Roman" panose="02020603050405020304" pitchFamily="18" charset="0"/>
                 <a:cs typeface="Times New Roman" panose="02020603050405020304" pitchFamily="18" charset="0"/>
               </a:rPr>
-              <a:t>storage.R</a:t>
+              <a:t>preprocess.R</a:t>
             </a:r>
             <a:r>
               <a:rPr lang="en-US" sz="1200" dirty="0">
@@ -6100,8 +6100,8 @@
         </p:nvSpPr>
         <p:spPr>
           <a:xfrm>
-            <a:off x="2728466" y="3484011"/>
-            <a:ext cx="2363435" cy="461665"/>
+            <a:off x="4709436" y="3484011"/>
+            <a:ext cx="2363435" cy="1015663"/>
           </a:xfrm>
           <a:prstGeom prst="rect">
             <a:avLst/>
@@ -6140,7 +6140,7 @@
                 <a:latin typeface="Times New Roman" panose="02020603050405020304" pitchFamily="18" charset="0"/>
                 <a:cs typeface="Times New Roman" panose="02020603050405020304" pitchFamily="18" charset="0"/>
               </a:rPr>
-              <a:t>preprocess.R</a:t>
+              <a:t>make_requests.R</a:t>
             </a:r>
             <a:r>
               <a:rPr lang="en-US" sz="1200" dirty="0">
@@ -6150,7 +6150,7 @@
                 <a:latin typeface="Times New Roman" panose="02020603050405020304" pitchFamily="18" charset="0"/>
                 <a:cs typeface="Times New Roman" panose="02020603050405020304" pitchFamily="18" charset="0"/>
               </a:rPr>
-              <a:t>: Loads stored category / subset data.</a:t>
+              <a:t>: Loads stored category / subset data. Declares functions for validating, creating, combining, and identifying reduction requests.</a:t>
             </a:r>
           </a:p>
         </p:txBody>
@@ -6167,14 +6167,14 @@
           <p:cNvCxnSpPr>
             <a:cxnSpLocks/>
             <a:stCxn id="36" idx="2"/>
-            <a:endCxn id="50" idx="0"/>
+            <a:endCxn id="75" idx="0"/>
           </p:cNvCxnSpPr>
           <p:nvPr/>
         </p:nvCxnSpPr>
         <p:spPr>
-          <a:xfrm flipH="1">
-            <a:off x="3910184" y="2009629"/>
-            <a:ext cx="5502" cy="1474382"/>
+          <a:xfrm>
+            <a:off x="3060021" y="3562545"/>
+            <a:ext cx="783952" cy="1024580"/>
           </a:xfrm>
           <a:prstGeom prst="straightConnector1">
             <a:avLst/>
@@ -6209,15 +6209,15 @@
           </p:cNvPr>
           <p:cNvCxnSpPr>
             <a:cxnSpLocks/>
-            <a:stCxn id="44" idx="1"/>
-            <a:endCxn id="50" idx="3"/>
+            <a:stCxn id="44" idx="2"/>
+            <a:endCxn id="50" idx="0"/>
           </p:cNvCxnSpPr>
           <p:nvPr/>
         </p:nvCxnSpPr>
         <p:spPr>
-          <a:xfrm flipH="1" flipV="1">
-            <a:off x="5091901" y="3714844"/>
-            <a:ext cx="168021" cy="86744"/>
+          <a:xfrm>
+            <a:off x="5891020" y="3409513"/>
+            <a:ext cx="134" cy="74498"/>
           </a:xfrm>
           <a:prstGeom prst="straightConnector1">
             <a:avLst/>
@@ -6255,7 +6255,7 @@
         </p:nvSpPr>
         <p:spPr>
           <a:xfrm>
-            <a:off x="5271919" y="1455630"/>
+            <a:off x="4718440" y="775974"/>
             <a:ext cx="2363435" cy="646331"/>
           </a:xfrm>
           <a:prstGeom prst="rect">
@@ -6322,7 +6322,7 @@
         </p:nvSpPr>
         <p:spPr>
           <a:xfrm>
-            <a:off x="5269368" y="476518"/>
+            <a:off x="4701338" y="-407638"/>
             <a:ext cx="2368538" cy="646331"/>
           </a:xfrm>
           <a:prstGeom prst="rect">
@@ -6466,8 +6466,8 @@
         </p:nvCxnSpPr>
         <p:spPr>
           <a:xfrm>
-            <a:off x="7637906" y="799684"/>
-            <a:ext cx="161731" cy="191647"/>
+            <a:off x="7069876" y="-84472"/>
+            <a:ext cx="729761" cy="1075803"/>
           </a:xfrm>
           <a:prstGeom prst="straightConnector1">
             <a:avLst/>
@@ -6502,15 +6502,15 @@
           </p:cNvPr>
           <p:cNvCxnSpPr>
             <a:cxnSpLocks/>
-            <a:stCxn id="36" idx="3"/>
+            <a:stCxn id="36" idx="0"/>
             <a:endCxn id="57" idx="1"/>
           </p:cNvCxnSpPr>
           <p:nvPr/>
         </p:nvCxnSpPr>
         <p:spPr>
           <a:xfrm flipV="1">
-            <a:off x="5097404" y="1778796"/>
-            <a:ext cx="174515" cy="1"/>
+            <a:off x="3060021" y="1099140"/>
+            <a:ext cx="1658419" cy="2001740"/>
           </a:xfrm>
           <a:prstGeom prst="straightConnector1">
             <a:avLst/>
@@ -6552,8 +6552,8 @@
         </p:nvCxnSpPr>
         <p:spPr>
           <a:xfrm>
-            <a:off x="6441640" y="1395822"/>
-            <a:ext cx="11997" cy="59808"/>
+            <a:off x="5888158" y="511053"/>
+            <a:ext cx="12000" cy="264921"/>
           </a:xfrm>
           <a:prstGeom prst="straightConnector1">
             <a:avLst/>
@@ -6591,7 +6591,7 @@
         </p:nvSpPr>
         <p:spPr>
           <a:xfrm>
-            <a:off x="5259938" y="4408533"/>
+            <a:off x="77375" y="5306474"/>
             <a:ext cx="2363435" cy="646331"/>
           </a:xfrm>
           <a:prstGeom prst="rect">
@@ -6657,15 +6657,15 @@
           </p:cNvPr>
           <p:cNvCxnSpPr>
             <a:cxnSpLocks/>
-            <a:stCxn id="50" idx="2"/>
+            <a:stCxn id="50" idx="1"/>
             <a:endCxn id="75" idx="0"/>
           </p:cNvCxnSpPr>
           <p:nvPr/>
         </p:nvCxnSpPr>
         <p:spPr>
           <a:xfrm flipH="1">
-            <a:off x="3850704" y="3945676"/>
-            <a:ext cx="59480" cy="377385"/>
+            <a:off x="3843973" y="3991843"/>
+            <a:ext cx="865463" cy="595282"/>
           </a:xfrm>
           <a:prstGeom prst="straightConnector1">
             <a:avLst/>
@@ -6703,8 +6703,8 @@
         </p:nvSpPr>
         <p:spPr>
           <a:xfrm>
-            <a:off x="2612241" y="4323061"/>
-            <a:ext cx="2476925" cy="830997"/>
+            <a:off x="2605510" y="4587125"/>
+            <a:ext cx="2476925" cy="646331"/>
           </a:xfrm>
           <a:prstGeom prst="rect">
             <a:avLst/>
@@ -6753,7 +6753,7 @@
                 <a:latin typeface="Times New Roman" panose="02020603050405020304" pitchFamily="18" charset="0"/>
                 <a:cs typeface="Times New Roman" panose="02020603050405020304" pitchFamily="18" charset="0"/>
               </a:rPr>
-              <a:t>: Declares efficient functions for creating, validating, performing, combining, and storing valid reduction requests.</a:t>
+              <a:t>: Declares functions for efficiently performing and storing reduction requests.</a:t>
             </a:r>
           </a:p>
         </p:txBody>
@@ -6769,15 +6769,15 @@
           </p:cNvPr>
           <p:cNvCxnSpPr>
             <a:cxnSpLocks/>
-            <a:stCxn id="72" idx="1"/>
-            <a:endCxn id="75" idx="3"/>
+            <a:stCxn id="72" idx="3"/>
+            <a:endCxn id="75" idx="1"/>
           </p:cNvCxnSpPr>
           <p:nvPr/>
         </p:nvCxnSpPr>
         <p:spPr>
-          <a:xfrm flipH="1">
-            <a:off x="5089166" y="4731699"/>
-            <a:ext cx="170772" cy="6861"/>
+          <a:xfrm flipV="1">
+            <a:off x="2440810" y="4910291"/>
+            <a:ext cx="164700" cy="719349"/>
           </a:xfrm>
           <a:prstGeom prst="straightConnector1">
             <a:avLst/>
@@ -7065,7 +7065,7 @@
         </p:nvSpPr>
         <p:spPr>
           <a:xfrm>
-            <a:off x="2725732" y="5339038"/>
+            <a:off x="2651212" y="5420119"/>
             <a:ext cx="2363435" cy="646331"/>
           </a:xfrm>
           <a:prstGeom prst="rect">
@@ -7135,9 +7135,9 @@
           <p:nvPr/>
         </p:nvCxnSpPr>
         <p:spPr>
-          <a:xfrm>
-            <a:off x="3850704" y="5154058"/>
-            <a:ext cx="56746" cy="184980"/>
+          <a:xfrm flipH="1">
+            <a:off x="3832930" y="5233456"/>
+            <a:ext cx="11043" cy="186663"/>
           </a:xfrm>
           <a:prstGeom prst="straightConnector1">
             <a:avLst/>
@@ -7303,7 +7303,7 @@
         </p:nvSpPr>
         <p:spPr>
           <a:xfrm>
-            <a:off x="5266800" y="2241652"/>
+            <a:off x="4718574" y="1517444"/>
             <a:ext cx="2363167" cy="646331"/>
           </a:xfrm>
           <a:prstGeom prst="rect">
@@ -7340,7 +7340,7 @@
                 <a:latin typeface="Times New Roman" panose="02020603050405020304" pitchFamily="18" charset="0"/>
                 <a:cs typeface="Times New Roman" panose="02020603050405020304" pitchFamily="18" charset="0"/>
               </a:rPr>
-              <a:t>read_write.R</a:t>
+              <a:t>storage.R*</a:t>
             </a:r>
             <a:r>
               <a:rPr lang="en-US" sz="1200" dirty="0">
@@ -7370,51 +7370,8 @@
         </p:nvCxnSpPr>
         <p:spPr>
           <a:xfrm flipH="1">
-            <a:off x="6441641" y="3160846"/>
-            <a:ext cx="6878" cy="317576"/>
-          </a:xfrm>
-          <a:prstGeom prst="straightConnector1">
-            <a:avLst/>
-          </a:prstGeom>
-          <a:ln>
-            <a:tailEnd type="triangle"/>
-          </a:ln>
-        </p:spPr>
-        <p:style>
-          <a:lnRef idx="1">
-            <a:schemeClr val="accent1"/>
-          </a:lnRef>
-          <a:fillRef idx="0">
-            <a:schemeClr val="accent1"/>
-          </a:fillRef>
-          <a:effectRef idx="0">
-            <a:schemeClr val="accent1"/>
-          </a:effectRef>
-          <a:fontRef idx="minor">
-            <a:schemeClr val="tx1"/>
-          </a:fontRef>
-        </p:style>
-      </p:cxnSp>
-      <p:cxnSp>
-        <p:nvCxnSpPr>
-          <p:cNvPr id="269" name="Straight Arrow Connector 268">
-            <a:extLst>
-              <a:ext uri="{FF2B5EF4-FFF2-40B4-BE49-F238E27FC236}">
-                <a16:creationId xmlns:a16="http://schemas.microsoft.com/office/drawing/2014/main" id="{EDDD2A27-C497-4272-AC5A-EDE1AF86D86E}"/>
-              </a:ext>
-            </a:extLst>
-          </p:cNvPr>
-          <p:cNvCxnSpPr>
-            <a:cxnSpLocks/>
-            <a:stCxn id="44" idx="3"/>
-            <a:endCxn id="89" idx="1"/>
-          </p:cNvCxnSpPr>
-          <p:nvPr/>
-        </p:nvCxnSpPr>
-        <p:spPr>
-          <a:xfrm>
-            <a:off x="7623359" y="3801588"/>
-            <a:ext cx="176278" cy="5589"/>
+            <a:off x="5891020" y="2455288"/>
+            <a:ext cx="9139" cy="123228"/>
           </a:xfrm>
           <a:prstGeom prst="straightConnector1">
             <a:avLst/>
@@ -7456,8 +7413,8 @@
         </p:nvCxnSpPr>
         <p:spPr>
           <a:xfrm flipV="1">
-            <a:off x="6448384" y="2101961"/>
-            <a:ext cx="5253" cy="139691"/>
+            <a:off x="5900158" y="1422305"/>
+            <a:ext cx="0" cy="95139"/>
           </a:xfrm>
           <a:prstGeom prst="straightConnector1">
             <a:avLst/>
@@ -7557,7 +7514,7 @@
         </p:nvSpPr>
         <p:spPr>
           <a:xfrm>
-            <a:off x="155681" y="3484010"/>
+            <a:off x="60964" y="4500865"/>
             <a:ext cx="2363435" cy="461665"/>
           </a:xfrm>
           <a:prstGeom prst="rect">
@@ -7597,7 +7554,7 @@
                 <a:latin typeface="Times New Roman" panose="02020603050405020304" pitchFamily="18" charset="0"/>
                 <a:cs typeface="Times New Roman" panose="02020603050405020304" pitchFamily="18" charset="0"/>
               </a:rPr>
-              <a:t>sca_nor_fun.R</a:t>
+              <a:t>sca_nor_fun.R*</a:t>
             </a:r>
             <a:r>
               <a:rPr lang="en-US" sz="1200" dirty="0">
@@ -7624,14 +7581,14 @@
           <p:cNvCxnSpPr>
             <a:cxnSpLocks/>
             <a:stCxn id="33" idx="3"/>
-            <a:endCxn id="50" idx="1"/>
+            <a:endCxn id="75" idx="1"/>
           </p:cNvCxnSpPr>
           <p:nvPr/>
         </p:nvCxnSpPr>
         <p:spPr>
           <a:xfrm>
-            <a:off x="2519116" y="3714843"/>
-            <a:ext cx="209350" cy="1"/>
+            <a:off x="2424399" y="4731698"/>
+            <a:ext cx="181111" cy="178593"/>
           </a:xfrm>
           <a:prstGeom prst="straightConnector1">
             <a:avLst/>
@@ -7669,7 +7626,7 @@
         </p:nvSpPr>
         <p:spPr>
           <a:xfrm>
-            <a:off x="84504" y="6470870"/>
+            <a:off x="2605510" y="6469650"/>
             <a:ext cx="2363437" cy="276999"/>
           </a:xfrm>
           <a:prstGeom prst="rect">
@@ -7728,7 +7685,7 @@
         </p:nvSpPr>
         <p:spPr>
           <a:xfrm>
-            <a:off x="155679" y="3940126"/>
+            <a:off x="60962" y="4956981"/>
             <a:ext cx="2363437" cy="276999"/>
           </a:xfrm>
           <a:prstGeom prst="rect">
@@ -7790,7 +7747,7 @@
         </p:nvSpPr>
         <p:spPr>
           <a:xfrm>
-            <a:off x="5266800" y="2883847"/>
+            <a:off x="4718440" y="2178289"/>
             <a:ext cx="2363437" cy="276999"/>
           </a:xfrm>
           <a:prstGeom prst="rect">
@@ -7852,7 +7809,7 @@
         </p:nvSpPr>
         <p:spPr>
           <a:xfrm>
-            <a:off x="5259921" y="1118823"/>
+            <a:off x="4706439" y="234054"/>
             <a:ext cx="2363437" cy="276999"/>
           </a:xfrm>
           <a:prstGeom prst="rect">
@@ -8183,7 +8140,7 @@
         </p:nvSpPr>
         <p:spPr>
           <a:xfrm>
-            <a:off x="5217725" y="6525570"/>
+            <a:off x="5203177" y="6530690"/>
             <a:ext cx="2476926" cy="276999"/>
           </a:xfrm>
           <a:prstGeom prst="rect">
@@ -8265,7 +8222,7 @@
         </p:nvSpPr>
         <p:spPr>
           <a:xfrm>
-            <a:off x="5259920" y="5053945"/>
+            <a:off x="77357" y="5951886"/>
             <a:ext cx="2363435" cy="830997"/>
           </a:xfrm>
           <a:prstGeom prst="rect">
@@ -8375,6 +8332,49 @@
           </a:p>
         </p:txBody>
       </p:sp>
+      <p:cxnSp>
+        <p:nvCxnSpPr>
+          <p:cNvPr id="47" name="Straight Arrow Connector 46">
+            <a:extLst>
+              <a:ext uri="{FF2B5EF4-FFF2-40B4-BE49-F238E27FC236}">
+                <a16:creationId xmlns:a16="http://schemas.microsoft.com/office/drawing/2014/main" id="{5CDE6041-B03D-4055-AC67-767476961796}"/>
+              </a:ext>
+            </a:extLst>
+          </p:cNvPr>
+          <p:cNvCxnSpPr>
+            <a:cxnSpLocks/>
+            <a:stCxn id="50" idx="3"/>
+            <a:endCxn id="89" idx="1"/>
+          </p:cNvCxnSpPr>
+          <p:nvPr/>
+        </p:nvCxnSpPr>
+        <p:spPr>
+          <a:xfrm flipV="1">
+            <a:off x="7072871" y="3807177"/>
+            <a:ext cx="726766" cy="184666"/>
+          </a:xfrm>
+          <a:prstGeom prst="straightConnector1">
+            <a:avLst/>
+          </a:prstGeom>
+          <a:ln>
+            <a:tailEnd type="triangle"/>
+          </a:ln>
+        </p:spPr>
+        <p:style>
+          <a:lnRef idx="1">
+            <a:schemeClr val="accent1"/>
+          </a:lnRef>
+          <a:fillRef idx="0">
+            <a:schemeClr val="accent1"/>
+          </a:fillRef>
+          <a:effectRef idx="0">
+            <a:schemeClr val="accent1"/>
+          </a:effectRef>
+          <a:fontRef idx="minor">
+            <a:schemeClr val="tx1"/>
+          </a:fontRef>
+        </p:style>
+      </p:cxnSp>
     </p:spTree>
     <p:extLst>
       <p:ext uri="{BB962C8B-B14F-4D97-AF65-F5344CB8AC3E}">

--- a/extras/Explorer_Tool_Workflow_2.pptx
+++ b/extras/Explorer_Tool_Workflow_2.pptx
@@ -260,7 +260,7 @@
           <a:p>
             <a:fld id="{1560D20A-E720-4ECB-907E-0F9EBDE75356}" type="datetimeFigureOut">
               <a:rPr lang="en-US" smtClean="0"/>
-              <a:t>1/11/2022</a:t>
+              <a:t>1/26/2022</a:t>
             </a:fld>
             <a:endParaRPr lang="en-US"/>
           </a:p>
@@ -458,7 +458,7 @@
           <a:p>
             <a:fld id="{1560D20A-E720-4ECB-907E-0F9EBDE75356}" type="datetimeFigureOut">
               <a:rPr lang="en-US" smtClean="0"/>
-              <a:t>1/11/2022</a:t>
+              <a:t>1/26/2022</a:t>
             </a:fld>
             <a:endParaRPr lang="en-US"/>
           </a:p>
@@ -666,7 +666,7 @@
           <a:p>
             <a:fld id="{1560D20A-E720-4ECB-907E-0F9EBDE75356}" type="datetimeFigureOut">
               <a:rPr lang="en-US" smtClean="0"/>
-              <a:t>1/11/2022</a:t>
+              <a:t>1/26/2022</a:t>
             </a:fld>
             <a:endParaRPr lang="en-US"/>
           </a:p>
@@ -864,7 +864,7 @@
           <a:p>
             <a:fld id="{1560D20A-E720-4ECB-907E-0F9EBDE75356}" type="datetimeFigureOut">
               <a:rPr lang="en-US" smtClean="0"/>
-              <a:t>1/11/2022</a:t>
+              <a:t>1/26/2022</a:t>
             </a:fld>
             <a:endParaRPr lang="en-US"/>
           </a:p>
@@ -1139,7 +1139,7 @@
           <a:p>
             <a:fld id="{1560D20A-E720-4ECB-907E-0F9EBDE75356}" type="datetimeFigureOut">
               <a:rPr lang="en-US" smtClean="0"/>
-              <a:t>1/11/2022</a:t>
+              <a:t>1/26/2022</a:t>
             </a:fld>
             <a:endParaRPr lang="en-US"/>
           </a:p>
@@ -1404,7 +1404,7 @@
           <a:p>
             <a:fld id="{1560D20A-E720-4ECB-907E-0F9EBDE75356}" type="datetimeFigureOut">
               <a:rPr lang="en-US" smtClean="0"/>
-              <a:t>1/11/2022</a:t>
+              <a:t>1/26/2022</a:t>
             </a:fld>
             <a:endParaRPr lang="en-US"/>
           </a:p>
@@ -1816,7 +1816,7 @@
           <a:p>
             <a:fld id="{1560D20A-E720-4ECB-907E-0F9EBDE75356}" type="datetimeFigureOut">
               <a:rPr lang="en-US" smtClean="0"/>
-              <a:t>1/11/2022</a:t>
+              <a:t>1/26/2022</a:t>
             </a:fld>
             <a:endParaRPr lang="en-US"/>
           </a:p>
@@ -1957,7 +1957,7 @@
           <a:p>
             <a:fld id="{1560D20A-E720-4ECB-907E-0F9EBDE75356}" type="datetimeFigureOut">
               <a:rPr lang="en-US" smtClean="0"/>
-              <a:t>1/11/2022</a:t>
+              <a:t>1/26/2022</a:t>
             </a:fld>
             <a:endParaRPr lang="en-US"/>
           </a:p>
@@ -2070,7 +2070,7 @@
           <a:p>
             <a:fld id="{1560D20A-E720-4ECB-907E-0F9EBDE75356}" type="datetimeFigureOut">
               <a:rPr lang="en-US" smtClean="0"/>
-              <a:t>1/11/2022</a:t>
+              <a:t>1/26/2022</a:t>
             </a:fld>
             <a:endParaRPr lang="en-US"/>
           </a:p>
@@ -2381,7 +2381,7 @@
           <a:p>
             <a:fld id="{1560D20A-E720-4ECB-907E-0F9EBDE75356}" type="datetimeFigureOut">
               <a:rPr lang="en-US" smtClean="0"/>
-              <a:t>1/11/2022</a:t>
+              <a:t>1/26/2022</a:t>
             </a:fld>
             <a:endParaRPr lang="en-US"/>
           </a:p>
@@ -2669,7 +2669,7 @@
           <a:p>
             <a:fld id="{1560D20A-E720-4ECB-907E-0F9EBDE75356}" type="datetimeFigureOut">
               <a:rPr lang="en-US" smtClean="0"/>
-              <a:t>1/11/2022</a:t>
+              <a:t>1/26/2022</a:t>
             </a:fld>
             <a:endParaRPr lang="en-US"/>
           </a:p>
@@ -2910,7 +2910,7 @@
           <a:p>
             <a:fld id="{1560D20A-E720-4ECB-907E-0F9EBDE75356}" type="datetimeFigureOut">
               <a:rPr lang="en-US" smtClean="0"/>
-              <a:t>1/11/2022</a:t>
+              <a:t>1/26/2022</a:t>
             </a:fld>
             <a:endParaRPr lang="en-US"/>
           </a:p>
@@ -5876,14 +5876,14 @@
         </p:nvSpPr>
         <p:spPr>
           <a:xfrm>
-            <a:off x="1814074" y="3100880"/>
+            <a:off x="2083705" y="1499634"/>
             <a:ext cx="2491894" cy="461665"/>
           </a:xfrm>
           <a:prstGeom prst="rect">
             <a:avLst/>
           </a:prstGeom>
           <a:solidFill>
-            <a:schemeClr val="bg1"/>
+            <a:schemeClr val="bg2"/>
           </a:solidFill>
           <a:ln/>
         </p:spPr>
@@ -5945,7 +5945,7 @@
         </p:nvSpPr>
         <p:spPr>
           <a:xfrm>
-            <a:off x="5203177" y="6058316"/>
+            <a:off x="5144691" y="4266392"/>
             <a:ext cx="2476926" cy="461665"/>
           </a:xfrm>
           <a:prstGeom prst="rect">
@@ -6014,7 +6014,7 @@
         </p:nvSpPr>
         <p:spPr>
           <a:xfrm>
-            <a:off x="4709436" y="2578516"/>
+            <a:off x="4899298" y="2189629"/>
             <a:ext cx="2363167" cy="830997"/>
           </a:xfrm>
           <a:prstGeom prst="rect">
@@ -6100,14 +6100,14 @@
         </p:nvSpPr>
         <p:spPr>
           <a:xfrm>
-            <a:off x="4709436" y="3484011"/>
+            <a:off x="4899568" y="3130891"/>
             <a:ext cx="2363435" cy="1015663"/>
           </a:xfrm>
           <a:prstGeom prst="rect">
             <a:avLst/>
           </a:prstGeom>
           <a:solidFill>
-            <a:schemeClr val="bg1"/>
+            <a:srgbClr val="FFC5C5"/>
           </a:solidFill>
           <a:ln/>
         </p:spPr>
@@ -6173,8 +6173,8 @@
         </p:nvCxnSpPr>
         <p:spPr>
           <a:xfrm>
-            <a:off x="3060021" y="3562545"/>
-            <a:ext cx="783952" cy="1024580"/>
+            <a:off x="3329652" y="1961299"/>
+            <a:ext cx="514321" cy="2625826"/>
           </a:xfrm>
           <a:prstGeom prst="straightConnector1">
             <a:avLst/>
@@ -6216,8 +6216,8 @@
         </p:nvCxnSpPr>
         <p:spPr>
           <a:xfrm>
-            <a:off x="5891020" y="3409513"/>
-            <a:ext cx="134" cy="74498"/>
+            <a:off x="6080882" y="3020626"/>
+            <a:ext cx="404" cy="110265"/>
           </a:xfrm>
           <a:prstGeom prst="straightConnector1">
             <a:avLst/>
@@ -6255,12 +6255,15 @@
         </p:nvSpPr>
         <p:spPr>
           <a:xfrm>
-            <a:off x="4718440" y="775974"/>
+            <a:off x="4908572" y="229754"/>
             <a:ext cx="2363435" cy="646331"/>
           </a:xfrm>
           <a:prstGeom prst="rect">
             <a:avLst/>
           </a:prstGeom>
+          <a:solidFill>
+            <a:schemeClr val="bg2"/>
+          </a:solidFill>
           <a:ln/>
         </p:spPr>
         <p:style>
@@ -6322,7 +6325,7 @@
         </p:nvSpPr>
         <p:spPr>
           <a:xfrm>
-            <a:off x="4701338" y="-407638"/>
+            <a:off x="7804483" y="229754"/>
             <a:ext cx="2368538" cy="646331"/>
           </a:xfrm>
           <a:prstGeom prst="rect">
@@ -6392,7 +6395,7 @@
         </p:nvSpPr>
         <p:spPr>
           <a:xfrm>
-            <a:off x="7799637" y="668165"/>
+            <a:off x="7804483" y="1267145"/>
             <a:ext cx="2363435" cy="646331"/>
           </a:xfrm>
           <a:prstGeom prst="rect">
@@ -6459,15 +6462,15 @@
           </p:cNvPr>
           <p:cNvCxnSpPr>
             <a:cxnSpLocks/>
-            <a:stCxn id="58" idx="3"/>
-            <a:endCxn id="60" idx="1"/>
+            <a:stCxn id="49" idx="2"/>
+            <a:endCxn id="60" idx="0"/>
           </p:cNvCxnSpPr>
           <p:nvPr/>
         </p:nvCxnSpPr>
         <p:spPr>
-          <a:xfrm>
-            <a:off x="7069876" y="-84472"/>
-            <a:ext cx="729761" cy="1075803"/>
+          <a:xfrm flipH="1">
+            <a:off x="8986201" y="1148445"/>
+            <a:ext cx="5102" cy="118700"/>
           </a:xfrm>
           <a:prstGeom prst="straightConnector1">
             <a:avLst/>
@@ -6509,8 +6512,8 @@
         </p:nvCxnSpPr>
         <p:spPr>
           <a:xfrm flipV="1">
-            <a:off x="3060021" y="1099140"/>
-            <a:ext cx="1658419" cy="2001740"/>
+            <a:off x="3329652" y="552920"/>
+            <a:ext cx="1578920" cy="946714"/>
           </a:xfrm>
           <a:prstGeom prst="straightConnector1">
             <a:avLst/>
@@ -6545,15 +6548,15 @@
           </p:cNvPr>
           <p:cNvCxnSpPr>
             <a:cxnSpLocks/>
-            <a:stCxn id="49" idx="2"/>
-            <a:endCxn id="57" idx="0"/>
+            <a:stCxn id="58" idx="1"/>
+            <a:endCxn id="57" idx="3"/>
           </p:cNvCxnSpPr>
           <p:nvPr/>
         </p:nvCxnSpPr>
         <p:spPr>
-          <a:xfrm>
-            <a:off x="5888158" y="511053"/>
-            <a:ext cx="12000" cy="264921"/>
+          <a:xfrm flipH="1">
+            <a:off x="7272007" y="552920"/>
+            <a:ext cx="532476" cy="0"/>
           </a:xfrm>
           <a:prstGeom prst="straightConnector1">
             <a:avLst/>
@@ -6591,14 +6594,17 @@
         </p:nvSpPr>
         <p:spPr>
           <a:xfrm>
-            <a:off x="77375" y="5306474"/>
+            <a:off x="88995" y="4586602"/>
             <a:ext cx="2363435" cy="646331"/>
           </a:xfrm>
           <a:prstGeom prst="rect">
             <a:avLst/>
           </a:prstGeom>
           <a:solidFill>
-            <a:schemeClr val="bg1"/>
+            <a:schemeClr val="accent5">
+              <a:lumMod val="40000"/>
+              <a:lumOff val="60000"/>
+            </a:schemeClr>
           </a:solidFill>
           <a:ln/>
         </p:spPr>
@@ -6664,8 +6670,8 @@
         </p:nvCxnSpPr>
         <p:spPr>
           <a:xfrm flipH="1">
-            <a:off x="3843973" y="3991843"/>
-            <a:ext cx="865463" cy="595282"/>
+            <a:off x="3843973" y="3638723"/>
+            <a:ext cx="1055595" cy="948402"/>
           </a:xfrm>
           <a:prstGeom prst="straightConnector1">
             <a:avLst/>
@@ -6710,7 +6716,10 @@
             <a:avLst/>
           </a:prstGeom>
           <a:solidFill>
-            <a:schemeClr val="bg1"/>
+            <a:schemeClr val="accent5">
+              <a:lumMod val="40000"/>
+              <a:lumOff val="60000"/>
+            </a:schemeClr>
           </a:solidFill>
           <a:ln/>
         </p:spPr>
@@ -6775,9 +6784,9 @@
           <p:nvPr/>
         </p:nvCxnSpPr>
         <p:spPr>
-          <a:xfrm flipV="1">
-            <a:off x="2440810" y="4910291"/>
-            <a:ext cx="164700" cy="719349"/>
+          <a:xfrm>
+            <a:off x="2452430" y="4909768"/>
+            <a:ext cx="153080" cy="523"/>
           </a:xfrm>
           <a:prstGeom prst="straightConnector1">
             <a:avLst/>
@@ -6953,7 +6962,7 @@
         </p:nvSpPr>
         <p:spPr>
           <a:xfrm>
-            <a:off x="7794130" y="5579278"/>
+            <a:off x="7809595" y="4782754"/>
             <a:ext cx="2363426" cy="646331"/>
           </a:xfrm>
           <a:prstGeom prst="rect">
@@ -7025,9 +7034,9 @@
           <p:nvPr/>
         </p:nvCxnSpPr>
         <p:spPr>
-          <a:xfrm flipV="1">
-            <a:off x="7680103" y="5902444"/>
-            <a:ext cx="114027" cy="386705"/>
+          <a:xfrm>
+            <a:off x="7621617" y="4497225"/>
+            <a:ext cx="187978" cy="608695"/>
           </a:xfrm>
           <a:prstGeom prst="straightConnector1">
             <a:avLst/>
@@ -7071,7 +7080,12 @@
           <a:prstGeom prst="rect">
             <a:avLst/>
           </a:prstGeom>
-          <a:noFill/>
+          <a:solidFill>
+            <a:schemeClr val="accent5">
+              <a:lumMod val="40000"/>
+              <a:lumOff val="60000"/>
+            </a:schemeClr>
+          </a:solidFill>
           <a:ln/>
         </p:spPr>
         <p:style>
@@ -7172,14 +7186,15 @@
           </p:cNvPr>
           <p:cNvCxnSpPr>
             <a:cxnSpLocks/>
+            <a:stCxn id="56" idx="2"/>
             <a:endCxn id="91" idx="0"/>
           </p:cNvCxnSpPr>
           <p:nvPr/>
         </p:nvCxnSpPr>
         <p:spPr>
           <a:xfrm>
-            <a:off x="8975843" y="4639365"/>
-            <a:ext cx="0" cy="939913"/>
+            <a:off x="8986196" y="4596033"/>
+            <a:ext cx="5112" cy="186721"/>
           </a:xfrm>
           <a:prstGeom prst="straightConnector1">
             <a:avLst/>
@@ -7220,9 +7235,9 @@
           <p:nvPr/>
         </p:nvCxnSpPr>
         <p:spPr>
-          <a:xfrm>
-            <a:off x="8981355" y="1314496"/>
-            <a:ext cx="4845" cy="761591"/>
+          <a:xfrm flipH="1">
+            <a:off x="8986200" y="1913476"/>
+            <a:ext cx="1" cy="162611"/>
           </a:xfrm>
           <a:prstGeom prst="straightConnector1">
             <a:avLst/>
@@ -7264,8 +7279,8 @@
         </p:nvCxnSpPr>
         <p:spPr>
           <a:xfrm flipH="1">
-            <a:off x="8981354" y="3158790"/>
-            <a:ext cx="4841" cy="325221"/>
+            <a:off x="8981354" y="3173189"/>
+            <a:ext cx="4846" cy="310822"/>
           </a:xfrm>
           <a:prstGeom prst="straightConnector1">
             <a:avLst/>
@@ -7303,7 +7318,7 @@
         </p:nvSpPr>
         <p:spPr>
           <a:xfrm>
-            <a:off x="4718574" y="1517444"/>
+            <a:off x="4899433" y="1099413"/>
             <a:ext cx="2363167" cy="646331"/>
           </a:xfrm>
           <a:prstGeom prst="rect">
@@ -7370,8 +7385,8 @@
         </p:nvCxnSpPr>
         <p:spPr>
           <a:xfrm flipH="1">
-            <a:off x="5891020" y="2455288"/>
-            <a:ext cx="9139" cy="123228"/>
+            <a:off x="6080882" y="2019781"/>
+            <a:ext cx="135" cy="169848"/>
           </a:xfrm>
           <a:prstGeom prst="straightConnector1">
             <a:avLst/>
@@ -7413,8 +7428,8 @@
         </p:nvCxnSpPr>
         <p:spPr>
           <a:xfrm flipV="1">
-            <a:off x="5900158" y="1422305"/>
-            <a:ext cx="0" cy="95139"/>
+            <a:off x="6081017" y="876085"/>
+            <a:ext cx="9273" cy="223328"/>
           </a:xfrm>
           <a:prstGeom prst="straightConnector1">
             <a:avLst/>
@@ -7458,12 +7473,7 @@
           <a:prstGeom prst="rect">
             <a:avLst/>
           </a:prstGeom>
-          <a:solidFill>
-            <a:schemeClr val="accent1">
-              <a:lumMod val="20000"/>
-              <a:lumOff val="80000"/>
-            </a:schemeClr>
-          </a:solidFill>
+          <a:noFill/>
           <a:ln/>
         </p:spPr>
         <p:style>
@@ -7514,14 +7524,17 @@
         </p:nvSpPr>
         <p:spPr>
           <a:xfrm>
-            <a:off x="60964" y="4500865"/>
+            <a:off x="437248" y="2871146"/>
             <a:ext cx="2363435" cy="461665"/>
           </a:xfrm>
           <a:prstGeom prst="rect">
             <a:avLst/>
           </a:prstGeom>
           <a:solidFill>
-            <a:schemeClr val="bg1"/>
+            <a:schemeClr val="accent5">
+              <a:lumMod val="40000"/>
+              <a:lumOff val="60000"/>
+            </a:schemeClr>
           </a:solidFill>
           <a:ln/>
         </p:spPr>
@@ -7581,14 +7594,14 @@
           <p:cNvCxnSpPr>
             <a:cxnSpLocks/>
             <a:stCxn id="33" idx="3"/>
-            <a:endCxn id="75" idx="1"/>
+            <a:endCxn id="75" idx="0"/>
           </p:cNvCxnSpPr>
           <p:nvPr/>
         </p:nvCxnSpPr>
         <p:spPr>
           <a:xfrm>
-            <a:off x="2424399" y="4731698"/>
-            <a:ext cx="181111" cy="178593"/>
+            <a:off x="2800683" y="3101979"/>
+            <a:ext cx="1043290" cy="1485146"/>
           </a:xfrm>
           <a:prstGeom prst="straightConnector1">
             <a:avLst/>
@@ -7685,18 +7698,13 @@
         </p:nvSpPr>
         <p:spPr>
           <a:xfrm>
-            <a:off x="60962" y="4956981"/>
+            <a:off x="437246" y="3327262"/>
             <a:ext cx="2363437" cy="276999"/>
           </a:xfrm>
           <a:prstGeom prst="rect">
             <a:avLst/>
           </a:prstGeom>
-          <a:solidFill>
-            <a:schemeClr val="accent1">
-              <a:lumMod val="20000"/>
-              <a:lumOff val="80000"/>
-            </a:schemeClr>
-          </a:solidFill>
+          <a:noFill/>
           <a:ln/>
         </p:spPr>
         <p:style>
@@ -7747,18 +7755,13 @@
         </p:nvSpPr>
         <p:spPr>
           <a:xfrm>
-            <a:off x="4718440" y="2178289"/>
+            <a:off x="4899298" y="1742782"/>
             <a:ext cx="2363437" cy="276999"/>
           </a:xfrm>
           <a:prstGeom prst="rect">
             <a:avLst/>
           </a:prstGeom>
-          <a:solidFill>
-            <a:schemeClr val="accent1">
-              <a:lumMod val="20000"/>
-              <a:lumOff val="80000"/>
-            </a:schemeClr>
-          </a:solidFill>
+          <a:noFill/>
           <a:ln/>
         </p:spPr>
         <p:style>
@@ -7809,18 +7812,13 @@
         </p:nvSpPr>
         <p:spPr>
           <a:xfrm>
-            <a:off x="4706439" y="234054"/>
+            <a:off x="7809584" y="871446"/>
             <a:ext cx="2363437" cy="276999"/>
           </a:xfrm>
           <a:prstGeom prst="rect">
             <a:avLst/>
           </a:prstGeom>
-          <a:solidFill>
-            <a:schemeClr val="accent1">
-              <a:lumMod val="20000"/>
-              <a:lumOff val="80000"/>
-            </a:schemeClr>
-          </a:solidFill>
+          <a:noFill/>
           <a:ln/>
         </p:spPr>
         <p:style>
@@ -7871,18 +7869,13 @@
         </p:nvSpPr>
         <p:spPr>
           <a:xfrm>
-            <a:off x="10391809" y="5470362"/>
+            <a:off x="5144691" y="6025132"/>
             <a:ext cx="2476926" cy="1015663"/>
           </a:xfrm>
           <a:prstGeom prst="rect">
             <a:avLst/>
           </a:prstGeom>
-          <a:solidFill>
-            <a:schemeClr val="accent1">
-              <a:lumMod val="20000"/>
-              <a:lumOff val="80000"/>
-            </a:schemeClr>
-          </a:solidFill>
+          <a:noFill/>
           <a:ln/>
         </p:spPr>
         <p:style>
@@ -7972,12 +7965,7 @@
           <a:prstGeom prst="rect">
             <a:avLst/>
           </a:prstGeom>
-          <a:solidFill>
-            <a:schemeClr val="accent1">
-              <a:lumMod val="20000"/>
-              <a:lumOff val="80000"/>
-            </a:schemeClr>
-          </a:solidFill>
+          <a:noFill/>
           <a:ln/>
         </p:spPr>
         <p:style>
@@ -8028,7 +8016,7 @@
         </p:nvSpPr>
         <p:spPr>
           <a:xfrm>
-            <a:off x="10391809" y="4639365"/>
+            <a:off x="5144691" y="5194135"/>
             <a:ext cx="2476926" cy="830997"/>
           </a:xfrm>
           <a:prstGeom prst="rect">
@@ -8094,15 +8082,15 @@
           </p:cNvPr>
           <p:cNvCxnSpPr>
             <a:cxnSpLocks/>
-            <a:stCxn id="59" idx="1"/>
-            <a:endCxn id="91" idx="3"/>
+            <a:stCxn id="59" idx="3"/>
+            <a:endCxn id="91" idx="1"/>
           </p:cNvCxnSpPr>
           <p:nvPr/>
         </p:nvCxnSpPr>
         <p:spPr>
-          <a:xfrm flipH="1">
-            <a:off x="10157556" y="5054864"/>
-            <a:ext cx="234253" cy="847580"/>
+          <a:xfrm flipV="1">
+            <a:off x="7621617" y="5105920"/>
+            <a:ext cx="187978" cy="503714"/>
           </a:xfrm>
           <a:prstGeom prst="straightConnector1">
             <a:avLst/>
@@ -8140,18 +8128,13 @@
         </p:nvSpPr>
         <p:spPr>
           <a:xfrm>
-            <a:off x="5203177" y="6530690"/>
+            <a:off x="5144691" y="4738766"/>
             <a:ext cx="2476926" cy="276999"/>
           </a:xfrm>
           <a:prstGeom prst="rect">
             <a:avLst/>
           </a:prstGeom>
-          <a:solidFill>
-            <a:schemeClr val="accent1">
-              <a:lumMod val="20000"/>
-              <a:lumOff val="80000"/>
-            </a:schemeClr>
-          </a:solidFill>
+          <a:noFill/>
           <a:ln/>
         </p:spPr>
         <p:style>
@@ -8222,18 +8205,13 @@
         </p:nvSpPr>
         <p:spPr>
           <a:xfrm>
-            <a:off x="77357" y="5951886"/>
+            <a:off x="88977" y="5232014"/>
             <a:ext cx="2363435" cy="830997"/>
           </a:xfrm>
           <a:prstGeom prst="rect">
             <a:avLst/>
           </a:prstGeom>
-          <a:solidFill>
-            <a:schemeClr val="accent1">
-              <a:lumMod val="20000"/>
-              <a:lumOff val="80000"/>
-            </a:schemeClr>
-          </a:solidFill>
+          <a:noFill/>
           <a:ln/>
         </p:spPr>
         <p:style>
@@ -8284,18 +8262,13 @@
         </p:nvSpPr>
         <p:spPr>
           <a:xfrm>
-            <a:off x="7804483" y="2697125"/>
+            <a:off x="7804488" y="2711524"/>
             <a:ext cx="2363424" cy="461665"/>
           </a:xfrm>
           <a:prstGeom prst="rect">
             <a:avLst/>
           </a:prstGeom>
-          <a:solidFill>
-            <a:schemeClr val="accent1">
-              <a:lumMod val="20000"/>
-              <a:lumOff val="80000"/>
-            </a:schemeClr>
-          </a:solidFill>
+          <a:noFill/>
           <a:ln/>
         </p:spPr>
         <p:style>
@@ -8349,9 +8322,9 @@
           <p:nvPr/>
         </p:nvCxnSpPr>
         <p:spPr>
-          <a:xfrm flipV="1">
-            <a:off x="7072871" y="3807177"/>
-            <a:ext cx="726766" cy="184666"/>
+          <a:xfrm>
+            <a:off x="7263003" y="3638723"/>
+            <a:ext cx="536634" cy="168454"/>
           </a:xfrm>
           <a:prstGeom prst="straightConnector1">
             <a:avLst/>

--- a/extras/Explorer_Tool_Workflow_2.pptx
+++ b/extras/Explorer_Tool_Workflow_2.pptx
@@ -260,7 +260,7 @@
           <a:p>
             <a:fld id="{1560D20A-E720-4ECB-907E-0F9EBDE75356}" type="datetimeFigureOut">
               <a:rPr lang="en-US" smtClean="0"/>
-              <a:t>1/26/2022</a:t>
+              <a:t>2/22/2022</a:t>
             </a:fld>
             <a:endParaRPr lang="en-US"/>
           </a:p>
@@ -458,7 +458,7 @@
           <a:p>
             <a:fld id="{1560D20A-E720-4ECB-907E-0F9EBDE75356}" type="datetimeFigureOut">
               <a:rPr lang="en-US" smtClean="0"/>
-              <a:t>1/26/2022</a:t>
+              <a:t>2/22/2022</a:t>
             </a:fld>
             <a:endParaRPr lang="en-US"/>
           </a:p>
@@ -666,7 +666,7 @@
           <a:p>
             <a:fld id="{1560D20A-E720-4ECB-907E-0F9EBDE75356}" type="datetimeFigureOut">
               <a:rPr lang="en-US" smtClean="0"/>
-              <a:t>1/26/2022</a:t>
+              <a:t>2/22/2022</a:t>
             </a:fld>
             <a:endParaRPr lang="en-US"/>
           </a:p>
@@ -864,7 +864,7 @@
           <a:p>
             <a:fld id="{1560D20A-E720-4ECB-907E-0F9EBDE75356}" type="datetimeFigureOut">
               <a:rPr lang="en-US" smtClean="0"/>
-              <a:t>1/26/2022</a:t>
+              <a:t>2/22/2022</a:t>
             </a:fld>
             <a:endParaRPr lang="en-US"/>
           </a:p>
@@ -1139,7 +1139,7 @@
           <a:p>
             <a:fld id="{1560D20A-E720-4ECB-907E-0F9EBDE75356}" type="datetimeFigureOut">
               <a:rPr lang="en-US" smtClean="0"/>
-              <a:t>1/26/2022</a:t>
+              <a:t>2/22/2022</a:t>
             </a:fld>
             <a:endParaRPr lang="en-US"/>
           </a:p>
@@ -1404,7 +1404,7 @@
           <a:p>
             <a:fld id="{1560D20A-E720-4ECB-907E-0F9EBDE75356}" type="datetimeFigureOut">
               <a:rPr lang="en-US" smtClean="0"/>
-              <a:t>1/26/2022</a:t>
+              <a:t>2/22/2022</a:t>
             </a:fld>
             <a:endParaRPr lang="en-US"/>
           </a:p>
@@ -1816,7 +1816,7 @@
           <a:p>
             <a:fld id="{1560D20A-E720-4ECB-907E-0F9EBDE75356}" type="datetimeFigureOut">
               <a:rPr lang="en-US" smtClean="0"/>
-              <a:t>1/26/2022</a:t>
+              <a:t>2/22/2022</a:t>
             </a:fld>
             <a:endParaRPr lang="en-US"/>
           </a:p>
@@ -1957,7 +1957,7 @@
           <a:p>
             <a:fld id="{1560D20A-E720-4ECB-907E-0F9EBDE75356}" type="datetimeFigureOut">
               <a:rPr lang="en-US" smtClean="0"/>
-              <a:t>1/26/2022</a:t>
+              <a:t>2/22/2022</a:t>
             </a:fld>
             <a:endParaRPr lang="en-US"/>
           </a:p>
@@ -2070,7 +2070,7 @@
           <a:p>
             <a:fld id="{1560D20A-E720-4ECB-907E-0F9EBDE75356}" type="datetimeFigureOut">
               <a:rPr lang="en-US" smtClean="0"/>
-              <a:t>1/26/2022</a:t>
+              <a:t>2/22/2022</a:t>
             </a:fld>
             <a:endParaRPr lang="en-US"/>
           </a:p>
@@ -2381,7 +2381,7 @@
           <a:p>
             <a:fld id="{1560D20A-E720-4ECB-907E-0F9EBDE75356}" type="datetimeFigureOut">
               <a:rPr lang="en-US" smtClean="0"/>
-              <a:t>1/26/2022</a:t>
+              <a:t>2/22/2022</a:t>
             </a:fld>
             <a:endParaRPr lang="en-US"/>
           </a:p>
@@ -2669,7 +2669,7 @@
           <a:p>
             <a:fld id="{1560D20A-E720-4ECB-907E-0F9EBDE75356}" type="datetimeFigureOut">
               <a:rPr lang="en-US" smtClean="0"/>
-              <a:t>1/26/2022</a:t>
+              <a:t>2/22/2022</a:t>
             </a:fld>
             <a:endParaRPr lang="en-US"/>
           </a:p>
@@ -2910,7 +2910,7 @@
           <a:p>
             <a:fld id="{1560D20A-E720-4ECB-907E-0F9EBDE75356}" type="datetimeFigureOut">
               <a:rPr lang="en-US" smtClean="0"/>
-              <a:t>1/26/2022</a:t>
+              <a:t>2/22/2022</a:t>
             </a:fld>
             <a:endParaRPr lang="en-US"/>
           </a:p>
@@ -8348,6 +8348,48 @@
           </a:fontRef>
         </p:style>
       </p:cxnSp>
+      <p:cxnSp>
+        <p:nvCxnSpPr>
+          <p:cNvPr id="48" name="Straight Arrow Connector 47">
+            <a:extLst>
+              <a:ext uri="{FF2B5EF4-FFF2-40B4-BE49-F238E27FC236}">
+                <a16:creationId xmlns:a16="http://schemas.microsoft.com/office/drawing/2014/main" id="{57AA9D1E-B61E-44F8-8F92-21E966A04C68}"/>
+              </a:ext>
+            </a:extLst>
+          </p:cNvPr>
+          <p:cNvCxnSpPr>
+            <a:cxnSpLocks/>
+            <a:endCxn id="57" idx="3"/>
+          </p:cNvCxnSpPr>
+          <p:nvPr/>
+        </p:nvCxnSpPr>
+        <p:spPr>
+          <a:xfrm flipH="1" flipV="1">
+            <a:off x="7272007" y="552920"/>
+            <a:ext cx="289378" cy="3713472"/>
+          </a:xfrm>
+          <a:prstGeom prst="straightConnector1">
+            <a:avLst/>
+          </a:prstGeom>
+          <a:ln>
+            <a:tailEnd type="triangle"/>
+          </a:ln>
+        </p:spPr>
+        <p:style>
+          <a:lnRef idx="1">
+            <a:schemeClr val="accent1"/>
+          </a:lnRef>
+          <a:fillRef idx="0">
+            <a:schemeClr val="accent1"/>
+          </a:fillRef>
+          <a:effectRef idx="0">
+            <a:schemeClr val="accent1"/>
+          </a:effectRef>
+          <a:fontRef idx="minor">
+            <a:schemeClr val="tx1"/>
+          </a:fontRef>
+        </p:style>
+      </p:cxnSp>
     </p:spTree>
     <p:extLst>
       <p:ext uri="{BB962C8B-B14F-4D97-AF65-F5344CB8AC3E}">

--- a/extras/Explorer_Tool_Workflow_2.pptx
+++ b/extras/Explorer_Tool_Workflow_2.pptx
@@ -260,7 +260,7 @@
           <a:p>
             <a:fld id="{1560D20A-E720-4ECB-907E-0F9EBDE75356}" type="datetimeFigureOut">
               <a:rPr lang="en-US" smtClean="0"/>
-              <a:t>2/22/2022</a:t>
+              <a:t>2/23/2022</a:t>
             </a:fld>
             <a:endParaRPr lang="en-US"/>
           </a:p>
@@ -458,7 +458,7 @@
           <a:p>
             <a:fld id="{1560D20A-E720-4ECB-907E-0F9EBDE75356}" type="datetimeFigureOut">
               <a:rPr lang="en-US" smtClean="0"/>
-              <a:t>2/22/2022</a:t>
+              <a:t>2/23/2022</a:t>
             </a:fld>
             <a:endParaRPr lang="en-US"/>
           </a:p>
@@ -666,7 +666,7 @@
           <a:p>
             <a:fld id="{1560D20A-E720-4ECB-907E-0F9EBDE75356}" type="datetimeFigureOut">
               <a:rPr lang="en-US" smtClean="0"/>
-              <a:t>2/22/2022</a:t>
+              <a:t>2/23/2022</a:t>
             </a:fld>
             <a:endParaRPr lang="en-US"/>
           </a:p>
@@ -864,7 +864,7 @@
           <a:p>
             <a:fld id="{1560D20A-E720-4ECB-907E-0F9EBDE75356}" type="datetimeFigureOut">
               <a:rPr lang="en-US" smtClean="0"/>
-              <a:t>2/22/2022</a:t>
+              <a:t>2/23/2022</a:t>
             </a:fld>
             <a:endParaRPr lang="en-US"/>
           </a:p>
@@ -1139,7 +1139,7 @@
           <a:p>
             <a:fld id="{1560D20A-E720-4ECB-907E-0F9EBDE75356}" type="datetimeFigureOut">
               <a:rPr lang="en-US" smtClean="0"/>
-              <a:t>2/22/2022</a:t>
+              <a:t>2/23/2022</a:t>
             </a:fld>
             <a:endParaRPr lang="en-US"/>
           </a:p>
@@ -1404,7 +1404,7 @@
           <a:p>
             <a:fld id="{1560D20A-E720-4ECB-907E-0F9EBDE75356}" type="datetimeFigureOut">
               <a:rPr lang="en-US" smtClean="0"/>
-              <a:t>2/22/2022</a:t>
+              <a:t>2/23/2022</a:t>
             </a:fld>
             <a:endParaRPr lang="en-US"/>
           </a:p>
@@ -1816,7 +1816,7 @@
           <a:p>
             <a:fld id="{1560D20A-E720-4ECB-907E-0F9EBDE75356}" type="datetimeFigureOut">
               <a:rPr lang="en-US" smtClean="0"/>
-              <a:t>2/22/2022</a:t>
+              <a:t>2/23/2022</a:t>
             </a:fld>
             <a:endParaRPr lang="en-US"/>
           </a:p>
@@ -1957,7 +1957,7 @@
           <a:p>
             <a:fld id="{1560D20A-E720-4ECB-907E-0F9EBDE75356}" type="datetimeFigureOut">
               <a:rPr lang="en-US" smtClean="0"/>
-              <a:t>2/22/2022</a:t>
+              <a:t>2/23/2022</a:t>
             </a:fld>
             <a:endParaRPr lang="en-US"/>
           </a:p>
@@ -2070,7 +2070,7 @@
           <a:p>
             <a:fld id="{1560D20A-E720-4ECB-907E-0F9EBDE75356}" type="datetimeFigureOut">
               <a:rPr lang="en-US" smtClean="0"/>
-              <a:t>2/22/2022</a:t>
+              <a:t>2/23/2022</a:t>
             </a:fld>
             <a:endParaRPr lang="en-US"/>
           </a:p>
@@ -2381,7 +2381,7 @@
           <a:p>
             <a:fld id="{1560D20A-E720-4ECB-907E-0F9EBDE75356}" type="datetimeFigureOut">
               <a:rPr lang="en-US" smtClean="0"/>
-              <a:t>2/22/2022</a:t>
+              <a:t>2/23/2022</a:t>
             </a:fld>
             <a:endParaRPr lang="en-US"/>
           </a:p>
@@ -2669,7 +2669,7 @@
           <a:p>
             <a:fld id="{1560D20A-E720-4ECB-907E-0F9EBDE75356}" type="datetimeFigureOut">
               <a:rPr lang="en-US" smtClean="0"/>
-              <a:t>2/22/2022</a:t>
+              <a:t>2/23/2022</a:t>
             </a:fld>
             <a:endParaRPr lang="en-US"/>
           </a:p>
@@ -2910,7 +2910,7 @@
           <a:p>
             <a:fld id="{1560D20A-E720-4ECB-907E-0F9EBDE75356}" type="datetimeFigureOut">
               <a:rPr lang="en-US" smtClean="0"/>
-              <a:t>2/22/2022</a:t>
+              <a:t>2/23/2022</a:t>
             </a:fld>
             <a:endParaRPr lang="en-US"/>
           </a:p>
@@ -5876,8 +5876,8 @@
         </p:nvSpPr>
         <p:spPr>
           <a:xfrm>
-            <a:off x="2083705" y="1499634"/>
-            <a:ext cx="2491894" cy="461665"/>
+            <a:off x="2414313" y="2561261"/>
+            <a:ext cx="2363434" cy="461665"/>
           </a:xfrm>
           <a:prstGeom prst="rect">
             <a:avLst/>
@@ -5926,7 +5926,7 @@
                 <a:latin typeface="Times New Roman" panose="02020603050405020304" pitchFamily="18" charset="0"/>
                 <a:cs typeface="Times New Roman" panose="02020603050405020304" pitchFamily="18" charset="0"/>
               </a:rPr>
-              <a:t>: Manage folders and app deployment for each workflow.</a:t>
+              <a:t>: Manage folders &amp; app deployment for each workflow.</a:t>
             </a:r>
           </a:p>
         </p:txBody>
@@ -6173,8 +6173,8 @@
         </p:nvCxnSpPr>
         <p:spPr>
           <a:xfrm>
-            <a:off x="3329652" y="1961299"/>
-            <a:ext cx="514321" cy="2625826"/>
+            <a:off x="3596030" y="3022926"/>
+            <a:ext cx="247943" cy="1564199"/>
           </a:xfrm>
           <a:prstGeom prst="straightConnector1">
             <a:avLst/>
@@ -6512,8 +6512,8 @@
         </p:nvCxnSpPr>
         <p:spPr>
           <a:xfrm flipV="1">
-            <a:off x="3329652" y="552920"/>
-            <a:ext cx="1578920" cy="946714"/>
+            <a:off x="3596030" y="552920"/>
+            <a:ext cx="1312542" cy="2008341"/>
           </a:xfrm>
           <a:prstGeom prst="straightConnector1">
             <a:avLst/>
@@ -6594,7 +6594,7 @@
         </p:nvSpPr>
         <p:spPr>
           <a:xfrm>
-            <a:off x="88995" y="4586602"/>
+            <a:off x="94093" y="3801811"/>
             <a:ext cx="2363435" cy="646331"/>
           </a:xfrm>
           <a:prstGeom prst="rect">
@@ -6785,8 +6785,8 @@
         </p:nvCxnSpPr>
         <p:spPr>
           <a:xfrm>
-            <a:off x="2452430" y="4909768"/>
-            <a:ext cx="153080" cy="523"/>
+            <a:off x="2457528" y="4124977"/>
+            <a:ext cx="147982" cy="785314"/>
           </a:xfrm>
           <a:prstGeom prst="straightConnector1">
             <a:avLst/>
@@ -7524,7 +7524,7 @@
         </p:nvSpPr>
         <p:spPr>
           <a:xfrm>
-            <a:off x="437248" y="2871146"/>
+            <a:off x="88977" y="5563467"/>
             <a:ext cx="2363435" cy="461665"/>
           </a:xfrm>
           <a:prstGeom prst="rect">
@@ -7594,14 +7594,14 @@
           <p:cNvCxnSpPr>
             <a:cxnSpLocks/>
             <a:stCxn id="33" idx="3"/>
-            <a:endCxn id="75" idx="0"/>
+            <a:endCxn id="75" idx="1"/>
           </p:cNvCxnSpPr>
           <p:nvPr/>
         </p:nvCxnSpPr>
         <p:spPr>
-          <a:xfrm>
-            <a:off x="2800683" y="3101979"/>
-            <a:ext cx="1043290" cy="1485146"/>
+          <a:xfrm flipV="1">
+            <a:off x="2452412" y="4910291"/>
+            <a:ext cx="153098" cy="884009"/>
           </a:xfrm>
           <a:prstGeom prst="straightConnector1">
             <a:avLst/>
@@ -7698,7 +7698,7 @@
         </p:nvSpPr>
         <p:spPr>
           <a:xfrm>
-            <a:off x="437246" y="3327262"/>
+            <a:off x="88975" y="6019583"/>
             <a:ext cx="2363437" cy="276999"/>
           </a:xfrm>
           <a:prstGeom prst="rect">
@@ -8205,7 +8205,7 @@
         </p:nvSpPr>
         <p:spPr>
           <a:xfrm>
-            <a:off x="88977" y="5232014"/>
+            <a:off x="94075" y="4447223"/>
             <a:ext cx="2363435" cy="830997"/>
           </a:xfrm>
           <a:prstGeom prst="rect">
@@ -8367,6 +8367,164 @@
           <a:xfrm flipH="1" flipV="1">
             <a:off x="7272007" y="552920"/>
             <a:ext cx="289378" cy="3713472"/>
+          </a:xfrm>
+          <a:prstGeom prst="straightConnector1">
+            <a:avLst/>
+          </a:prstGeom>
+          <a:ln>
+            <a:tailEnd type="triangle"/>
+          </a:ln>
+        </p:spPr>
+        <p:style>
+          <a:lnRef idx="1">
+            <a:schemeClr val="accent1"/>
+          </a:lnRef>
+          <a:fillRef idx="0">
+            <a:schemeClr val="accent1"/>
+          </a:fillRef>
+          <a:effectRef idx="0">
+            <a:schemeClr val="accent1"/>
+          </a:effectRef>
+          <a:fontRef idx="minor">
+            <a:schemeClr val="tx1"/>
+          </a:fontRef>
+        </p:style>
+      </p:cxnSp>
+      <p:sp>
+        <p:nvSpPr>
+          <p:cNvPr id="52" name="TextBox 51">
+            <a:extLst>
+              <a:ext uri="{FF2B5EF4-FFF2-40B4-BE49-F238E27FC236}">
+                <a16:creationId xmlns:a16="http://schemas.microsoft.com/office/drawing/2014/main" id="{DC1BDCAA-5280-46ED-A555-C871EA621918}"/>
+              </a:ext>
+            </a:extLst>
+          </p:cNvPr>
+          <p:cNvSpPr txBox="1"/>
+          <p:nvPr/>
+        </p:nvSpPr>
+        <p:spPr>
+          <a:xfrm>
+            <a:off x="88977" y="1563055"/>
+            <a:ext cx="2363435" cy="461665"/>
+          </a:xfrm>
+          <a:prstGeom prst="rect">
+            <a:avLst/>
+          </a:prstGeom>
+          <a:solidFill>
+            <a:schemeClr val="accent5">
+              <a:lumMod val="40000"/>
+              <a:lumOff val="60000"/>
+            </a:schemeClr>
+          </a:solidFill>
+          <a:ln/>
+        </p:spPr>
+        <p:style>
+          <a:lnRef idx="2">
+            <a:schemeClr val="accent1"/>
+          </a:lnRef>
+          <a:fillRef idx="1">
+            <a:schemeClr val="lt1"/>
+          </a:fillRef>
+          <a:effectRef idx="0">
+            <a:schemeClr val="accent1"/>
+          </a:effectRef>
+          <a:fontRef idx="minor">
+            <a:schemeClr val="dk1"/>
+          </a:fontRef>
+        </p:style>
+        <p:txBody>
+          <a:bodyPr wrap="square" rtlCol="0">
+            <a:spAutoFit/>
+          </a:bodyPr>
+          <a:lstStyle/>
+          <a:p>
+            <a:pPr algn="ctr"/>
+            <a:r>
+              <a:rPr lang="en-US" sz="1200" b="1" dirty="0">
+                <a:solidFill>
+                  <a:schemeClr val="tx1"/>
+                </a:solidFill>
+                <a:latin typeface="Times New Roman" panose="02020603050405020304" pitchFamily="18" charset="0"/>
+                <a:cs typeface="Times New Roman" panose="02020603050405020304" pitchFamily="18" charset="0"/>
+              </a:rPr>
+              <a:t>validation.R</a:t>
+            </a:r>
+            <a:r>
+              <a:rPr lang="en-US" sz="1200" dirty="0">
+                <a:solidFill>
+                  <a:schemeClr val="tx1"/>
+                </a:solidFill>
+                <a:latin typeface="Times New Roman" panose="02020603050405020304" pitchFamily="18" charset="0"/>
+                <a:cs typeface="Times New Roman" panose="02020603050405020304" pitchFamily="18" charset="0"/>
+              </a:rPr>
+              <a:t>: Validates numeric data / metadata tables.</a:t>
+            </a:r>
+          </a:p>
+        </p:txBody>
+      </p:sp>
+      <p:cxnSp>
+        <p:nvCxnSpPr>
+          <p:cNvPr id="68" name="Straight Arrow Connector 67">
+            <a:extLst>
+              <a:ext uri="{FF2B5EF4-FFF2-40B4-BE49-F238E27FC236}">
+                <a16:creationId xmlns:a16="http://schemas.microsoft.com/office/drawing/2014/main" id="{F8864281-740E-4AF3-A31C-EF4E14910C92}"/>
+              </a:ext>
+            </a:extLst>
+          </p:cNvPr>
+          <p:cNvCxnSpPr>
+            <a:cxnSpLocks/>
+            <a:stCxn id="52" idx="3"/>
+            <a:endCxn id="57" idx="1"/>
+          </p:cNvCxnSpPr>
+          <p:nvPr/>
+        </p:nvCxnSpPr>
+        <p:spPr>
+          <a:xfrm flipV="1">
+            <a:off x="2452412" y="552920"/>
+            <a:ext cx="2456160" cy="1240968"/>
+          </a:xfrm>
+          <a:prstGeom prst="straightConnector1">
+            <a:avLst/>
+          </a:prstGeom>
+          <a:ln>
+            <a:tailEnd type="triangle"/>
+          </a:ln>
+        </p:spPr>
+        <p:style>
+          <a:lnRef idx="1">
+            <a:schemeClr val="accent1"/>
+          </a:lnRef>
+          <a:fillRef idx="0">
+            <a:schemeClr val="accent1"/>
+          </a:fillRef>
+          <a:effectRef idx="0">
+            <a:schemeClr val="accent1"/>
+          </a:effectRef>
+          <a:fontRef idx="minor">
+            <a:schemeClr val="tx1"/>
+          </a:fontRef>
+        </p:style>
+      </p:cxnSp>
+      <p:cxnSp>
+        <p:nvCxnSpPr>
+          <p:cNvPr id="71" name="Straight Arrow Connector 70">
+            <a:extLst>
+              <a:ext uri="{FF2B5EF4-FFF2-40B4-BE49-F238E27FC236}">
+                <a16:creationId xmlns:a16="http://schemas.microsoft.com/office/drawing/2014/main" id="{0001FADA-BAB8-41F3-90F3-2388DBA7A33E}"/>
+              </a:ext>
+            </a:extLst>
+          </p:cNvPr>
+          <p:cNvCxnSpPr>
+            <a:cxnSpLocks/>
+            <a:stCxn id="52" idx="2"/>
+            <a:endCxn id="72" idx="0"/>
+          </p:cNvCxnSpPr>
+          <p:nvPr/>
+        </p:nvCxnSpPr>
+        <p:spPr>
+          <a:xfrm>
+            <a:off x="1270695" y="2024720"/>
+            <a:ext cx="5116" cy="1777091"/>
           </a:xfrm>
           <a:prstGeom prst="straightConnector1">
             <a:avLst/>

--- a/extras/Explorer_Tool_Workflow_2.pptx
+++ b/extras/Explorer_Tool_Workflow_2.pptx
@@ -7,6 +7,7 @@
   <p:sldIdLst>
     <p:sldId id="256" r:id="rId2"/>
     <p:sldId id="257" r:id="rId3"/>
+    <p:sldId id="258" r:id="rId4"/>
   </p:sldIdLst>
   <p:sldSz cx="12192000" cy="6858000"/>
   <p:notesSz cx="6858000" cy="9144000"/>
@@ -260,7 +261,7 @@
           <a:p>
             <a:fld id="{1560D20A-E720-4ECB-907E-0F9EBDE75356}" type="datetimeFigureOut">
               <a:rPr lang="en-US" smtClean="0"/>
-              <a:t>2/23/2022</a:t>
+              <a:t>2/24/2022</a:t>
             </a:fld>
             <a:endParaRPr lang="en-US"/>
           </a:p>
@@ -458,7 +459,7 @@
           <a:p>
             <a:fld id="{1560D20A-E720-4ECB-907E-0F9EBDE75356}" type="datetimeFigureOut">
               <a:rPr lang="en-US" smtClean="0"/>
-              <a:t>2/23/2022</a:t>
+              <a:t>2/24/2022</a:t>
             </a:fld>
             <a:endParaRPr lang="en-US"/>
           </a:p>
@@ -666,7 +667,7 @@
           <a:p>
             <a:fld id="{1560D20A-E720-4ECB-907E-0F9EBDE75356}" type="datetimeFigureOut">
               <a:rPr lang="en-US" smtClean="0"/>
-              <a:t>2/23/2022</a:t>
+              <a:t>2/24/2022</a:t>
             </a:fld>
             <a:endParaRPr lang="en-US"/>
           </a:p>
@@ -864,7 +865,7 @@
           <a:p>
             <a:fld id="{1560D20A-E720-4ECB-907E-0F9EBDE75356}" type="datetimeFigureOut">
               <a:rPr lang="en-US" smtClean="0"/>
-              <a:t>2/23/2022</a:t>
+              <a:t>2/24/2022</a:t>
             </a:fld>
             <a:endParaRPr lang="en-US"/>
           </a:p>
@@ -1139,7 +1140,7 @@
           <a:p>
             <a:fld id="{1560D20A-E720-4ECB-907E-0F9EBDE75356}" type="datetimeFigureOut">
               <a:rPr lang="en-US" smtClean="0"/>
-              <a:t>2/23/2022</a:t>
+              <a:t>2/24/2022</a:t>
             </a:fld>
             <a:endParaRPr lang="en-US"/>
           </a:p>
@@ -1404,7 +1405,7 @@
           <a:p>
             <a:fld id="{1560D20A-E720-4ECB-907E-0F9EBDE75356}" type="datetimeFigureOut">
               <a:rPr lang="en-US" smtClean="0"/>
-              <a:t>2/23/2022</a:t>
+              <a:t>2/24/2022</a:t>
             </a:fld>
             <a:endParaRPr lang="en-US"/>
           </a:p>
@@ -1816,7 +1817,7 @@
           <a:p>
             <a:fld id="{1560D20A-E720-4ECB-907E-0F9EBDE75356}" type="datetimeFigureOut">
               <a:rPr lang="en-US" smtClean="0"/>
-              <a:t>2/23/2022</a:t>
+              <a:t>2/24/2022</a:t>
             </a:fld>
             <a:endParaRPr lang="en-US"/>
           </a:p>
@@ -1957,7 +1958,7 @@
           <a:p>
             <a:fld id="{1560D20A-E720-4ECB-907E-0F9EBDE75356}" type="datetimeFigureOut">
               <a:rPr lang="en-US" smtClean="0"/>
-              <a:t>2/23/2022</a:t>
+              <a:t>2/24/2022</a:t>
             </a:fld>
             <a:endParaRPr lang="en-US"/>
           </a:p>
@@ -2070,7 +2071,7 @@
           <a:p>
             <a:fld id="{1560D20A-E720-4ECB-907E-0F9EBDE75356}" type="datetimeFigureOut">
               <a:rPr lang="en-US" smtClean="0"/>
-              <a:t>2/23/2022</a:t>
+              <a:t>2/24/2022</a:t>
             </a:fld>
             <a:endParaRPr lang="en-US"/>
           </a:p>
@@ -2381,7 +2382,7 @@
           <a:p>
             <a:fld id="{1560D20A-E720-4ECB-907E-0F9EBDE75356}" type="datetimeFigureOut">
               <a:rPr lang="en-US" smtClean="0"/>
-              <a:t>2/23/2022</a:t>
+              <a:t>2/24/2022</a:t>
             </a:fld>
             <a:endParaRPr lang="en-US"/>
           </a:p>
@@ -2669,7 +2670,7 @@
           <a:p>
             <a:fld id="{1560D20A-E720-4ECB-907E-0F9EBDE75356}" type="datetimeFigureOut">
               <a:rPr lang="en-US" smtClean="0"/>
-              <a:t>2/23/2022</a:t>
+              <a:t>2/24/2022</a:t>
             </a:fld>
             <a:endParaRPr lang="en-US"/>
           </a:p>
@@ -2910,7 +2911,7 @@
           <a:p>
             <a:fld id="{1560D20A-E720-4ECB-907E-0F9EBDE75356}" type="datetimeFigureOut">
               <a:rPr lang="en-US" smtClean="0"/>
-              <a:t>2/23/2022</a:t>
+              <a:t>2/24/2022</a:t>
             </a:fld>
             <a:endParaRPr lang="en-US"/>
           </a:p>
@@ -8561,6 +8562,1399 @@
 </p:sld>
 </file>
 
+<file path=ppt/slides/slide3.xml><?xml version="1.0" encoding="utf-8"?>
+<p:sld xmlns:a="http://schemas.openxmlformats.org/drawingml/2006/main" xmlns:r="http://schemas.openxmlformats.org/officeDocument/2006/relationships" xmlns:p="http://schemas.openxmlformats.org/presentationml/2006/main">
+  <p:cSld>
+    <p:spTree>
+      <p:nvGrpSpPr>
+        <p:cNvPr id="1" name=""/>
+        <p:cNvGrpSpPr/>
+        <p:nvPr/>
+      </p:nvGrpSpPr>
+      <p:grpSpPr>
+        <a:xfrm>
+          <a:off x="0" y="0"/>
+          <a:ext cx="0" cy="0"/>
+          <a:chOff x="0" y="0"/>
+          <a:chExt cx="0" cy="0"/>
+        </a:xfrm>
+      </p:grpSpPr>
+      <p:pic>
+        <p:nvPicPr>
+          <p:cNvPr id="6" name="Picture 5">
+            <a:extLst>
+              <a:ext uri="{FF2B5EF4-FFF2-40B4-BE49-F238E27FC236}">
+                <a16:creationId xmlns:a16="http://schemas.microsoft.com/office/drawing/2014/main" id="{EE2157D2-151A-43D7-8210-247EE8C61730}"/>
+              </a:ext>
+            </a:extLst>
+          </p:cNvPr>
+          <p:cNvPicPr>
+            <a:picLocks noChangeAspect="1"/>
+          </p:cNvPicPr>
+          <p:nvPr/>
+        </p:nvPicPr>
+        <p:blipFill>
+          <a:blip r:embed="rId2"/>
+          <a:stretch>
+            <a:fillRect/>
+          </a:stretch>
+        </p:blipFill>
+        <p:spPr>
+          <a:xfrm>
+            <a:off x="107602" y="111369"/>
+            <a:ext cx="4423479" cy="2573215"/>
+          </a:xfrm>
+          <a:prstGeom prst="rect">
+            <a:avLst/>
+          </a:prstGeom>
+        </p:spPr>
+      </p:pic>
+      <p:pic>
+        <p:nvPicPr>
+          <p:cNvPr id="8" name="Picture 7">
+            <a:extLst>
+              <a:ext uri="{FF2B5EF4-FFF2-40B4-BE49-F238E27FC236}">
+                <a16:creationId xmlns:a16="http://schemas.microsoft.com/office/drawing/2014/main" id="{ED16A521-B0F3-4C26-9B91-6F18D3DEA885}"/>
+              </a:ext>
+            </a:extLst>
+          </p:cNvPr>
+          <p:cNvPicPr>
+            <a:picLocks noChangeAspect="1"/>
+          </p:cNvPicPr>
+          <p:nvPr/>
+        </p:nvPicPr>
+        <p:blipFill>
+          <a:blip r:embed="rId3"/>
+          <a:stretch>
+            <a:fillRect/>
+          </a:stretch>
+        </p:blipFill>
+        <p:spPr>
+          <a:xfrm>
+            <a:off x="107602" y="2964086"/>
+            <a:ext cx="4378569" cy="1152565"/>
+          </a:xfrm>
+          <a:prstGeom prst="rect">
+            <a:avLst/>
+          </a:prstGeom>
+        </p:spPr>
+      </p:pic>
+      <p:pic>
+        <p:nvPicPr>
+          <p:cNvPr id="1026" name="Picture 2">
+            <a:extLst>
+              <a:ext uri="{FF2B5EF4-FFF2-40B4-BE49-F238E27FC236}">
+                <a16:creationId xmlns:a16="http://schemas.microsoft.com/office/drawing/2014/main" id="{61A09DD3-F82C-49C8-9D42-F62E03E164A2}"/>
+              </a:ext>
+            </a:extLst>
+          </p:cNvPr>
+          <p:cNvPicPr>
+            <a:picLocks noChangeAspect="1" noChangeArrowheads="1"/>
+          </p:cNvPicPr>
+          <p:nvPr/>
+        </p:nvPicPr>
+        <p:blipFill>
+          <a:blip r:embed="rId4">
+            <a:extLst>
+              <a:ext uri="{28A0092B-C50C-407E-A947-70E740481C1C}">
+                <a14:useLocalDpi xmlns:a14="http://schemas.microsoft.com/office/drawing/2010/main" val="0"/>
+              </a:ext>
+            </a:extLst>
+          </a:blip>
+          <a:srcRect/>
+          <a:stretch>
+            <a:fillRect/>
+          </a:stretch>
+        </p:blipFill>
+        <p:spPr bwMode="auto">
+          <a:xfrm>
+            <a:off x="104646" y="4601921"/>
+            <a:ext cx="3576113" cy="2147903"/>
+          </a:xfrm>
+          <a:prstGeom prst="rect">
+            <a:avLst/>
+          </a:prstGeom>
+          <a:noFill/>
+          <a:extLst>
+            <a:ext uri="{909E8E84-426E-40DD-AFC4-6F175D3DCCD1}">
+              <a14:hiddenFill xmlns:a14="http://schemas.microsoft.com/office/drawing/2010/main">
+                <a:solidFill>
+                  <a:srgbClr val="FFFFFF"/>
+                </a:solidFill>
+              </a14:hiddenFill>
+            </a:ext>
+          </a:extLst>
+        </p:spPr>
+      </p:pic>
+      <p:sp>
+        <p:nvSpPr>
+          <p:cNvPr id="10" name="TextBox 9">
+            <a:extLst>
+              <a:ext uri="{FF2B5EF4-FFF2-40B4-BE49-F238E27FC236}">
+                <a16:creationId xmlns:a16="http://schemas.microsoft.com/office/drawing/2014/main" id="{7F273C64-B7BF-4448-8502-D08F3565864F}"/>
+              </a:ext>
+            </a:extLst>
+          </p:cNvPr>
+          <p:cNvSpPr txBox="1"/>
+          <p:nvPr/>
+        </p:nvSpPr>
+        <p:spPr>
+          <a:xfrm>
+            <a:off x="1277814" y="2684585"/>
+            <a:ext cx="2086709" cy="369332"/>
+          </a:xfrm>
+          <a:prstGeom prst="rect">
+            <a:avLst/>
+          </a:prstGeom>
+          <a:noFill/>
+        </p:spPr>
+        <p:txBody>
+          <a:bodyPr wrap="square" rtlCol="0">
+            <a:spAutoFit/>
+          </a:bodyPr>
+          <a:lstStyle/>
+          <a:p>
+            <a:r>
+              <a:rPr lang="en-US" dirty="0"/>
+              <a:t>Approved Requests</a:t>
+            </a:r>
+          </a:p>
+        </p:txBody>
+      </p:sp>
+      <p:sp>
+        <p:nvSpPr>
+          <p:cNvPr id="67" name="TextBox 66">
+            <a:extLst>
+              <a:ext uri="{FF2B5EF4-FFF2-40B4-BE49-F238E27FC236}">
+                <a16:creationId xmlns:a16="http://schemas.microsoft.com/office/drawing/2014/main" id="{3AAC601C-EF12-4A03-836A-66E9B855CC55}"/>
+              </a:ext>
+            </a:extLst>
+          </p:cNvPr>
+          <p:cNvSpPr txBox="1"/>
+          <p:nvPr/>
+        </p:nvSpPr>
+        <p:spPr>
+          <a:xfrm>
+            <a:off x="915143" y="4211486"/>
+            <a:ext cx="1955117" cy="369332"/>
+          </a:xfrm>
+          <a:prstGeom prst="rect">
+            <a:avLst/>
+          </a:prstGeom>
+          <a:noFill/>
+        </p:spPr>
+        <p:txBody>
+          <a:bodyPr wrap="square" rtlCol="0">
+            <a:spAutoFit/>
+          </a:bodyPr>
+          <a:lstStyle/>
+          <a:p>
+            <a:r>
+              <a:rPr lang="en-US" dirty="0"/>
+              <a:t>Downloading Data</a:t>
+            </a:r>
+          </a:p>
+        </p:txBody>
+      </p:sp>
+      <p:sp>
+        <p:nvSpPr>
+          <p:cNvPr id="11" name="TextBox 10">
+            <a:extLst>
+              <a:ext uri="{FF2B5EF4-FFF2-40B4-BE49-F238E27FC236}">
+                <a16:creationId xmlns:a16="http://schemas.microsoft.com/office/drawing/2014/main" id="{01B5DF31-0CCC-4F71-ABC4-7DC8791019A7}"/>
+              </a:ext>
+            </a:extLst>
+          </p:cNvPr>
+          <p:cNvSpPr txBox="1"/>
+          <p:nvPr/>
+        </p:nvSpPr>
+        <p:spPr>
+          <a:xfrm>
+            <a:off x="4958860" y="1989658"/>
+            <a:ext cx="1236785" cy="369332"/>
+          </a:xfrm>
+          <a:prstGeom prst="rect">
+            <a:avLst/>
+          </a:prstGeom>
+          <a:noFill/>
+        </p:spPr>
+        <p:txBody>
+          <a:bodyPr wrap="square" rtlCol="0">
+            <a:spAutoFit/>
+          </a:bodyPr>
+          <a:lstStyle/>
+          <a:p>
+            <a:r>
+              <a:rPr lang="en-US" dirty="0"/>
+              <a:t>VAE</a:t>
+            </a:r>
+          </a:p>
+        </p:txBody>
+      </p:sp>
+      <p:sp>
+        <p:nvSpPr>
+          <p:cNvPr id="74" name="TextBox 73">
+            <a:extLst>
+              <a:ext uri="{FF2B5EF4-FFF2-40B4-BE49-F238E27FC236}">
+                <a16:creationId xmlns:a16="http://schemas.microsoft.com/office/drawing/2014/main" id="{AB157C85-2902-461F-A5BD-34B39579E3F5}"/>
+              </a:ext>
+            </a:extLst>
+          </p:cNvPr>
+          <p:cNvSpPr txBox="1"/>
+          <p:nvPr/>
+        </p:nvSpPr>
+        <p:spPr>
+          <a:xfrm>
+            <a:off x="4958860" y="1075202"/>
+            <a:ext cx="1236785" cy="369332"/>
+          </a:xfrm>
+          <a:prstGeom prst="rect">
+            <a:avLst/>
+          </a:prstGeom>
+          <a:noFill/>
+        </p:spPr>
+        <p:txBody>
+          <a:bodyPr wrap="square" rtlCol="0">
+            <a:spAutoFit/>
+          </a:bodyPr>
+          <a:lstStyle/>
+          <a:p>
+            <a:r>
+              <a:rPr lang="en-US" dirty="0"/>
+              <a:t>PCA</a:t>
+            </a:r>
+          </a:p>
+        </p:txBody>
+      </p:sp>
+      <p:sp>
+        <p:nvSpPr>
+          <p:cNvPr id="76" name="TextBox 75">
+            <a:extLst>
+              <a:ext uri="{FF2B5EF4-FFF2-40B4-BE49-F238E27FC236}">
+                <a16:creationId xmlns:a16="http://schemas.microsoft.com/office/drawing/2014/main" id="{3A3A3FBE-E0DF-4BE8-949A-742125406FFB}"/>
+              </a:ext>
+            </a:extLst>
+          </p:cNvPr>
+          <p:cNvSpPr txBox="1"/>
+          <p:nvPr/>
+        </p:nvSpPr>
+        <p:spPr>
+          <a:xfrm>
+            <a:off x="4778840" y="2925594"/>
+            <a:ext cx="1236785" cy="369332"/>
+          </a:xfrm>
+          <a:prstGeom prst="rect">
+            <a:avLst/>
+          </a:prstGeom>
+          <a:noFill/>
+        </p:spPr>
+        <p:txBody>
+          <a:bodyPr wrap="square" rtlCol="0">
+            <a:spAutoFit/>
+          </a:bodyPr>
+          <a:lstStyle/>
+          <a:p>
+            <a:r>
+              <a:rPr lang="en-US" dirty="0"/>
+              <a:t>UMAP</a:t>
+            </a:r>
+          </a:p>
+        </p:txBody>
+      </p:sp>
+      <p:sp>
+        <p:nvSpPr>
+          <p:cNvPr id="77" name="TextBox 76">
+            <a:extLst>
+              <a:ext uri="{FF2B5EF4-FFF2-40B4-BE49-F238E27FC236}">
+                <a16:creationId xmlns:a16="http://schemas.microsoft.com/office/drawing/2014/main" id="{6551F882-8C8B-428F-94B8-CCB58D65F014}"/>
+              </a:ext>
+            </a:extLst>
+          </p:cNvPr>
+          <p:cNvSpPr txBox="1"/>
+          <p:nvPr/>
+        </p:nvSpPr>
+        <p:spPr>
+          <a:xfrm>
+            <a:off x="4832061" y="3878217"/>
+            <a:ext cx="1236785" cy="369332"/>
+          </a:xfrm>
+          <a:prstGeom prst="rect">
+            <a:avLst/>
+          </a:prstGeom>
+          <a:noFill/>
+        </p:spPr>
+        <p:txBody>
+          <a:bodyPr wrap="square" rtlCol="0">
+            <a:spAutoFit/>
+          </a:bodyPr>
+          <a:lstStyle/>
+          <a:p>
+            <a:r>
+              <a:rPr lang="en-US" dirty="0"/>
+              <a:t>PHATE</a:t>
+            </a:r>
+          </a:p>
+        </p:txBody>
+      </p:sp>
+      <p:sp>
+        <p:nvSpPr>
+          <p:cNvPr id="78" name="TextBox 77">
+            <a:extLst>
+              <a:ext uri="{FF2B5EF4-FFF2-40B4-BE49-F238E27FC236}">
+                <a16:creationId xmlns:a16="http://schemas.microsoft.com/office/drawing/2014/main" id="{6454D236-2C46-4DFD-9B6A-C640BB9E2A65}"/>
+              </a:ext>
+            </a:extLst>
+          </p:cNvPr>
+          <p:cNvSpPr txBox="1"/>
+          <p:nvPr/>
+        </p:nvSpPr>
+        <p:spPr>
+          <a:xfrm>
+            <a:off x="4948827" y="5164513"/>
+            <a:ext cx="1236785" cy="369332"/>
+          </a:xfrm>
+          <a:prstGeom prst="rect">
+            <a:avLst/>
+          </a:prstGeom>
+          <a:noFill/>
+        </p:spPr>
+        <p:txBody>
+          <a:bodyPr wrap="square" rtlCol="0">
+            <a:spAutoFit/>
+          </a:bodyPr>
+          <a:lstStyle/>
+          <a:p>
+            <a:r>
+              <a:rPr lang="en-US" dirty="0"/>
+              <a:t>UpSetR</a:t>
+            </a:r>
+          </a:p>
+        </p:txBody>
+      </p:sp>
+      <p:sp>
+        <p:nvSpPr>
+          <p:cNvPr id="79" name="TextBox 78">
+            <a:extLst>
+              <a:ext uri="{FF2B5EF4-FFF2-40B4-BE49-F238E27FC236}">
+                <a16:creationId xmlns:a16="http://schemas.microsoft.com/office/drawing/2014/main" id="{3D7DBF15-3B40-4D5C-8F1D-16FC2F6F136C}"/>
+              </a:ext>
+            </a:extLst>
+          </p:cNvPr>
+          <p:cNvSpPr txBox="1"/>
+          <p:nvPr/>
+        </p:nvSpPr>
+        <p:spPr>
+          <a:xfrm>
+            <a:off x="4111390" y="5913275"/>
+            <a:ext cx="1236785" cy="369332"/>
+          </a:xfrm>
+          <a:prstGeom prst="rect">
+            <a:avLst/>
+          </a:prstGeom>
+          <a:noFill/>
+        </p:spPr>
+        <p:txBody>
+          <a:bodyPr wrap="square" rtlCol="0">
+            <a:spAutoFit/>
+          </a:bodyPr>
+          <a:lstStyle/>
+          <a:p>
+            <a:r>
+              <a:rPr lang="en-US"/>
+              <a:t>Sets</a:t>
+            </a:r>
+            <a:endParaRPr lang="en-US" dirty="0"/>
+          </a:p>
+        </p:txBody>
+      </p:sp>
+      <p:sp>
+        <p:nvSpPr>
+          <p:cNvPr id="80" name="TextBox 79">
+            <a:extLst>
+              <a:ext uri="{FF2B5EF4-FFF2-40B4-BE49-F238E27FC236}">
+                <a16:creationId xmlns:a16="http://schemas.microsoft.com/office/drawing/2014/main" id="{E468850B-1982-4129-8C71-0C8ED6457896}"/>
+              </a:ext>
+            </a:extLst>
+          </p:cNvPr>
+          <p:cNvSpPr txBox="1"/>
+          <p:nvPr/>
+        </p:nvSpPr>
+        <p:spPr>
+          <a:xfrm>
+            <a:off x="6414211" y="5162626"/>
+            <a:ext cx="1236785" cy="369332"/>
+          </a:xfrm>
+          <a:prstGeom prst="rect">
+            <a:avLst/>
+          </a:prstGeom>
+          <a:noFill/>
+        </p:spPr>
+        <p:txBody>
+          <a:bodyPr wrap="square" rtlCol="0">
+            <a:spAutoFit/>
+          </a:bodyPr>
+          <a:lstStyle/>
+          <a:p>
+            <a:r>
+              <a:rPr lang="en-US" dirty="0"/>
+              <a:t>Heatmap</a:t>
+            </a:r>
+          </a:p>
+        </p:txBody>
+      </p:sp>
+      <p:sp>
+        <p:nvSpPr>
+          <p:cNvPr id="81" name="TextBox 80">
+            <a:extLst>
+              <a:ext uri="{FF2B5EF4-FFF2-40B4-BE49-F238E27FC236}">
+                <a16:creationId xmlns:a16="http://schemas.microsoft.com/office/drawing/2014/main" id="{8464A318-DA20-47EB-B27B-4B3930AA6FAF}"/>
+              </a:ext>
+            </a:extLst>
+          </p:cNvPr>
+          <p:cNvSpPr txBox="1"/>
+          <p:nvPr/>
+        </p:nvSpPr>
+        <p:spPr>
+          <a:xfrm>
+            <a:off x="7533456" y="5178087"/>
+            <a:ext cx="1740879" cy="369332"/>
+          </a:xfrm>
+          <a:prstGeom prst="rect">
+            <a:avLst/>
+          </a:prstGeom>
+          <a:noFill/>
+        </p:spPr>
+        <p:txBody>
+          <a:bodyPr wrap="square" rtlCol="0">
+            <a:spAutoFit/>
+          </a:bodyPr>
+          <a:lstStyle/>
+          <a:p>
+            <a:r>
+              <a:rPr lang="en-US" dirty="0"/>
+              <a:t>Dendrogram</a:t>
+            </a:r>
+          </a:p>
+        </p:txBody>
+      </p:sp>
+      <p:sp>
+        <p:nvSpPr>
+          <p:cNvPr id="82" name="TextBox 81">
+            <a:extLst>
+              <a:ext uri="{FF2B5EF4-FFF2-40B4-BE49-F238E27FC236}">
+                <a16:creationId xmlns:a16="http://schemas.microsoft.com/office/drawing/2014/main" id="{BCB7BED8-2854-43F0-9021-74026549B244}"/>
+              </a:ext>
+            </a:extLst>
+          </p:cNvPr>
+          <p:cNvSpPr txBox="1"/>
+          <p:nvPr/>
+        </p:nvSpPr>
+        <p:spPr>
+          <a:xfrm>
+            <a:off x="5665617" y="204291"/>
+            <a:ext cx="1359879" cy="369332"/>
+          </a:xfrm>
+          <a:prstGeom prst="rect">
+            <a:avLst/>
+          </a:prstGeom>
+          <a:noFill/>
+        </p:spPr>
+        <p:txBody>
+          <a:bodyPr wrap="square" rtlCol="0">
+            <a:spAutoFit/>
+          </a:bodyPr>
+          <a:lstStyle/>
+          <a:p>
+            <a:r>
+              <a:rPr lang="en-US" dirty="0"/>
+              <a:t>Exploration</a:t>
+            </a:r>
+          </a:p>
+        </p:txBody>
+      </p:sp>
+      <p:sp>
+        <p:nvSpPr>
+          <p:cNvPr id="83" name="TextBox 82">
+            <a:extLst>
+              <a:ext uri="{FF2B5EF4-FFF2-40B4-BE49-F238E27FC236}">
+                <a16:creationId xmlns:a16="http://schemas.microsoft.com/office/drawing/2014/main" id="{2886D174-83DC-4EA4-9E3D-085A999F1726}"/>
+              </a:ext>
+            </a:extLst>
+          </p:cNvPr>
+          <p:cNvSpPr txBox="1"/>
+          <p:nvPr/>
+        </p:nvSpPr>
+        <p:spPr>
+          <a:xfrm>
+            <a:off x="8803607" y="219780"/>
+            <a:ext cx="1359879" cy="369332"/>
+          </a:xfrm>
+          <a:prstGeom prst="rect">
+            <a:avLst/>
+          </a:prstGeom>
+          <a:noFill/>
+        </p:spPr>
+        <p:txBody>
+          <a:bodyPr wrap="square" rtlCol="0">
+            <a:spAutoFit/>
+          </a:bodyPr>
+          <a:lstStyle/>
+          <a:p>
+            <a:r>
+              <a:rPr lang="en-US" dirty="0"/>
+              <a:t>Summary</a:t>
+            </a:r>
+          </a:p>
+        </p:txBody>
+      </p:sp>
+      <p:sp>
+        <p:nvSpPr>
+          <p:cNvPr id="84" name="TextBox 83">
+            <a:extLst>
+              <a:ext uri="{FF2B5EF4-FFF2-40B4-BE49-F238E27FC236}">
+                <a16:creationId xmlns:a16="http://schemas.microsoft.com/office/drawing/2014/main" id="{1DC97BAB-E949-4FAC-862E-831575A2E1E5}"/>
+              </a:ext>
+            </a:extLst>
+          </p:cNvPr>
+          <p:cNvSpPr txBox="1"/>
+          <p:nvPr/>
+        </p:nvSpPr>
+        <p:spPr>
+          <a:xfrm>
+            <a:off x="10274854" y="219780"/>
+            <a:ext cx="932098" cy="369332"/>
+          </a:xfrm>
+          <a:prstGeom prst="rect">
+            <a:avLst/>
+          </a:prstGeom>
+          <a:noFill/>
+        </p:spPr>
+        <p:txBody>
+          <a:bodyPr wrap="square" rtlCol="0">
+            <a:spAutoFit/>
+          </a:bodyPr>
+          <a:lstStyle/>
+          <a:p>
+            <a:r>
+              <a:rPr lang="en-US" dirty="0"/>
+              <a:t>tSNE</a:t>
+            </a:r>
+          </a:p>
+        </p:txBody>
+      </p:sp>
+      <p:sp>
+        <p:nvSpPr>
+          <p:cNvPr id="85" name="TextBox 84">
+            <a:extLst>
+              <a:ext uri="{FF2B5EF4-FFF2-40B4-BE49-F238E27FC236}">
+                <a16:creationId xmlns:a16="http://schemas.microsoft.com/office/drawing/2014/main" id="{6DE4AC19-A1B9-498D-B804-FAE4FB87D430}"/>
+              </a:ext>
+            </a:extLst>
+          </p:cNvPr>
+          <p:cNvSpPr txBox="1"/>
+          <p:nvPr/>
+        </p:nvSpPr>
+        <p:spPr>
+          <a:xfrm>
+            <a:off x="7229939" y="204319"/>
+            <a:ext cx="932098" cy="369332"/>
+          </a:xfrm>
+          <a:prstGeom prst="rect">
+            <a:avLst/>
+          </a:prstGeom>
+          <a:noFill/>
+        </p:spPr>
+        <p:txBody>
+          <a:bodyPr wrap="square" rtlCol="0">
+            <a:spAutoFit/>
+          </a:bodyPr>
+          <a:lstStyle/>
+          <a:p>
+            <a:r>
+              <a:rPr lang="en-US" dirty="0"/>
+              <a:t>Boxplot</a:t>
+            </a:r>
+          </a:p>
+        </p:txBody>
+      </p:sp>
+      <p:pic>
+        <p:nvPicPr>
+          <p:cNvPr id="1031" name="Picture 7" descr="Plot object">
+            <a:extLst>
+              <a:ext uri="{FF2B5EF4-FFF2-40B4-BE49-F238E27FC236}">
+                <a16:creationId xmlns:a16="http://schemas.microsoft.com/office/drawing/2014/main" id="{60424F73-1AD6-4AC1-ADA2-430F924F374C}"/>
+              </a:ext>
+            </a:extLst>
+          </p:cNvPr>
+          <p:cNvPicPr>
+            <a:picLocks noChangeAspect="1" noChangeArrowheads="1"/>
+          </p:cNvPicPr>
+          <p:nvPr/>
+        </p:nvPicPr>
+        <p:blipFill>
+          <a:blip r:embed="rId5">
+            <a:extLst>
+              <a:ext uri="{28A0092B-C50C-407E-A947-70E740481C1C}">
+                <a14:useLocalDpi xmlns:a14="http://schemas.microsoft.com/office/drawing/2010/main" val="0"/>
+              </a:ext>
+            </a:extLst>
+          </a:blip>
+          <a:srcRect/>
+          <a:stretch>
+            <a:fillRect/>
+          </a:stretch>
+        </p:blipFill>
+        <p:spPr bwMode="auto">
+          <a:xfrm>
+            <a:off x="5841023" y="577392"/>
+            <a:ext cx="854164" cy="854164"/>
+          </a:xfrm>
+          <a:prstGeom prst="rect">
+            <a:avLst/>
+          </a:prstGeom>
+          <a:noFill/>
+          <a:extLst>
+            <a:ext uri="{909E8E84-426E-40DD-AFC4-6F175D3DCCD1}">
+              <a14:hiddenFill xmlns:a14="http://schemas.microsoft.com/office/drawing/2010/main">
+                <a:solidFill>
+                  <a:srgbClr val="FFFFFF"/>
+                </a:solidFill>
+              </a14:hiddenFill>
+            </a:ext>
+          </a:extLst>
+        </p:spPr>
+      </p:pic>
+      <p:pic>
+        <p:nvPicPr>
+          <p:cNvPr id="1035" name="Picture 11" descr="Plot object">
+            <a:extLst>
+              <a:ext uri="{FF2B5EF4-FFF2-40B4-BE49-F238E27FC236}">
+                <a16:creationId xmlns:a16="http://schemas.microsoft.com/office/drawing/2014/main" id="{20C9E518-2F5E-42AB-B243-2716BDF76B0B}"/>
+              </a:ext>
+            </a:extLst>
+          </p:cNvPr>
+          <p:cNvPicPr>
+            <a:picLocks noChangeAspect="1" noChangeArrowheads="1"/>
+          </p:cNvPicPr>
+          <p:nvPr/>
+        </p:nvPicPr>
+        <p:blipFill>
+          <a:blip r:embed="rId6">
+            <a:extLst>
+              <a:ext uri="{28A0092B-C50C-407E-A947-70E740481C1C}">
+                <a14:useLocalDpi xmlns:a14="http://schemas.microsoft.com/office/drawing/2010/main" val="0"/>
+              </a:ext>
+            </a:extLst>
+          </a:blip>
+          <a:srcRect/>
+          <a:stretch>
+            <a:fillRect/>
+          </a:stretch>
+        </p:blipFill>
+        <p:spPr bwMode="auto">
+          <a:xfrm>
+            <a:off x="10044083" y="551041"/>
+            <a:ext cx="854165" cy="854165"/>
+          </a:xfrm>
+          <a:prstGeom prst="rect">
+            <a:avLst/>
+          </a:prstGeom>
+          <a:noFill/>
+          <a:extLst>
+            <a:ext uri="{909E8E84-426E-40DD-AFC4-6F175D3DCCD1}">
+              <a14:hiddenFill xmlns:a14="http://schemas.microsoft.com/office/drawing/2010/main">
+                <a:solidFill>
+                  <a:srgbClr val="FFFFFF"/>
+                </a:solidFill>
+              </a14:hiddenFill>
+            </a:ext>
+          </a:extLst>
+        </p:spPr>
+      </p:pic>
+      <p:pic>
+        <p:nvPicPr>
+          <p:cNvPr id="1037" name="Picture 13" descr="Plot object">
+            <a:extLst>
+              <a:ext uri="{FF2B5EF4-FFF2-40B4-BE49-F238E27FC236}">
+                <a16:creationId xmlns:a16="http://schemas.microsoft.com/office/drawing/2014/main" id="{B2F267C8-9801-46D5-B20D-B75EEADB438A}"/>
+              </a:ext>
+            </a:extLst>
+          </p:cNvPr>
+          <p:cNvPicPr>
+            <a:picLocks noChangeAspect="1" noChangeArrowheads="1"/>
+          </p:cNvPicPr>
+          <p:nvPr/>
+        </p:nvPicPr>
+        <p:blipFill>
+          <a:blip r:embed="rId7">
+            <a:extLst>
+              <a:ext uri="{28A0092B-C50C-407E-A947-70E740481C1C}">
+                <a14:useLocalDpi xmlns:a14="http://schemas.microsoft.com/office/drawing/2010/main" val="0"/>
+              </a:ext>
+            </a:extLst>
+          </a:blip>
+          <a:srcRect/>
+          <a:stretch>
+            <a:fillRect/>
+          </a:stretch>
+        </p:blipFill>
+        <p:spPr bwMode="auto">
+          <a:xfrm>
+            <a:off x="7229940" y="460224"/>
+            <a:ext cx="854164" cy="854164"/>
+          </a:xfrm>
+          <a:prstGeom prst="rect">
+            <a:avLst/>
+          </a:prstGeom>
+          <a:noFill/>
+          <a:extLst>
+            <a:ext uri="{909E8E84-426E-40DD-AFC4-6F175D3DCCD1}">
+              <a14:hiddenFill xmlns:a14="http://schemas.microsoft.com/office/drawing/2010/main">
+                <a:solidFill>
+                  <a:srgbClr val="FFFFFF"/>
+                </a:solidFill>
+              </a14:hiddenFill>
+            </a:ext>
+          </a:extLst>
+        </p:spPr>
+      </p:pic>
+      <p:pic>
+        <p:nvPicPr>
+          <p:cNvPr id="1039" name="Picture 15" descr="Plot object">
+            <a:extLst>
+              <a:ext uri="{FF2B5EF4-FFF2-40B4-BE49-F238E27FC236}">
+                <a16:creationId xmlns:a16="http://schemas.microsoft.com/office/drawing/2014/main" id="{9C834EAB-C320-40D9-9BFB-AABB88D0C391}"/>
+              </a:ext>
+            </a:extLst>
+          </p:cNvPr>
+          <p:cNvPicPr>
+            <a:picLocks noChangeAspect="1" noChangeArrowheads="1"/>
+          </p:cNvPicPr>
+          <p:nvPr/>
+        </p:nvPicPr>
+        <p:blipFill>
+          <a:blip r:embed="rId8">
+            <a:extLst>
+              <a:ext uri="{28A0092B-C50C-407E-A947-70E740481C1C}">
+                <a14:useLocalDpi xmlns:a14="http://schemas.microsoft.com/office/drawing/2010/main" val="0"/>
+              </a:ext>
+            </a:extLst>
+          </a:blip>
+          <a:srcRect/>
+          <a:stretch>
+            <a:fillRect/>
+          </a:stretch>
+        </p:blipFill>
+        <p:spPr bwMode="auto">
+          <a:xfrm>
+            <a:off x="7229939" y="1402724"/>
+            <a:ext cx="854165" cy="854165"/>
+          </a:xfrm>
+          <a:prstGeom prst="rect">
+            <a:avLst/>
+          </a:prstGeom>
+          <a:noFill/>
+          <a:extLst>
+            <a:ext uri="{909E8E84-426E-40DD-AFC4-6F175D3DCCD1}">
+              <a14:hiddenFill xmlns:a14="http://schemas.microsoft.com/office/drawing/2010/main">
+                <a:solidFill>
+                  <a:srgbClr val="FFFFFF"/>
+                </a:solidFill>
+              </a14:hiddenFill>
+            </a:ext>
+          </a:extLst>
+        </p:spPr>
+      </p:pic>
+      <p:pic>
+        <p:nvPicPr>
+          <p:cNvPr id="1041" name="Picture 17" descr="Plot object">
+            <a:extLst>
+              <a:ext uri="{FF2B5EF4-FFF2-40B4-BE49-F238E27FC236}">
+                <a16:creationId xmlns:a16="http://schemas.microsoft.com/office/drawing/2014/main" id="{94E86401-8540-4A03-B127-1B0F93781CDC}"/>
+              </a:ext>
+            </a:extLst>
+          </p:cNvPr>
+          <p:cNvPicPr>
+            <a:picLocks noChangeAspect="1" noChangeArrowheads="1"/>
+          </p:cNvPicPr>
+          <p:nvPr/>
+        </p:nvPicPr>
+        <p:blipFill>
+          <a:blip r:embed="rId9">
+            <a:extLst>
+              <a:ext uri="{28A0092B-C50C-407E-A947-70E740481C1C}">
+                <a14:useLocalDpi xmlns:a14="http://schemas.microsoft.com/office/drawing/2010/main" val="0"/>
+              </a:ext>
+            </a:extLst>
+          </a:blip>
+          <a:srcRect/>
+          <a:stretch>
+            <a:fillRect/>
+          </a:stretch>
+        </p:blipFill>
+        <p:spPr bwMode="auto">
+          <a:xfrm>
+            <a:off x="10044083" y="1464533"/>
+            <a:ext cx="854164" cy="854164"/>
+          </a:xfrm>
+          <a:prstGeom prst="rect">
+            <a:avLst/>
+          </a:prstGeom>
+          <a:noFill/>
+          <a:extLst>
+            <a:ext uri="{909E8E84-426E-40DD-AFC4-6F175D3DCCD1}">
+              <a14:hiddenFill xmlns:a14="http://schemas.microsoft.com/office/drawing/2010/main">
+                <a:solidFill>
+                  <a:srgbClr val="FFFFFF"/>
+                </a:solidFill>
+              </a14:hiddenFill>
+            </a:ext>
+          </a:extLst>
+        </p:spPr>
+      </p:pic>
+      <p:pic>
+        <p:nvPicPr>
+          <p:cNvPr id="1043" name="Picture 19" descr="Plot object">
+            <a:extLst>
+              <a:ext uri="{FF2B5EF4-FFF2-40B4-BE49-F238E27FC236}">
+                <a16:creationId xmlns:a16="http://schemas.microsoft.com/office/drawing/2014/main" id="{CB24581C-A4E2-4C90-87FA-B12D5E5F7CA0}"/>
+              </a:ext>
+            </a:extLst>
+          </p:cNvPr>
+          <p:cNvPicPr>
+            <a:picLocks noChangeAspect="1" noChangeArrowheads="1"/>
+          </p:cNvPicPr>
+          <p:nvPr/>
+        </p:nvPicPr>
+        <p:blipFill>
+          <a:blip r:embed="rId10">
+            <a:extLst>
+              <a:ext uri="{28A0092B-C50C-407E-A947-70E740481C1C}">
+                <a14:useLocalDpi xmlns:a14="http://schemas.microsoft.com/office/drawing/2010/main" val="0"/>
+              </a:ext>
+            </a:extLst>
+          </a:blip>
+          <a:srcRect/>
+          <a:stretch>
+            <a:fillRect/>
+          </a:stretch>
+        </p:blipFill>
+        <p:spPr bwMode="auto">
+          <a:xfrm>
+            <a:off x="8715683" y="1516241"/>
+            <a:ext cx="854166" cy="854166"/>
+          </a:xfrm>
+          <a:prstGeom prst="rect">
+            <a:avLst/>
+          </a:prstGeom>
+          <a:noFill/>
+          <a:extLst>
+            <a:ext uri="{909E8E84-426E-40DD-AFC4-6F175D3DCCD1}">
+              <a14:hiddenFill xmlns:a14="http://schemas.microsoft.com/office/drawing/2010/main">
+                <a:solidFill>
+                  <a:srgbClr val="FFFFFF"/>
+                </a:solidFill>
+              </a14:hiddenFill>
+            </a:ext>
+          </a:extLst>
+        </p:spPr>
+      </p:pic>
+      <p:pic>
+        <p:nvPicPr>
+          <p:cNvPr id="1045" name="Picture 21" descr="Plot object">
+            <a:extLst>
+              <a:ext uri="{FF2B5EF4-FFF2-40B4-BE49-F238E27FC236}">
+                <a16:creationId xmlns:a16="http://schemas.microsoft.com/office/drawing/2014/main" id="{AAAF361F-CA30-4980-B7CA-D475DCE2B17C}"/>
+              </a:ext>
+            </a:extLst>
+          </p:cNvPr>
+          <p:cNvPicPr>
+            <a:picLocks noChangeAspect="1" noChangeArrowheads="1"/>
+          </p:cNvPicPr>
+          <p:nvPr/>
+        </p:nvPicPr>
+        <p:blipFill>
+          <a:blip r:embed="rId11">
+            <a:extLst>
+              <a:ext uri="{28A0092B-C50C-407E-A947-70E740481C1C}">
+                <a14:useLocalDpi xmlns:a14="http://schemas.microsoft.com/office/drawing/2010/main" val="0"/>
+              </a:ext>
+            </a:extLst>
+          </a:blip>
+          <a:srcRect/>
+          <a:stretch>
+            <a:fillRect/>
+          </a:stretch>
+        </p:blipFill>
+        <p:spPr bwMode="auto">
+          <a:xfrm>
+            <a:off x="8715683" y="551039"/>
+            <a:ext cx="854166" cy="854166"/>
+          </a:xfrm>
+          <a:prstGeom prst="rect">
+            <a:avLst/>
+          </a:prstGeom>
+          <a:noFill/>
+          <a:extLst>
+            <a:ext uri="{909E8E84-426E-40DD-AFC4-6F175D3DCCD1}">
+              <a14:hiddenFill xmlns:a14="http://schemas.microsoft.com/office/drawing/2010/main">
+                <a:solidFill>
+                  <a:srgbClr val="FFFFFF"/>
+                </a:solidFill>
+              </a14:hiddenFill>
+            </a:ext>
+          </a:extLst>
+        </p:spPr>
+      </p:pic>
+      <p:pic>
+        <p:nvPicPr>
+          <p:cNvPr id="13" name="Picture 12">
+            <a:extLst>
+              <a:ext uri="{FF2B5EF4-FFF2-40B4-BE49-F238E27FC236}">
+                <a16:creationId xmlns:a16="http://schemas.microsoft.com/office/drawing/2014/main" id="{A7F98B86-BF73-4C47-89B6-B56D9EC53F6C}"/>
+              </a:ext>
+            </a:extLst>
+          </p:cNvPr>
+          <p:cNvPicPr>
+            <a:picLocks noChangeAspect="1"/>
+          </p:cNvPicPr>
+          <p:nvPr/>
+        </p:nvPicPr>
+        <p:blipFill rotWithShape="1">
+          <a:blip r:embed="rId12"/>
+          <a:srcRect t="4436" b="44882"/>
+          <a:stretch/>
+        </p:blipFill>
+        <p:spPr>
+          <a:xfrm>
+            <a:off x="8919064" y="4288490"/>
+            <a:ext cx="3231417" cy="2486936"/>
+          </a:xfrm>
+          <a:prstGeom prst="rect">
+            <a:avLst/>
+          </a:prstGeom>
+        </p:spPr>
+      </p:pic>
+      <p:pic>
+        <p:nvPicPr>
+          <p:cNvPr id="1047" name="Picture 23" descr="Plot object">
+            <a:extLst>
+              <a:ext uri="{FF2B5EF4-FFF2-40B4-BE49-F238E27FC236}">
+                <a16:creationId xmlns:a16="http://schemas.microsoft.com/office/drawing/2014/main" id="{C5779F4E-56D2-43BB-8243-EE19E9331369}"/>
+              </a:ext>
+            </a:extLst>
+          </p:cNvPr>
+          <p:cNvPicPr>
+            <a:picLocks noChangeAspect="1" noChangeArrowheads="1"/>
+          </p:cNvPicPr>
+          <p:nvPr/>
+        </p:nvPicPr>
+        <p:blipFill>
+          <a:blip r:embed="rId13">
+            <a:extLst>
+              <a:ext uri="{28A0092B-C50C-407E-A947-70E740481C1C}">
+                <a14:useLocalDpi xmlns:a14="http://schemas.microsoft.com/office/drawing/2010/main" val="0"/>
+              </a:ext>
+            </a:extLst>
+          </a:blip>
+          <a:srcRect/>
+          <a:stretch>
+            <a:fillRect/>
+          </a:stretch>
+        </p:blipFill>
+        <p:spPr bwMode="auto">
+          <a:xfrm>
+            <a:off x="5846711" y="1542592"/>
+            <a:ext cx="854164" cy="854164"/>
+          </a:xfrm>
+          <a:prstGeom prst="rect">
+            <a:avLst/>
+          </a:prstGeom>
+          <a:noFill/>
+          <a:extLst>
+            <a:ext uri="{909E8E84-426E-40DD-AFC4-6F175D3DCCD1}">
+              <a14:hiddenFill xmlns:a14="http://schemas.microsoft.com/office/drawing/2010/main">
+                <a:solidFill>
+                  <a:srgbClr val="FFFFFF"/>
+                </a:solidFill>
+              </a14:hiddenFill>
+            </a:ext>
+          </a:extLst>
+        </p:spPr>
+      </p:pic>
+      <p:pic>
+        <p:nvPicPr>
+          <p:cNvPr id="1049" name="Picture 25" descr="Plot object">
+            <a:extLst>
+              <a:ext uri="{FF2B5EF4-FFF2-40B4-BE49-F238E27FC236}">
+                <a16:creationId xmlns:a16="http://schemas.microsoft.com/office/drawing/2014/main" id="{526CF1AB-432F-4EE3-A694-520828082015}"/>
+              </a:ext>
+            </a:extLst>
+          </p:cNvPr>
+          <p:cNvPicPr>
+            <a:picLocks noChangeAspect="1" noChangeArrowheads="1"/>
+          </p:cNvPicPr>
+          <p:nvPr/>
+        </p:nvPicPr>
+        <p:blipFill>
+          <a:blip r:embed="rId14">
+            <a:extLst>
+              <a:ext uri="{28A0092B-C50C-407E-A947-70E740481C1C}">
+                <a14:useLocalDpi xmlns:a14="http://schemas.microsoft.com/office/drawing/2010/main" val="0"/>
+              </a:ext>
+            </a:extLst>
+          </a:blip>
+          <a:srcRect/>
+          <a:stretch>
+            <a:fillRect/>
+          </a:stretch>
+        </p:blipFill>
+        <p:spPr bwMode="auto">
+          <a:xfrm>
+            <a:off x="5845232" y="2537004"/>
+            <a:ext cx="854164" cy="854164"/>
+          </a:xfrm>
+          <a:prstGeom prst="rect">
+            <a:avLst/>
+          </a:prstGeom>
+          <a:noFill/>
+          <a:extLst>
+            <a:ext uri="{909E8E84-426E-40DD-AFC4-6F175D3DCCD1}">
+              <a14:hiddenFill xmlns:a14="http://schemas.microsoft.com/office/drawing/2010/main">
+                <a:solidFill>
+                  <a:srgbClr val="FFFFFF"/>
+                </a:solidFill>
+              </a14:hiddenFill>
+            </a:ext>
+          </a:extLst>
+        </p:spPr>
+      </p:pic>
+      <p:pic>
+        <p:nvPicPr>
+          <p:cNvPr id="1051" name="Picture 27" descr="Plot object">
+            <a:extLst>
+              <a:ext uri="{FF2B5EF4-FFF2-40B4-BE49-F238E27FC236}">
+                <a16:creationId xmlns:a16="http://schemas.microsoft.com/office/drawing/2014/main" id="{67EE66D8-A4E0-4871-8401-3FAA02F97E87}"/>
+              </a:ext>
+            </a:extLst>
+          </p:cNvPr>
+          <p:cNvPicPr>
+            <a:picLocks noChangeAspect="1" noChangeArrowheads="1"/>
+          </p:cNvPicPr>
+          <p:nvPr/>
+        </p:nvPicPr>
+        <p:blipFill>
+          <a:blip r:embed="rId15">
+            <a:extLst>
+              <a:ext uri="{28A0092B-C50C-407E-A947-70E740481C1C}">
+                <a14:useLocalDpi xmlns:a14="http://schemas.microsoft.com/office/drawing/2010/main" val="0"/>
+              </a:ext>
+            </a:extLst>
+          </a:blip>
+          <a:srcRect/>
+          <a:stretch>
+            <a:fillRect/>
+          </a:stretch>
+        </p:blipFill>
+        <p:spPr bwMode="auto">
+          <a:xfrm>
+            <a:off x="10044083" y="2435612"/>
+            <a:ext cx="854165" cy="854165"/>
+          </a:xfrm>
+          <a:prstGeom prst="rect">
+            <a:avLst/>
+          </a:prstGeom>
+          <a:noFill/>
+          <a:extLst>
+            <a:ext uri="{909E8E84-426E-40DD-AFC4-6F175D3DCCD1}">
+              <a14:hiddenFill xmlns:a14="http://schemas.microsoft.com/office/drawing/2010/main">
+                <a:solidFill>
+                  <a:srgbClr val="FFFFFF"/>
+                </a:solidFill>
+              </a14:hiddenFill>
+            </a:ext>
+          </a:extLst>
+        </p:spPr>
+      </p:pic>
+      <p:pic>
+        <p:nvPicPr>
+          <p:cNvPr id="1053" name="Picture 29" descr="Plot object">
+            <a:extLst>
+              <a:ext uri="{FF2B5EF4-FFF2-40B4-BE49-F238E27FC236}">
+                <a16:creationId xmlns:a16="http://schemas.microsoft.com/office/drawing/2014/main" id="{9458ECF5-A2A5-4349-9EB0-C7D9561C9314}"/>
+              </a:ext>
+            </a:extLst>
+          </p:cNvPr>
+          <p:cNvPicPr>
+            <a:picLocks noChangeAspect="1" noChangeArrowheads="1"/>
+          </p:cNvPicPr>
+          <p:nvPr/>
+        </p:nvPicPr>
+        <p:blipFill>
+          <a:blip r:embed="rId16">
+            <a:extLst>
+              <a:ext uri="{28A0092B-C50C-407E-A947-70E740481C1C}">
+                <a14:useLocalDpi xmlns:a14="http://schemas.microsoft.com/office/drawing/2010/main" val="0"/>
+              </a:ext>
+            </a:extLst>
+          </a:blip>
+          <a:srcRect/>
+          <a:stretch>
+            <a:fillRect/>
+          </a:stretch>
+        </p:blipFill>
+        <p:spPr bwMode="auto">
+          <a:xfrm>
+            <a:off x="7232480" y="2354947"/>
+            <a:ext cx="854164" cy="854164"/>
+          </a:xfrm>
+          <a:prstGeom prst="rect">
+            <a:avLst/>
+          </a:prstGeom>
+          <a:noFill/>
+          <a:extLst>
+            <a:ext uri="{909E8E84-426E-40DD-AFC4-6F175D3DCCD1}">
+              <a14:hiddenFill xmlns:a14="http://schemas.microsoft.com/office/drawing/2010/main">
+                <a:solidFill>
+                  <a:srgbClr val="FFFFFF"/>
+                </a:solidFill>
+              </a14:hiddenFill>
+            </a:ext>
+          </a:extLst>
+        </p:spPr>
+      </p:pic>
+      <p:pic>
+        <p:nvPicPr>
+          <p:cNvPr id="1055" name="Picture 31" descr="Plot object">
+            <a:extLst>
+              <a:ext uri="{FF2B5EF4-FFF2-40B4-BE49-F238E27FC236}">
+                <a16:creationId xmlns:a16="http://schemas.microsoft.com/office/drawing/2014/main" id="{7552B881-34E2-4089-9A19-C222D4680CFE}"/>
+              </a:ext>
+            </a:extLst>
+          </p:cNvPr>
+          <p:cNvPicPr>
+            <a:picLocks noChangeAspect="1" noChangeArrowheads="1"/>
+          </p:cNvPicPr>
+          <p:nvPr/>
+        </p:nvPicPr>
+        <p:blipFill>
+          <a:blip r:embed="rId17">
+            <a:extLst>
+              <a:ext uri="{28A0092B-C50C-407E-A947-70E740481C1C}">
+                <a14:useLocalDpi xmlns:a14="http://schemas.microsoft.com/office/drawing/2010/main" val="0"/>
+              </a:ext>
+            </a:extLst>
+          </a:blip>
+          <a:srcRect/>
+          <a:stretch>
+            <a:fillRect/>
+          </a:stretch>
+        </p:blipFill>
+        <p:spPr bwMode="auto">
+          <a:xfrm>
+            <a:off x="5844745" y="3646053"/>
+            <a:ext cx="854166" cy="854166"/>
+          </a:xfrm>
+          <a:prstGeom prst="rect">
+            <a:avLst/>
+          </a:prstGeom>
+          <a:noFill/>
+          <a:extLst>
+            <a:ext uri="{909E8E84-426E-40DD-AFC4-6F175D3DCCD1}">
+              <a14:hiddenFill xmlns:a14="http://schemas.microsoft.com/office/drawing/2010/main">
+                <a:solidFill>
+                  <a:srgbClr val="FFFFFF"/>
+                </a:solidFill>
+              </a14:hiddenFill>
+            </a:ext>
+          </a:extLst>
+        </p:spPr>
+      </p:pic>
+      <p:pic>
+        <p:nvPicPr>
+          <p:cNvPr id="1057" name="Picture 33" descr="Plot object">
+            <a:extLst>
+              <a:ext uri="{FF2B5EF4-FFF2-40B4-BE49-F238E27FC236}">
+                <a16:creationId xmlns:a16="http://schemas.microsoft.com/office/drawing/2014/main" id="{31AB52A4-E1C8-4821-A919-12C78665A09A}"/>
+              </a:ext>
+            </a:extLst>
+          </p:cNvPr>
+          <p:cNvPicPr>
+            <a:picLocks noChangeAspect="1" noChangeArrowheads="1"/>
+          </p:cNvPicPr>
+          <p:nvPr/>
+        </p:nvPicPr>
+        <p:blipFill>
+          <a:blip r:embed="rId18">
+            <a:extLst>
+              <a:ext uri="{28A0092B-C50C-407E-A947-70E740481C1C}">
+                <a14:useLocalDpi xmlns:a14="http://schemas.microsoft.com/office/drawing/2010/main" val="0"/>
+              </a:ext>
+            </a:extLst>
+          </a:blip>
+          <a:srcRect/>
+          <a:stretch>
+            <a:fillRect/>
+          </a:stretch>
+        </p:blipFill>
+        <p:spPr bwMode="auto">
+          <a:xfrm>
+            <a:off x="4921092" y="5670858"/>
+            <a:ext cx="854166" cy="854166"/>
+          </a:xfrm>
+          <a:prstGeom prst="rect">
+            <a:avLst/>
+          </a:prstGeom>
+          <a:noFill/>
+          <a:extLst>
+            <a:ext uri="{909E8E84-426E-40DD-AFC4-6F175D3DCCD1}">
+              <a14:hiddenFill xmlns:a14="http://schemas.microsoft.com/office/drawing/2010/main">
+                <a:solidFill>
+                  <a:srgbClr val="FFFFFF"/>
+                </a:solidFill>
+              </a14:hiddenFill>
+            </a:ext>
+          </a:extLst>
+        </p:spPr>
+      </p:pic>
+      <p:pic>
+        <p:nvPicPr>
+          <p:cNvPr id="17" name="Picture 16">
+            <a:extLst>
+              <a:ext uri="{FF2B5EF4-FFF2-40B4-BE49-F238E27FC236}">
+                <a16:creationId xmlns:a16="http://schemas.microsoft.com/office/drawing/2014/main" id="{200E4CE9-BB1D-4461-9210-86BB274B274D}"/>
+              </a:ext>
+            </a:extLst>
+          </p:cNvPr>
+          <p:cNvPicPr>
+            <a:picLocks noChangeAspect="1"/>
+          </p:cNvPicPr>
+          <p:nvPr/>
+        </p:nvPicPr>
+        <p:blipFill>
+          <a:blip r:embed="rId19"/>
+          <a:stretch>
+            <a:fillRect/>
+          </a:stretch>
+        </p:blipFill>
+        <p:spPr>
+          <a:xfrm>
+            <a:off x="6600176" y="5675874"/>
+            <a:ext cx="705752" cy="844134"/>
+          </a:xfrm>
+          <a:prstGeom prst="rect">
+            <a:avLst/>
+          </a:prstGeom>
+        </p:spPr>
+      </p:pic>
+      <p:pic>
+        <p:nvPicPr>
+          <p:cNvPr id="19" name="Picture 18">
+            <a:extLst>
+              <a:ext uri="{FF2B5EF4-FFF2-40B4-BE49-F238E27FC236}">
+                <a16:creationId xmlns:a16="http://schemas.microsoft.com/office/drawing/2014/main" id="{AB4C7C6E-5B34-46DA-90A5-8CBC74FB3C25}"/>
+              </a:ext>
+            </a:extLst>
+          </p:cNvPr>
+          <p:cNvPicPr>
+            <a:picLocks noChangeAspect="1"/>
+          </p:cNvPicPr>
+          <p:nvPr/>
+        </p:nvPicPr>
+        <p:blipFill>
+          <a:blip r:embed="rId20"/>
+          <a:stretch>
+            <a:fillRect/>
+          </a:stretch>
+        </p:blipFill>
+        <p:spPr>
+          <a:xfrm>
+            <a:off x="8689684" y="2472162"/>
+            <a:ext cx="984509" cy="854166"/>
+          </a:xfrm>
+          <a:prstGeom prst="rect">
+            <a:avLst/>
+          </a:prstGeom>
+        </p:spPr>
+      </p:pic>
+      <p:pic>
+        <p:nvPicPr>
+          <p:cNvPr id="21" name="Picture 20">
+            <a:extLst>
+              <a:ext uri="{FF2B5EF4-FFF2-40B4-BE49-F238E27FC236}">
+                <a16:creationId xmlns:a16="http://schemas.microsoft.com/office/drawing/2014/main" id="{5372F061-3BD9-4843-97C8-9819423CDCB3}"/>
+              </a:ext>
+            </a:extLst>
+          </p:cNvPr>
+          <p:cNvPicPr>
+            <a:picLocks noChangeAspect="1"/>
+          </p:cNvPicPr>
+          <p:nvPr/>
+        </p:nvPicPr>
+        <p:blipFill>
+          <a:blip r:embed="rId21"/>
+          <a:stretch>
+            <a:fillRect/>
+          </a:stretch>
+        </p:blipFill>
+        <p:spPr>
+          <a:xfrm>
+            <a:off x="7748842" y="5661575"/>
+            <a:ext cx="978284" cy="844795"/>
+          </a:xfrm>
+          <a:prstGeom prst="rect">
+            <a:avLst/>
+          </a:prstGeom>
+        </p:spPr>
+      </p:pic>
+      <p:sp>
+        <p:nvSpPr>
+          <p:cNvPr id="101" name="TextBox 100">
+            <a:extLst>
+              <a:ext uri="{FF2B5EF4-FFF2-40B4-BE49-F238E27FC236}">
+                <a16:creationId xmlns:a16="http://schemas.microsoft.com/office/drawing/2014/main" id="{F70809AB-6AE4-46FF-8C29-B8D7BCFDE220}"/>
+              </a:ext>
+            </a:extLst>
+          </p:cNvPr>
+          <p:cNvSpPr txBox="1"/>
+          <p:nvPr/>
+        </p:nvSpPr>
+        <p:spPr>
+          <a:xfrm>
+            <a:off x="8978231" y="3944991"/>
+            <a:ext cx="2985867" cy="369332"/>
+          </a:xfrm>
+          <a:prstGeom prst="rect">
+            <a:avLst/>
+          </a:prstGeom>
+          <a:noFill/>
+        </p:spPr>
+        <p:txBody>
+          <a:bodyPr wrap="square" rtlCol="0">
+            <a:spAutoFit/>
+          </a:bodyPr>
+          <a:lstStyle/>
+          <a:p>
+            <a:r>
+              <a:rPr lang="en-US" dirty="0"/>
+              <a:t>Metadata Annotation of Plots </a:t>
+            </a:r>
+          </a:p>
+        </p:txBody>
+      </p:sp>
+    </p:spTree>
+    <p:extLst>
+      <p:ext uri="{BB962C8B-B14F-4D97-AF65-F5344CB8AC3E}">
+        <p14:creationId xmlns:p14="http://schemas.microsoft.com/office/powerpoint/2010/main" val="2272579441"/>
+      </p:ext>
+    </p:extLst>
+  </p:cSld>
+  <p:clrMapOvr>
+    <a:masterClrMapping/>
+  </p:clrMapOvr>
+</p:sld>
+</file>
+
 <file path=ppt/theme/theme1.xml><?xml version="1.0" encoding="utf-8"?>
 <a:theme xmlns:a="http://schemas.openxmlformats.org/drawingml/2006/main" name="Office Theme">
   <a:themeElements>

--- a/extras/Explorer_Tool_Workflow_2.pptx
+++ b/extras/Explorer_Tool_Workflow_2.pptx
@@ -263,7 +263,7 @@
           <a:p>
             <a:fld id="{1560D20A-E720-4ECB-907E-0F9EBDE75356}" type="datetimeFigureOut">
               <a:rPr lang="en-US" smtClean="0"/>
-              <a:t>4/14/2022</a:t>
+              <a:t>4/20/2022</a:t>
             </a:fld>
             <a:endParaRPr lang="en-US"/>
           </a:p>
@@ -461,7 +461,7 @@
           <a:p>
             <a:fld id="{1560D20A-E720-4ECB-907E-0F9EBDE75356}" type="datetimeFigureOut">
               <a:rPr lang="en-US" smtClean="0"/>
-              <a:t>4/14/2022</a:t>
+              <a:t>4/20/2022</a:t>
             </a:fld>
             <a:endParaRPr lang="en-US"/>
           </a:p>
@@ -669,7 +669,7 @@
           <a:p>
             <a:fld id="{1560D20A-E720-4ECB-907E-0F9EBDE75356}" type="datetimeFigureOut">
               <a:rPr lang="en-US" smtClean="0"/>
-              <a:t>4/14/2022</a:t>
+              <a:t>4/20/2022</a:t>
             </a:fld>
             <a:endParaRPr lang="en-US"/>
           </a:p>
@@ -867,7 +867,7 @@
           <a:p>
             <a:fld id="{1560D20A-E720-4ECB-907E-0F9EBDE75356}" type="datetimeFigureOut">
               <a:rPr lang="en-US" smtClean="0"/>
-              <a:t>4/14/2022</a:t>
+              <a:t>4/20/2022</a:t>
             </a:fld>
             <a:endParaRPr lang="en-US"/>
           </a:p>
@@ -1142,7 +1142,7 @@
           <a:p>
             <a:fld id="{1560D20A-E720-4ECB-907E-0F9EBDE75356}" type="datetimeFigureOut">
               <a:rPr lang="en-US" smtClean="0"/>
-              <a:t>4/14/2022</a:t>
+              <a:t>4/20/2022</a:t>
             </a:fld>
             <a:endParaRPr lang="en-US"/>
           </a:p>
@@ -1407,7 +1407,7 @@
           <a:p>
             <a:fld id="{1560D20A-E720-4ECB-907E-0F9EBDE75356}" type="datetimeFigureOut">
               <a:rPr lang="en-US" smtClean="0"/>
-              <a:t>4/14/2022</a:t>
+              <a:t>4/20/2022</a:t>
             </a:fld>
             <a:endParaRPr lang="en-US"/>
           </a:p>
@@ -1819,7 +1819,7 @@
           <a:p>
             <a:fld id="{1560D20A-E720-4ECB-907E-0F9EBDE75356}" type="datetimeFigureOut">
               <a:rPr lang="en-US" smtClean="0"/>
-              <a:t>4/14/2022</a:t>
+              <a:t>4/20/2022</a:t>
             </a:fld>
             <a:endParaRPr lang="en-US"/>
           </a:p>
@@ -1960,7 +1960,7 @@
           <a:p>
             <a:fld id="{1560D20A-E720-4ECB-907E-0F9EBDE75356}" type="datetimeFigureOut">
               <a:rPr lang="en-US" smtClean="0"/>
-              <a:t>4/14/2022</a:t>
+              <a:t>4/20/2022</a:t>
             </a:fld>
             <a:endParaRPr lang="en-US"/>
           </a:p>
@@ -2073,7 +2073,7 @@
           <a:p>
             <a:fld id="{1560D20A-E720-4ECB-907E-0F9EBDE75356}" type="datetimeFigureOut">
               <a:rPr lang="en-US" smtClean="0"/>
-              <a:t>4/14/2022</a:t>
+              <a:t>4/20/2022</a:t>
             </a:fld>
             <a:endParaRPr lang="en-US"/>
           </a:p>
@@ -2384,7 +2384,7 @@
           <a:p>
             <a:fld id="{1560D20A-E720-4ECB-907E-0F9EBDE75356}" type="datetimeFigureOut">
               <a:rPr lang="en-US" smtClean="0"/>
-              <a:t>4/14/2022</a:t>
+              <a:t>4/20/2022</a:t>
             </a:fld>
             <a:endParaRPr lang="en-US"/>
           </a:p>
@@ -2672,7 +2672,7 @@
           <a:p>
             <a:fld id="{1560D20A-E720-4ECB-907E-0F9EBDE75356}" type="datetimeFigureOut">
               <a:rPr lang="en-US" smtClean="0"/>
-              <a:t>4/14/2022</a:t>
+              <a:t>4/20/2022</a:t>
             </a:fld>
             <a:endParaRPr lang="en-US"/>
           </a:p>
@@ -2913,7 +2913,7 @@
           <a:p>
             <a:fld id="{1560D20A-E720-4ECB-907E-0F9EBDE75356}" type="datetimeFigureOut">
               <a:rPr lang="en-US" smtClean="0"/>
-              <a:t>4/14/2022</a:t>
+              <a:t>4/20/2022</a:t>
             </a:fld>
             <a:endParaRPr lang="en-US"/>
           </a:p>
@@ -5904,7 +5904,7 @@
         </p:nvSpPr>
         <p:spPr>
           <a:xfrm>
-            <a:off x="83874" y="202288"/>
+            <a:off x="158613" y="1191308"/>
             <a:ext cx="2363437" cy="646331"/>
           </a:xfrm>
           <a:prstGeom prst="rect">
@@ -5973,7 +5973,7 @@
         </p:nvSpPr>
         <p:spPr>
           <a:xfrm>
-            <a:off x="2651213" y="2574431"/>
+            <a:off x="2788432" y="2632580"/>
             <a:ext cx="2363434" cy="461665"/>
           </a:xfrm>
           <a:prstGeom prst="rect">
@@ -6111,7 +6111,7 @@
         </p:nvSpPr>
         <p:spPr>
           <a:xfrm>
-            <a:off x="5242149" y="2680756"/>
+            <a:off x="5406817" y="2786517"/>
             <a:ext cx="2363167" cy="830997"/>
           </a:xfrm>
           <a:prstGeom prst="rect">
@@ -6197,7 +6197,7 @@
         </p:nvSpPr>
         <p:spPr>
           <a:xfrm>
-            <a:off x="5240748" y="3593259"/>
+            <a:off x="5405416" y="3699020"/>
             <a:ext cx="2363435" cy="1015663"/>
           </a:xfrm>
           <a:prstGeom prst="rect">
@@ -6270,8 +6270,8 @@
         </p:nvCxnSpPr>
         <p:spPr>
           <a:xfrm>
-            <a:off x="3832930" y="3036096"/>
-            <a:ext cx="11043" cy="1551029"/>
+            <a:off x="3970149" y="3094245"/>
+            <a:ext cx="2948" cy="483244"/>
           </a:xfrm>
           <a:prstGeom prst="straightConnector1">
             <a:avLst/>
@@ -6313,7 +6313,7 @@
         </p:nvCxnSpPr>
         <p:spPr>
           <a:xfrm flipH="1">
-            <a:off x="6422466" y="3511753"/>
+            <a:off x="6587134" y="3617514"/>
             <a:ext cx="1267" cy="81506"/>
           </a:xfrm>
           <a:prstGeom prst="straightConnector1">
@@ -6352,7 +6352,7 @@
         </p:nvSpPr>
         <p:spPr>
           <a:xfrm>
-            <a:off x="5248469" y="958861"/>
+            <a:off x="5413137" y="1064622"/>
             <a:ext cx="2363167" cy="646331"/>
           </a:xfrm>
           <a:prstGeom prst="rect">
@@ -6609,8 +6609,8 @@
         </p:nvCxnSpPr>
         <p:spPr>
           <a:xfrm flipV="1">
-            <a:off x="3832930" y="1282027"/>
-            <a:ext cx="1415539" cy="1292404"/>
+            <a:off x="3970149" y="1387788"/>
+            <a:ext cx="1442988" cy="1244792"/>
           </a:xfrm>
           <a:prstGeom prst="straightConnector1">
             <a:avLst/>
@@ -6652,8 +6652,8 @@
         </p:nvCxnSpPr>
         <p:spPr>
           <a:xfrm flipH="1" flipV="1">
-            <a:off x="7611636" y="1282027"/>
-            <a:ext cx="397342" cy="662156"/>
+            <a:off x="7776304" y="1387788"/>
+            <a:ext cx="232674" cy="556395"/>
           </a:xfrm>
           <a:prstGeom prst="straightConnector1">
             <a:avLst/>
@@ -6691,7 +6691,7 @@
         </p:nvSpPr>
         <p:spPr>
           <a:xfrm>
-            <a:off x="94093" y="3801811"/>
+            <a:off x="167233" y="2792175"/>
             <a:ext cx="2363435" cy="646331"/>
           </a:xfrm>
           <a:prstGeom prst="rect">
@@ -6761,14 +6761,14 @@
           <p:cNvCxnSpPr>
             <a:cxnSpLocks/>
             <a:stCxn id="50" idx="1"/>
-            <a:endCxn id="75" idx="0"/>
+            <a:endCxn id="75" idx="3"/>
           </p:cNvCxnSpPr>
           <p:nvPr/>
         </p:nvCxnSpPr>
         <p:spPr>
-          <a:xfrm flipH="1">
-            <a:off x="3843973" y="4101091"/>
-            <a:ext cx="1396775" cy="486034"/>
+          <a:xfrm flipH="1" flipV="1">
+            <a:off x="5154816" y="3900655"/>
+            <a:ext cx="250600" cy="306197"/>
           </a:xfrm>
           <a:prstGeom prst="straightConnector1">
             <a:avLst/>
@@ -6806,8 +6806,8 @@
         </p:nvSpPr>
         <p:spPr>
           <a:xfrm>
-            <a:off x="2605510" y="4587125"/>
-            <a:ext cx="2476925" cy="646331"/>
+            <a:off x="2791378" y="3577489"/>
+            <a:ext cx="2363438" cy="646331"/>
           </a:xfrm>
           <a:prstGeom prst="rect">
             <a:avLst/>
@@ -6882,8 +6882,8 @@
         </p:nvCxnSpPr>
         <p:spPr>
           <a:xfrm>
-            <a:off x="2457528" y="4124977"/>
-            <a:ext cx="147982" cy="785314"/>
+            <a:off x="2530668" y="3115341"/>
+            <a:ext cx="260710" cy="785314"/>
           </a:xfrm>
           <a:prstGeom prst="straightConnector1">
             <a:avLst/>
@@ -7128,7 +7128,7 @@
         </p:nvSpPr>
         <p:spPr>
           <a:xfrm>
-            <a:off x="2651212" y="5420119"/>
+            <a:off x="2791381" y="4640615"/>
             <a:ext cx="2363435" cy="646331"/>
           </a:xfrm>
           <a:prstGeom prst="rect">
@@ -7203,9 +7203,9 @@
           <p:nvPr/>
         </p:nvCxnSpPr>
         <p:spPr>
-          <a:xfrm flipH="1">
-            <a:off x="3832930" y="5233456"/>
-            <a:ext cx="11043" cy="186663"/>
+          <a:xfrm>
+            <a:off x="3973097" y="4223820"/>
+            <a:ext cx="2" cy="416795"/>
           </a:xfrm>
           <a:prstGeom prst="straightConnector1">
             <a:avLst/>
@@ -7246,9 +7246,9 @@
           <p:nvPr/>
         </p:nvCxnSpPr>
         <p:spPr>
-          <a:xfrm>
-            <a:off x="9195799" y="5156452"/>
-            <a:ext cx="5" cy="66225"/>
+          <a:xfrm flipH="1">
+            <a:off x="9195804" y="5155307"/>
+            <a:ext cx="5104" cy="67370"/>
           </a:xfrm>
           <a:prstGeom prst="straightConnector1">
             <a:avLst/>
@@ -7372,7 +7372,7 @@
         </p:nvSpPr>
         <p:spPr>
           <a:xfrm>
-            <a:off x="5245097" y="1682790"/>
+            <a:off x="5409765" y="1788551"/>
             <a:ext cx="2363167" cy="646331"/>
           </a:xfrm>
           <a:prstGeom prst="rect">
@@ -7439,7 +7439,7 @@
         </p:nvCxnSpPr>
         <p:spPr>
           <a:xfrm flipH="1">
-            <a:off x="6423733" y="2603158"/>
+            <a:off x="6588401" y="2708919"/>
             <a:ext cx="2948" cy="77598"/>
           </a:xfrm>
           <a:prstGeom prst="straightConnector1">
@@ -7482,7 +7482,7 @@
         </p:nvCxnSpPr>
         <p:spPr>
           <a:xfrm flipV="1">
-            <a:off x="6426681" y="1605192"/>
+            <a:off x="6591349" y="1710953"/>
             <a:ext cx="3372" cy="77598"/>
           </a:xfrm>
           <a:prstGeom prst="straightConnector1">
@@ -7521,8 +7521,8 @@
         </p:nvSpPr>
         <p:spPr>
           <a:xfrm>
-            <a:off x="83873" y="845845"/>
-            <a:ext cx="2363437" cy="461665"/>
+            <a:off x="158612" y="1834865"/>
+            <a:ext cx="2363437" cy="246221"/>
           </a:xfrm>
           <a:prstGeom prst="rect">
             <a:avLst/>
@@ -7552,14 +7552,14 @@
           <a:p>
             <a:pPr algn="ctr"/>
             <a:r>
-              <a:rPr lang="en-US" sz="1200" dirty="0">
+              <a:rPr lang="en-US" sz="1000" dirty="0">
                 <a:solidFill>
                   <a:schemeClr val="tx1"/>
                 </a:solidFill>
                 <a:latin typeface="Times New Roman" panose="02020603050405020304" pitchFamily="18" charset="0"/>
                 <a:cs typeface="Times New Roman" panose="02020603050405020304" pitchFamily="18" charset="0"/>
               </a:rPr>
-              <a:t>library(shiny), library(dplyr), library(BiocManager)</a:t>
+              <a:t>shiny, dplyr, BiocManager</a:t>
             </a:r>
           </a:p>
         </p:txBody>
@@ -7578,7 +7578,7 @@
         </p:nvSpPr>
         <p:spPr>
           <a:xfrm>
-            <a:off x="88977" y="5563467"/>
+            <a:off x="163719" y="4153595"/>
             <a:ext cx="2363435" cy="461665"/>
           </a:xfrm>
           <a:prstGeom prst="rect">
@@ -7654,8 +7654,8 @@
         </p:nvCxnSpPr>
         <p:spPr>
           <a:xfrm flipV="1">
-            <a:off x="2452412" y="4910291"/>
-            <a:ext cx="153098" cy="884009"/>
+            <a:off x="2527154" y="3900655"/>
+            <a:ext cx="264224" cy="483773"/>
           </a:xfrm>
           <a:prstGeom prst="straightConnector1">
             <a:avLst/>
@@ -7693,7 +7693,7 @@
         </p:nvSpPr>
         <p:spPr>
           <a:xfrm>
-            <a:off x="2605510" y="6469650"/>
+            <a:off x="163717" y="5009947"/>
             <a:ext cx="2363437" cy="276999"/>
           </a:xfrm>
           <a:prstGeom prst="rect">
@@ -7752,7 +7752,7 @@
         </p:nvSpPr>
         <p:spPr>
           <a:xfrm>
-            <a:off x="88975" y="6019583"/>
+            <a:off x="163716" y="4609711"/>
             <a:ext cx="2363437" cy="276999"/>
           </a:xfrm>
           <a:prstGeom prst="rect">
@@ -7809,7 +7809,7 @@
         </p:nvSpPr>
         <p:spPr>
           <a:xfrm>
-            <a:off x="5244962" y="2326159"/>
+            <a:off x="5409630" y="2431920"/>
             <a:ext cx="2363437" cy="276999"/>
           </a:xfrm>
           <a:prstGeom prst="rect">
@@ -7923,8 +7923,8 @@
         </p:nvSpPr>
         <p:spPr>
           <a:xfrm>
-            <a:off x="5244694" y="5420119"/>
-            <a:ext cx="2366942" cy="430887"/>
+            <a:off x="5411249" y="5275803"/>
+            <a:ext cx="2361683" cy="400110"/>
           </a:xfrm>
           <a:prstGeom prst="rect">
             <a:avLst/>
@@ -7954,112 +7954,15 @@
           <a:p>
             <a:pPr algn="ctr"/>
             <a:r>
-              <a:rPr lang="en-US" sz="1050" dirty="0">
+              <a:rPr lang="en-US" sz="1000" dirty="0">
                 <a:solidFill>
                   <a:schemeClr val="tx1"/>
                 </a:solidFill>
                 <a:latin typeface="Times New Roman" panose="02020603050405020304" pitchFamily="18" charset="0"/>
                 <a:cs typeface="Times New Roman" panose="02020603050405020304" pitchFamily="18" charset="0"/>
               </a:rPr>
-              <a:t>viridis, ggplot2, </a:t>
-            </a:r>
-            <a:r>
-              <a:rPr lang="en-US" sz="1050" dirty="0" err="1">
-                <a:solidFill>
-                  <a:schemeClr val="tx1"/>
-                </a:solidFill>
-                <a:latin typeface="Times New Roman" panose="02020603050405020304" pitchFamily="18" charset="0"/>
-                <a:cs typeface="Times New Roman" panose="02020603050405020304" pitchFamily="18" charset="0"/>
-              </a:rPr>
-              <a:t>plotly</a:t>
-            </a:r>
-            <a:r>
-              <a:rPr lang="en-US" sz="1050" dirty="0">
-                <a:solidFill>
-                  <a:schemeClr val="tx1"/>
-                </a:solidFill>
-                <a:latin typeface="Times New Roman" panose="02020603050405020304" pitchFamily="18" charset="0"/>
-                <a:cs typeface="Times New Roman" panose="02020603050405020304" pitchFamily="18" charset="0"/>
-              </a:rPr>
-              <a:t>, </a:t>
-            </a:r>
-            <a:r>
-              <a:rPr lang="en-US" sz="1050" dirty="0" err="1">
-                <a:solidFill>
-                  <a:schemeClr val="tx1"/>
-                </a:solidFill>
-                <a:latin typeface="Times New Roman" panose="02020603050405020304" pitchFamily="18" charset="0"/>
-                <a:cs typeface="Times New Roman" panose="02020603050405020304" pitchFamily="18" charset="0"/>
-              </a:rPr>
-              <a:t>beeswarm</a:t>
-            </a:r>
-            <a:r>
-              <a:rPr lang="en-US" sz="1050" dirty="0">
-                <a:solidFill>
-                  <a:schemeClr val="tx1"/>
-                </a:solidFill>
-                <a:latin typeface="Times New Roman" panose="02020603050405020304" pitchFamily="18" charset="0"/>
-                <a:cs typeface="Times New Roman" panose="02020603050405020304" pitchFamily="18" charset="0"/>
-              </a:rPr>
-              <a:t>, DT, </a:t>
-            </a:r>
-            <a:r>
-              <a:rPr lang="en-US" sz="1050" dirty="0" err="1">
-                <a:solidFill>
-                  <a:schemeClr val="tx1"/>
-                </a:solidFill>
-                <a:latin typeface="Times New Roman" panose="02020603050405020304" pitchFamily="18" charset="0"/>
-                <a:cs typeface="Times New Roman" panose="02020603050405020304" pitchFamily="18" charset="0"/>
-              </a:rPr>
-              <a:t>UpSetR</a:t>
-            </a:r>
-            <a:r>
-              <a:rPr lang="en-US" sz="1050" dirty="0">
-                <a:solidFill>
-                  <a:schemeClr val="tx1"/>
-                </a:solidFill>
-                <a:latin typeface="Times New Roman" panose="02020603050405020304" pitchFamily="18" charset="0"/>
-                <a:cs typeface="Times New Roman" panose="02020603050405020304" pitchFamily="18" charset="0"/>
-              </a:rPr>
-              <a:t>, </a:t>
-            </a:r>
-            <a:r>
-              <a:rPr lang="en-US" sz="1050" dirty="0" err="1">
-                <a:solidFill>
-                  <a:schemeClr val="tx1"/>
-                </a:solidFill>
-                <a:latin typeface="Times New Roman" panose="02020603050405020304" pitchFamily="18" charset="0"/>
-                <a:cs typeface="Times New Roman" panose="02020603050405020304" pitchFamily="18" charset="0"/>
-              </a:rPr>
-              <a:t>VennDiagram</a:t>
-            </a:r>
-            <a:r>
-              <a:rPr lang="en-US" sz="1050" dirty="0">
-                <a:solidFill>
-                  <a:schemeClr val="tx1"/>
-                </a:solidFill>
-                <a:latin typeface="Times New Roman" panose="02020603050405020304" pitchFamily="18" charset="0"/>
-                <a:cs typeface="Times New Roman" panose="02020603050405020304" pitchFamily="18" charset="0"/>
-              </a:rPr>
-              <a:t>, </a:t>
-            </a:r>
-            <a:r>
-              <a:rPr lang="en-US" sz="1050" dirty="0" err="1">
-                <a:solidFill>
-                  <a:schemeClr val="tx1"/>
-                </a:solidFill>
-                <a:latin typeface="Times New Roman" panose="02020603050405020304" pitchFamily="18" charset="0"/>
-                <a:cs typeface="Times New Roman" panose="02020603050405020304" pitchFamily="18" charset="0"/>
-              </a:rPr>
-              <a:t>heatmaply</a:t>
-            </a:r>
-            <a:endParaRPr lang="en-US" sz="1050" dirty="0">
-              <a:solidFill>
-                <a:schemeClr val="tx1"/>
-              </a:solidFill>
-              <a:latin typeface="Times New Roman" panose="02020603050405020304" pitchFamily="18" charset="0"/>
-              <a:cs typeface="Times New Roman" panose="02020603050405020304" pitchFamily="18" charset="0"/>
-            </a:endParaRPr>
+              <a:t>viridis, ggplot2, plotly, beeswarm, DT, UpSetR, VennDiagram, heatmaply</a:t>
+            </a:r>
           </a:p>
         </p:txBody>
       </p:sp>
@@ -8077,7 +7980,7 @@
         </p:nvSpPr>
         <p:spPr>
           <a:xfrm>
-            <a:off x="8014087" y="4910231"/>
+            <a:off x="8019196" y="4909086"/>
             <a:ext cx="2363424" cy="246221"/>
           </a:xfrm>
           <a:prstGeom prst="rect">
@@ -8134,7 +8037,7 @@
         </p:nvSpPr>
         <p:spPr>
           <a:xfrm>
-            <a:off x="5246453" y="4958454"/>
+            <a:off x="5405427" y="4814138"/>
             <a:ext cx="2363424" cy="461665"/>
           </a:xfrm>
           <a:prstGeom prst="rect">
@@ -8207,8 +8110,8 @@
         </p:nvCxnSpPr>
         <p:spPr>
           <a:xfrm>
-            <a:off x="7609877" y="5189287"/>
-            <a:ext cx="404214" cy="356556"/>
+            <a:off x="7768851" y="5044971"/>
+            <a:ext cx="245240" cy="500872"/>
           </a:xfrm>
           <a:prstGeom prst="straightConnector1">
             <a:avLst/>
@@ -8303,8 +8206,8 @@
         </p:nvSpPr>
         <p:spPr>
           <a:xfrm>
-            <a:off x="94075" y="4447223"/>
-            <a:ext cx="2363435" cy="830997"/>
+            <a:off x="167233" y="3440792"/>
+            <a:ext cx="2363435" cy="400110"/>
           </a:xfrm>
           <a:prstGeom prst="rect">
             <a:avLst/>
@@ -8334,14 +8237,14 @@
           <a:p>
             <a:pPr algn="ctr"/>
             <a:r>
-              <a:rPr lang="en-US" sz="1200" dirty="0">
+              <a:rPr lang="en-US" sz="1000" dirty="0">
                 <a:solidFill>
                   <a:schemeClr val="tx1"/>
                 </a:solidFill>
                 <a:latin typeface="Times New Roman" panose="02020603050405020304" pitchFamily="18" charset="0"/>
                 <a:cs typeface="Times New Roman" panose="02020603050405020304" pitchFamily="18" charset="0"/>
               </a:rPr>
-              <a:t>library(reticulate), library(hash) library(tensorflow), library(keras), library(phateR), library(umap), library(Rtsne), library(Matrix)</a:t>
+              <a:t>reticulate, hash, tensorflow, keras, phateR, umap, Rtsne, Matrix</a:t>
             </a:r>
           </a:p>
         </p:txBody>
@@ -8421,8 +8324,8 @@
         </p:nvCxnSpPr>
         <p:spPr>
           <a:xfrm>
-            <a:off x="7604183" y="4101091"/>
-            <a:ext cx="415013" cy="485975"/>
+            <a:off x="7768851" y="4206852"/>
+            <a:ext cx="250345" cy="380214"/>
           </a:xfrm>
           <a:prstGeom prst="straightConnector1">
             <a:avLst/>
@@ -8460,7 +8363,7 @@
         </p:nvSpPr>
         <p:spPr>
           <a:xfrm>
-            <a:off x="88977" y="1563055"/>
+            <a:off x="163716" y="2205267"/>
             <a:ext cx="2363435" cy="461665"/>
           </a:xfrm>
           <a:prstGeom prst="rect">
@@ -8536,8 +8439,8 @@
         </p:nvCxnSpPr>
         <p:spPr>
           <a:xfrm flipV="1">
-            <a:off x="2452412" y="1282027"/>
-            <a:ext cx="2796057" cy="511861"/>
+            <a:off x="2527151" y="1387788"/>
+            <a:ext cx="2885986" cy="1048312"/>
           </a:xfrm>
           <a:prstGeom prst="straightConnector1">
             <a:avLst/>
@@ -8579,8 +8482,8 @@
         </p:nvCxnSpPr>
         <p:spPr>
           <a:xfrm>
-            <a:off x="1270695" y="2024720"/>
-            <a:ext cx="5116" cy="1777091"/>
+            <a:off x="1345434" y="2666932"/>
+            <a:ext cx="3517" cy="125243"/>
           </a:xfrm>
           <a:prstGeom prst="straightConnector1">
             <a:avLst/>

--- a/extras/Explorer_Tool_Workflow_2.pptx
+++ b/extras/Explorer_Tool_Workflow_2.pptx
@@ -263,7 +263,7 @@
           <a:p>
             <a:fld id="{1560D20A-E720-4ECB-907E-0F9EBDE75356}" type="datetimeFigureOut">
               <a:rPr lang="en-US" smtClean="0"/>
-              <a:t>4/20/2022</a:t>
+              <a:t>4/24/2022</a:t>
             </a:fld>
             <a:endParaRPr lang="en-US"/>
           </a:p>
@@ -461,7 +461,7 @@
           <a:p>
             <a:fld id="{1560D20A-E720-4ECB-907E-0F9EBDE75356}" type="datetimeFigureOut">
               <a:rPr lang="en-US" smtClean="0"/>
-              <a:t>4/20/2022</a:t>
+              <a:t>4/24/2022</a:t>
             </a:fld>
             <a:endParaRPr lang="en-US"/>
           </a:p>
@@ -669,7 +669,7 @@
           <a:p>
             <a:fld id="{1560D20A-E720-4ECB-907E-0F9EBDE75356}" type="datetimeFigureOut">
               <a:rPr lang="en-US" smtClean="0"/>
-              <a:t>4/20/2022</a:t>
+              <a:t>4/24/2022</a:t>
             </a:fld>
             <a:endParaRPr lang="en-US"/>
           </a:p>
@@ -867,7 +867,7 @@
           <a:p>
             <a:fld id="{1560D20A-E720-4ECB-907E-0F9EBDE75356}" type="datetimeFigureOut">
               <a:rPr lang="en-US" smtClean="0"/>
-              <a:t>4/20/2022</a:t>
+              <a:t>4/24/2022</a:t>
             </a:fld>
             <a:endParaRPr lang="en-US"/>
           </a:p>
@@ -1142,7 +1142,7 @@
           <a:p>
             <a:fld id="{1560D20A-E720-4ECB-907E-0F9EBDE75356}" type="datetimeFigureOut">
               <a:rPr lang="en-US" smtClean="0"/>
-              <a:t>4/20/2022</a:t>
+              <a:t>4/24/2022</a:t>
             </a:fld>
             <a:endParaRPr lang="en-US"/>
           </a:p>
@@ -1407,7 +1407,7 @@
           <a:p>
             <a:fld id="{1560D20A-E720-4ECB-907E-0F9EBDE75356}" type="datetimeFigureOut">
               <a:rPr lang="en-US" smtClean="0"/>
-              <a:t>4/20/2022</a:t>
+              <a:t>4/24/2022</a:t>
             </a:fld>
             <a:endParaRPr lang="en-US"/>
           </a:p>
@@ -1819,7 +1819,7 @@
           <a:p>
             <a:fld id="{1560D20A-E720-4ECB-907E-0F9EBDE75356}" type="datetimeFigureOut">
               <a:rPr lang="en-US" smtClean="0"/>
-              <a:t>4/20/2022</a:t>
+              <a:t>4/24/2022</a:t>
             </a:fld>
             <a:endParaRPr lang="en-US"/>
           </a:p>
@@ -1960,7 +1960,7 @@
           <a:p>
             <a:fld id="{1560D20A-E720-4ECB-907E-0F9EBDE75356}" type="datetimeFigureOut">
               <a:rPr lang="en-US" smtClean="0"/>
-              <a:t>4/20/2022</a:t>
+              <a:t>4/24/2022</a:t>
             </a:fld>
             <a:endParaRPr lang="en-US"/>
           </a:p>
@@ -2073,7 +2073,7 @@
           <a:p>
             <a:fld id="{1560D20A-E720-4ECB-907E-0F9EBDE75356}" type="datetimeFigureOut">
               <a:rPr lang="en-US" smtClean="0"/>
-              <a:t>4/20/2022</a:t>
+              <a:t>4/24/2022</a:t>
             </a:fld>
             <a:endParaRPr lang="en-US"/>
           </a:p>
@@ -2384,7 +2384,7 @@
           <a:p>
             <a:fld id="{1560D20A-E720-4ECB-907E-0F9EBDE75356}" type="datetimeFigureOut">
               <a:rPr lang="en-US" smtClean="0"/>
-              <a:t>4/20/2022</a:t>
+              <a:t>4/24/2022</a:t>
             </a:fld>
             <a:endParaRPr lang="en-US"/>
           </a:p>
@@ -2672,7 +2672,7 @@
           <a:p>
             <a:fld id="{1560D20A-E720-4ECB-907E-0F9EBDE75356}" type="datetimeFigureOut">
               <a:rPr lang="en-US" smtClean="0"/>
-              <a:t>4/20/2022</a:t>
+              <a:t>4/24/2022</a:t>
             </a:fld>
             <a:endParaRPr lang="en-US"/>
           </a:p>
@@ -2913,7 +2913,7 @@
           <a:p>
             <a:fld id="{1560D20A-E720-4ECB-907E-0F9EBDE75356}" type="datetimeFigureOut">
               <a:rPr lang="en-US" smtClean="0"/>
-              <a:t>4/20/2022</a:t>
+              <a:t>4/24/2022</a:t>
             </a:fld>
             <a:endParaRPr lang="en-US"/>
           </a:p>
@@ -6111,8 +6111,8 @@
         </p:nvSpPr>
         <p:spPr>
           <a:xfrm>
-            <a:off x="5406817" y="2786517"/>
-            <a:ext cx="2363167" cy="830997"/>
+            <a:off x="5413137" y="2880804"/>
+            <a:ext cx="2363167" cy="646331"/>
           </a:xfrm>
           <a:prstGeom prst="rect">
             <a:avLst/>
@@ -6151,7 +6151,7 @@
                 <a:latin typeface="Times New Roman" panose="02020603050405020304" pitchFamily="18" charset="0"/>
                 <a:cs typeface="Times New Roman" panose="02020603050405020304" pitchFamily="18" charset="0"/>
               </a:rPr>
-              <a:t>preprocess.R</a:t>
+              <a:t>preprocess.R*</a:t>
             </a:r>
             <a:r>
               <a:rPr lang="en-US" sz="1200" dirty="0">
@@ -6178,7 +6178,7 @@
                 <a:latin typeface="Times New Roman" panose="02020603050405020304" pitchFamily="18" charset="0"/>
                 <a:cs typeface="Times New Roman" panose="02020603050405020304" pitchFamily="18" charset="0"/>
               </a:rPr>
-              <a:t>. Names, stores, and loads reduction files. </a:t>
+              <a:t>. Names, stores, and loads files. </a:t>
             </a:r>
           </a:p>
         </p:txBody>
@@ -6237,7 +6237,7 @@
                 <a:latin typeface="Times New Roman" panose="02020603050405020304" pitchFamily="18" charset="0"/>
                 <a:cs typeface="Times New Roman" panose="02020603050405020304" pitchFamily="18" charset="0"/>
               </a:rPr>
-              <a:t>make_requests.R</a:t>
+              <a:t>make_requests.R*</a:t>
             </a:r>
             <a:r>
               <a:rPr lang="en-US" sz="1200" dirty="0">
@@ -6313,8 +6313,8 @@
         </p:nvCxnSpPr>
         <p:spPr>
           <a:xfrm flipH="1">
-            <a:off x="6587134" y="3617514"/>
-            <a:ext cx="1267" cy="81506"/>
+            <a:off x="6587134" y="3527135"/>
+            <a:ext cx="7587" cy="171885"/>
           </a:xfrm>
           <a:prstGeom prst="straightConnector1">
             <a:avLst/>
@@ -6529,14 +6529,14 @@
                 <a:latin typeface="Times New Roman" panose="02020603050405020304" pitchFamily="18" charset="0"/>
                 <a:cs typeface="Times New Roman" panose="02020603050405020304" pitchFamily="18" charset="0"/>
               </a:rPr>
-              <a:t>text_work.R</a:t>
+              <a:t>text_work.R*</a:t>
             </a:r>
             <a:r>
               <a:rPr lang="en-US" sz="1200" dirty="0">
                 <a:latin typeface="Times New Roman" panose="02020603050405020304" pitchFamily="18" charset="0"/>
                 <a:cs typeface="Times New Roman" panose="02020603050405020304" pitchFamily="18" charset="0"/>
               </a:rPr>
-              <a:t>: Declares functions for identifying bookmarkable elements, manipulating menu text.</a:t>
+              <a:t>: Makes functions for identifying bookmarkable elements, manipulating menu text.</a:t>
             </a:r>
             <a:endParaRPr lang="en-US" sz="1200" dirty="0">
               <a:solidFill>
@@ -7030,7 +7030,7 @@
                 <a:latin typeface="Times New Roman" panose="02020603050405020304" pitchFamily="18" charset="0"/>
                 <a:cs typeface="Times New Roman" panose="02020603050405020304" pitchFamily="18" charset="0"/>
               </a:rPr>
-              <a:t>ui_functions.R</a:t>
+              <a:t>ui_functions.R*</a:t>
             </a:r>
             <a:r>
               <a:rPr lang="en-US" sz="1200" dirty="0">
@@ -7040,7 +7040,7 @@
                 <a:latin typeface="Times New Roman" panose="02020603050405020304" pitchFamily="18" charset="0"/>
                 <a:cs typeface="Times New Roman" panose="02020603050405020304" pitchFamily="18" charset="0"/>
               </a:rPr>
-              <a:t>: Declares functions that generate interactive HTML widgets for Shiny applications.</a:t>
+              <a:t>: Makes functions that generate interactive HTML widgets for Shiny applications.</a:t>
             </a:r>
           </a:p>
         </p:txBody>
@@ -7438,9 +7438,9 @@
           <p:nvPr/>
         </p:nvCxnSpPr>
         <p:spPr>
-          <a:xfrm flipH="1">
-            <a:off x="6588401" y="2708919"/>
-            <a:ext cx="2948" cy="77598"/>
+          <a:xfrm>
+            <a:off x="6591349" y="2678141"/>
+            <a:ext cx="3372" cy="202663"/>
           </a:xfrm>
           <a:prstGeom prst="straightConnector1">
             <a:avLst/>
@@ -7753,7 +7753,7 @@
         <p:spPr>
           <a:xfrm>
             <a:off x="163716" y="4609711"/>
-            <a:ext cx="2363437" cy="276999"/>
+            <a:ext cx="2363437" cy="246221"/>
           </a:xfrm>
           <a:prstGeom prst="rect">
             <a:avLst/>
@@ -7783,14 +7783,14 @@
           <a:p>
             <a:pPr algn="ctr"/>
             <a:r>
-              <a:rPr lang="en-US" sz="1200" dirty="0">
+              <a:rPr lang="en-US" sz="1000" dirty="0">
                 <a:solidFill>
                   <a:schemeClr val="tx1"/>
                 </a:solidFill>
                 <a:latin typeface="Times New Roman" panose="02020603050405020304" pitchFamily="18" charset="0"/>
                 <a:cs typeface="Times New Roman" panose="02020603050405020304" pitchFamily="18" charset="0"/>
               </a:rPr>
-              <a:t>library(limma)</a:t>
+              <a:t>limma</a:t>
             </a:r>
           </a:p>
         </p:txBody>
@@ -7810,7 +7810,7 @@
         <p:spPr>
           <a:xfrm>
             <a:off x="5409630" y="2431920"/>
-            <a:ext cx="2363437" cy="276999"/>
+            <a:ext cx="2363437" cy="246221"/>
           </a:xfrm>
           <a:prstGeom prst="rect">
             <a:avLst/>
@@ -7840,7 +7840,7 @@
           <a:p>
             <a:pPr algn="ctr"/>
             <a:r>
-              <a:rPr lang="en-US" sz="1200" dirty="0">
+              <a:rPr lang="en-US" sz="1000" dirty="0">
                 <a:solidFill>
                   <a:schemeClr val="tx1"/>
                 </a:solidFill>
@@ -8406,7 +8406,7 @@
                 <a:latin typeface="Times New Roman" panose="02020603050405020304" pitchFamily="18" charset="0"/>
                 <a:cs typeface="Times New Roman" panose="02020603050405020304" pitchFamily="18" charset="0"/>
               </a:rPr>
-              <a:t>validation.R</a:t>
+              <a:t>validation.R*</a:t>
             </a:r>
             <a:r>
               <a:rPr lang="en-US" sz="1200" dirty="0">

--- a/extras/Explorer_Tool_Workflow_2.pptx
+++ b/extras/Explorer_Tool_Workflow_2.pptx
@@ -263,7 +263,7 @@
           <a:p>
             <a:fld id="{1560D20A-E720-4ECB-907E-0F9EBDE75356}" type="datetimeFigureOut">
               <a:rPr lang="en-US" smtClean="0"/>
-              <a:t>4/24/2022</a:t>
+              <a:t>5/6/2022</a:t>
             </a:fld>
             <a:endParaRPr lang="en-US"/>
           </a:p>
@@ -461,7 +461,7 @@
           <a:p>
             <a:fld id="{1560D20A-E720-4ECB-907E-0F9EBDE75356}" type="datetimeFigureOut">
               <a:rPr lang="en-US" smtClean="0"/>
-              <a:t>4/24/2022</a:t>
+              <a:t>5/6/2022</a:t>
             </a:fld>
             <a:endParaRPr lang="en-US"/>
           </a:p>
@@ -669,7 +669,7 @@
           <a:p>
             <a:fld id="{1560D20A-E720-4ECB-907E-0F9EBDE75356}" type="datetimeFigureOut">
               <a:rPr lang="en-US" smtClean="0"/>
-              <a:t>4/24/2022</a:t>
+              <a:t>5/6/2022</a:t>
             </a:fld>
             <a:endParaRPr lang="en-US"/>
           </a:p>
@@ -867,7 +867,7 @@
           <a:p>
             <a:fld id="{1560D20A-E720-4ECB-907E-0F9EBDE75356}" type="datetimeFigureOut">
               <a:rPr lang="en-US" smtClean="0"/>
-              <a:t>4/24/2022</a:t>
+              <a:t>5/6/2022</a:t>
             </a:fld>
             <a:endParaRPr lang="en-US"/>
           </a:p>
@@ -1142,7 +1142,7 @@
           <a:p>
             <a:fld id="{1560D20A-E720-4ECB-907E-0F9EBDE75356}" type="datetimeFigureOut">
               <a:rPr lang="en-US" smtClean="0"/>
-              <a:t>4/24/2022</a:t>
+              <a:t>5/6/2022</a:t>
             </a:fld>
             <a:endParaRPr lang="en-US"/>
           </a:p>
@@ -1407,7 +1407,7 @@
           <a:p>
             <a:fld id="{1560D20A-E720-4ECB-907E-0F9EBDE75356}" type="datetimeFigureOut">
               <a:rPr lang="en-US" smtClean="0"/>
-              <a:t>4/24/2022</a:t>
+              <a:t>5/6/2022</a:t>
             </a:fld>
             <a:endParaRPr lang="en-US"/>
           </a:p>
@@ -1819,7 +1819,7 @@
           <a:p>
             <a:fld id="{1560D20A-E720-4ECB-907E-0F9EBDE75356}" type="datetimeFigureOut">
               <a:rPr lang="en-US" smtClean="0"/>
-              <a:t>4/24/2022</a:t>
+              <a:t>5/6/2022</a:t>
             </a:fld>
             <a:endParaRPr lang="en-US"/>
           </a:p>
@@ -1960,7 +1960,7 @@
           <a:p>
             <a:fld id="{1560D20A-E720-4ECB-907E-0F9EBDE75356}" type="datetimeFigureOut">
               <a:rPr lang="en-US" smtClean="0"/>
-              <a:t>4/24/2022</a:t>
+              <a:t>5/6/2022</a:t>
             </a:fld>
             <a:endParaRPr lang="en-US"/>
           </a:p>
@@ -2073,7 +2073,7 @@
           <a:p>
             <a:fld id="{1560D20A-E720-4ECB-907E-0F9EBDE75356}" type="datetimeFigureOut">
               <a:rPr lang="en-US" smtClean="0"/>
-              <a:t>4/24/2022</a:t>
+              <a:t>5/6/2022</a:t>
             </a:fld>
             <a:endParaRPr lang="en-US"/>
           </a:p>
@@ -2384,7 +2384,7 @@
           <a:p>
             <a:fld id="{1560D20A-E720-4ECB-907E-0F9EBDE75356}" type="datetimeFigureOut">
               <a:rPr lang="en-US" smtClean="0"/>
-              <a:t>4/24/2022</a:t>
+              <a:t>5/6/2022</a:t>
             </a:fld>
             <a:endParaRPr lang="en-US"/>
           </a:p>
@@ -2672,7 +2672,7 @@
           <a:p>
             <a:fld id="{1560D20A-E720-4ECB-907E-0F9EBDE75356}" type="datetimeFigureOut">
               <a:rPr lang="en-US" smtClean="0"/>
-              <a:t>4/24/2022</a:t>
+              <a:t>5/6/2022</a:t>
             </a:fld>
             <a:endParaRPr lang="en-US"/>
           </a:p>
@@ -2913,7 +2913,7 @@
           <a:p>
             <a:fld id="{1560D20A-E720-4ECB-907E-0F9EBDE75356}" type="datetimeFigureOut">
               <a:rPr lang="en-US" smtClean="0"/>
-              <a:t>4/24/2022</a:t>
+              <a:t>5/6/2022</a:t>
             </a:fld>
             <a:endParaRPr lang="en-US"/>
           </a:p>
@@ -7923,7 +7923,7 @@
         </p:nvSpPr>
         <p:spPr>
           <a:xfrm>
-            <a:off x="5411249" y="5275803"/>
+            <a:off x="5400056" y="5275803"/>
             <a:ext cx="2361683" cy="400110"/>
           </a:xfrm>
           <a:prstGeom prst="rect">
@@ -8582,10 +8582,10 @@
       </p:grpSpPr>
       <p:pic>
         <p:nvPicPr>
-          <p:cNvPr id="6" name="Picture 5">
-            <a:extLst>
-              <a:ext uri="{FF2B5EF4-FFF2-40B4-BE49-F238E27FC236}">
-                <a16:creationId xmlns:a16="http://schemas.microsoft.com/office/drawing/2014/main" id="{EE2157D2-151A-43D7-8210-247EE8C61730}"/>
+          <p:cNvPr id="5" name="Picture 4">
+            <a:extLst>
+              <a:ext uri="{FF2B5EF4-FFF2-40B4-BE49-F238E27FC236}">
+                <a16:creationId xmlns:a16="http://schemas.microsoft.com/office/drawing/2014/main" id="{B61A72F2-E909-47FA-AF9B-67D461C043DC}"/>
               </a:ext>
             </a:extLst>
           </p:cNvPr>
@@ -8602,8 +8602,8 @@
         </p:blipFill>
         <p:spPr>
           <a:xfrm>
-            <a:off x="160611" y="2519380"/>
-            <a:ext cx="5340666" cy="3106758"/>
+            <a:off x="303546" y="2517596"/>
+            <a:ext cx="5073610" cy="3208744"/>
           </a:xfrm>
           <a:prstGeom prst="rect">
             <a:avLst/>
@@ -8804,7 +8804,7 @@
         </p:nvSpPr>
         <p:spPr>
           <a:xfrm>
-            <a:off x="5346072" y="3912808"/>
+            <a:off x="5307237" y="3788786"/>
             <a:ext cx="1359879" cy="584775"/>
           </a:xfrm>
           <a:prstGeom prst="rect">
@@ -8840,7 +8840,7 @@
         </p:nvSpPr>
         <p:spPr>
           <a:xfrm>
-            <a:off x="4964724" y="4927497"/>
+            <a:off x="4989966" y="4796094"/>
             <a:ext cx="1697457" cy="584775"/>
           </a:xfrm>
           <a:prstGeom prst="rect">
@@ -8883,7 +8883,7 @@
         </p:nvSpPr>
         <p:spPr>
           <a:xfrm>
-            <a:off x="5182798" y="5810661"/>
+            <a:off x="5274810" y="5743232"/>
             <a:ext cx="1398450" cy="584775"/>
           </a:xfrm>
           <a:prstGeom prst="rect">
@@ -9176,7 +9176,7 @@
         </p:blipFill>
         <p:spPr bwMode="auto">
           <a:xfrm>
-            <a:off x="7736867" y="3628508"/>
+            <a:off x="7717707" y="3654777"/>
             <a:ext cx="854166" cy="854166"/>
           </a:xfrm>
           <a:prstGeom prst="rect">
@@ -9226,7 +9226,7 @@
         </p:blipFill>
         <p:spPr bwMode="auto">
           <a:xfrm>
-            <a:off x="6686276" y="3627822"/>
+            <a:off x="6667116" y="3654091"/>
             <a:ext cx="854166" cy="854166"/>
           </a:xfrm>
           <a:prstGeom prst="rect">
@@ -9465,7 +9465,7 @@
         </p:blipFill>
         <p:spPr>
           <a:xfrm>
-            <a:off x="8802777" y="3622728"/>
+            <a:off x="8753203" y="3654091"/>
             <a:ext cx="984509" cy="854166"/>
           </a:xfrm>
           <a:prstGeom prst="rect">
@@ -9490,7 +9490,7 @@
         </p:nvSpPr>
         <p:spPr>
           <a:xfrm>
-            <a:off x="5298281" y="2706575"/>
+            <a:off x="5268958" y="2794196"/>
             <a:ext cx="1387995" cy="584775"/>
           </a:xfrm>
           <a:prstGeom prst="rect">
@@ -9527,8 +9527,8 @@
         </p:nvSpPr>
         <p:spPr>
           <a:xfrm>
-            <a:off x="3125259" y="3106503"/>
-            <a:ext cx="672041" cy="182971"/>
+            <a:off x="3975532" y="3184713"/>
+            <a:ext cx="752307" cy="132775"/>
           </a:xfrm>
           <a:prstGeom prst="rect">
             <a:avLst/>
@@ -9579,8 +9579,8 @@
         </p:nvSpPr>
         <p:spPr>
           <a:xfrm>
-            <a:off x="160611" y="4381828"/>
-            <a:ext cx="1000557" cy="335898"/>
+            <a:off x="320646" y="4543642"/>
+            <a:ext cx="1064066" cy="311892"/>
           </a:xfrm>
           <a:prstGeom prst="rect">
             <a:avLst/>
@@ -9793,8 +9793,8 @@
         </p:nvSpPr>
         <p:spPr>
           <a:xfrm>
-            <a:off x="160611" y="2659502"/>
-            <a:ext cx="1000557" cy="1704130"/>
+            <a:off x="320646" y="2681752"/>
+            <a:ext cx="1064066" cy="1851395"/>
           </a:xfrm>
           <a:prstGeom prst="rect">
             <a:avLst/>
@@ -9866,8 +9866,13 @@
             </a:r>
             <a:r>
               <a:rPr lang="en-US" dirty="0"/>
-              <a:t> Settings</a:t>
-            </a:r>
+              <a:t> </a:t>
+            </a:r>
+            <a:r>
+              <a:rPr lang="en-US" sz="1600" dirty="0"/>
+              <a:t>Settings</a:t>
+            </a:r>
+            <a:endParaRPr lang="en-US" dirty="0"/>
           </a:p>
         </p:txBody>
       </p:sp>
@@ -9975,8 +9980,8 @@
         </p:nvSpPr>
         <p:spPr>
           <a:xfrm>
-            <a:off x="2597872" y="3108378"/>
-            <a:ext cx="484959" cy="182971"/>
+            <a:off x="2928408" y="3184713"/>
+            <a:ext cx="990980" cy="132775"/>
           </a:xfrm>
           <a:prstGeom prst="rect">
             <a:avLst/>

--- a/extras/Explorer_Tool_Workflow_2.pptx
+++ b/extras/Explorer_Tool_Workflow_2.pptx
@@ -263,7 +263,7 @@
           <a:p>
             <a:fld id="{1560D20A-E720-4ECB-907E-0F9EBDE75356}" type="datetimeFigureOut">
               <a:rPr lang="en-US" smtClean="0"/>
-              <a:t>5/6/2022</a:t>
+              <a:t>6/9/2022</a:t>
             </a:fld>
             <a:endParaRPr lang="en-US"/>
           </a:p>
@@ -461,7 +461,7 @@
           <a:p>
             <a:fld id="{1560D20A-E720-4ECB-907E-0F9EBDE75356}" type="datetimeFigureOut">
               <a:rPr lang="en-US" smtClean="0"/>
-              <a:t>5/6/2022</a:t>
+              <a:t>6/9/2022</a:t>
             </a:fld>
             <a:endParaRPr lang="en-US"/>
           </a:p>
@@ -669,7 +669,7 @@
           <a:p>
             <a:fld id="{1560D20A-E720-4ECB-907E-0F9EBDE75356}" type="datetimeFigureOut">
               <a:rPr lang="en-US" smtClean="0"/>
-              <a:t>5/6/2022</a:t>
+              <a:t>6/9/2022</a:t>
             </a:fld>
             <a:endParaRPr lang="en-US"/>
           </a:p>
@@ -867,7 +867,7 @@
           <a:p>
             <a:fld id="{1560D20A-E720-4ECB-907E-0F9EBDE75356}" type="datetimeFigureOut">
               <a:rPr lang="en-US" smtClean="0"/>
-              <a:t>5/6/2022</a:t>
+              <a:t>6/9/2022</a:t>
             </a:fld>
             <a:endParaRPr lang="en-US"/>
           </a:p>
@@ -1142,7 +1142,7 @@
           <a:p>
             <a:fld id="{1560D20A-E720-4ECB-907E-0F9EBDE75356}" type="datetimeFigureOut">
               <a:rPr lang="en-US" smtClean="0"/>
-              <a:t>5/6/2022</a:t>
+              <a:t>6/9/2022</a:t>
             </a:fld>
             <a:endParaRPr lang="en-US"/>
           </a:p>
@@ -1407,7 +1407,7 @@
           <a:p>
             <a:fld id="{1560D20A-E720-4ECB-907E-0F9EBDE75356}" type="datetimeFigureOut">
               <a:rPr lang="en-US" smtClean="0"/>
-              <a:t>5/6/2022</a:t>
+              <a:t>6/9/2022</a:t>
             </a:fld>
             <a:endParaRPr lang="en-US"/>
           </a:p>
@@ -1819,7 +1819,7 @@
           <a:p>
             <a:fld id="{1560D20A-E720-4ECB-907E-0F9EBDE75356}" type="datetimeFigureOut">
               <a:rPr lang="en-US" smtClean="0"/>
-              <a:t>5/6/2022</a:t>
+              <a:t>6/9/2022</a:t>
             </a:fld>
             <a:endParaRPr lang="en-US"/>
           </a:p>
@@ -1960,7 +1960,7 @@
           <a:p>
             <a:fld id="{1560D20A-E720-4ECB-907E-0F9EBDE75356}" type="datetimeFigureOut">
               <a:rPr lang="en-US" smtClean="0"/>
-              <a:t>5/6/2022</a:t>
+              <a:t>6/9/2022</a:t>
             </a:fld>
             <a:endParaRPr lang="en-US"/>
           </a:p>
@@ -2073,7 +2073,7 @@
           <a:p>
             <a:fld id="{1560D20A-E720-4ECB-907E-0F9EBDE75356}" type="datetimeFigureOut">
               <a:rPr lang="en-US" smtClean="0"/>
-              <a:t>5/6/2022</a:t>
+              <a:t>6/9/2022</a:t>
             </a:fld>
             <a:endParaRPr lang="en-US"/>
           </a:p>
@@ -2384,7 +2384,7 @@
           <a:p>
             <a:fld id="{1560D20A-E720-4ECB-907E-0F9EBDE75356}" type="datetimeFigureOut">
               <a:rPr lang="en-US" smtClean="0"/>
-              <a:t>5/6/2022</a:t>
+              <a:t>6/9/2022</a:t>
             </a:fld>
             <a:endParaRPr lang="en-US"/>
           </a:p>
@@ -2672,7 +2672,7 @@
           <a:p>
             <a:fld id="{1560D20A-E720-4ECB-907E-0F9EBDE75356}" type="datetimeFigureOut">
               <a:rPr lang="en-US" smtClean="0"/>
-              <a:t>5/6/2022</a:t>
+              <a:t>6/9/2022</a:t>
             </a:fld>
             <a:endParaRPr lang="en-US"/>
           </a:p>
@@ -2913,7 +2913,7 @@
           <a:p>
             <a:fld id="{1560D20A-E720-4ECB-907E-0F9EBDE75356}" type="datetimeFigureOut">
               <a:rPr lang="en-US" smtClean="0"/>
-              <a:t>5/6/2022</a:t>
+              <a:t>6/9/2022</a:t>
             </a:fld>
             <a:endParaRPr lang="en-US"/>
           </a:p>
@@ -6385,18 +6385,32 @@
           <a:p>
             <a:pPr algn="ctr"/>
             <a:r>
-              <a:rPr lang="en-US" sz="1200" b="1" dirty="0">
+              <a:rPr lang="en-US" sz="1200" b="1" dirty="0" err="1">
                 <a:latin typeface="Times New Roman" panose="02020603050405020304" pitchFamily="18" charset="0"/>
                 <a:cs typeface="Times New Roman" panose="02020603050405020304" pitchFamily="18" charset="0"/>
               </a:rPr>
               <a:t>converter.R</a:t>
             </a:r>
             <a:r>
+              <a:rPr lang="en-US" sz="1200" b="1">
+                <a:latin typeface="Times New Roman" panose="02020603050405020304" pitchFamily="18" charset="0"/>
+                <a:cs typeface="Times New Roman" panose="02020603050405020304" pitchFamily="18" charset="0"/>
+              </a:rPr>
+              <a:t>*</a:t>
+            </a:r>
+            <a:r>
+              <a:rPr lang="en-US" sz="1200">
+                <a:latin typeface="Times New Roman" panose="02020603050405020304" pitchFamily="18" charset="0"/>
+                <a:cs typeface="Times New Roman" panose="02020603050405020304" pitchFamily="18" charset="0"/>
+              </a:rPr>
+              <a:t>: </a:t>
+            </a:r>
+            <a:r>
               <a:rPr lang="en-US" sz="1200" dirty="0">
                 <a:latin typeface="Times New Roman" panose="02020603050405020304" pitchFamily="18" charset="0"/>
                 <a:cs typeface="Times New Roman" panose="02020603050405020304" pitchFamily="18" charset="0"/>
               </a:rPr>
-              <a:t>: Standardizes data for downstream processing and generates app configuration files.</a:t>
+              <a:t>Standardizes data for downstream processing and generates app configuration files.</a:t>
             </a:r>
             <a:endParaRPr lang="en-US" sz="1200" dirty="0">
               <a:solidFill>
@@ -9226,7 +9240,7 @@
         </p:blipFill>
         <p:spPr bwMode="auto">
           <a:xfrm>
-            <a:off x="6667116" y="3654091"/>
+            <a:off x="6656953" y="3654091"/>
             <a:ext cx="854166" cy="854166"/>
           </a:xfrm>
           <a:prstGeom prst="rect">
@@ -10171,7 +10185,7 @@
         <p:spPr>
           <a:xfrm>
             <a:off x="925107" y="50916"/>
-            <a:ext cx="2143141" cy="338554"/>
+            <a:ext cx="2336625" cy="338554"/>
           </a:xfrm>
           <a:prstGeom prst="rect">
             <a:avLst/>
@@ -10468,6 +10482,158 @@
           </a:prstGeom>
         </p:spPr>
       </p:pic>
+      <p:sp>
+        <p:nvSpPr>
+          <p:cNvPr id="2" name="TextBox 1">
+            <a:extLst>
+              <a:ext uri="{FF2B5EF4-FFF2-40B4-BE49-F238E27FC236}">
+                <a16:creationId xmlns:a16="http://schemas.microsoft.com/office/drawing/2014/main" id="{4CE7210F-A71D-4CA7-8195-DCBFC47FB2E5}"/>
+              </a:ext>
+            </a:extLst>
+          </p:cNvPr>
+          <p:cNvSpPr txBox="1"/>
+          <p:nvPr/>
+        </p:nvSpPr>
+        <p:spPr>
+          <a:xfrm>
+            <a:off x="391933" y="338862"/>
+            <a:ext cx="359933" cy="369332"/>
+          </a:xfrm>
+          <a:prstGeom prst="rect">
+            <a:avLst/>
+          </a:prstGeom>
+          <a:noFill/>
+        </p:spPr>
+        <p:txBody>
+          <a:bodyPr wrap="square" rtlCol="0">
+            <a:spAutoFit/>
+          </a:bodyPr>
+          <a:lstStyle/>
+          <a:p>
+            <a:r>
+              <a:rPr lang="en-US" b="1" dirty="0">
+                <a:latin typeface="Arial" panose="020B0604020202020204" pitchFamily="34" charset="0"/>
+                <a:cs typeface="Arial" panose="020B0604020202020204" pitchFamily="34" charset="0"/>
+              </a:rPr>
+              <a:t>A</a:t>
+            </a:r>
+          </a:p>
+        </p:txBody>
+      </p:sp>
+      <p:sp>
+        <p:nvSpPr>
+          <p:cNvPr id="15" name="TextBox 14">
+            <a:extLst>
+              <a:ext uri="{FF2B5EF4-FFF2-40B4-BE49-F238E27FC236}">
+                <a16:creationId xmlns:a16="http://schemas.microsoft.com/office/drawing/2014/main" id="{292BC433-5DCA-4EC8-A437-BE94B29AE30F}"/>
+              </a:ext>
+            </a:extLst>
+          </p:cNvPr>
+          <p:cNvSpPr txBox="1"/>
+          <p:nvPr/>
+        </p:nvSpPr>
+        <p:spPr>
+          <a:xfrm>
+            <a:off x="5200875" y="338862"/>
+            <a:ext cx="359933" cy="369332"/>
+          </a:xfrm>
+          <a:prstGeom prst="rect">
+            <a:avLst/>
+          </a:prstGeom>
+          <a:noFill/>
+        </p:spPr>
+        <p:txBody>
+          <a:bodyPr wrap="square" rtlCol="0">
+            <a:spAutoFit/>
+          </a:bodyPr>
+          <a:lstStyle/>
+          <a:p>
+            <a:r>
+              <a:rPr lang="en-US" b="1" dirty="0">
+                <a:latin typeface="Arial" panose="020B0604020202020204" pitchFamily="34" charset="0"/>
+                <a:cs typeface="Arial" panose="020B0604020202020204" pitchFamily="34" charset="0"/>
+              </a:rPr>
+              <a:t>B</a:t>
+            </a:r>
+          </a:p>
+        </p:txBody>
+      </p:sp>
+      <p:sp>
+        <p:nvSpPr>
+          <p:cNvPr id="16" name="TextBox 15">
+            <a:extLst>
+              <a:ext uri="{FF2B5EF4-FFF2-40B4-BE49-F238E27FC236}">
+                <a16:creationId xmlns:a16="http://schemas.microsoft.com/office/drawing/2014/main" id="{7B2359CD-7228-45B0-BA65-462BA10B030F}"/>
+              </a:ext>
+            </a:extLst>
+          </p:cNvPr>
+          <p:cNvSpPr txBox="1"/>
+          <p:nvPr/>
+        </p:nvSpPr>
+        <p:spPr>
+          <a:xfrm>
+            <a:off x="391932" y="3649039"/>
+            <a:ext cx="359933" cy="369332"/>
+          </a:xfrm>
+          <a:prstGeom prst="rect">
+            <a:avLst/>
+          </a:prstGeom>
+          <a:noFill/>
+        </p:spPr>
+        <p:txBody>
+          <a:bodyPr wrap="square" rtlCol="0">
+            <a:spAutoFit/>
+          </a:bodyPr>
+          <a:lstStyle/>
+          <a:p>
+            <a:r>
+              <a:rPr lang="en-US" b="1" dirty="0">
+                <a:latin typeface="Arial" panose="020B0604020202020204" pitchFamily="34" charset="0"/>
+                <a:cs typeface="Arial" panose="020B0604020202020204" pitchFamily="34" charset="0"/>
+              </a:rPr>
+              <a:t>C</a:t>
+            </a:r>
+          </a:p>
+        </p:txBody>
+      </p:sp>
+      <p:sp>
+        <p:nvSpPr>
+          <p:cNvPr id="17" name="TextBox 16">
+            <a:extLst>
+              <a:ext uri="{FF2B5EF4-FFF2-40B4-BE49-F238E27FC236}">
+                <a16:creationId xmlns:a16="http://schemas.microsoft.com/office/drawing/2014/main" id="{7163F994-CB9A-4349-8E3D-A96ECCECFDD9}"/>
+              </a:ext>
+            </a:extLst>
+          </p:cNvPr>
+          <p:cNvSpPr txBox="1"/>
+          <p:nvPr/>
+        </p:nvSpPr>
+        <p:spPr>
+          <a:xfrm>
+            <a:off x="5221945" y="3649039"/>
+            <a:ext cx="359933" cy="369332"/>
+          </a:xfrm>
+          <a:prstGeom prst="rect">
+            <a:avLst/>
+          </a:prstGeom>
+          <a:noFill/>
+        </p:spPr>
+        <p:txBody>
+          <a:bodyPr wrap="square" rtlCol="0">
+            <a:spAutoFit/>
+          </a:bodyPr>
+          <a:lstStyle/>
+          <a:p>
+            <a:r>
+              <a:rPr lang="en-US" b="1" dirty="0">
+                <a:latin typeface="Arial" panose="020B0604020202020204" pitchFamily="34" charset="0"/>
+                <a:cs typeface="Arial" panose="020B0604020202020204" pitchFamily="34" charset="0"/>
+              </a:rPr>
+              <a:t>D</a:t>
+            </a:r>
+          </a:p>
+        </p:txBody>
+      </p:sp>
     </p:spTree>
     <p:extLst>
       <p:ext uri="{BB962C8B-B14F-4D97-AF65-F5344CB8AC3E}">

--- a/extras/Explorer_Tool_Workflow_2.pptx
+++ b/extras/Explorer_Tool_Workflow_2.pptx
@@ -10,6 +10,8 @@
     <p:sldId id="258" r:id="rId4"/>
     <p:sldId id="260" r:id="rId5"/>
     <p:sldId id="259" r:id="rId6"/>
+    <p:sldId id="261" r:id="rId7"/>
+    <p:sldId id="262" r:id="rId8"/>
   </p:sldIdLst>
   <p:sldSz cx="12192000" cy="6858000"/>
   <p:notesSz cx="6858000" cy="9144000"/>
@@ -263,7 +265,7 @@
           <a:p>
             <a:fld id="{1560D20A-E720-4ECB-907E-0F9EBDE75356}" type="datetimeFigureOut">
               <a:rPr lang="en-US" smtClean="0"/>
-              <a:t>6/9/2022</a:t>
+              <a:t>5/15/2023</a:t>
             </a:fld>
             <a:endParaRPr lang="en-US"/>
           </a:p>
@@ -461,7 +463,7 @@
           <a:p>
             <a:fld id="{1560D20A-E720-4ECB-907E-0F9EBDE75356}" type="datetimeFigureOut">
               <a:rPr lang="en-US" smtClean="0"/>
-              <a:t>6/9/2022</a:t>
+              <a:t>5/15/2023</a:t>
             </a:fld>
             <a:endParaRPr lang="en-US"/>
           </a:p>
@@ -669,7 +671,7 @@
           <a:p>
             <a:fld id="{1560D20A-E720-4ECB-907E-0F9EBDE75356}" type="datetimeFigureOut">
               <a:rPr lang="en-US" smtClean="0"/>
-              <a:t>6/9/2022</a:t>
+              <a:t>5/15/2023</a:t>
             </a:fld>
             <a:endParaRPr lang="en-US"/>
           </a:p>
@@ -867,7 +869,7 @@
           <a:p>
             <a:fld id="{1560D20A-E720-4ECB-907E-0F9EBDE75356}" type="datetimeFigureOut">
               <a:rPr lang="en-US" smtClean="0"/>
-              <a:t>6/9/2022</a:t>
+              <a:t>5/15/2023</a:t>
             </a:fld>
             <a:endParaRPr lang="en-US"/>
           </a:p>
@@ -1142,7 +1144,7 @@
           <a:p>
             <a:fld id="{1560D20A-E720-4ECB-907E-0F9EBDE75356}" type="datetimeFigureOut">
               <a:rPr lang="en-US" smtClean="0"/>
-              <a:t>6/9/2022</a:t>
+              <a:t>5/15/2023</a:t>
             </a:fld>
             <a:endParaRPr lang="en-US"/>
           </a:p>
@@ -1407,7 +1409,7 @@
           <a:p>
             <a:fld id="{1560D20A-E720-4ECB-907E-0F9EBDE75356}" type="datetimeFigureOut">
               <a:rPr lang="en-US" smtClean="0"/>
-              <a:t>6/9/2022</a:t>
+              <a:t>5/15/2023</a:t>
             </a:fld>
             <a:endParaRPr lang="en-US"/>
           </a:p>
@@ -1819,7 +1821,7 @@
           <a:p>
             <a:fld id="{1560D20A-E720-4ECB-907E-0F9EBDE75356}" type="datetimeFigureOut">
               <a:rPr lang="en-US" smtClean="0"/>
-              <a:t>6/9/2022</a:t>
+              <a:t>5/15/2023</a:t>
             </a:fld>
             <a:endParaRPr lang="en-US"/>
           </a:p>
@@ -1960,7 +1962,7 @@
           <a:p>
             <a:fld id="{1560D20A-E720-4ECB-907E-0F9EBDE75356}" type="datetimeFigureOut">
               <a:rPr lang="en-US" smtClean="0"/>
-              <a:t>6/9/2022</a:t>
+              <a:t>5/15/2023</a:t>
             </a:fld>
             <a:endParaRPr lang="en-US"/>
           </a:p>
@@ -2073,7 +2075,7 @@
           <a:p>
             <a:fld id="{1560D20A-E720-4ECB-907E-0F9EBDE75356}" type="datetimeFigureOut">
               <a:rPr lang="en-US" smtClean="0"/>
-              <a:t>6/9/2022</a:t>
+              <a:t>5/15/2023</a:t>
             </a:fld>
             <a:endParaRPr lang="en-US"/>
           </a:p>
@@ -2384,7 +2386,7 @@
           <a:p>
             <a:fld id="{1560D20A-E720-4ECB-907E-0F9EBDE75356}" type="datetimeFigureOut">
               <a:rPr lang="en-US" smtClean="0"/>
-              <a:t>6/9/2022</a:t>
+              <a:t>5/15/2023</a:t>
             </a:fld>
             <a:endParaRPr lang="en-US"/>
           </a:p>
@@ -2672,7 +2674,7 @@
           <a:p>
             <a:fld id="{1560D20A-E720-4ECB-907E-0F9EBDE75356}" type="datetimeFigureOut">
               <a:rPr lang="en-US" smtClean="0"/>
-              <a:t>6/9/2022</a:t>
+              <a:t>5/15/2023</a:t>
             </a:fld>
             <a:endParaRPr lang="en-US"/>
           </a:p>
@@ -2913,7 +2915,7 @@
           <a:p>
             <a:fld id="{1560D20A-E720-4ECB-907E-0F9EBDE75356}" type="datetimeFigureOut">
               <a:rPr lang="en-US" smtClean="0"/>
-              <a:t>6/9/2022</a:t>
+              <a:t>5/15/2023</a:t>
             </a:fld>
             <a:endParaRPr lang="en-US"/>
           </a:p>
@@ -5904,7 +5906,7 @@
         </p:nvSpPr>
         <p:spPr>
           <a:xfrm>
-            <a:off x="158613" y="1191308"/>
+            <a:off x="158611" y="1186248"/>
             <a:ext cx="2363437" cy="646331"/>
           </a:xfrm>
           <a:prstGeom prst="rect">
@@ -5954,7 +5956,7 @@
                 <a:latin typeface="Times New Roman" panose="02020603050405020304" pitchFamily="18" charset="0"/>
                 <a:cs typeface="Times New Roman" panose="02020603050405020304" pitchFamily="18" charset="0"/>
               </a:rPr>
-              <a:t>: Declares functions, determines the environment, installs packages, and sets root.  </a:t>
+              <a:t>: Validates working directory / configuration, declares utility functions, installs packages.</a:t>
             </a:r>
           </a:p>
         </p:txBody>
@@ -11173,6 +11175,5714 @@
     <p:extLst>
       <p:ext uri="{BB962C8B-B14F-4D97-AF65-F5344CB8AC3E}">
         <p14:creationId xmlns:p14="http://schemas.microsoft.com/office/powerpoint/2010/main" val="3512261733"/>
+      </p:ext>
+    </p:extLst>
+  </p:cSld>
+  <p:clrMapOvr>
+    <a:masterClrMapping/>
+  </p:clrMapOvr>
+</p:sld>
+</file>
+
+<file path=ppt/slides/slide6.xml><?xml version="1.0" encoding="utf-8"?>
+<p:sld xmlns:a="http://schemas.openxmlformats.org/drawingml/2006/main" xmlns:r="http://schemas.openxmlformats.org/officeDocument/2006/relationships" xmlns:p="http://schemas.openxmlformats.org/presentationml/2006/main">
+  <p:cSld>
+    <p:spTree>
+      <p:nvGrpSpPr>
+        <p:cNvPr id="1" name=""/>
+        <p:cNvGrpSpPr/>
+        <p:nvPr/>
+      </p:nvGrpSpPr>
+      <p:grpSpPr>
+        <a:xfrm>
+          <a:off x="0" y="0"/>
+          <a:ext cx="0" cy="0"/>
+          <a:chOff x="0" y="0"/>
+          <a:chExt cx="0" cy="0"/>
+        </a:xfrm>
+      </p:grpSpPr>
+      <p:sp>
+        <p:nvSpPr>
+          <p:cNvPr id="2" name="Title 1">
+            <a:extLst>
+              <a:ext uri="{FF2B5EF4-FFF2-40B4-BE49-F238E27FC236}">
+                <a16:creationId xmlns:a16="http://schemas.microsoft.com/office/drawing/2014/main" id="{C2E6E9D9-6FBB-499C-B1EA-1C4E5E0574CC}"/>
+              </a:ext>
+            </a:extLst>
+          </p:cNvPr>
+          <p:cNvSpPr>
+            <a:spLocks noGrp="1"/>
+          </p:cNvSpPr>
+          <p:nvPr>
+            <p:ph type="title"/>
+          </p:nvPr>
+        </p:nvSpPr>
+        <p:spPr>
+          <a:xfrm>
+            <a:off x="180278" y="-80925"/>
+            <a:ext cx="10515600" cy="1325563"/>
+          </a:xfrm>
+        </p:spPr>
+        <p:txBody>
+          <a:bodyPr/>
+          <a:lstStyle/>
+          <a:p>
+            <a:r>
+              <a:rPr lang="en-US" dirty="0"/>
+              <a:t>Old Architecture</a:t>
+            </a:r>
+          </a:p>
+        </p:txBody>
+      </p:sp>
+      <p:sp>
+        <p:nvSpPr>
+          <p:cNvPr id="3" name="Rectangle 2">
+            <a:extLst>
+              <a:ext uri="{FF2B5EF4-FFF2-40B4-BE49-F238E27FC236}">
+                <a16:creationId xmlns:a16="http://schemas.microsoft.com/office/drawing/2014/main" id="{10F0A111-E06B-CEDE-0EB9-189187655DA9}"/>
+              </a:ext>
+            </a:extLst>
+          </p:cNvPr>
+          <p:cNvSpPr/>
+          <p:nvPr/>
+        </p:nvSpPr>
+        <p:spPr>
+          <a:xfrm>
+            <a:off x="1265664" y="786162"/>
+            <a:ext cx="2207942" cy="5246648"/>
+          </a:xfrm>
+          <a:prstGeom prst="rect">
+            <a:avLst/>
+          </a:prstGeom>
+          <a:noFill/>
+          <a:ln>
+            <a:solidFill>
+              <a:srgbClr val="00356B"/>
+            </a:solidFill>
+          </a:ln>
+        </p:spPr>
+        <p:style>
+          <a:lnRef idx="2">
+            <a:schemeClr val="accent1">
+              <a:shade val="50000"/>
+            </a:schemeClr>
+          </a:lnRef>
+          <a:fillRef idx="1">
+            <a:schemeClr val="accent1"/>
+          </a:fillRef>
+          <a:effectRef idx="0">
+            <a:schemeClr val="accent1"/>
+          </a:effectRef>
+          <a:fontRef idx="minor">
+            <a:schemeClr val="lt1"/>
+          </a:fontRef>
+        </p:style>
+        <p:txBody>
+          <a:bodyPr rtlCol="0" anchor="ctr"/>
+          <a:lstStyle/>
+          <a:p>
+            <a:pPr algn="ctr"/>
+            <a:endParaRPr lang="en-US"/>
+          </a:p>
+        </p:txBody>
+      </p:sp>
+      <p:sp>
+        <p:nvSpPr>
+          <p:cNvPr id="14" name="Rectangle 13">
+            <a:extLst>
+              <a:ext uri="{FF2B5EF4-FFF2-40B4-BE49-F238E27FC236}">
+                <a16:creationId xmlns:a16="http://schemas.microsoft.com/office/drawing/2014/main" id="{B653ABA2-FEBD-D898-A2AD-9B163E733FE8}"/>
+              </a:ext>
+            </a:extLst>
+          </p:cNvPr>
+          <p:cNvSpPr/>
+          <p:nvPr/>
+        </p:nvSpPr>
+        <p:spPr>
+          <a:xfrm>
+            <a:off x="1423637" y="1355651"/>
+            <a:ext cx="1865971" cy="737925"/>
+          </a:xfrm>
+          <a:prstGeom prst="rect">
+            <a:avLst/>
+          </a:prstGeom>
+          <a:noFill/>
+          <a:ln>
+            <a:solidFill>
+              <a:srgbClr val="00356B"/>
+            </a:solidFill>
+          </a:ln>
+        </p:spPr>
+        <p:style>
+          <a:lnRef idx="2">
+            <a:schemeClr val="accent1">
+              <a:shade val="50000"/>
+            </a:schemeClr>
+          </a:lnRef>
+          <a:fillRef idx="1">
+            <a:schemeClr val="accent1"/>
+          </a:fillRef>
+          <a:effectRef idx="0">
+            <a:schemeClr val="accent1"/>
+          </a:effectRef>
+          <a:fontRef idx="minor">
+            <a:schemeClr val="lt1"/>
+          </a:fontRef>
+        </p:style>
+        <p:txBody>
+          <a:bodyPr rtlCol="0" anchor="ctr"/>
+          <a:lstStyle/>
+          <a:p>
+            <a:pPr algn="ctr"/>
+            <a:endParaRPr lang="en-US"/>
+          </a:p>
+        </p:txBody>
+      </p:sp>
+      <p:sp>
+        <p:nvSpPr>
+          <p:cNvPr id="15" name="TextBox 14">
+            <a:extLst>
+              <a:ext uri="{FF2B5EF4-FFF2-40B4-BE49-F238E27FC236}">
+                <a16:creationId xmlns:a16="http://schemas.microsoft.com/office/drawing/2014/main" id="{0CA896DF-CB98-90B9-B29F-FE5BD9EC1611}"/>
+              </a:ext>
+            </a:extLst>
+          </p:cNvPr>
+          <p:cNvSpPr txBox="1"/>
+          <p:nvPr/>
+        </p:nvSpPr>
+        <p:spPr>
+          <a:xfrm>
+            <a:off x="1280764" y="912841"/>
+            <a:ext cx="1566746" cy="369332"/>
+          </a:xfrm>
+          <a:prstGeom prst="rect">
+            <a:avLst/>
+          </a:prstGeom>
+          <a:noFill/>
+        </p:spPr>
+        <p:txBody>
+          <a:bodyPr wrap="square" rtlCol="0">
+            <a:spAutoFit/>
+          </a:bodyPr>
+          <a:lstStyle/>
+          <a:p>
+            <a:r>
+              <a:rPr lang="en-US" dirty="0"/>
+              <a:t>AWS S3</a:t>
+            </a:r>
+          </a:p>
+        </p:txBody>
+      </p:sp>
+      <p:sp>
+        <p:nvSpPr>
+          <p:cNvPr id="16" name="TextBox 15">
+            <a:extLst>
+              <a:ext uri="{FF2B5EF4-FFF2-40B4-BE49-F238E27FC236}">
+                <a16:creationId xmlns:a16="http://schemas.microsoft.com/office/drawing/2014/main" id="{C1C48ADC-64B4-F42D-5245-2C0F644187E6}"/>
+              </a:ext>
+            </a:extLst>
+          </p:cNvPr>
+          <p:cNvSpPr txBox="1"/>
+          <p:nvPr/>
+        </p:nvSpPr>
+        <p:spPr>
+          <a:xfrm>
+            <a:off x="1448730" y="1406878"/>
+            <a:ext cx="1566746" cy="646331"/>
+          </a:xfrm>
+          <a:prstGeom prst="rect">
+            <a:avLst/>
+          </a:prstGeom>
+          <a:noFill/>
+        </p:spPr>
+        <p:txBody>
+          <a:bodyPr wrap="square" rtlCol="0">
+            <a:spAutoFit/>
+          </a:bodyPr>
+          <a:lstStyle/>
+          <a:p>
+            <a:r>
+              <a:rPr lang="en-US" dirty="0"/>
+              <a:t>exRNA Cloud Storage</a:t>
+            </a:r>
+          </a:p>
+        </p:txBody>
+      </p:sp>
+      <p:sp>
+        <p:nvSpPr>
+          <p:cNvPr id="17" name="TextBox 16">
+            <a:extLst>
+              <a:ext uri="{FF2B5EF4-FFF2-40B4-BE49-F238E27FC236}">
+                <a16:creationId xmlns:a16="http://schemas.microsoft.com/office/drawing/2014/main" id="{26969BCD-ACFC-C249-A5B2-7A79D3F5B1AF}"/>
+              </a:ext>
+            </a:extLst>
+          </p:cNvPr>
+          <p:cNvSpPr txBox="1"/>
+          <p:nvPr/>
+        </p:nvSpPr>
+        <p:spPr>
+          <a:xfrm>
+            <a:off x="1436649" y="3649272"/>
+            <a:ext cx="1566746" cy="646331"/>
+          </a:xfrm>
+          <a:prstGeom prst="rect">
+            <a:avLst/>
+          </a:prstGeom>
+          <a:noFill/>
+        </p:spPr>
+        <p:txBody>
+          <a:bodyPr wrap="square" rtlCol="0">
+            <a:spAutoFit/>
+          </a:bodyPr>
+          <a:lstStyle/>
+          <a:p>
+            <a:r>
+              <a:rPr lang="en-US" dirty="0"/>
+              <a:t>EN-</a:t>
+            </a:r>
+            <a:r>
+              <a:rPr lang="en-US" dirty="0" err="1"/>
+              <a:t>TEx</a:t>
+            </a:r>
+            <a:r>
+              <a:rPr lang="en-US" dirty="0"/>
+              <a:t> Cloud Storage</a:t>
+            </a:r>
+          </a:p>
+        </p:txBody>
+      </p:sp>
+      <p:sp>
+        <p:nvSpPr>
+          <p:cNvPr id="18" name="Rectangle 17">
+            <a:extLst>
+              <a:ext uri="{FF2B5EF4-FFF2-40B4-BE49-F238E27FC236}">
+                <a16:creationId xmlns:a16="http://schemas.microsoft.com/office/drawing/2014/main" id="{A986FAE2-AB68-46B5-0D21-F974576381A9}"/>
+              </a:ext>
+            </a:extLst>
+          </p:cNvPr>
+          <p:cNvSpPr/>
+          <p:nvPr/>
+        </p:nvSpPr>
+        <p:spPr>
+          <a:xfrm>
+            <a:off x="1423637" y="3545767"/>
+            <a:ext cx="1865971" cy="1073858"/>
+          </a:xfrm>
+          <a:prstGeom prst="rect">
+            <a:avLst/>
+          </a:prstGeom>
+          <a:noFill/>
+          <a:ln>
+            <a:solidFill>
+              <a:srgbClr val="00356B"/>
+            </a:solidFill>
+          </a:ln>
+        </p:spPr>
+        <p:style>
+          <a:lnRef idx="2">
+            <a:schemeClr val="accent1">
+              <a:shade val="50000"/>
+            </a:schemeClr>
+          </a:lnRef>
+          <a:fillRef idx="1">
+            <a:schemeClr val="accent1"/>
+          </a:fillRef>
+          <a:effectRef idx="0">
+            <a:schemeClr val="accent1"/>
+          </a:effectRef>
+          <a:fontRef idx="minor">
+            <a:schemeClr val="lt1"/>
+          </a:fontRef>
+        </p:style>
+        <p:txBody>
+          <a:bodyPr rtlCol="0" anchor="ctr"/>
+          <a:lstStyle/>
+          <a:p>
+            <a:pPr algn="ctr"/>
+            <a:endParaRPr lang="en-US"/>
+          </a:p>
+        </p:txBody>
+      </p:sp>
+      <p:sp>
+        <p:nvSpPr>
+          <p:cNvPr id="19" name="Rectangle 18">
+            <a:extLst>
+              <a:ext uri="{FF2B5EF4-FFF2-40B4-BE49-F238E27FC236}">
+                <a16:creationId xmlns:a16="http://schemas.microsoft.com/office/drawing/2014/main" id="{19B53531-D157-8664-4C94-E1BFAFCBA8EC}"/>
+              </a:ext>
+            </a:extLst>
+          </p:cNvPr>
+          <p:cNvSpPr/>
+          <p:nvPr/>
+        </p:nvSpPr>
+        <p:spPr>
+          <a:xfrm>
+            <a:off x="1413417" y="4863961"/>
+            <a:ext cx="1865971" cy="1082729"/>
+          </a:xfrm>
+          <a:prstGeom prst="rect">
+            <a:avLst/>
+          </a:prstGeom>
+          <a:noFill/>
+          <a:ln>
+            <a:solidFill>
+              <a:srgbClr val="00356B"/>
+            </a:solidFill>
+          </a:ln>
+        </p:spPr>
+        <p:style>
+          <a:lnRef idx="2">
+            <a:schemeClr val="accent1">
+              <a:shade val="50000"/>
+            </a:schemeClr>
+          </a:lnRef>
+          <a:fillRef idx="1">
+            <a:schemeClr val="accent1"/>
+          </a:fillRef>
+          <a:effectRef idx="0">
+            <a:schemeClr val="accent1"/>
+          </a:effectRef>
+          <a:fontRef idx="minor">
+            <a:schemeClr val="lt1"/>
+          </a:fontRef>
+        </p:style>
+        <p:txBody>
+          <a:bodyPr rtlCol="0" anchor="ctr"/>
+          <a:lstStyle/>
+          <a:p>
+            <a:pPr algn="ctr"/>
+            <a:endParaRPr lang="en-US"/>
+          </a:p>
+        </p:txBody>
+      </p:sp>
+      <p:sp>
+        <p:nvSpPr>
+          <p:cNvPr id="20" name="TextBox 19">
+            <a:extLst>
+              <a:ext uri="{FF2B5EF4-FFF2-40B4-BE49-F238E27FC236}">
+                <a16:creationId xmlns:a16="http://schemas.microsoft.com/office/drawing/2014/main" id="{DF48C17C-F5D4-1FC1-7E67-9AFF1237CB0F}"/>
+              </a:ext>
+            </a:extLst>
+          </p:cNvPr>
+          <p:cNvSpPr txBox="1"/>
+          <p:nvPr/>
+        </p:nvSpPr>
+        <p:spPr>
+          <a:xfrm>
+            <a:off x="1430610" y="4847265"/>
+            <a:ext cx="1566746" cy="646331"/>
+          </a:xfrm>
+          <a:prstGeom prst="rect">
+            <a:avLst/>
+          </a:prstGeom>
+          <a:noFill/>
+        </p:spPr>
+        <p:txBody>
+          <a:bodyPr wrap="square" rtlCol="0">
+            <a:spAutoFit/>
+          </a:bodyPr>
+          <a:lstStyle/>
+          <a:p>
+            <a:r>
+              <a:rPr lang="en-US" dirty="0"/>
+              <a:t>MNIST Cloud Storage</a:t>
+            </a:r>
+          </a:p>
+        </p:txBody>
+      </p:sp>
+      <p:sp>
+        <p:nvSpPr>
+          <p:cNvPr id="21" name="Rectangle 20">
+            <a:extLst>
+              <a:ext uri="{FF2B5EF4-FFF2-40B4-BE49-F238E27FC236}">
+                <a16:creationId xmlns:a16="http://schemas.microsoft.com/office/drawing/2014/main" id="{FDE21431-E10B-328D-579B-458D31EF1F98}"/>
+              </a:ext>
+            </a:extLst>
+          </p:cNvPr>
+          <p:cNvSpPr/>
+          <p:nvPr/>
+        </p:nvSpPr>
+        <p:spPr>
+          <a:xfrm>
+            <a:off x="3791414" y="1351084"/>
+            <a:ext cx="1823225" cy="738586"/>
+          </a:xfrm>
+          <a:prstGeom prst="rect">
+            <a:avLst/>
+          </a:prstGeom>
+          <a:noFill/>
+          <a:ln>
+            <a:solidFill>
+              <a:srgbClr val="00356B"/>
+            </a:solidFill>
+          </a:ln>
+        </p:spPr>
+        <p:style>
+          <a:lnRef idx="2">
+            <a:schemeClr val="accent1">
+              <a:shade val="50000"/>
+            </a:schemeClr>
+          </a:lnRef>
+          <a:fillRef idx="1">
+            <a:schemeClr val="accent1"/>
+          </a:fillRef>
+          <a:effectRef idx="0">
+            <a:schemeClr val="accent1"/>
+          </a:effectRef>
+          <a:fontRef idx="minor">
+            <a:schemeClr val="lt1"/>
+          </a:fontRef>
+        </p:style>
+        <p:txBody>
+          <a:bodyPr rtlCol="0" anchor="ctr"/>
+          <a:lstStyle/>
+          <a:p>
+            <a:pPr algn="ctr"/>
+            <a:endParaRPr lang="en-US"/>
+          </a:p>
+        </p:txBody>
+      </p:sp>
+      <p:sp>
+        <p:nvSpPr>
+          <p:cNvPr id="22" name="TextBox 21">
+            <a:extLst>
+              <a:ext uri="{FF2B5EF4-FFF2-40B4-BE49-F238E27FC236}">
+                <a16:creationId xmlns:a16="http://schemas.microsoft.com/office/drawing/2014/main" id="{39131C64-FE93-29D9-EA1B-B70D480E8BAE}"/>
+              </a:ext>
+            </a:extLst>
+          </p:cNvPr>
+          <p:cNvSpPr txBox="1"/>
+          <p:nvPr/>
+        </p:nvSpPr>
+        <p:spPr>
+          <a:xfrm>
+            <a:off x="3803495" y="1443339"/>
+            <a:ext cx="1566746" cy="646331"/>
+          </a:xfrm>
+          <a:prstGeom prst="rect">
+            <a:avLst/>
+          </a:prstGeom>
+          <a:noFill/>
+        </p:spPr>
+        <p:txBody>
+          <a:bodyPr wrap="square" rtlCol="0">
+            <a:spAutoFit/>
+          </a:bodyPr>
+          <a:lstStyle/>
+          <a:p>
+            <a:r>
+              <a:rPr lang="en-US" dirty="0"/>
+              <a:t>exRNA Local Storage</a:t>
+            </a:r>
+          </a:p>
+        </p:txBody>
+      </p:sp>
+      <p:sp>
+        <p:nvSpPr>
+          <p:cNvPr id="23" name="TextBox 22">
+            <a:extLst>
+              <a:ext uri="{FF2B5EF4-FFF2-40B4-BE49-F238E27FC236}">
+                <a16:creationId xmlns:a16="http://schemas.microsoft.com/office/drawing/2014/main" id="{04CB753A-F088-26E3-A611-C8279244544C}"/>
+              </a:ext>
+            </a:extLst>
+          </p:cNvPr>
+          <p:cNvSpPr txBox="1"/>
+          <p:nvPr/>
+        </p:nvSpPr>
+        <p:spPr>
+          <a:xfrm>
+            <a:off x="3791414" y="3685733"/>
+            <a:ext cx="1566746" cy="646331"/>
+          </a:xfrm>
+          <a:prstGeom prst="rect">
+            <a:avLst/>
+          </a:prstGeom>
+          <a:noFill/>
+        </p:spPr>
+        <p:txBody>
+          <a:bodyPr wrap="square" rtlCol="0">
+            <a:spAutoFit/>
+          </a:bodyPr>
+          <a:lstStyle/>
+          <a:p>
+            <a:r>
+              <a:rPr lang="en-US" dirty="0"/>
+              <a:t>EN-</a:t>
+            </a:r>
+            <a:r>
+              <a:rPr lang="en-US" dirty="0" err="1"/>
+              <a:t>TEx</a:t>
+            </a:r>
+            <a:r>
+              <a:rPr lang="en-US" dirty="0"/>
+              <a:t> Local Storage</a:t>
+            </a:r>
+          </a:p>
+        </p:txBody>
+      </p:sp>
+      <p:sp>
+        <p:nvSpPr>
+          <p:cNvPr id="24" name="Rectangle 23">
+            <a:extLst>
+              <a:ext uri="{FF2B5EF4-FFF2-40B4-BE49-F238E27FC236}">
+                <a16:creationId xmlns:a16="http://schemas.microsoft.com/office/drawing/2014/main" id="{AE5AF02D-96C9-E1FB-B33B-E92C88167962}"/>
+              </a:ext>
+            </a:extLst>
+          </p:cNvPr>
+          <p:cNvSpPr/>
+          <p:nvPr/>
+        </p:nvSpPr>
+        <p:spPr>
+          <a:xfrm>
+            <a:off x="3768183" y="3582227"/>
+            <a:ext cx="1865971" cy="1082728"/>
+          </a:xfrm>
+          <a:prstGeom prst="rect">
+            <a:avLst/>
+          </a:prstGeom>
+          <a:noFill/>
+          <a:ln>
+            <a:solidFill>
+              <a:srgbClr val="00356B"/>
+            </a:solidFill>
+          </a:ln>
+        </p:spPr>
+        <p:style>
+          <a:lnRef idx="2">
+            <a:schemeClr val="accent1">
+              <a:shade val="50000"/>
+            </a:schemeClr>
+          </a:lnRef>
+          <a:fillRef idx="1">
+            <a:schemeClr val="accent1"/>
+          </a:fillRef>
+          <a:effectRef idx="0">
+            <a:schemeClr val="accent1"/>
+          </a:effectRef>
+          <a:fontRef idx="minor">
+            <a:schemeClr val="lt1"/>
+          </a:fontRef>
+        </p:style>
+        <p:txBody>
+          <a:bodyPr rtlCol="0" anchor="ctr"/>
+          <a:lstStyle/>
+          <a:p>
+            <a:pPr algn="ctr"/>
+            <a:endParaRPr lang="en-US"/>
+          </a:p>
+        </p:txBody>
+      </p:sp>
+      <p:sp>
+        <p:nvSpPr>
+          <p:cNvPr id="25" name="Rectangle 24">
+            <a:extLst>
+              <a:ext uri="{FF2B5EF4-FFF2-40B4-BE49-F238E27FC236}">
+                <a16:creationId xmlns:a16="http://schemas.microsoft.com/office/drawing/2014/main" id="{F8DBFB9A-2D83-B92A-4556-B086E3CB2002}"/>
+              </a:ext>
+            </a:extLst>
+          </p:cNvPr>
+          <p:cNvSpPr/>
+          <p:nvPr/>
+        </p:nvSpPr>
+        <p:spPr>
+          <a:xfrm>
+            <a:off x="3768182" y="4863963"/>
+            <a:ext cx="1865971" cy="1082728"/>
+          </a:xfrm>
+          <a:prstGeom prst="rect">
+            <a:avLst/>
+          </a:prstGeom>
+          <a:noFill/>
+          <a:ln>
+            <a:solidFill>
+              <a:srgbClr val="00356B"/>
+            </a:solidFill>
+          </a:ln>
+        </p:spPr>
+        <p:style>
+          <a:lnRef idx="2">
+            <a:schemeClr val="accent1">
+              <a:shade val="50000"/>
+            </a:schemeClr>
+          </a:lnRef>
+          <a:fillRef idx="1">
+            <a:schemeClr val="accent1"/>
+          </a:fillRef>
+          <a:effectRef idx="0">
+            <a:schemeClr val="accent1"/>
+          </a:effectRef>
+          <a:fontRef idx="minor">
+            <a:schemeClr val="lt1"/>
+          </a:fontRef>
+        </p:style>
+        <p:txBody>
+          <a:bodyPr rtlCol="0" anchor="ctr"/>
+          <a:lstStyle/>
+          <a:p>
+            <a:pPr algn="ctr"/>
+            <a:endParaRPr lang="en-US"/>
+          </a:p>
+        </p:txBody>
+      </p:sp>
+      <p:sp>
+        <p:nvSpPr>
+          <p:cNvPr id="26" name="TextBox 25">
+            <a:extLst>
+              <a:ext uri="{FF2B5EF4-FFF2-40B4-BE49-F238E27FC236}">
+                <a16:creationId xmlns:a16="http://schemas.microsoft.com/office/drawing/2014/main" id="{FE7F8E5A-05B8-227D-B232-11FFC6E24296}"/>
+              </a:ext>
+            </a:extLst>
+          </p:cNvPr>
+          <p:cNvSpPr txBox="1"/>
+          <p:nvPr/>
+        </p:nvSpPr>
+        <p:spPr>
+          <a:xfrm>
+            <a:off x="3785375" y="4906024"/>
+            <a:ext cx="1566746" cy="646331"/>
+          </a:xfrm>
+          <a:prstGeom prst="rect">
+            <a:avLst/>
+          </a:prstGeom>
+          <a:noFill/>
+        </p:spPr>
+        <p:txBody>
+          <a:bodyPr wrap="square" rtlCol="0">
+            <a:spAutoFit/>
+          </a:bodyPr>
+          <a:lstStyle/>
+          <a:p>
+            <a:r>
+              <a:rPr lang="en-US" dirty="0"/>
+              <a:t>MNIST Local Storage</a:t>
+            </a:r>
+          </a:p>
+        </p:txBody>
+      </p:sp>
+      <p:sp>
+        <p:nvSpPr>
+          <p:cNvPr id="27" name="Arrow: Curved Up 26">
+            <a:extLst>
+              <a:ext uri="{FF2B5EF4-FFF2-40B4-BE49-F238E27FC236}">
+                <a16:creationId xmlns:a16="http://schemas.microsoft.com/office/drawing/2014/main" id="{9D05318A-52B1-2503-AE6D-7335B75E33C2}"/>
+              </a:ext>
+            </a:extLst>
+          </p:cNvPr>
+          <p:cNvSpPr/>
+          <p:nvPr/>
+        </p:nvSpPr>
+        <p:spPr>
+          <a:xfrm>
+            <a:off x="3279387" y="1783613"/>
+            <a:ext cx="524107" cy="204864"/>
+          </a:xfrm>
+          <a:prstGeom prst="curvedUpArrow">
+            <a:avLst/>
+          </a:prstGeom>
+        </p:spPr>
+        <p:style>
+          <a:lnRef idx="2">
+            <a:schemeClr val="accent1">
+              <a:shade val="50000"/>
+            </a:schemeClr>
+          </a:lnRef>
+          <a:fillRef idx="1">
+            <a:schemeClr val="accent1"/>
+          </a:fillRef>
+          <a:effectRef idx="0">
+            <a:schemeClr val="accent1"/>
+          </a:effectRef>
+          <a:fontRef idx="minor">
+            <a:schemeClr val="lt1"/>
+          </a:fontRef>
+        </p:style>
+        <p:txBody>
+          <a:bodyPr rtlCol="0" anchor="ctr"/>
+          <a:lstStyle/>
+          <a:p>
+            <a:pPr algn="ctr"/>
+            <a:endParaRPr lang="en-US">
+              <a:solidFill>
+                <a:schemeClr val="tx1"/>
+              </a:solidFill>
+            </a:endParaRPr>
+          </a:p>
+        </p:txBody>
+      </p:sp>
+      <p:sp>
+        <p:nvSpPr>
+          <p:cNvPr id="28" name="Arrow: Curved Up 27">
+            <a:extLst>
+              <a:ext uri="{FF2B5EF4-FFF2-40B4-BE49-F238E27FC236}">
+                <a16:creationId xmlns:a16="http://schemas.microsoft.com/office/drawing/2014/main" id="{5F969812-27F1-24B9-FE1C-F5391E0318D4}"/>
+              </a:ext>
+            </a:extLst>
+          </p:cNvPr>
+          <p:cNvSpPr/>
+          <p:nvPr/>
+        </p:nvSpPr>
+        <p:spPr>
+          <a:xfrm rot="10800000">
+            <a:off x="3264519" y="1494410"/>
+            <a:ext cx="520855" cy="204864"/>
+          </a:xfrm>
+          <a:prstGeom prst="curvedUpArrow">
+            <a:avLst/>
+          </a:prstGeom>
+        </p:spPr>
+        <p:style>
+          <a:lnRef idx="2">
+            <a:schemeClr val="accent1">
+              <a:shade val="50000"/>
+            </a:schemeClr>
+          </a:lnRef>
+          <a:fillRef idx="1">
+            <a:schemeClr val="accent1"/>
+          </a:fillRef>
+          <a:effectRef idx="0">
+            <a:schemeClr val="accent1"/>
+          </a:effectRef>
+          <a:fontRef idx="minor">
+            <a:schemeClr val="lt1"/>
+          </a:fontRef>
+        </p:style>
+        <p:txBody>
+          <a:bodyPr rtlCol="0" anchor="ctr"/>
+          <a:lstStyle/>
+          <a:p>
+            <a:pPr algn="ctr"/>
+            <a:endParaRPr lang="en-US">
+              <a:solidFill>
+                <a:schemeClr val="tx1"/>
+              </a:solidFill>
+            </a:endParaRPr>
+          </a:p>
+        </p:txBody>
+      </p:sp>
+      <p:sp>
+        <p:nvSpPr>
+          <p:cNvPr id="29" name="Arrow: Curved Up 28">
+            <a:extLst>
+              <a:ext uri="{FF2B5EF4-FFF2-40B4-BE49-F238E27FC236}">
+                <a16:creationId xmlns:a16="http://schemas.microsoft.com/office/drawing/2014/main" id="{7D08EA01-0FAF-B0B0-946B-2E9BEB6D2107}"/>
+              </a:ext>
+            </a:extLst>
+          </p:cNvPr>
+          <p:cNvSpPr/>
+          <p:nvPr/>
+        </p:nvSpPr>
+        <p:spPr>
+          <a:xfrm>
+            <a:off x="3264518" y="4001218"/>
+            <a:ext cx="524107" cy="204864"/>
+          </a:xfrm>
+          <a:prstGeom prst="curvedUpArrow">
+            <a:avLst/>
+          </a:prstGeom>
+        </p:spPr>
+        <p:style>
+          <a:lnRef idx="2">
+            <a:schemeClr val="accent1">
+              <a:shade val="50000"/>
+            </a:schemeClr>
+          </a:lnRef>
+          <a:fillRef idx="1">
+            <a:schemeClr val="accent1"/>
+          </a:fillRef>
+          <a:effectRef idx="0">
+            <a:schemeClr val="accent1"/>
+          </a:effectRef>
+          <a:fontRef idx="minor">
+            <a:schemeClr val="lt1"/>
+          </a:fontRef>
+        </p:style>
+        <p:txBody>
+          <a:bodyPr rtlCol="0" anchor="ctr"/>
+          <a:lstStyle/>
+          <a:p>
+            <a:pPr algn="ctr"/>
+            <a:endParaRPr lang="en-US">
+              <a:solidFill>
+                <a:schemeClr val="tx1"/>
+              </a:solidFill>
+            </a:endParaRPr>
+          </a:p>
+        </p:txBody>
+      </p:sp>
+      <p:sp>
+        <p:nvSpPr>
+          <p:cNvPr id="30" name="Arrow: Curved Up 29">
+            <a:extLst>
+              <a:ext uri="{FF2B5EF4-FFF2-40B4-BE49-F238E27FC236}">
+                <a16:creationId xmlns:a16="http://schemas.microsoft.com/office/drawing/2014/main" id="{A43E644C-11B7-ADCB-FB2D-DD43BF8D963F}"/>
+              </a:ext>
+            </a:extLst>
+          </p:cNvPr>
+          <p:cNvSpPr/>
+          <p:nvPr/>
+        </p:nvSpPr>
+        <p:spPr>
+          <a:xfrm rot="10800000">
+            <a:off x="3249650" y="3712015"/>
+            <a:ext cx="520855" cy="204864"/>
+          </a:xfrm>
+          <a:prstGeom prst="curvedUpArrow">
+            <a:avLst/>
+          </a:prstGeom>
+        </p:spPr>
+        <p:style>
+          <a:lnRef idx="2">
+            <a:schemeClr val="accent1">
+              <a:shade val="50000"/>
+            </a:schemeClr>
+          </a:lnRef>
+          <a:fillRef idx="1">
+            <a:schemeClr val="accent1"/>
+          </a:fillRef>
+          <a:effectRef idx="0">
+            <a:schemeClr val="accent1"/>
+          </a:effectRef>
+          <a:fontRef idx="minor">
+            <a:schemeClr val="lt1"/>
+          </a:fontRef>
+        </p:style>
+        <p:txBody>
+          <a:bodyPr rtlCol="0" anchor="ctr"/>
+          <a:lstStyle/>
+          <a:p>
+            <a:pPr algn="ctr"/>
+            <a:endParaRPr lang="en-US">
+              <a:solidFill>
+                <a:schemeClr val="tx1"/>
+              </a:solidFill>
+            </a:endParaRPr>
+          </a:p>
+        </p:txBody>
+      </p:sp>
+      <p:sp>
+        <p:nvSpPr>
+          <p:cNvPr id="31" name="Arrow: Curved Up 30">
+            <a:extLst>
+              <a:ext uri="{FF2B5EF4-FFF2-40B4-BE49-F238E27FC236}">
+                <a16:creationId xmlns:a16="http://schemas.microsoft.com/office/drawing/2014/main" id="{12D1ECC3-4A4B-ECDF-867A-30C11CA2B203}"/>
+              </a:ext>
+            </a:extLst>
+          </p:cNvPr>
+          <p:cNvSpPr/>
+          <p:nvPr/>
+        </p:nvSpPr>
+        <p:spPr>
+          <a:xfrm>
+            <a:off x="3257783" y="5469928"/>
+            <a:ext cx="524107" cy="204864"/>
+          </a:xfrm>
+          <a:prstGeom prst="curvedUpArrow">
+            <a:avLst/>
+          </a:prstGeom>
+        </p:spPr>
+        <p:style>
+          <a:lnRef idx="2">
+            <a:schemeClr val="accent1">
+              <a:shade val="50000"/>
+            </a:schemeClr>
+          </a:lnRef>
+          <a:fillRef idx="1">
+            <a:schemeClr val="accent1"/>
+          </a:fillRef>
+          <a:effectRef idx="0">
+            <a:schemeClr val="accent1"/>
+          </a:effectRef>
+          <a:fontRef idx="minor">
+            <a:schemeClr val="lt1"/>
+          </a:fontRef>
+        </p:style>
+        <p:txBody>
+          <a:bodyPr rtlCol="0" anchor="ctr"/>
+          <a:lstStyle/>
+          <a:p>
+            <a:pPr algn="ctr"/>
+            <a:endParaRPr lang="en-US">
+              <a:solidFill>
+                <a:schemeClr val="tx1"/>
+              </a:solidFill>
+            </a:endParaRPr>
+          </a:p>
+        </p:txBody>
+      </p:sp>
+      <p:sp>
+        <p:nvSpPr>
+          <p:cNvPr id="32" name="Arrow: Curved Up 31">
+            <a:extLst>
+              <a:ext uri="{FF2B5EF4-FFF2-40B4-BE49-F238E27FC236}">
+                <a16:creationId xmlns:a16="http://schemas.microsoft.com/office/drawing/2014/main" id="{A884AEB8-4CE2-4D15-0B15-925D8C8E0E7F}"/>
+              </a:ext>
+            </a:extLst>
+          </p:cNvPr>
+          <p:cNvSpPr/>
+          <p:nvPr/>
+        </p:nvSpPr>
+        <p:spPr>
+          <a:xfrm rot="10800000">
+            <a:off x="3242915" y="5180725"/>
+            <a:ext cx="520855" cy="204864"/>
+          </a:xfrm>
+          <a:prstGeom prst="curvedUpArrow">
+            <a:avLst/>
+          </a:prstGeom>
+        </p:spPr>
+        <p:style>
+          <a:lnRef idx="2">
+            <a:schemeClr val="accent1">
+              <a:shade val="50000"/>
+            </a:schemeClr>
+          </a:lnRef>
+          <a:fillRef idx="1">
+            <a:schemeClr val="accent1"/>
+          </a:fillRef>
+          <a:effectRef idx="0">
+            <a:schemeClr val="accent1"/>
+          </a:effectRef>
+          <a:fontRef idx="minor">
+            <a:schemeClr val="lt1"/>
+          </a:fontRef>
+        </p:style>
+        <p:txBody>
+          <a:bodyPr rtlCol="0" anchor="ctr"/>
+          <a:lstStyle/>
+          <a:p>
+            <a:pPr algn="ctr"/>
+            <a:endParaRPr lang="en-US">
+              <a:solidFill>
+                <a:schemeClr val="tx1"/>
+              </a:solidFill>
+            </a:endParaRPr>
+          </a:p>
+        </p:txBody>
+      </p:sp>
+      <p:sp>
+        <p:nvSpPr>
+          <p:cNvPr id="33" name="Rectangle 32">
+            <a:extLst>
+              <a:ext uri="{FF2B5EF4-FFF2-40B4-BE49-F238E27FC236}">
+                <a16:creationId xmlns:a16="http://schemas.microsoft.com/office/drawing/2014/main" id="{4AEB4050-A5D3-AD6A-9FDF-4A19B4B3F38C}"/>
+              </a:ext>
+            </a:extLst>
+          </p:cNvPr>
+          <p:cNvSpPr/>
+          <p:nvPr/>
+        </p:nvSpPr>
+        <p:spPr>
+          <a:xfrm>
+            <a:off x="3600682" y="786162"/>
+            <a:ext cx="5292416" cy="5246648"/>
+          </a:xfrm>
+          <a:prstGeom prst="rect">
+            <a:avLst/>
+          </a:prstGeom>
+          <a:noFill/>
+          <a:ln>
+            <a:solidFill>
+              <a:srgbClr val="00356B"/>
+            </a:solidFill>
+          </a:ln>
+        </p:spPr>
+        <p:style>
+          <a:lnRef idx="2">
+            <a:schemeClr val="accent1">
+              <a:shade val="50000"/>
+            </a:schemeClr>
+          </a:lnRef>
+          <a:fillRef idx="1">
+            <a:schemeClr val="accent1"/>
+          </a:fillRef>
+          <a:effectRef idx="0">
+            <a:schemeClr val="accent1"/>
+          </a:effectRef>
+          <a:fontRef idx="minor">
+            <a:schemeClr val="lt1"/>
+          </a:fontRef>
+        </p:style>
+        <p:txBody>
+          <a:bodyPr rtlCol="0" anchor="ctr"/>
+          <a:lstStyle/>
+          <a:p>
+            <a:pPr algn="ctr"/>
+            <a:endParaRPr lang="en-US"/>
+          </a:p>
+        </p:txBody>
+      </p:sp>
+      <p:sp>
+        <p:nvSpPr>
+          <p:cNvPr id="34" name="TextBox 33">
+            <a:extLst>
+              <a:ext uri="{FF2B5EF4-FFF2-40B4-BE49-F238E27FC236}">
+                <a16:creationId xmlns:a16="http://schemas.microsoft.com/office/drawing/2014/main" id="{F1BCE09A-9FD3-19CA-33EF-A7EBF84F9C7D}"/>
+              </a:ext>
+            </a:extLst>
+          </p:cNvPr>
+          <p:cNvSpPr txBox="1"/>
+          <p:nvPr/>
+        </p:nvSpPr>
+        <p:spPr>
+          <a:xfrm>
+            <a:off x="3611137" y="857086"/>
+            <a:ext cx="1566746" cy="369332"/>
+          </a:xfrm>
+          <a:prstGeom prst="rect">
+            <a:avLst/>
+          </a:prstGeom>
+          <a:noFill/>
+        </p:spPr>
+        <p:txBody>
+          <a:bodyPr wrap="square" rtlCol="0">
+            <a:spAutoFit/>
+          </a:bodyPr>
+          <a:lstStyle/>
+          <a:p>
+            <a:r>
+              <a:rPr lang="en-US" dirty="0"/>
+              <a:t>User</a:t>
+            </a:r>
+          </a:p>
+        </p:txBody>
+      </p:sp>
+      <p:sp>
+        <p:nvSpPr>
+          <p:cNvPr id="37" name="TextBox 36">
+            <a:extLst>
+              <a:ext uri="{FF2B5EF4-FFF2-40B4-BE49-F238E27FC236}">
+                <a16:creationId xmlns:a16="http://schemas.microsoft.com/office/drawing/2014/main" id="{2CEF546B-9651-6982-6507-C6524865EF05}"/>
+              </a:ext>
+            </a:extLst>
+          </p:cNvPr>
+          <p:cNvSpPr txBox="1"/>
+          <p:nvPr/>
+        </p:nvSpPr>
+        <p:spPr>
+          <a:xfrm>
+            <a:off x="4648813" y="2215728"/>
+            <a:ext cx="1305937" cy="369332"/>
+          </a:xfrm>
+          <a:prstGeom prst="rect">
+            <a:avLst/>
+          </a:prstGeom>
+          <a:noFill/>
+          <a:ln>
+            <a:solidFill>
+              <a:srgbClr val="00356B"/>
+            </a:solidFill>
+          </a:ln>
+        </p:spPr>
+        <p:txBody>
+          <a:bodyPr wrap="square" rtlCol="0">
+            <a:spAutoFit/>
+          </a:bodyPr>
+          <a:lstStyle/>
+          <a:p>
+            <a:r>
+              <a:rPr lang="en-US" dirty="0"/>
+              <a:t>App Data 1</a:t>
+            </a:r>
+          </a:p>
+        </p:txBody>
+      </p:sp>
+      <p:sp>
+        <p:nvSpPr>
+          <p:cNvPr id="39" name="TextBox 38">
+            <a:extLst>
+              <a:ext uri="{FF2B5EF4-FFF2-40B4-BE49-F238E27FC236}">
+                <a16:creationId xmlns:a16="http://schemas.microsoft.com/office/drawing/2014/main" id="{0B137E7B-E31A-E619-3788-E5F7A517ACA3}"/>
+              </a:ext>
+            </a:extLst>
+          </p:cNvPr>
+          <p:cNvSpPr txBox="1"/>
+          <p:nvPr/>
+        </p:nvSpPr>
+        <p:spPr>
+          <a:xfrm>
+            <a:off x="4856356" y="3988226"/>
+            <a:ext cx="741556" cy="646331"/>
+          </a:xfrm>
+          <a:prstGeom prst="rect">
+            <a:avLst/>
+          </a:prstGeom>
+          <a:noFill/>
+          <a:ln>
+            <a:solidFill>
+              <a:schemeClr val="tx1"/>
+            </a:solidFill>
+          </a:ln>
+        </p:spPr>
+        <p:txBody>
+          <a:bodyPr wrap="square" rtlCol="0">
+            <a:spAutoFit/>
+          </a:bodyPr>
+          <a:lstStyle/>
+          <a:p>
+            <a:r>
+              <a:rPr lang="en-US" dirty="0"/>
+              <a:t>App Data</a:t>
+            </a:r>
+          </a:p>
+        </p:txBody>
+      </p:sp>
+      <p:sp>
+        <p:nvSpPr>
+          <p:cNvPr id="40" name="TextBox 39">
+            <a:extLst>
+              <a:ext uri="{FF2B5EF4-FFF2-40B4-BE49-F238E27FC236}">
+                <a16:creationId xmlns:a16="http://schemas.microsoft.com/office/drawing/2014/main" id="{11EF6E95-48E7-CEA8-B15F-591902568537}"/>
+              </a:ext>
+            </a:extLst>
+          </p:cNvPr>
+          <p:cNvSpPr txBox="1"/>
+          <p:nvPr/>
+        </p:nvSpPr>
+        <p:spPr>
+          <a:xfrm>
+            <a:off x="4852871" y="5276034"/>
+            <a:ext cx="741556" cy="646331"/>
+          </a:xfrm>
+          <a:prstGeom prst="rect">
+            <a:avLst/>
+          </a:prstGeom>
+          <a:noFill/>
+          <a:ln>
+            <a:solidFill>
+              <a:schemeClr val="tx1"/>
+            </a:solidFill>
+          </a:ln>
+        </p:spPr>
+        <p:txBody>
+          <a:bodyPr wrap="square" rtlCol="0">
+            <a:spAutoFit/>
+          </a:bodyPr>
+          <a:lstStyle/>
+          <a:p>
+            <a:r>
+              <a:rPr lang="en-US" dirty="0"/>
+              <a:t>App Data</a:t>
+            </a:r>
+          </a:p>
+        </p:txBody>
+      </p:sp>
+      <p:cxnSp>
+        <p:nvCxnSpPr>
+          <p:cNvPr id="43" name="Straight Arrow Connector 42">
+            <a:extLst>
+              <a:ext uri="{FF2B5EF4-FFF2-40B4-BE49-F238E27FC236}">
+                <a16:creationId xmlns:a16="http://schemas.microsoft.com/office/drawing/2014/main" id="{229843F5-F737-D629-78EE-295C7F9CEEC3}"/>
+              </a:ext>
+            </a:extLst>
+          </p:cNvPr>
+          <p:cNvCxnSpPr>
+            <a:cxnSpLocks/>
+            <a:stCxn id="21" idx="3"/>
+          </p:cNvCxnSpPr>
+          <p:nvPr/>
+        </p:nvCxnSpPr>
+        <p:spPr>
+          <a:xfrm>
+            <a:off x="5614639" y="1720377"/>
+            <a:ext cx="1247480" cy="1067049"/>
+          </a:xfrm>
+          <a:prstGeom prst="straightConnector1">
+            <a:avLst/>
+          </a:prstGeom>
+          <a:ln>
+            <a:solidFill>
+              <a:srgbClr val="FF0000"/>
+            </a:solidFill>
+            <a:tailEnd type="triangle"/>
+          </a:ln>
+        </p:spPr>
+        <p:style>
+          <a:lnRef idx="2">
+            <a:schemeClr val="accent2"/>
+          </a:lnRef>
+          <a:fillRef idx="0">
+            <a:schemeClr val="accent2"/>
+          </a:fillRef>
+          <a:effectRef idx="1">
+            <a:schemeClr val="accent2"/>
+          </a:effectRef>
+          <a:fontRef idx="minor">
+            <a:schemeClr val="tx1"/>
+          </a:fontRef>
+        </p:style>
+      </p:cxnSp>
+      <p:cxnSp>
+        <p:nvCxnSpPr>
+          <p:cNvPr id="44" name="Straight Arrow Connector 43">
+            <a:extLst>
+              <a:ext uri="{FF2B5EF4-FFF2-40B4-BE49-F238E27FC236}">
+                <a16:creationId xmlns:a16="http://schemas.microsoft.com/office/drawing/2014/main" id="{AB119F4F-DED4-60EE-BC0B-96DA0CDB938E}"/>
+              </a:ext>
+            </a:extLst>
+          </p:cNvPr>
+          <p:cNvCxnSpPr>
+            <a:cxnSpLocks/>
+            <a:stCxn id="24" idx="3"/>
+          </p:cNvCxnSpPr>
+          <p:nvPr/>
+        </p:nvCxnSpPr>
+        <p:spPr>
+          <a:xfrm flipV="1">
+            <a:off x="5634154" y="3712015"/>
+            <a:ext cx="1227965" cy="411576"/>
+          </a:xfrm>
+          <a:prstGeom prst="straightConnector1">
+            <a:avLst/>
+          </a:prstGeom>
+          <a:ln w="12700">
+            <a:solidFill>
+              <a:schemeClr val="accent4"/>
+            </a:solidFill>
+            <a:tailEnd type="triangle"/>
+          </a:ln>
+        </p:spPr>
+        <p:style>
+          <a:lnRef idx="1">
+            <a:schemeClr val="accent2"/>
+          </a:lnRef>
+          <a:fillRef idx="0">
+            <a:schemeClr val="accent2"/>
+          </a:fillRef>
+          <a:effectRef idx="0">
+            <a:schemeClr val="accent2"/>
+          </a:effectRef>
+          <a:fontRef idx="minor">
+            <a:schemeClr val="tx1"/>
+          </a:fontRef>
+        </p:style>
+      </p:cxnSp>
+      <p:cxnSp>
+        <p:nvCxnSpPr>
+          <p:cNvPr id="45" name="Straight Arrow Connector 44">
+            <a:extLst>
+              <a:ext uri="{FF2B5EF4-FFF2-40B4-BE49-F238E27FC236}">
+                <a16:creationId xmlns:a16="http://schemas.microsoft.com/office/drawing/2014/main" id="{C59EB4A1-9095-831E-918F-0A64CC2F9BA3}"/>
+              </a:ext>
+            </a:extLst>
+          </p:cNvPr>
+          <p:cNvCxnSpPr>
+            <a:cxnSpLocks/>
+            <a:stCxn id="25" idx="3"/>
+          </p:cNvCxnSpPr>
+          <p:nvPr/>
+        </p:nvCxnSpPr>
+        <p:spPr>
+          <a:xfrm flipV="1">
+            <a:off x="5634153" y="3942208"/>
+            <a:ext cx="1219200" cy="1463119"/>
+          </a:xfrm>
+          <a:prstGeom prst="straightConnector1">
+            <a:avLst/>
+          </a:prstGeom>
+          <a:ln w="12700">
+            <a:solidFill>
+              <a:schemeClr val="accent6"/>
+            </a:solidFill>
+            <a:tailEnd type="triangle"/>
+          </a:ln>
+        </p:spPr>
+        <p:style>
+          <a:lnRef idx="1">
+            <a:schemeClr val="accent1"/>
+          </a:lnRef>
+          <a:fillRef idx="0">
+            <a:schemeClr val="accent1"/>
+          </a:fillRef>
+          <a:effectRef idx="0">
+            <a:schemeClr val="accent1"/>
+          </a:effectRef>
+          <a:fontRef idx="minor">
+            <a:schemeClr val="tx1"/>
+          </a:fontRef>
+        </p:style>
+      </p:cxnSp>
+      <p:sp>
+        <p:nvSpPr>
+          <p:cNvPr id="47" name="Rectangle 46">
+            <a:extLst>
+              <a:ext uri="{FF2B5EF4-FFF2-40B4-BE49-F238E27FC236}">
+                <a16:creationId xmlns:a16="http://schemas.microsoft.com/office/drawing/2014/main" id="{E0AA150E-511E-C20B-0EA8-B9FFE55C5023}"/>
+              </a:ext>
+            </a:extLst>
+          </p:cNvPr>
+          <p:cNvSpPr/>
+          <p:nvPr/>
+        </p:nvSpPr>
+        <p:spPr>
+          <a:xfrm>
+            <a:off x="6519747" y="1890036"/>
+            <a:ext cx="2254405" cy="4056654"/>
+          </a:xfrm>
+          <a:prstGeom prst="rect">
+            <a:avLst/>
+          </a:prstGeom>
+          <a:noFill/>
+          <a:ln>
+            <a:solidFill>
+              <a:srgbClr val="00356B"/>
+            </a:solidFill>
+          </a:ln>
+        </p:spPr>
+        <p:style>
+          <a:lnRef idx="2">
+            <a:schemeClr val="accent1">
+              <a:shade val="50000"/>
+            </a:schemeClr>
+          </a:lnRef>
+          <a:fillRef idx="1">
+            <a:schemeClr val="accent1"/>
+          </a:fillRef>
+          <a:effectRef idx="0">
+            <a:schemeClr val="accent1"/>
+          </a:effectRef>
+          <a:fontRef idx="minor">
+            <a:schemeClr val="lt1"/>
+          </a:fontRef>
+        </p:style>
+        <p:txBody>
+          <a:bodyPr rtlCol="0" anchor="ctr"/>
+          <a:lstStyle/>
+          <a:p>
+            <a:pPr algn="ctr"/>
+            <a:endParaRPr lang="en-US"/>
+          </a:p>
+        </p:txBody>
+      </p:sp>
+      <p:sp>
+        <p:nvSpPr>
+          <p:cNvPr id="48" name="Rectangle 47">
+            <a:extLst>
+              <a:ext uri="{FF2B5EF4-FFF2-40B4-BE49-F238E27FC236}">
+                <a16:creationId xmlns:a16="http://schemas.microsoft.com/office/drawing/2014/main" id="{EE9C7C8B-05DC-D357-EE34-8D2358D44DF1}"/>
+              </a:ext>
+            </a:extLst>
+          </p:cNvPr>
+          <p:cNvSpPr/>
+          <p:nvPr/>
+        </p:nvSpPr>
+        <p:spPr>
+          <a:xfrm>
+            <a:off x="6787375" y="4506957"/>
+            <a:ext cx="1865971" cy="1082728"/>
+          </a:xfrm>
+          <a:prstGeom prst="rect">
+            <a:avLst/>
+          </a:prstGeom>
+          <a:noFill/>
+          <a:ln>
+            <a:solidFill>
+              <a:srgbClr val="00356B"/>
+            </a:solidFill>
+          </a:ln>
+        </p:spPr>
+        <p:style>
+          <a:lnRef idx="2">
+            <a:schemeClr val="accent1">
+              <a:shade val="50000"/>
+            </a:schemeClr>
+          </a:lnRef>
+          <a:fillRef idx="1">
+            <a:schemeClr val="accent1"/>
+          </a:fillRef>
+          <a:effectRef idx="0">
+            <a:schemeClr val="accent1"/>
+          </a:effectRef>
+          <a:fontRef idx="minor">
+            <a:schemeClr val="lt1"/>
+          </a:fontRef>
+        </p:style>
+        <p:txBody>
+          <a:bodyPr rtlCol="0" anchor="ctr"/>
+          <a:lstStyle/>
+          <a:p>
+            <a:pPr algn="ctr"/>
+            <a:endParaRPr lang="en-US"/>
+          </a:p>
+        </p:txBody>
+      </p:sp>
+      <p:sp>
+        <p:nvSpPr>
+          <p:cNvPr id="49" name="TextBox 48">
+            <a:extLst>
+              <a:ext uri="{FF2B5EF4-FFF2-40B4-BE49-F238E27FC236}">
+                <a16:creationId xmlns:a16="http://schemas.microsoft.com/office/drawing/2014/main" id="{40D2DD85-27F9-733F-7BA9-D1A343E6F33D}"/>
+              </a:ext>
+            </a:extLst>
+          </p:cNvPr>
+          <p:cNvSpPr txBox="1"/>
+          <p:nvPr/>
+        </p:nvSpPr>
+        <p:spPr>
+          <a:xfrm>
+            <a:off x="7235574" y="4506957"/>
+            <a:ext cx="1566746" cy="369332"/>
+          </a:xfrm>
+          <a:prstGeom prst="rect">
+            <a:avLst/>
+          </a:prstGeom>
+          <a:noFill/>
+        </p:spPr>
+        <p:txBody>
+          <a:bodyPr wrap="square" rtlCol="0">
+            <a:spAutoFit/>
+          </a:bodyPr>
+          <a:lstStyle/>
+          <a:p>
+            <a:r>
+              <a:rPr lang="en-US" dirty="0"/>
+              <a:t>Pipeline</a:t>
+            </a:r>
+          </a:p>
+        </p:txBody>
+      </p:sp>
+      <p:cxnSp>
+        <p:nvCxnSpPr>
+          <p:cNvPr id="50" name="Straight Arrow Connector 49">
+            <a:extLst>
+              <a:ext uri="{FF2B5EF4-FFF2-40B4-BE49-F238E27FC236}">
+                <a16:creationId xmlns:a16="http://schemas.microsoft.com/office/drawing/2014/main" id="{E2599A9D-EF99-5898-D574-6979834D90C1}"/>
+              </a:ext>
+            </a:extLst>
+          </p:cNvPr>
+          <p:cNvCxnSpPr>
+            <a:cxnSpLocks/>
+            <a:stCxn id="48" idx="1"/>
+            <a:endCxn id="21" idx="3"/>
+          </p:cNvCxnSpPr>
+          <p:nvPr/>
+        </p:nvCxnSpPr>
+        <p:spPr>
+          <a:xfrm flipH="1" flipV="1">
+            <a:off x="5614639" y="1720377"/>
+            <a:ext cx="1172736" cy="3327944"/>
+          </a:xfrm>
+          <a:prstGeom prst="straightConnector1">
+            <a:avLst/>
+          </a:prstGeom>
+          <a:ln w="12700">
+            <a:solidFill>
+              <a:schemeClr val="accent1"/>
+            </a:solidFill>
+            <a:tailEnd type="triangle"/>
+          </a:ln>
+        </p:spPr>
+        <p:style>
+          <a:lnRef idx="1">
+            <a:schemeClr val="accent6"/>
+          </a:lnRef>
+          <a:fillRef idx="0">
+            <a:schemeClr val="accent6"/>
+          </a:fillRef>
+          <a:effectRef idx="0">
+            <a:schemeClr val="accent6"/>
+          </a:effectRef>
+          <a:fontRef idx="minor">
+            <a:schemeClr val="tx1"/>
+          </a:fontRef>
+        </p:style>
+      </p:cxnSp>
+      <p:cxnSp>
+        <p:nvCxnSpPr>
+          <p:cNvPr id="51" name="Straight Arrow Connector 50">
+            <a:extLst>
+              <a:ext uri="{FF2B5EF4-FFF2-40B4-BE49-F238E27FC236}">
+                <a16:creationId xmlns:a16="http://schemas.microsoft.com/office/drawing/2014/main" id="{B45E0750-7CA2-805E-21BA-F3901D71248E}"/>
+              </a:ext>
+            </a:extLst>
+          </p:cNvPr>
+          <p:cNvCxnSpPr>
+            <a:cxnSpLocks/>
+            <a:stCxn id="48" idx="1"/>
+            <a:endCxn id="24" idx="3"/>
+          </p:cNvCxnSpPr>
+          <p:nvPr/>
+        </p:nvCxnSpPr>
+        <p:spPr>
+          <a:xfrm flipH="1" flipV="1">
+            <a:off x="5634154" y="4123591"/>
+            <a:ext cx="1153221" cy="924730"/>
+          </a:xfrm>
+          <a:prstGeom prst="straightConnector1">
+            <a:avLst/>
+          </a:prstGeom>
+          <a:ln w="12700">
+            <a:solidFill>
+              <a:schemeClr val="accent1"/>
+            </a:solidFill>
+            <a:tailEnd type="triangle"/>
+          </a:ln>
+        </p:spPr>
+        <p:style>
+          <a:lnRef idx="1">
+            <a:schemeClr val="accent6"/>
+          </a:lnRef>
+          <a:fillRef idx="0">
+            <a:schemeClr val="accent6"/>
+          </a:fillRef>
+          <a:effectRef idx="0">
+            <a:schemeClr val="accent6"/>
+          </a:effectRef>
+          <a:fontRef idx="minor">
+            <a:schemeClr val="tx1"/>
+          </a:fontRef>
+        </p:style>
+      </p:cxnSp>
+      <p:cxnSp>
+        <p:nvCxnSpPr>
+          <p:cNvPr id="52" name="Straight Arrow Connector 51">
+            <a:extLst>
+              <a:ext uri="{FF2B5EF4-FFF2-40B4-BE49-F238E27FC236}">
+                <a16:creationId xmlns:a16="http://schemas.microsoft.com/office/drawing/2014/main" id="{1FB65F4A-CCFB-E866-D254-10EEB276268E}"/>
+              </a:ext>
+            </a:extLst>
+          </p:cNvPr>
+          <p:cNvCxnSpPr>
+            <a:cxnSpLocks/>
+            <a:stCxn id="48" idx="1"/>
+          </p:cNvCxnSpPr>
+          <p:nvPr/>
+        </p:nvCxnSpPr>
+        <p:spPr>
+          <a:xfrm flipH="1">
+            <a:off x="5646234" y="5048321"/>
+            <a:ext cx="1141141" cy="357004"/>
+          </a:xfrm>
+          <a:prstGeom prst="straightConnector1">
+            <a:avLst/>
+          </a:prstGeom>
+          <a:ln w="12700">
+            <a:solidFill>
+              <a:schemeClr val="accent1"/>
+            </a:solidFill>
+            <a:tailEnd type="triangle"/>
+          </a:ln>
+        </p:spPr>
+        <p:style>
+          <a:lnRef idx="1">
+            <a:schemeClr val="accent6"/>
+          </a:lnRef>
+          <a:fillRef idx="0">
+            <a:schemeClr val="accent6"/>
+          </a:fillRef>
+          <a:effectRef idx="0">
+            <a:schemeClr val="accent6"/>
+          </a:effectRef>
+          <a:fontRef idx="minor">
+            <a:schemeClr val="tx1"/>
+          </a:fontRef>
+        </p:style>
+      </p:cxnSp>
+      <p:sp>
+        <p:nvSpPr>
+          <p:cNvPr id="54" name="Arrow: Bent-Up 53">
+            <a:extLst>
+              <a:ext uri="{FF2B5EF4-FFF2-40B4-BE49-F238E27FC236}">
+                <a16:creationId xmlns:a16="http://schemas.microsoft.com/office/drawing/2014/main" id="{FB7DE5FC-5C8E-4BFF-77A1-330E64B6AE9C}"/>
+              </a:ext>
+            </a:extLst>
+          </p:cNvPr>
+          <p:cNvSpPr/>
+          <p:nvPr/>
+        </p:nvSpPr>
+        <p:spPr>
+          <a:xfrm rot="16200000">
+            <a:off x="5125462" y="3657293"/>
+            <a:ext cx="310723" cy="356419"/>
+          </a:xfrm>
+          <a:prstGeom prst="bentUpArrow">
+            <a:avLst>
+              <a:gd name="adj1" fmla="val 25000"/>
+              <a:gd name="adj2" fmla="val 25000"/>
+              <a:gd name="adj3" fmla="val 35767"/>
+            </a:avLst>
+          </a:prstGeom>
+        </p:spPr>
+        <p:style>
+          <a:lnRef idx="2">
+            <a:schemeClr val="accent1">
+              <a:shade val="50000"/>
+            </a:schemeClr>
+          </a:lnRef>
+          <a:fillRef idx="1">
+            <a:schemeClr val="accent1"/>
+          </a:fillRef>
+          <a:effectRef idx="0">
+            <a:schemeClr val="accent1"/>
+          </a:effectRef>
+          <a:fontRef idx="minor">
+            <a:schemeClr val="lt1"/>
+          </a:fontRef>
+        </p:style>
+        <p:txBody>
+          <a:bodyPr rtlCol="0" anchor="ctr"/>
+          <a:lstStyle/>
+          <a:p>
+            <a:pPr algn="ctr"/>
+            <a:endParaRPr lang="en-US"/>
+          </a:p>
+        </p:txBody>
+      </p:sp>
+      <p:sp>
+        <p:nvSpPr>
+          <p:cNvPr id="55" name="Arrow: Bent-Up 54">
+            <a:extLst>
+              <a:ext uri="{FF2B5EF4-FFF2-40B4-BE49-F238E27FC236}">
+                <a16:creationId xmlns:a16="http://schemas.microsoft.com/office/drawing/2014/main" id="{25A5CF40-38DF-149F-A02A-F1AD7629F9D9}"/>
+              </a:ext>
+            </a:extLst>
+          </p:cNvPr>
+          <p:cNvSpPr/>
+          <p:nvPr/>
+        </p:nvSpPr>
+        <p:spPr>
+          <a:xfrm rot="16200000">
+            <a:off x="5126747" y="4942463"/>
+            <a:ext cx="310723" cy="356419"/>
+          </a:xfrm>
+          <a:prstGeom prst="bentUpArrow">
+            <a:avLst>
+              <a:gd name="adj1" fmla="val 25000"/>
+              <a:gd name="adj2" fmla="val 25000"/>
+              <a:gd name="adj3" fmla="val 35767"/>
+            </a:avLst>
+          </a:prstGeom>
+        </p:spPr>
+        <p:style>
+          <a:lnRef idx="2">
+            <a:schemeClr val="accent1">
+              <a:shade val="50000"/>
+            </a:schemeClr>
+          </a:lnRef>
+          <a:fillRef idx="1">
+            <a:schemeClr val="accent1"/>
+          </a:fillRef>
+          <a:effectRef idx="0">
+            <a:schemeClr val="accent1"/>
+          </a:effectRef>
+          <a:fontRef idx="minor">
+            <a:schemeClr val="lt1"/>
+          </a:fontRef>
+        </p:style>
+        <p:txBody>
+          <a:bodyPr rtlCol="0" anchor="ctr"/>
+          <a:lstStyle/>
+          <a:p>
+            <a:pPr algn="ctr"/>
+            <a:endParaRPr lang="en-US"/>
+          </a:p>
+        </p:txBody>
+      </p:sp>
+      <p:sp>
+        <p:nvSpPr>
+          <p:cNvPr id="59" name="Rectangle 58">
+            <a:extLst>
+              <a:ext uri="{FF2B5EF4-FFF2-40B4-BE49-F238E27FC236}">
+                <a16:creationId xmlns:a16="http://schemas.microsoft.com/office/drawing/2014/main" id="{FC834171-01C6-DEB5-4223-4F01F268BF3B}"/>
+              </a:ext>
+            </a:extLst>
+          </p:cNvPr>
+          <p:cNvSpPr/>
+          <p:nvPr/>
+        </p:nvSpPr>
+        <p:spPr>
+          <a:xfrm>
+            <a:off x="9372854" y="1933220"/>
+            <a:ext cx="1846457" cy="1150131"/>
+          </a:xfrm>
+          <a:prstGeom prst="rect">
+            <a:avLst/>
+          </a:prstGeom>
+          <a:noFill/>
+          <a:ln>
+            <a:solidFill>
+              <a:srgbClr val="00356B"/>
+            </a:solidFill>
+          </a:ln>
+        </p:spPr>
+        <p:style>
+          <a:lnRef idx="2">
+            <a:schemeClr val="accent1">
+              <a:shade val="50000"/>
+            </a:schemeClr>
+          </a:lnRef>
+          <a:fillRef idx="1">
+            <a:schemeClr val="accent1"/>
+          </a:fillRef>
+          <a:effectRef idx="0">
+            <a:schemeClr val="accent1"/>
+          </a:effectRef>
+          <a:fontRef idx="minor">
+            <a:schemeClr val="lt1"/>
+          </a:fontRef>
+        </p:style>
+        <p:txBody>
+          <a:bodyPr rtlCol="0" anchor="ctr"/>
+          <a:lstStyle/>
+          <a:p>
+            <a:pPr algn="ctr"/>
+            <a:endParaRPr lang="en-US"/>
+          </a:p>
+        </p:txBody>
+      </p:sp>
+      <p:sp>
+        <p:nvSpPr>
+          <p:cNvPr id="60" name="Rectangle 59">
+            <a:extLst>
+              <a:ext uri="{FF2B5EF4-FFF2-40B4-BE49-F238E27FC236}">
+                <a16:creationId xmlns:a16="http://schemas.microsoft.com/office/drawing/2014/main" id="{B3F765F6-9A7A-9982-B683-C22E718AF192}"/>
+              </a:ext>
+            </a:extLst>
+          </p:cNvPr>
+          <p:cNvSpPr/>
+          <p:nvPr/>
+        </p:nvSpPr>
+        <p:spPr>
+          <a:xfrm>
+            <a:off x="9372854" y="3295509"/>
+            <a:ext cx="1846457" cy="1058045"/>
+          </a:xfrm>
+          <a:prstGeom prst="rect">
+            <a:avLst/>
+          </a:prstGeom>
+          <a:noFill/>
+          <a:ln>
+            <a:solidFill>
+              <a:srgbClr val="00356B"/>
+            </a:solidFill>
+          </a:ln>
+        </p:spPr>
+        <p:style>
+          <a:lnRef idx="2">
+            <a:schemeClr val="accent1">
+              <a:shade val="50000"/>
+            </a:schemeClr>
+          </a:lnRef>
+          <a:fillRef idx="1">
+            <a:schemeClr val="accent1"/>
+          </a:fillRef>
+          <a:effectRef idx="0">
+            <a:schemeClr val="accent1"/>
+          </a:effectRef>
+          <a:fontRef idx="minor">
+            <a:schemeClr val="lt1"/>
+          </a:fontRef>
+        </p:style>
+        <p:txBody>
+          <a:bodyPr rtlCol="0" anchor="ctr"/>
+          <a:lstStyle/>
+          <a:p>
+            <a:pPr algn="ctr"/>
+            <a:endParaRPr lang="en-US"/>
+          </a:p>
+        </p:txBody>
+      </p:sp>
+      <p:sp>
+        <p:nvSpPr>
+          <p:cNvPr id="61" name="Rectangle 60">
+            <a:extLst>
+              <a:ext uri="{FF2B5EF4-FFF2-40B4-BE49-F238E27FC236}">
+                <a16:creationId xmlns:a16="http://schemas.microsoft.com/office/drawing/2014/main" id="{8491E0D0-D6BB-7390-C4F1-228ABBB1B7D5}"/>
+              </a:ext>
+            </a:extLst>
+          </p:cNvPr>
+          <p:cNvSpPr/>
+          <p:nvPr/>
+        </p:nvSpPr>
+        <p:spPr>
+          <a:xfrm>
+            <a:off x="9372854" y="4551074"/>
+            <a:ext cx="1846457" cy="967601"/>
+          </a:xfrm>
+          <a:prstGeom prst="rect">
+            <a:avLst/>
+          </a:prstGeom>
+          <a:noFill/>
+          <a:ln>
+            <a:solidFill>
+              <a:srgbClr val="00356B"/>
+            </a:solidFill>
+          </a:ln>
+        </p:spPr>
+        <p:style>
+          <a:lnRef idx="2">
+            <a:schemeClr val="accent1">
+              <a:shade val="50000"/>
+            </a:schemeClr>
+          </a:lnRef>
+          <a:fillRef idx="1">
+            <a:schemeClr val="accent1"/>
+          </a:fillRef>
+          <a:effectRef idx="0">
+            <a:schemeClr val="accent1"/>
+          </a:effectRef>
+          <a:fontRef idx="minor">
+            <a:schemeClr val="lt1"/>
+          </a:fontRef>
+        </p:style>
+        <p:txBody>
+          <a:bodyPr rtlCol="0" anchor="ctr"/>
+          <a:lstStyle/>
+          <a:p>
+            <a:pPr algn="ctr"/>
+            <a:endParaRPr lang="en-US"/>
+          </a:p>
+        </p:txBody>
+      </p:sp>
+      <p:sp>
+        <p:nvSpPr>
+          <p:cNvPr id="62" name="TextBox 61">
+            <a:extLst>
+              <a:ext uri="{FF2B5EF4-FFF2-40B4-BE49-F238E27FC236}">
+                <a16:creationId xmlns:a16="http://schemas.microsoft.com/office/drawing/2014/main" id="{C9213868-327C-3213-46C6-C89DBF6075D9}"/>
+              </a:ext>
+            </a:extLst>
+          </p:cNvPr>
+          <p:cNvSpPr txBox="1"/>
+          <p:nvPr/>
+        </p:nvSpPr>
+        <p:spPr>
+          <a:xfrm>
+            <a:off x="10368776" y="3651958"/>
+            <a:ext cx="741556" cy="646331"/>
+          </a:xfrm>
+          <a:prstGeom prst="rect">
+            <a:avLst/>
+          </a:prstGeom>
+          <a:noFill/>
+          <a:ln>
+            <a:solidFill>
+              <a:srgbClr val="00356B"/>
+            </a:solidFill>
+          </a:ln>
+        </p:spPr>
+        <p:txBody>
+          <a:bodyPr wrap="square" rtlCol="0">
+            <a:spAutoFit/>
+          </a:bodyPr>
+          <a:lstStyle/>
+          <a:p>
+            <a:r>
+              <a:rPr lang="en-US" dirty="0"/>
+              <a:t>App Data</a:t>
+            </a:r>
+          </a:p>
+        </p:txBody>
+      </p:sp>
+      <p:sp>
+        <p:nvSpPr>
+          <p:cNvPr id="63" name="TextBox 62">
+            <a:extLst>
+              <a:ext uri="{FF2B5EF4-FFF2-40B4-BE49-F238E27FC236}">
+                <a16:creationId xmlns:a16="http://schemas.microsoft.com/office/drawing/2014/main" id="{B5887CE5-BD0B-2C6C-4D63-92CB77DA0365}"/>
+              </a:ext>
+            </a:extLst>
+          </p:cNvPr>
+          <p:cNvSpPr txBox="1"/>
+          <p:nvPr/>
+        </p:nvSpPr>
+        <p:spPr>
+          <a:xfrm>
+            <a:off x="10448018" y="4843470"/>
+            <a:ext cx="741556" cy="646331"/>
+          </a:xfrm>
+          <a:prstGeom prst="rect">
+            <a:avLst/>
+          </a:prstGeom>
+          <a:noFill/>
+          <a:ln>
+            <a:solidFill>
+              <a:srgbClr val="00356B"/>
+            </a:solidFill>
+          </a:ln>
+        </p:spPr>
+        <p:txBody>
+          <a:bodyPr wrap="square" rtlCol="0">
+            <a:spAutoFit/>
+          </a:bodyPr>
+          <a:lstStyle/>
+          <a:p>
+            <a:r>
+              <a:rPr lang="en-US" dirty="0"/>
+              <a:t>App Data</a:t>
+            </a:r>
+          </a:p>
+        </p:txBody>
+      </p:sp>
+      <p:sp>
+        <p:nvSpPr>
+          <p:cNvPr id="64" name="TextBox 63">
+            <a:extLst>
+              <a:ext uri="{FF2B5EF4-FFF2-40B4-BE49-F238E27FC236}">
+                <a16:creationId xmlns:a16="http://schemas.microsoft.com/office/drawing/2014/main" id="{D2AC2551-1CF4-35BD-87F3-8A55118590DF}"/>
+              </a:ext>
+            </a:extLst>
+          </p:cNvPr>
+          <p:cNvSpPr txBox="1"/>
+          <p:nvPr/>
+        </p:nvSpPr>
+        <p:spPr>
+          <a:xfrm>
+            <a:off x="10416167" y="2361572"/>
+            <a:ext cx="741556" cy="646331"/>
+          </a:xfrm>
+          <a:prstGeom prst="rect">
+            <a:avLst/>
+          </a:prstGeom>
+          <a:noFill/>
+          <a:ln>
+            <a:solidFill>
+              <a:srgbClr val="00356B"/>
+            </a:solidFill>
+          </a:ln>
+        </p:spPr>
+        <p:txBody>
+          <a:bodyPr wrap="square" rtlCol="0">
+            <a:spAutoFit/>
+          </a:bodyPr>
+          <a:lstStyle/>
+          <a:p>
+            <a:r>
+              <a:rPr lang="en-US" dirty="0"/>
+              <a:t>App Data</a:t>
+            </a:r>
+          </a:p>
+        </p:txBody>
+      </p:sp>
+      <p:cxnSp>
+        <p:nvCxnSpPr>
+          <p:cNvPr id="65" name="Straight Arrow Connector 64">
+            <a:extLst>
+              <a:ext uri="{FF2B5EF4-FFF2-40B4-BE49-F238E27FC236}">
+                <a16:creationId xmlns:a16="http://schemas.microsoft.com/office/drawing/2014/main" id="{C8CFEA12-98D0-918F-CA17-91F79751AD33}"/>
+              </a:ext>
+            </a:extLst>
+          </p:cNvPr>
+          <p:cNvCxnSpPr>
+            <a:cxnSpLocks/>
+            <a:endCxn id="59" idx="1"/>
+          </p:cNvCxnSpPr>
+          <p:nvPr/>
+        </p:nvCxnSpPr>
+        <p:spPr>
+          <a:xfrm flipV="1">
+            <a:off x="8653346" y="2508286"/>
+            <a:ext cx="719508" cy="760707"/>
+          </a:xfrm>
+          <a:prstGeom prst="straightConnector1">
+            <a:avLst/>
+          </a:prstGeom>
+          <a:ln>
+            <a:solidFill>
+              <a:srgbClr val="FF0000"/>
+            </a:solidFill>
+            <a:tailEnd type="triangle"/>
+          </a:ln>
+        </p:spPr>
+        <p:style>
+          <a:lnRef idx="2">
+            <a:schemeClr val="accent2"/>
+          </a:lnRef>
+          <a:fillRef idx="0">
+            <a:schemeClr val="accent2"/>
+          </a:fillRef>
+          <a:effectRef idx="1">
+            <a:schemeClr val="accent2"/>
+          </a:effectRef>
+          <a:fontRef idx="minor">
+            <a:schemeClr val="tx1"/>
+          </a:fontRef>
+        </p:style>
+      </p:cxnSp>
+      <p:cxnSp>
+        <p:nvCxnSpPr>
+          <p:cNvPr id="66" name="Straight Arrow Connector 65">
+            <a:extLst>
+              <a:ext uri="{FF2B5EF4-FFF2-40B4-BE49-F238E27FC236}">
+                <a16:creationId xmlns:a16="http://schemas.microsoft.com/office/drawing/2014/main" id="{C8EEF702-E88A-BA7A-E441-C77C635B9483}"/>
+              </a:ext>
+            </a:extLst>
+          </p:cNvPr>
+          <p:cNvCxnSpPr>
+            <a:cxnSpLocks/>
+            <a:endCxn id="60" idx="1"/>
+          </p:cNvCxnSpPr>
+          <p:nvPr/>
+        </p:nvCxnSpPr>
+        <p:spPr>
+          <a:xfrm>
+            <a:off x="8653346" y="3567151"/>
+            <a:ext cx="719508" cy="257381"/>
+          </a:xfrm>
+          <a:prstGeom prst="straightConnector1">
+            <a:avLst/>
+          </a:prstGeom>
+          <a:ln w="12700">
+            <a:solidFill>
+              <a:schemeClr val="accent4"/>
+            </a:solidFill>
+            <a:tailEnd type="triangle"/>
+          </a:ln>
+        </p:spPr>
+        <p:style>
+          <a:lnRef idx="1">
+            <a:schemeClr val="accent2"/>
+          </a:lnRef>
+          <a:fillRef idx="0">
+            <a:schemeClr val="accent2"/>
+          </a:fillRef>
+          <a:effectRef idx="0">
+            <a:schemeClr val="accent2"/>
+          </a:effectRef>
+          <a:fontRef idx="minor">
+            <a:schemeClr val="tx1"/>
+          </a:fontRef>
+        </p:style>
+      </p:cxnSp>
+      <p:cxnSp>
+        <p:nvCxnSpPr>
+          <p:cNvPr id="67" name="Straight Arrow Connector 66">
+            <a:extLst>
+              <a:ext uri="{FF2B5EF4-FFF2-40B4-BE49-F238E27FC236}">
+                <a16:creationId xmlns:a16="http://schemas.microsoft.com/office/drawing/2014/main" id="{66E27B60-20F3-9B28-4B87-DC4B0CBBB7C5}"/>
+              </a:ext>
+            </a:extLst>
+          </p:cNvPr>
+          <p:cNvCxnSpPr>
+            <a:cxnSpLocks/>
+            <a:endCxn id="61" idx="1"/>
+          </p:cNvCxnSpPr>
+          <p:nvPr/>
+        </p:nvCxnSpPr>
+        <p:spPr>
+          <a:xfrm>
+            <a:off x="8653346" y="3844059"/>
+            <a:ext cx="719508" cy="1190816"/>
+          </a:xfrm>
+          <a:prstGeom prst="straightConnector1">
+            <a:avLst/>
+          </a:prstGeom>
+          <a:ln w="12700">
+            <a:solidFill>
+              <a:schemeClr val="accent6"/>
+            </a:solidFill>
+            <a:tailEnd type="triangle"/>
+          </a:ln>
+        </p:spPr>
+        <p:style>
+          <a:lnRef idx="1">
+            <a:schemeClr val="accent1"/>
+          </a:lnRef>
+          <a:fillRef idx="0">
+            <a:schemeClr val="accent1"/>
+          </a:fillRef>
+          <a:effectRef idx="0">
+            <a:schemeClr val="accent1"/>
+          </a:effectRef>
+          <a:fontRef idx="minor">
+            <a:schemeClr val="tx1"/>
+          </a:fontRef>
+        </p:style>
+      </p:cxnSp>
+      <p:sp>
+        <p:nvSpPr>
+          <p:cNvPr id="68" name="TextBox 67">
+            <a:extLst>
+              <a:ext uri="{FF2B5EF4-FFF2-40B4-BE49-F238E27FC236}">
+                <a16:creationId xmlns:a16="http://schemas.microsoft.com/office/drawing/2014/main" id="{9B5D6365-7FC3-42B0-78DD-011594AB6AB6}"/>
+              </a:ext>
+            </a:extLst>
+          </p:cNvPr>
+          <p:cNvSpPr txBox="1"/>
+          <p:nvPr/>
+        </p:nvSpPr>
+        <p:spPr>
+          <a:xfrm>
+            <a:off x="9703590" y="1972828"/>
+            <a:ext cx="1330371" cy="369332"/>
+          </a:xfrm>
+          <a:prstGeom prst="rect">
+            <a:avLst/>
+          </a:prstGeom>
+          <a:noFill/>
+        </p:spPr>
+        <p:txBody>
+          <a:bodyPr wrap="square" rtlCol="0">
+            <a:spAutoFit/>
+          </a:bodyPr>
+          <a:lstStyle/>
+          <a:p>
+            <a:r>
+              <a:rPr lang="en-US" dirty="0"/>
+              <a:t>exRNA App</a:t>
+            </a:r>
+          </a:p>
+        </p:txBody>
+      </p:sp>
+      <p:sp>
+        <p:nvSpPr>
+          <p:cNvPr id="69" name="TextBox 68">
+            <a:extLst>
+              <a:ext uri="{FF2B5EF4-FFF2-40B4-BE49-F238E27FC236}">
+                <a16:creationId xmlns:a16="http://schemas.microsoft.com/office/drawing/2014/main" id="{6A87D069-ECE2-DCA3-3913-FE920E2FED3B}"/>
+              </a:ext>
+            </a:extLst>
+          </p:cNvPr>
+          <p:cNvSpPr txBox="1"/>
+          <p:nvPr/>
+        </p:nvSpPr>
+        <p:spPr>
+          <a:xfrm>
+            <a:off x="9626453" y="3311442"/>
+            <a:ext cx="1634455" cy="369332"/>
+          </a:xfrm>
+          <a:prstGeom prst="rect">
+            <a:avLst/>
+          </a:prstGeom>
+          <a:noFill/>
+        </p:spPr>
+        <p:txBody>
+          <a:bodyPr wrap="square" rtlCol="0">
+            <a:spAutoFit/>
+          </a:bodyPr>
+          <a:lstStyle/>
+          <a:p>
+            <a:r>
+              <a:rPr lang="en-US" dirty="0"/>
+              <a:t>EN-</a:t>
+            </a:r>
+            <a:r>
+              <a:rPr lang="en-US" dirty="0" err="1"/>
+              <a:t>TEx</a:t>
+            </a:r>
+            <a:r>
+              <a:rPr lang="en-US" dirty="0"/>
+              <a:t> App</a:t>
+            </a:r>
+          </a:p>
+        </p:txBody>
+      </p:sp>
+      <p:sp>
+        <p:nvSpPr>
+          <p:cNvPr id="70" name="TextBox 69">
+            <a:extLst>
+              <a:ext uri="{FF2B5EF4-FFF2-40B4-BE49-F238E27FC236}">
+                <a16:creationId xmlns:a16="http://schemas.microsoft.com/office/drawing/2014/main" id="{20F763DD-5837-598A-615D-6CF751E1DD5E}"/>
+              </a:ext>
+            </a:extLst>
+          </p:cNvPr>
+          <p:cNvSpPr txBox="1"/>
+          <p:nvPr/>
+        </p:nvSpPr>
+        <p:spPr>
+          <a:xfrm>
+            <a:off x="9679222" y="4521761"/>
+            <a:ext cx="1566746" cy="369332"/>
+          </a:xfrm>
+          <a:prstGeom prst="rect">
+            <a:avLst/>
+          </a:prstGeom>
+          <a:noFill/>
+        </p:spPr>
+        <p:txBody>
+          <a:bodyPr wrap="square" rtlCol="0">
+            <a:spAutoFit/>
+          </a:bodyPr>
+          <a:lstStyle/>
+          <a:p>
+            <a:r>
+              <a:rPr lang="en-US" dirty="0"/>
+              <a:t>MNIST App</a:t>
+            </a:r>
+          </a:p>
+        </p:txBody>
+      </p:sp>
+      <p:sp>
+        <p:nvSpPr>
+          <p:cNvPr id="71" name="TextBox 70">
+            <a:extLst>
+              <a:ext uri="{FF2B5EF4-FFF2-40B4-BE49-F238E27FC236}">
+                <a16:creationId xmlns:a16="http://schemas.microsoft.com/office/drawing/2014/main" id="{571CA803-1BB6-C640-D5D4-CE19B4825D57}"/>
+              </a:ext>
+            </a:extLst>
+          </p:cNvPr>
+          <p:cNvSpPr txBox="1"/>
+          <p:nvPr/>
+        </p:nvSpPr>
+        <p:spPr>
+          <a:xfrm>
+            <a:off x="6519747" y="1929025"/>
+            <a:ext cx="1566746" cy="369332"/>
+          </a:xfrm>
+          <a:prstGeom prst="rect">
+            <a:avLst/>
+          </a:prstGeom>
+          <a:noFill/>
+        </p:spPr>
+        <p:txBody>
+          <a:bodyPr wrap="square" rtlCol="0">
+            <a:spAutoFit/>
+          </a:bodyPr>
+          <a:lstStyle/>
+          <a:p>
+            <a:r>
+              <a:rPr lang="en-US" dirty="0"/>
+              <a:t>Repo</a:t>
+            </a:r>
+          </a:p>
+        </p:txBody>
+      </p:sp>
+      <p:sp>
+        <p:nvSpPr>
+          <p:cNvPr id="73" name="TextBox 72">
+            <a:extLst>
+              <a:ext uri="{FF2B5EF4-FFF2-40B4-BE49-F238E27FC236}">
+                <a16:creationId xmlns:a16="http://schemas.microsoft.com/office/drawing/2014/main" id="{6F21C834-9E45-4D2C-58F2-5D9F94D43465}"/>
+              </a:ext>
+            </a:extLst>
+          </p:cNvPr>
+          <p:cNvSpPr txBox="1"/>
+          <p:nvPr/>
+        </p:nvSpPr>
+        <p:spPr>
+          <a:xfrm>
+            <a:off x="3260802" y="2215728"/>
+            <a:ext cx="1282429" cy="369332"/>
+          </a:xfrm>
+          <a:prstGeom prst="rect">
+            <a:avLst/>
+          </a:prstGeom>
+          <a:noFill/>
+          <a:ln>
+            <a:solidFill>
+              <a:srgbClr val="00356B"/>
+            </a:solidFill>
+          </a:ln>
+        </p:spPr>
+        <p:txBody>
+          <a:bodyPr wrap="square" rtlCol="0">
+            <a:spAutoFit/>
+          </a:bodyPr>
+          <a:lstStyle/>
+          <a:p>
+            <a:r>
+              <a:rPr lang="en-US" dirty="0"/>
+              <a:t>Interpreter</a:t>
+            </a:r>
+          </a:p>
+        </p:txBody>
+      </p:sp>
+      <p:sp>
+        <p:nvSpPr>
+          <p:cNvPr id="75" name="TextBox 74">
+            <a:extLst>
+              <a:ext uri="{FF2B5EF4-FFF2-40B4-BE49-F238E27FC236}">
+                <a16:creationId xmlns:a16="http://schemas.microsoft.com/office/drawing/2014/main" id="{8103713A-369D-CF8C-7D19-977A81A0D7A3}"/>
+              </a:ext>
+            </a:extLst>
+          </p:cNvPr>
+          <p:cNvSpPr txBox="1"/>
+          <p:nvPr/>
+        </p:nvSpPr>
+        <p:spPr>
+          <a:xfrm>
+            <a:off x="7176739" y="3234880"/>
+            <a:ext cx="1172736" cy="369332"/>
+          </a:xfrm>
+          <a:prstGeom prst="rect">
+            <a:avLst/>
+          </a:prstGeom>
+          <a:noFill/>
+          <a:ln>
+            <a:solidFill>
+              <a:srgbClr val="00356B"/>
+            </a:solidFill>
+          </a:ln>
+        </p:spPr>
+        <p:txBody>
+          <a:bodyPr wrap="square" rtlCol="0">
+            <a:spAutoFit/>
+          </a:bodyPr>
+          <a:lstStyle/>
+          <a:p>
+            <a:r>
+              <a:rPr lang="en-US" dirty="0"/>
+              <a:t>App Code</a:t>
+            </a:r>
+          </a:p>
+        </p:txBody>
+      </p:sp>
+      <p:sp>
+        <p:nvSpPr>
+          <p:cNvPr id="76" name="TextBox 75">
+            <a:extLst>
+              <a:ext uri="{FF2B5EF4-FFF2-40B4-BE49-F238E27FC236}">
+                <a16:creationId xmlns:a16="http://schemas.microsoft.com/office/drawing/2014/main" id="{5446D506-334D-8A73-4E9C-D737B0F8C64C}"/>
+              </a:ext>
+            </a:extLst>
+          </p:cNvPr>
+          <p:cNvSpPr txBox="1"/>
+          <p:nvPr/>
+        </p:nvSpPr>
+        <p:spPr>
+          <a:xfrm>
+            <a:off x="9454716" y="2361572"/>
+            <a:ext cx="741556" cy="646331"/>
+          </a:xfrm>
+          <a:prstGeom prst="rect">
+            <a:avLst/>
+          </a:prstGeom>
+          <a:noFill/>
+          <a:ln>
+            <a:solidFill>
+              <a:srgbClr val="00356B"/>
+            </a:solidFill>
+          </a:ln>
+        </p:spPr>
+        <p:txBody>
+          <a:bodyPr wrap="square" rtlCol="0">
+            <a:spAutoFit/>
+          </a:bodyPr>
+          <a:lstStyle/>
+          <a:p>
+            <a:r>
+              <a:rPr lang="en-US" dirty="0"/>
+              <a:t>App</a:t>
+            </a:r>
+          </a:p>
+          <a:p>
+            <a:r>
+              <a:rPr lang="en-US" dirty="0"/>
+              <a:t>Code</a:t>
+            </a:r>
+          </a:p>
+        </p:txBody>
+      </p:sp>
+      <p:sp>
+        <p:nvSpPr>
+          <p:cNvPr id="77" name="TextBox 76">
+            <a:extLst>
+              <a:ext uri="{FF2B5EF4-FFF2-40B4-BE49-F238E27FC236}">
+                <a16:creationId xmlns:a16="http://schemas.microsoft.com/office/drawing/2014/main" id="{EB6BD61A-28DD-6F20-7311-5D0D762AF167}"/>
+              </a:ext>
+            </a:extLst>
+          </p:cNvPr>
+          <p:cNvSpPr txBox="1"/>
+          <p:nvPr/>
+        </p:nvSpPr>
+        <p:spPr>
+          <a:xfrm>
+            <a:off x="9447599" y="3662659"/>
+            <a:ext cx="741556" cy="646331"/>
+          </a:xfrm>
+          <a:prstGeom prst="rect">
+            <a:avLst/>
+          </a:prstGeom>
+          <a:noFill/>
+          <a:ln>
+            <a:solidFill>
+              <a:srgbClr val="00356B"/>
+            </a:solidFill>
+          </a:ln>
+        </p:spPr>
+        <p:txBody>
+          <a:bodyPr wrap="square" rtlCol="0">
+            <a:spAutoFit/>
+          </a:bodyPr>
+          <a:lstStyle/>
+          <a:p>
+            <a:r>
+              <a:rPr lang="en-US" dirty="0"/>
+              <a:t>App</a:t>
+            </a:r>
+          </a:p>
+          <a:p>
+            <a:r>
+              <a:rPr lang="en-US" dirty="0"/>
+              <a:t>Code</a:t>
+            </a:r>
+          </a:p>
+        </p:txBody>
+      </p:sp>
+      <p:sp>
+        <p:nvSpPr>
+          <p:cNvPr id="78" name="TextBox 77">
+            <a:extLst>
+              <a:ext uri="{FF2B5EF4-FFF2-40B4-BE49-F238E27FC236}">
+                <a16:creationId xmlns:a16="http://schemas.microsoft.com/office/drawing/2014/main" id="{0CC260E6-771C-E00D-3A5F-A72631EEE69D}"/>
+              </a:ext>
+            </a:extLst>
+          </p:cNvPr>
+          <p:cNvSpPr txBox="1"/>
+          <p:nvPr/>
+        </p:nvSpPr>
+        <p:spPr>
+          <a:xfrm>
+            <a:off x="9439470" y="4836039"/>
+            <a:ext cx="741556" cy="646331"/>
+          </a:xfrm>
+          <a:prstGeom prst="rect">
+            <a:avLst/>
+          </a:prstGeom>
+          <a:noFill/>
+          <a:ln>
+            <a:solidFill>
+              <a:srgbClr val="00356B"/>
+            </a:solidFill>
+          </a:ln>
+        </p:spPr>
+        <p:txBody>
+          <a:bodyPr wrap="square" rtlCol="0">
+            <a:spAutoFit/>
+          </a:bodyPr>
+          <a:lstStyle/>
+          <a:p>
+            <a:r>
+              <a:rPr lang="en-US" dirty="0"/>
+              <a:t>App</a:t>
+            </a:r>
+          </a:p>
+          <a:p>
+            <a:r>
+              <a:rPr lang="en-US" dirty="0"/>
+              <a:t>Code</a:t>
+            </a:r>
+          </a:p>
+        </p:txBody>
+      </p:sp>
+      <p:sp>
+        <p:nvSpPr>
+          <p:cNvPr id="79" name="TextBox 78">
+            <a:extLst>
+              <a:ext uri="{FF2B5EF4-FFF2-40B4-BE49-F238E27FC236}">
+                <a16:creationId xmlns:a16="http://schemas.microsoft.com/office/drawing/2014/main" id="{4AA568D0-B64E-8383-7231-C21481EADBB2}"/>
+              </a:ext>
+            </a:extLst>
+          </p:cNvPr>
+          <p:cNvSpPr txBox="1"/>
+          <p:nvPr/>
+        </p:nvSpPr>
+        <p:spPr>
+          <a:xfrm>
+            <a:off x="6851897" y="4891093"/>
+            <a:ext cx="1715429" cy="646331"/>
+          </a:xfrm>
+          <a:prstGeom prst="rect">
+            <a:avLst/>
+          </a:prstGeom>
+          <a:noFill/>
+          <a:ln>
+            <a:solidFill>
+              <a:srgbClr val="00356B"/>
+            </a:solidFill>
+          </a:ln>
+        </p:spPr>
+        <p:txBody>
+          <a:bodyPr wrap="square" rtlCol="0">
+            <a:spAutoFit/>
+          </a:bodyPr>
+          <a:lstStyle/>
+          <a:p>
+            <a:r>
+              <a:rPr lang="en-US" dirty="0"/>
+              <a:t>Pipeline Code (R, Python, C++)</a:t>
+            </a:r>
+          </a:p>
+        </p:txBody>
+      </p:sp>
+      <p:sp>
+        <p:nvSpPr>
+          <p:cNvPr id="82" name="TextBox 81">
+            <a:extLst>
+              <a:ext uri="{FF2B5EF4-FFF2-40B4-BE49-F238E27FC236}">
+                <a16:creationId xmlns:a16="http://schemas.microsoft.com/office/drawing/2014/main" id="{F60B4A50-139B-A81E-7782-660180B7D0C2}"/>
+              </a:ext>
+            </a:extLst>
+          </p:cNvPr>
+          <p:cNvSpPr txBox="1"/>
+          <p:nvPr/>
+        </p:nvSpPr>
+        <p:spPr>
+          <a:xfrm>
+            <a:off x="4428980" y="2642196"/>
+            <a:ext cx="1525771" cy="369332"/>
+          </a:xfrm>
+          <a:prstGeom prst="rect">
+            <a:avLst/>
+          </a:prstGeom>
+          <a:noFill/>
+          <a:ln>
+            <a:solidFill>
+              <a:srgbClr val="00356B"/>
+            </a:solidFill>
+          </a:ln>
+        </p:spPr>
+        <p:txBody>
+          <a:bodyPr wrap="square" rtlCol="0">
+            <a:spAutoFit/>
+          </a:bodyPr>
+          <a:lstStyle/>
+          <a:p>
+            <a:r>
+              <a:rPr lang="en-US" dirty="0"/>
+              <a:t>App Data 2, …</a:t>
+            </a:r>
+          </a:p>
+        </p:txBody>
+      </p:sp>
+      <p:sp>
+        <p:nvSpPr>
+          <p:cNvPr id="4" name="TextBox 3">
+            <a:extLst>
+              <a:ext uri="{FF2B5EF4-FFF2-40B4-BE49-F238E27FC236}">
+                <a16:creationId xmlns:a16="http://schemas.microsoft.com/office/drawing/2014/main" id="{36DDD582-B9AE-3DCD-5D8E-3B38DDB1CDD0}"/>
+              </a:ext>
+            </a:extLst>
+          </p:cNvPr>
+          <p:cNvSpPr txBox="1"/>
+          <p:nvPr/>
+        </p:nvSpPr>
+        <p:spPr>
+          <a:xfrm>
+            <a:off x="3257783" y="2642196"/>
+            <a:ext cx="1089336" cy="369332"/>
+          </a:xfrm>
+          <a:prstGeom prst="rect">
+            <a:avLst/>
+          </a:prstGeom>
+          <a:noFill/>
+          <a:ln>
+            <a:solidFill>
+              <a:srgbClr val="00356B"/>
+            </a:solidFill>
+          </a:ln>
+        </p:spPr>
+        <p:txBody>
+          <a:bodyPr wrap="square" rtlCol="0">
+            <a:spAutoFit/>
+          </a:bodyPr>
+          <a:lstStyle/>
+          <a:p>
+            <a:r>
+              <a:rPr lang="en-US" dirty="0"/>
+              <a:t>App Code</a:t>
+            </a:r>
+          </a:p>
+        </p:txBody>
+      </p:sp>
+      <p:sp>
+        <p:nvSpPr>
+          <p:cNvPr id="5" name="TextBox 4">
+            <a:extLst>
+              <a:ext uri="{FF2B5EF4-FFF2-40B4-BE49-F238E27FC236}">
+                <a16:creationId xmlns:a16="http://schemas.microsoft.com/office/drawing/2014/main" id="{70239125-A535-486B-1238-9654A77FDE20}"/>
+              </a:ext>
+            </a:extLst>
+          </p:cNvPr>
+          <p:cNvSpPr txBox="1"/>
+          <p:nvPr/>
+        </p:nvSpPr>
+        <p:spPr>
+          <a:xfrm>
+            <a:off x="7117436" y="2659237"/>
+            <a:ext cx="1299582" cy="369332"/>
+          </a:xfrm>
+          <a:prstGeom prst="rect">
+            <a:avLst/>
+          </a:prstGeom>
+          <a:noFill/>
+          <a:ln>
+            <a:solidFill>
+              <a:srgbClr val="00356B"/>
+            </a:solidFill>
+          </a:ln>
+        </p:spPr>
+        <p:txBody>
+          <a:bodyPr wrap="square" rtlCol="0">
+            <a:spAutoFit/>
+          </a:bodyPr>
+          <a:lstStyle/>
+          <a:p>
+            <a:r>
+              <a:rPr lang="en-US" dirty="0"/>
+              <a:t>Interpreter</a:t>
+            </a:r>
+          </a:p>
+        </p:txBody>
+      </p:sp>
+    </p:spTree>
+    <p:extLst>
+      <p:ext uri="{BB962C8B-B14F-4D97-AF65-F5344CB8AC3E}">
+        <p14:creationId xmlns:p14="http://schemas.microsoft.com/office/powerpoint/2010/main" val="2177922681"/>
+      </p:ext>
+    </p:extLst>
+  </p:cSld>
+  <p:clrMapOvr>
+    <a:masterClrMapping/>
+  </p:clrMapOvr>
+</p:sld>
+</file>
+
+<file path=ppt/slides/slide7.xml><?xml version="1.0" encoding="utf-8"?>
+<p:sld xmlns:a="http://schemas.openxmlformats.org/drawingml/2006/main" xmlns:r="http://schemas.openxmlformats.org/officeDocument/2006/relationships" xmlns:p="http://schemas.openxmlformats.org/presentationml/2006/main">
+  <p:cSld>
+    <p:spTree>
+      <p:nvGrpSpPr>
+        <p:cNvPr id="1" name=""/>
+        <p:cNvGrpSpPr/>
+        <p:nvPr/>
+      </p:nvGrpSpPr>
+      <p:grpSpPr>
+        <a:xfrm>
+          <a:off x="0" y="0"/>
+          <a:ext cx="0" cy="0"/>
+          <a:chOff x="0" y="0"/>
+          <a:chExt cx="0" cy="0"/>
+        </a:xfrm>
+      </p:grpSpPr>
+      <p:sp>
+        <p:nvSpPr>
+          <p:cNvPr id="2" name="Title 1">
+            <a:extLst>
+              <a:ext uri="{FF2B5EF4-FFF2-40B4-BE49-F238E27FC236}">
+                <a16:creationId xmlns:a16="http://schemas.microsoft.com/office/drawing/2014/main" id="{C2E6E9D9-6FBB-499C-B1EA-1C4E5E0574CC}"/>
+              </a:ext>
+            </a:extLst>
+          </p:cNvPr>
+          <p:cNvSpPr>
+            <a:spLocks noGrp="1"/>
+          </p:cNvSpPr>
+          <p:nvPr>
+            <p:ph type="title"/>
+          </p:nvPr>
+        </p:nvSpPr>
+        <p:spPr/>
+        <p:txBody>
+          <a:bodyPr/>
+          <a:lstStyle/>
+          <a:p>
+            <a:r>
+              <a:rPr lang="en-US" dirty="0"/>
+              <a:t>New Architecture</a:t>
+            </a:r>
+          </a:p>
+        </p:txBody>
+      </p:sp>
+      <p:sp>
+        <p:nvSpPr>
+          <p:cNvPr id="4" name="Rectangle 3">
+            <a:extLst>
+              <a:ext uri="{FF2B5EF4-FFF2-40B4-BE49-F238E27FC236}">
+                <a16:creationId xmlns:a16="http://schemas.microsoft.com/office/drawing/2014/main" id="{5AE204BC-BEB0-3708-4004-4728BA94D6C8}"/>
+              </a:ext>
+            </a:extLst>
+          </p:cNvPr>
+          <p:cNvSpPr/>
+          <p:nvPr/>
+        </p:nvSpPr>
+        <p:spPr>
+          <a:xfrm>
+            <a:off x="1265664" y="1522140"/>
+            <a:ext cx="2207942" cy="4510669"/>
+          </a:xfrm>
+          <a:prstGeom prst="rect">
+            <a:avLst/>
+          </a:prstGeom>
+          <a:noFill/>
+          <a:ln>
+            <a:solidFill>
+              <a:srgbClr val="00356B"/>
+            </a:solidFill>
+          </a:ln>
+        </p:spPr>
+        <p:style>
+          <a:lnRef idx="2">
+            <a:schemeClr val="accent1">
+              <a:shade val="50000"/>
+            </a:schemeClr>
+          </a:lnRef>
+          <a:fillRef idx="1">
+            <a:schemeClr val="accent1"/>
+          </a:fillRef>
+          <a:effectRef idx="0">
+            <a:schemeClr val="accent1"/>
+          </a:effectRef>
+          <a:fontRef idx="minor">
+            <a:schemeClr val="lt1"/>
+          </a:fontRef>
+        </p:style>
+        <p:txBody>
+          <a:bodyPr rtlCol="0" anchor="ctr"/>
+          <a:lstStyle/>
+          <a:p>
+            <a:pPr algn="ctr"/>
+            <a:endParaRPr lang="en-US"/>
+          </a:p>
+        </p:txBody>
+      </p:sp>
+      <p:sp>
+        <p:nvSpPr>
+          <p:cNvPr id="6" name="Rectangle 5">
+            <a:extLst>
+              <a:ext uri="{FF2B5EF4-FFF2-40B4-BE49-F238E27FC236}">
+                <a16:creationId xmlns:a16="http://schemas.microsoft.com/office/drawing/2014/main" id="{16059421-68AA-4409-2A1E-D2B3158AC00D}"/>
+              </a:ext>
+            </a:extLst>
+          </p:cNvPr>
+          <p:cNvSpPr/>
+          <p:nvPr/>
+        </p:nvSpPr>
+        <p:spPr>
+          <a:xfrm>
+            <a:off x="1436649" y="2023304"/>
+            <a:ext cx="1865971" cy="1120353"/>
+          </a:xfrm>
+          <a:prstGeom prst="rect">
+            <a:avLst/>
+          </a:prstGeom>
+          <a:noFill/>
+          <a:ln>
+            <a:solidFill>
+              <a:srgbClr val="00356B"/>
+            </a:solidFill>
+          </a:ln>
+        </p:spPr>
+        <p:style>
+          <a:lnRef idx="2">
+            <a:schemeClr val="accent1">
+              <a:shade val="50000"/>
+            </a:schemeClr>
+          </a:lnRef>
+          <a:fillRef idx="1">
+            <a:schemeClr val="accent1"/>
+          </a:fillRef>
+          <a:effectRef idx="0">
+            <a:schemeClr val="accent1"/>
+          </a:effectRef>
+          <a:fontRef idx="minor">
+            <a:schemeClr val="lt1"/>
+          </a:fontRef>
+        </p:style>
+        <p:txBody>
+          <a:bodyPr rtlCol="0" anchor="ctr"/>
+          <a:lstStyle/>
+          <a:p>
+            <a:pPr algn="ctr"/>
+            <a:endParaRPr lang="en-US"/>
+          </a:p>
+        </p:txBody>
+      </p:sp>
+      <p:sp>
+        <p:nvSpPr>
+          <p:cNvPr id="7" name="TextBox 6">
+            <a:extLst>
+              <a:ext uri="{FF2B5EF4-FFF2-40B4-BE49-F238E27FC236}">
+                <a16:creationId xmlns:a16="http://schemas.microsoft.com/office/drawing/2014/main" id="{87876A29-F31E-A1DE-794E-6EDE4E3757F2}"/>
+              </a:ext>
+            </a:extLst>
+          </p:cNvPr>
+          <p:cNvSpPr txBox="1"/>
+          <p:nvPr/>
+        </p:nvSpPr>
+        <p:spPr>
+          <a:xfrm>
+            <a:off x="1332571" y="1598278"/>
+            <a:ext cx="1566746" cy="369332"/>
+          </a:xfrm>
+          <a:prstGeom prst="rect">
+            <a:avLst/>
+          </a:prstGeom>
+          <a:noFill/>
+        </p:spPr>
+        <p:txBody>
+          <a:bodyPr wrap="square" rtlCol="0">
+            <a:spAutoFit/>
+          </a:bodyPr>
+          <a:lstStyle/>
+          <a:p>
+            <a:r>
+              <a:rPr lang="en-US" dirty="0"/>
+              <a:t>AWS S3</a:t>
+            </a:r>
+          </a:p>
+        </p:txBody>
+      </p:sp>
+      <p:sp>
+        <p:nvSpPr>
+          <p:cNvPr id="8" name="TextBox 7">
+            <a:extLst>
+              <a:ext uri="{FF2B5EF4-FFF2-40B4-BE49-F238E27FC236}">
+                <a16:creationId xmlns:a16="http://schemas.microsoft.com/office/drawing/2014/main" id="{3A980B0B-98C4-0E8B-9037-10289286B50B}"/>
+              </a:ext>
+            </a:extLst>
+          </p:cNvPr>
+          <p:cNvSpPr txBox="1"/>
+          <p:nvPr/>
+        </p:nvSpPr>
+        <p:spPr>
+          <a:xfrm>
+            <a:off x="1448730" y="2115560"/>
+            <a:ext cx="1566746" cy="646331"/>
+          </a:xfrm>
+          <a:prstGeom prst="rect">
+            <a:avLst/>
+          </a:prstGeom>
+          <a:noFill/>
+        </p:spPr>
+        <p:txBody>
+          <a:bodyPr wrap="square" rtlCol="0">
+            <a:spAutoFit/>
+          </a:bodyPr>
+          <a:lstStyle/>
+          <a:p>
+            <a:r>
+              <a:rPr lang="en-US" dirty="0"/>
+              <a:t>exRNA Cloud Storage</a:t>
+            </a:r>
+          </a:p>
+        </p:txBody>
+      </p:sp>
+      <p:sp>
+        <p:nvSpPr>
+          <p:cNvPr id="9" name="TextBox 8">
+            <a:extLst>
+              <a:ext uri="{FF2B5EF4-FFF2-40B4-BE49-F238E27FC236}">
+                <a16:creationId xmlns:a16="http://schemas.microsoft.com/office/drawing/2014/main" id="{9F6A5D6C-FE8D-91DB-A2AF-4DBC9895F575}"/>
+              </a:ext>
+            </a:extLst>
+          </p:cNvPr>
+          <p:cNvSpPr txBox="1"/>
+          <p:nvPr/>
+        </p:nvSpPr>
+        <p:spPr>
+          <a:xfrm>
+            <a:off x="1436649" y="3649272"/>
+            <a:ext cx="1566746" cy="646331"/>
+          </a:xfrm>
+          <a:prstGeom prst="rect">
+            <a:avLst/>
+          </a:prstGeom>
+          <a:noFill/>
+        </p:spPr>
+        <p:txBody>
+          <a:bodyPr wrap="square" rtlCol="0">
+            <a:spAutoFit/>
+          </a:bodyPr>
+          <a:lstStyle/>
+          <a:p>
+            <a:r>
+              <a:rPr lang="en-US" dirty="0"/>
+              <a:t>EN-</a:t>
+            </a:r>
+            <a:r>
+              <a:rPr lang="en-US" dirty="0" err="1"/>
+              <a:t>TEx</a:t>
+            </a:r>
+            <a:r>
+              <a:rPr lang="en-US" dirty="0"/>
+              <a:t> Cloud Storage</a:t>
+            </a:r>
+          </a:p>
+        </p:txBody>
+      </p:sp>
+      <p:sp>
+        <p:nvSpPr>
+          <p:cNvPr id="10" name="Rectangle 9">
+            <a:extLst>
+              <a:ext uri="{FF2B5EF4-FFF2-40B4-BE49-F238E27FC236}">
+                <a16:creationId xmlns:a16="http://schemas.microsoft.com/office/drawing/2014/main" id="{07D85C69-EECD-A341-F1D3-A5BF01DA4E65}"/>
+              </a:ext>
+            </a:extLst>
+          </p:cNvPr>
+          <p:cNvSpPr/>
+          <p:nvPr/>
+        </p:nvSpPr>
+        <p:spPr>
+          <a:xfrm>
+            <a:off x="1413418" y="3545766"/>
+            <a:ext cx="1865971" cy="1119189"/>
+          </a:xfrm>
+          <a:prstGeom prst="rect">
+            <a:avLst/>
+          </a:prstGeom>
+          <a:noFill/>
+          <a:ln>
+            <a:solidFill>
+              <a:srgbClr val="00356B"/>
+            </a:solidFill>
+          </a:ln>
+        </p:spPr>
+        <p:style>
+          <a:lnRef idx="2">
+            <a:schemeClr val="accent1">
+              <a:shade val="50000"/>
+            </a:schemeClr>
+          </a:lnRef>
+          <a:fillRef idx="1">
+            <a:schemeClr val="accent1"/>
+          </a:fillRef>
+          <a:effectRef idx="0">
+            <a:schemeClr val="accent1"/>
+          </a:effectRef>
+          <a:fontRef idx="minor">
+            <a:schemeClr val="lt1"/>
+          </a:fontRef>
+        </p:style>
+        <p:txBody>
+          <a:bodyPr rtlCol="0" anchor="ctr"/>
+          <a:lstStyle/>
+          <a:p>
+            <a:pPr algn="ctr"/>
+            <a:endParaRPr lang="en-US"/>
+          </a:p>
+        </p:txBody>
+      </p:sp>
+      <p:sp>
+        <p:nvSpPr>
+          <p:cNvPr id="11" name="Rectangle 10">
+            <a:extLst>
+              <a:ext uri="{FF2B5EF4-FFF2-40B4-BE49-F238E27FC236}">
+                <a16:creationId xmlns:a16="http://schemas.microsoft.com/office/drawing/2014/main" id="{7C5699BC-96A2-198B-70EF-CCD75008AAE9}"/>
+              </a:ext>
+            </a:extLst>
+          </p:cNvPr>
+          <p:cNvSpPr/>
+          <p:nvPr/>
+        </p:nvSpPr>
+        <p:spPr>
+          <a:xfrm>
+            <a:off x="1413417" y="4863961"/>
+            <a:ext cx="1865971" cy="1082729"/>
+          </a:xfrm>
+          <a:prstGeom prst="rect">
+            <a:avLst/>
+          </a:prstGeom>
+          <a:noFill/>
+          <a:ln>
+            <a:solidFill>
+              <a:srgbClr val="00356B"/>
+            </a:solidFill>
+          </a:ln>
+        </p:spPr>
+        <p:style>
+          <a:lnRef idx="2">
+            <a:schemeClr val="accent1">
+              <a:shade val="50000"/>
+            </a:schemeClr>
+          </a:lnRef>
+          <a:fillRef idx="1">
+            <a:schemeClr val="accent1"/>
+          </a:fillRef>
+          <a:effectRef idx="0">
+            <a:schemeClr val="accent1"/>
+          </a:effectRef>
+          <a:fontRef idx="minor">
+            <a:schemeClr val="lt1"/>
+          </a:fontRef>
+        </p:style>
+        <p:txBody>
+          <a:bodyPr rtlCol="0" anchor="ctr"/>
+          <a:lstStyle/>
+          <a:p>
+            <a:pPr algn="ctr"/>
+            <a:endParaRPr lang="en-US"/>
+          </a:p>
+        </p:txBody>
+      </p:sp>
+      <p:sp>
+        <p:nvSpPr>
+          <p:cNvPr id="12" name="TextBox 11">
+            <a:extLst>
+              <a:ext uri="{FF2B5EF4-FFF2-40B4-BE49-F238E27FC236}">
+                <a16:creationId xmlns:a16="http://schemas.microsoft.com/office/drawing/2014/main" id="{0587CCDA-43FD-CDD0-71D4-936FB8DF702B}"/>
+              </a:ext>
+            </a:extLst>
+          </p:cNvPr>
+          <p:cNvSpPr txBox="1"/>
+          <p:nvPr/>
+        </p:nvSpPr>
+        <p:spPr>
+          <a:xfrm>
+            <a:off x="1430610" y="4847265"/>
+            <a:ext cx="1566746" cy="646331"/>
+          </a:xfrm>
+          <a:prstGeom prst="rect">
+            <a:avLst/>
+          </a:prstGeom>
+          <a:noFill/>
+        </p:spPr>
+        <p:txBody>
+          <a:bodyPr wrap="square" rtlCol="0">
+            <a:spAutoFit/>
+          </a:bodyPr>
+          <a:lstStyle/>
+          <a:p>
+            <a:r>
+              <a:rPr lang="en-US" dirty="0"/>
+              <a:t>MNIST Cloud Storage</a:t>
+            </a:r>
+          </a:p>
+        </p:txBody>
+      </p:sp>
+      <p:sp>
+        <p:nvSpPr>
+          <p:cNvPr id="13" name="Rectangle 12">
+            <a:extLst>
+              <a:ext uri="{FF2B5EF4-FFF2-40B4-BE49-F238E27FC236}">
+                <a16:creationId xmlns:a16="http://schemas.microsoft.com/office/drawing/2014/main" id="{BC3A8C5E-80D4-14B8-23FF-3F0AC42DD706}"/>
+              </a:ext>
+            </a:extLst>
+          </p:cNvPr>
+          <p:cNvSpPr/>
+          <p:nvPr/>
+        </p:nvSpPr>
+        <p:spPr>
+          <a:xfrm>
+            <a:off x="3791414" y="2059766"/>
+            <a:ext cx="1823225" cy="1165310"/>
+          </a:xfrm>
+          <a:prstGeom prst="rect">
+            <a:avLst/>
+          </a:prstGeom>
+          <a:noFill/>
+          <a:ln>
+            <a:solidFill>
+              <a:srgbClr val="00356B"/>
+            </a:solidFill>
+          </a:ln>
+        </p:spPr>
+        <p:style>
+          <a:lnRef idx="2">
+            <a:schemeClr val="accent1">
+              <a:shade val="50000"/>
+            </a:schemeClr>
+          </a:lnRef>
+          <a:fillRef idx="1">
+            <a:schemeClr val="accent1"/>
+          </a:fillRef>
+          <a:effectRef idx="0">
+            <a:schemeClr val="accent1"/>
+          </a:effectRef>
+          <a:fontRef idx="minor">
+            <a:schemeClr val="lt1"/>
+          </a:fontRef>
+        </p:style>
+        <p:txBody>
+          <a:bodyPr rtlCol="0" anchor="ctr"/>
+          <a:lstStyle/>
+          <a:p>
+            <a:pPr algn="ctr"/>
+            <a:endParaRPr lang="en-US"/>
+          </a:p>
+        </p:txBody>
+      </p:sp>
+      <p:sp>
+        <p:nvSpPr>
+          <p:cNvPr id="14" name="TextBox 13">
+            <a:extLst>
+              <a:ext uri="{FF2B5EF4-FFF2-40B4-BE49-F238E27FC236}">
+                <a16:creationId xmlns:a16="http://schemas.microsoft.com/office/drawing/2014/main" id="{02217A97-7E01-5488-3262-2085696F69A4}"/>
+              </a:ext>
+            </a:extLst>
+          </p:cNvPr>
+          <p:cNvSpPr txBox="1"/>
+          <p:nvPr/>
+        </p:nvSpPr>
+        <p:spPr>
+          <a:xfrm>
+            <a:off x="3803495" y="2152021"/>
+            <a:ext cx="1566746" cy="646331"/>
+          </a:xfrm>
+          <a:prstGeom prst="rect">
+            <a:avLst/>
+          </a:prstGeom>
+          <a:noFill/>
+        </p:spPr>
+        <p:txBody>
+          <a:bodyPr wrap="square" rtlCol="0">
+            <a:spAutoFit/>
+          </a:bodyPr>
+          <a:lstStyle/>
+          <a:p>
+            <a:r>
+              <a:rPr lang="en-US" dirty="0"/>
+              <a:t>exRNA Local Storage</a:t>
+            </a:r>
+          </a:p>
+        </p:txBody>
+      </p:sp>
+      <p:sp>
+        <p:nvSpPr>
+          <p:cNvPr id="15" name="TextBox 14">
+            <a:extLst>
+              <a:ext uri="{FF2B5EF4-FFF2-40B4-BE49-F238E27FC236}">
+                <a16:creationId xmlns:a16="http://schemas.microsoft.com/office/drawing/2014/main" id="{717D1AF9-DE1F-9DCE-4D61-B8F8A90315A5}"/>
+              </a:ext>
+            </a:extLst>
+          </p:cNvPr>
+          <p:cNvSpPr txBox="1"/>
+          <p:nvPr/>
+        </p:nvSpPr>
+        <p:spPr>
+          <a:xfrm>
+            <a:off x="3791414" y="3685733"/>
+            <a:ext cx="1566746" cy="646331"/>
+          </a:xfrm>
+          <a:prstGeom prst="rect">
+            <a:avLst/>
+          </a:prstGeom>
+          <a:noFill/>
+        </p:spPr>
+        <p:txBody>
+          <a:bodyPr wrap="square" rtlCol="0">
+            <a:spAutoFit/>
+          </a:bodyPr>
+          <a:lstStyle/>
+          <a:p>
+            <a:r>
+              <a:rPr lang="en-US" dirty="0"/>
+              <a:t>EN-</a:t>
+            </a:r>
+            <a:r>
+              <a:rPr lang="en-US" dirty="0" err="1"/>
+              <a:t>TEx</a:t>
+            </a:r>
+            <a:r>
+              <a:rPr lang="en-US" dirty="0"/>
+              <a:t> Local Storage</a:t>
+            </a:r>
+          </a:p>
+        </p:txBody>
+      </p:sp>
+      <p:sp>
+        <p:nvSpPr>
+          <p:cNvPr id="16" name="Rectangle 15">
+            <a:extLst>
+              <a:ext uri="{FF2B5EF4-FFF2-40B4-BE49-F238E27FC236}">
+                <a16:creationId xmlns:a16="http://schemas.microsoft.com/office/drawing/2014/main" id="{442441B6-CBAD-828C-E958-6A8BFE71CB73}"/>
+              </a:ext>
+            </a:extLst>
+          </p:cNvPr>
+          <p:cNvSpPr/>
+          <p:nvPr/>
+        </p:nvSpPr>
+        <p:spPr>
+          <a:xfrm>
+            <a:off x="3768183" y="3582227"/>
+            <a:ext cx="1865971" cy="1082728"/>
+          </a:xfrm>
+          <a:prstGeom prst="rect">
+            <a:avLst/>
+          </a:prstGeom>
+          <a:noFill/>
+          <a:ln>
+            <a:solidFill>
+              <a:srgbClr val="00356B"/>
+            </a:solidFill>
+          </a:ln>
+        </p:spPr>
+        <p:style>
+          <a:lnRef idx="2">
+            <a:schemeClr val="accent1">
+              <a:shade val="50000"/>
+            </a:schemeClr>
+          </a:lnRef>
+          <a:fillRef idx="1">
+            <a:schemeClr val="accent1"/>
+          </a:fillRef>
+          <a:effectRef idx="0">
+            <a:schemeClr val="accent1"/>
+          </a:effectRef>
+          <a:fontRef idx="minor">
+            <a:schemeClr val="lt1"/>
+          </a:fontRef>
+        </p:style>
+        <p:txBody>
+          <a:bodyPr rtlCol="0" anchor="ctr"/>
+          <a:lstStyle/>
+          <a:p>
+            <a:pPr algn="ctr"/>
+            <a:endParaRPr lang="en-US"/>
+          </a:p>
+        </p:txBody>
+      </p:sp>
+      <p:sp>
+        <p:nvSpPr>
+          <p:cNvPr id="17" name="Rectangle 16">
+            <a:extLst>
+              <a:ext uri="{FF2B5EF4-FFF2-40B4-BE49-F238E27FC236}">
+                <a16:creationId xmlns:a16="http://schemas.microsoft.com/office/drawing/2014/main" id="{2DF73CA1-FFC7-AE05-00B8-91E0E6CE401C}"/>
+              </a:ext>
+            </a:extLst>
+          </p:cNvPr>
+          <p:cNvSpPr/>
+          <p:nvPr/>
+        </p:nvSpPr>
+        <p:spPr>
+          <a:xfrm>
+            <a:off x="3768182" y="4863963"/>
+            <a:ext cx="1865971" cy="1082728"/>
+          </a:xfrm>
+          <a:prstGeom prst="rect">
+            <a:avLst/>
+          </a:prstGeom>
+          <a:noFill/>
+          <a:ln>
+            <a:solidFill>
+              <a:srgbClr val="00356B"/>
+            </a:solidFill>
+          </a:ln>
+        </p:spPr>
+        <p:style>
+          <a:lnRef idx="2">
+            <a:schemeClr val="accent1">
+              <a:shade val="50000"/>
+            </a:schemeClr>
+          </a:lnRef>
+          <a:fillRef idx="1">
+            <a:schemeClr val="accent1"/>
+          </a:fillRef>
+          <a:effectRef idx="0">
+            <a:schemeClr val="accent1"/>
+          </a:effectRef>
+          <a:fontRef idx="minor">
+            <a:schemeClr val="lt1"/>
+          </a:fontRef>
+        </p:style>
+        <p:txBody>
+          <a:bodyPr rtlCol="0" anchor="ctr"/>
+          <a:lstStyle/>
+          <a:p>
+            <a:pPr algn="ctr"/>
+            <a:endParaRPr lang="en-US"/>
+          </a:p>
+        </p:txBody>
+      </p:sp>
+      <p:sp>
+        <p:nvSpPr>
+          <p:cNvPr id="18" name="TextBox 17">
+            <a:extLst>
+              <a:ext uri="{FF2B5EF4-FFF2-40B4-BE49-F238E27FC236}">
+                <a16:creationId xmlns:a16="http://schemas.microsoft.com/office/drawing/2014/main" id="{147FB2F4-EC7D-E37C-DAE2-777CBE0F1F03}"/>
+              </a:ext>
+            </a:extLst>
+          </p:cNvPr>
+          <p:cNvSpPr txBox="1"/>
+          <p:nvPr/>
+        </p:nvSpPr>
+        <p:spPr>
+          <a:xfrm>
+            <a:off x="3785375" y="4906024"/>
+            <a:ext cx="1566746" cy="646331"/>
+          </a:xfrm>
+          <a:prstGeom prst="rect">
+            <a:avLst/>
+          </a:prstGeom>
+          <a:noFill/>
+        </p:spPr>
+        <p:txBody>
+          <a:bodyPr wrap="square" rtlCol="0">
+            <a:spAutoFit/>
+          </a:bodyPr>
+          <a:lstStyle/>
+          <a:p>
+            <a:r>
+              <a:rPr lang="en-US" dirty="0"/>
+              <a:t>MNIST Local Storage</a:t>
+            </a:r>
+          </a:p>
+        </p:txBody>
+      </p:sp>
+      <p:sp>
+        <p:nvSpPr>
+          <p:cNvPr id="19" name="Arrow: Curved Up 18">
+            <a:extLst>
+              <a:ext uri="{FF2B5EF4-FFF2-40B4-BE49-F238E27FC236}">
+                <a16:creationId xmlns:a16="http://schemas.microsoft.com/office/drawing/2014/main" id="{F2CA104D-DCE8-ACD5-2CB2-99BE257E0BF1}"/>
+              </a:ext>
+            </a:extLst>
+          </p:cNvPr>
+          <p:cNvSpPr/>
+          <p:nvPr/>
+        </p:nvSpPr>
+        <p:spPr>
+          <a:xfrm>
+            <a:off x="3279387" y="2642839"/>
+            <a:ext cx="524107" cy="204864"/>
+          </a:xfrm>
+          <a:prstGeom prst="curvedUpArrow">
+            <a:avLst/>
+          </a:prstGeom>
+        </p:spPr>
+        <p:style>
+          <a:lnRef idx="2">
+            <a:schemeClr val="accent1">
+              <a:shade val="50000"/>
+            </a:schemeClr>
+          </a:lnRef>
+          <a:fillRef idx="1">
+            <a:schemeClr val="accent1"/>
+          </a:fillRef>
+          <a:effectRef idx="0">
+            <a:schemeClr val="accent1"/>
+          </a:effectRef>
+          <a:fontRef idx="minor">
+            <a:schemeClr val="lt1"/>
+          </a:fontRef>
+        </p:style>
+        <p:txBody>
+          <a:bodyPr rtlCol="0" anchor="ctr"/>
+          <a:lstStyle/>
+          <a:p>
+            <a:pPr algn="ctr"/>
+            <a:endParaRPr lang="en-US">
+              <a:solidFill>
+                <a:schemeClr val="tx1"/>
+              </a:solidFill>
+            </a:endParaRPr>
+          </a:p>
+        </p:txBody>
+      </p:sp>
+      <p:sp>
+        <p:nvSpPr>
+          <p:cNvPr id="21" name="Arrow: Curved Up 20">
+            <a:extLst>
+              <a:ext uri="{FF2B5EF4-FFF2-40B4-BE49-F238E27FC236}">
+                <a16:creationId xmlns:a16="http://schemas.microsoft.com/office/drawing/2014/main" id="{FE7F8B75-17B5-1479-893F-459214757F2B}"/>
+              </a:ext>
+            </a:extLst>
+          </p:cNvPr>
+          <p:cNvSpPr/>
+          <p:nvPr/>
+        </p:nvSpPr>
+        <p:spPr>
+          <a:xfrm rot="10800000">
+            <a:off x="3264519" y="2353636"/>
+            <a:ext cx="520855" cy="204864"/>
+          </a:xfrm>
+          <a:prstGeom prst="curvedUpArrow">
+            <a:avLst/>
+          </a:prstGeom>
+        </p:spPr>
+        <p:style>
+          <a:lnRef idx="2">
+            <a:schemeClr val="accent1">
+              <a:shade val="50000"/>
+            </a:schemeClr>
+          </a:lnRef>
+          <a:fillRef idx="1">
+            <a:schemeClr val="accent1"/>
+          </a:fillRef>
+          <a:effectRef idx="0">
+            <a:schemeClr val="accent1"/>
+          </a:effectRef>
+          <a:fontRef idx="minor">
+            <a:schemeClr val="lt1"/>
+          </a:fontRef>
+        </p:style>
+        <p:txBody>
+          <a:bodyPr rtlCol="0" anchor="ctr"/>
+          <a:lstStyle/>
+          <a:p>
+            <a:pPr algn="ctr"/>
+            <a:endParaRPr lang="en-US">
+              <a:solidFill>
+                <a:schemeClr val="tx1"/>
+              </a:solidFill>
+            </a:endParaRPr>
+          </a:p>
+        </p:txBody>
+      </p:sp>
+      <p:sp>
+        <p:nvSpPr>
+          <p:cNvPr id="22" name="Arrow: Curved Up 21">
+            <a:extLst>
+              <a:ext uri="{FF2B5EF4-FFF2-40B4-BE49-F238E27FC236}">
+                <a16:creationId xmlns:a16="http://schemas.microsoft.com/office/drawing/2014/main" id="{2182BC18-ECCB-AD40-C272-B10AFE255568}"/>
+              </a:ext>
+            </a:extLst>
+          </p:cNvPr>
+          <p:cNvSpPr/>
+          <p:nvPr/>
+        </p:nvSpPr>
+        <p:spPr>
+          <a:xfrm>
+            <a:off x="3264518" y="4001218"/>
+            <a:ext cx="524107" cy="204864"/>
+          </a:xfrm>
+          <a:prstGeom prst="curvedUpArrow">
+            <a:avLst/>
+          </a:prstGeom>
+        </p:spPr>
+        <p:style>
+          <a:lnRef idx="2">
+            <a:schemeClr val="accent1">
+              <a:shade val="50000"/>
+            </a:schemeClr>
+          </a:lnRef>
+          <a:fillRef idx="1">
+            <a:schemeClr val="accent1"/>
+          </a:fillRef>
+          <a:effectRef idx="0">
+            <a:schemeClr val="accent1"/>
+          </a:effectRef>
+          <a:fontRef idx="minor">
+            <a:schemeClr val="lt1"/>
+          </a:fontRef>
+        </p:style>
+        <p:txBody>
+          <a:bodyPr rtlCol="0" anchor="ctr"/>
+          <a:lstStyle/>
+          <a:p>
+            <a:pPr algn="ctr"/>
+            <a:endParaRPr lang="en-US">
+              <a:solidFill>
+                <a:schemeClr val="tx1"/>
+              </a:solidFill>
+            </a:endParaRPr>
+          </a:p>
+        </p:txBody>
+      </p:sp>
+      <p:sp>
+        <p:nvSpPr>
+          <p:cNvPr id="23" name="Arrow: Curved Up 22">
+            <a:extLst>
+              <a:ext uri="{FF2B5EF4-FFF2-40B4-BE49-F238E27FC236}">
+                <a16:creationId xmlns:a16="http://schemas.microsoft.com/office/drawing/2014/main" id="{698B0CCC-BF95-770C-5028-7C096BBEA3DB}"/>
+              </a:ext>
+            </a:extLst>
+          </p:cNvPr>
+          <p:cNvSpPr/>
+          <p:nvPr/>
+        </p:nvSpPr>
+        <p:spPr>
+          <a:xfrm rot="10800000">
+            <a:off x="3249650" y="3712015"/>
+            <a:ext cx="520855" cy="204864"/>
+          </a:xfrm>
+          <a:prstGeom prst="curvedUpArrow">
+            <a:avLst/>
+          </a:prstGeom>
+        </p:spPr>
+        <p:style>
+          <a:lnRef idx="2">
+            <a:schemeClr val="accent1">
+              <a:shade val="50000"/>
+            </a:schemeClr>
+          </a:lnRef>
+          <a:fillRef idx="1">
+            <a:schemeClr val="accent1"/>
+          </a:fillRef>
+          <a:effectRef idx="0">
+            <a:schemeClr val="accent1"/>
+          </a:effectRef>
+          <a:fontRef idx="minor">
+            <a:schemeClr val="lt1"/>
+          </a:fontRef>
+        </p:style>
+        <p:txBody>
+          <a:bodyPr rtlCol="0" anchor="ctr"/>
+          <a:lstStyle/>
+          <a:p>
+            <a:pPr algn="ctr"/>
+            <a:endParaRPr lang="en-US">
+              <a:solidFill>
+                <a:schemeClr val="tx1"/>
+              </a:solidFill>
+            </a:endParaRPr>
+          </a:p>
+        </p:txBody>
+      </p:sp>
+      <p:sp>
+        <p:nvSpPr>
+          <p:cNvPr id="26" name="Arrow: Curved Up 25">
+            <a:extLst>
+              <a:ext uri="{FF2B5EF4-FFF2-40B4-BE49-F238E27FC236}">
+                <a16:creationId xmlns:a16="http://schemas.microsoft.com/office/drawing/2014/main" id="{9CE7EACA-FCD7-6996-8E96-684FCDD53D5E}"/>
+              </a:ext>
+            </a:extLst>
+          </p:cNvPr>
+          <p:cNvSpPr/>
+          <p:nvPr/>
+        </p:nvSpPr>
+        <p:spPr>
+          <a:xfrm>
+            <a:off x="3257783" y="5469928"/>
+            <a:ext cx="524107" cy="204864"/>
+          </a:xfrm>
+          <a:prstGeom prst="curvedUpArrow">
+            <a:avLst/>
+          </a:prstGeom>
+        </p:spPr>
+        <p:style>
+          <a:lnRef idx="2">
+            <a:schemeClr val="accent1">
+              <a:shade val="50000"/>
+            </a:schemeClr>
+          </a:lnRef>
+          <a:fillRef idx="1">
+            <a:schemeClr val="accent1"/>
+          </a:fillRef>
+          <a:effectRef idx="0">
+            <a:schemeClr val="accent1"/>
+          </a:effectRef>
+          <a:fontRef idx="minor">
+            <a:schemeClr val="lt1"/>
+          </a:fontRef>
+        </p:style>
+        <p:txBody>
+          <a:bodyPr rtlCol="0" anchor="ctr"/>
+          <a:lstStyle/>
+          <a:p>
+            <a:pPr algn="ctr"/>
+            <a:endParaRPr lang="en-US">
+              <a:solidFill>
+                <a:schemeClr val="tx1"/>
+              </a:solidFill>
+            </a:endParaRPr>
+          </a:p>
+        </p:txBody>
+      </p:sp>
+      <p:sp>
+        <p:nvSpPr>
+          <p:cNvPr id="27" name="Arrow: Curved Up 26">
+            <a:extLst>
+              <a:ext uri="{FF2B5EF4-FFF2-40B4-BE49-F238E27FC236}">
+                <a16:creationId xmlns:a16="http://schemas.microsoft.com/office/drawing/2014/main" id="{5E8EFF2C-D8C1-F6D7-DCF4-52B32ACD5270}"/>
+              </a:ext>
+            </a:extLst>
+          </p:cNvPr>
+          <p:cNvSpPr/>
+          <p:nvPr/>
+        </p:nvSpPr>
+        <p:spPr>
+          <a:xfrm rot="10800000">
+            <a:off x="3242915" y="5180725"/>
+            <a:ext cx="520855" cy="204864"/>
+          </a:xfrm>
+          <a:prstGeom prst="curvedUpArrow">
+            <a:avLst/>
+          </a:prstGeom>
+        </p:spPr>
+        <p:style>
+          <a:lnRef idx="2">
+            <a:schemeClr val="accent1">
+              <a:shade val="50000"/>
+            </a:schemeClr>
+          </a:lnRef>
+          <a:fillRef idx="1">
+            <a:schemeClr val="accent1"/>
+          </a:fillRef>
+          <a:effectRef idx="0">
+            <a:schemeClr val="accent1"/>
+          </a:effectRef>
+          <a:fontRef idx="minor">
+            <a:schemeClr val="lt1"/>
+          </a:fontRef>
+        </p:style>
+        <p:txBody>
+          <a:bodyPr rtlCol="0" anchor="ctr"/>
+          <a:lstStyle/>
+          <a:p>
+            <a:pPr algn="ctr"/>
+            <a:endParaRPr lang="en-US">
+              <a:solidFill>
+                <a:schemeClr val="tx1"/>
+              </a:solidFill>
+            </a:endParaRPr>
+          </a:p>
+        </p:txBody>
+      </p:sp>
+      <p:sp>
+        <p:nvSpPr>
+          <p:cNvPr id="28" name="Rectangle 27">
+            <a:extLst>
+              <a:ext uri="{FF2B5EF4-FFF2-40B4-BE49-F238E27FC236}">
+                <a16:creationId xmlns:a16="http://schemas.microsoft.com/office/drawing/2014/main" id="{6AA37193-8D65-A0D7-84D7-E8CE513B7A03}"/>
+              </a:ext>
+            </a:extLst>
+          </p:cNvPr>
+          <p:cNvSpPr/>
+          <p:nvPr/>
+        </p:nvSpPr>
+        <p:spPr>
+          <a:xfrm>
+            <a:off x="3600682" y="1522140"/>
+            <a:ext cx="5292416" cy="4510669"/>
+          </a:xfrm>
+          <a:prstGeom prst="rect">
+            <a:avLst/>
+          </a:prstGeom>
+          <a:noFill/>
+          <a:ln>
+            <a:solidFill>
+              <a:srgbClr val="00356B"/>
+            </a:solidFill>
+          </a:ln>
+        </p:spPr>
+        <p:style>
+          <a:lnRef idx="2">
+            <a:schemeClr val="accent1">
+              <a:shade val="50000"/>
+            </a:schemeClr>
+          </a:lnRef>
+          <a:fillRef idx="1">
+            <a:schemeClr val="accent1"/>
+          </a:fillRef>
+          <a:effectRef idx="0">
+            <a:schemeClr val="accent1"/>
+          </a:effectRef>
+          <a:fontRef idx="minor">
+            <a:schemeClr val="lt1"/>
+          </a:fontRef>
+        </p:style>
+        <p:txBody>
+          <a:bodyPr rtlCol="0" anchor="ctr"/>
+          <a:lstStyle/>
+          <a:p>
+            <a:pPr algn="ctr"/>
+            <a:endParaRPr lang="en-US"/>
+          </a:p>
+        </p:txBody>
+      </p:sp>
+      <p:sp>
+        <p:nvSpPr>
+          <p:cNvPr id="29" name="TextBox 28">
+            <a:extLst>
+              <a:ext uri="{FF2B5EF4-FFF2-40B4-BE49-F238E27FC236}">
+                <a16:creationId xmlns:a16="http://schemas.microsoft.com/office/drawing/2014/main" id="{8FF2B5C8-5110-A00D-8E58-618ABE7EBD29}"/>
+              </a:ext>
+            </a:extLst>
+          </p:cNvPr>
+          <p:cNvSpPr txBox="1"/>
+          <p:nvPr/>
+        </p:nvSpPr>
+        <p:spPr>
+          <a:xfrm>
+            <a:off x="3600682" y="1580135"/>
+            <a:ext cx="1566746" cy="369332"/>
+          </a:xfrm>
+          <a:prstGeom prst="rect">
+            <a:avLst/>
+          </a:prstGeom>
+          <a:noFill/>
+        </p:spPr>
+        <p:txBody>
+          <a:bodyPr wrap="square" rtlCol="0">
+            <a:spAutoFit/>
+          </a:bodyPr>
+          <a:lstStyle/>
+          <a:p>
+            <a:r>
+              <a:rPr lang="en-US" dirty="0"/>
+              <a:t>User</a:t>
+            </a:r>
+          </a:p>
+        </p:txBody>
+      </p:sp>
+      <p:sp>
+        <p:nvSpPr>
+          <p:cNvPr id="30" name="Rectangle 29">
+            <a:extLst>
+              <a:ext uri="{FF2B5EF4-FFF2-40B4-BE49-F238E27FC236}">
+                <a16:creationId xmlns:a16="http://schemas.microsoft.com/office/drawing/2014/main" id="{71169971-F768-A969-1312-7C77E31BAA69}"/>
+              </a:ext>
+            </a:extLst>
+          </p:cNvPr>
+          <p:cNvSpPr/>
+          <p:nvPr/>
+        </p:nvSpPr>
+        <p:spPr>
+          <a:xfrm>
+            <a:off x="6787375" y="3025787"/>
+            <a:ext cx="1865971" cy="1082728"/>
+          </a:xfrm>
+          <a:prstGeom prst="rect">
+            <a:avLst/>
+          </a:prstGeom>
+          <a:noFill/>
+          <a:ln>
+            <a:solidFill>
+              <a:srgbClr val="00356B"/>
+            </a:solidFill>
+          </a:ln>
+        </p:spPr>
+        <p:style>
+          <a:lnRef idx="2">
+            <a:schemeClr val="accent1">
+              <a:shade val="50000"/>
+            </a:schemeClr>
+          </a:lnRef>
+          <a:fillRef idx="1">
+            <a:schemeClr val="accent1"/>
+          </a:fillRef>
+          <a:effectRef idx="0">
+            <a:schemeClr val="accent1"/>
+          </a:effectRef>
+          <a:fontRef idx="minor">
+            <a:schemeClr val="lt1"/>
+          </a:fontRef>
+        </p:style>
+        <p:txBody>
+          <a:bodyPr rtlCol="0" anchor="ctr"/>
+          <a:lstStyle/>
+          <a:p>
+            <a:pPr algn="ctr"/>
+            <a:endParaRPr lang="en-US"/>
+          </a:p>
+        </p:txBody>
+      </p:sp>
+      <p:sp>
+        <p:nvSpPr>
+          <p:cNvPr id="31" name="TextBox 30">
+            <a:extLst>
+              <a:ext uri="{FF2B5EF4-FFF2-40B4-BE49-F238E27FC236}">
+                <a16:creationId xmlns:a16="http://schemas.microsoft.com/office/drawing/2014/main" id="{A4FE9C1A-4BB6-94A4-3E53-2B1F3019ED7F}"/>
+              </a:ext>
+            </a:extLst>
+          </p:cNvPr>
+          <p:cNvSpPr txBox="1"/>
+          <p:nvPr/>
+        </p:nvSpPr>
+        <p:spPr>
+          <a:xfrm>
+            <a:off x="7437864" y="3040410"/>
+            <a:ext cx="1566746" cy="369332"/>
+          </a:xfrm>
+          <a:prstGeom prst="rect">
+            <a:avLst/>
+          </a:prstGeom>
+          <a:noFill/>
+        </p:spPr>
+        <p:txBody>
+          <a:bodyPr wrap="square" rtlCol="0">
+            <a:spAutoFit/>
+          </a:bodyPr>
+          <a:lstStyle/>
+          <a:p>
+            <a:r>
+              <a:rPr lang="en-US" dirty="0"/>
+              <a:t>App</a:t>
+            </a:r>
+          </a:p>
+        </p:txBody>
+      </p:sp>
+      <p:sp>
+        <p:nvSpPr>
+          <p:cNvPr id="35" name="TextBox 34">
+            <a:extLst>
+              <a:ext uri="{FF2B5EF4-FFF2-40B4-BE49-F238E27FC236}">
+                <a16:creationId xmlns:a16="http://schemas.microsoft.com/office/drawing/2014/main" id="{B4FB87E7-062A-4A20-912B-C547C80ADE3E}"/>
+              </a:ext>
+            </a:extLst>
+          </p:cNvPr>
+          <p:cNvSpPr txBox="1"/>
+          <p:nvPr/>
+        </p:nvSpPr>
+        <p:spPr>
+          <a:xfrm>
+            <a:off x="4807105" y="2534017"/>
+            <a:ext cx="741556" cy="646331"/>
+          </a:xfrm>
+          <a:prstGeom prst="rect">
+            <a:avLst/>
+          </a:prstGeom>
+          <a:noFill/>
+          <a:ln>
+            <a:solidFill>
+              <a:schemeClr val="tx1"/>
+            </a:solidFill>
+          </a:ln>
+        </p:spPr>
+        <p:txBody>
+          <a:bodyPr wrap="square" rtlCol="0">
+            <a:spAutoFit/>
+          </a:bodyPr>
+          <a:lstStyle/>
+          <a:p>
+            <a:r>
+              <a:rPr lang="en-US" dirty="0"/>
+              <a:t>App Data</a:t>
+            </a:r>
+          </a:p>
+        </p:txBody>
+      </p:sp>
+      <p:sp>
+        <p:nvSpPr>
+          <p:cNvPr id="36" name="TextBox 35">
+            <a:extLst>
+              <a:ext uri="{FF2B5EF4-FFF2-40B4-BE49-F238E27FC236}">
+                <a16:creationId xmlns:a16="http://schemas.microsoft.com/office/drawing/2014/main" id="{DF5EDD92-1629-50A4-3637-B7AA7C3797C3}"/>
+              </a:ext>
+            </a:extLst>
+          </p:cNvPr>
+          <p:cNvSpPr txBox="1"/>
+          <p:nvPr/>
+        </p:nvSpPr>
+        <p:spPr>
+          <a:xfrm>
+            <a:off x="2504844" y="2475186"/>
+            <a:ext cx="741556" cy="646331"/>
+          </a:xfrm>
+          <a:prstGeom prst="rect">
+            <a:avLst/>
+          </a:prstGeom>
+          <a:noFill/>
+          <a:ln>
+            <a:solidFill>
+              <a:schemeClr val="tx1"/>
+            </a:solidFill>
+          </a:ln>
+        </p:spPr>
+        <p:txBody>
+          <a:bodyPr wrap="square" rtlCol="0">
+            <a:spAutoFit/>
+          </a:bodyPr>
+          <a:lstStyle/>
+          <a:p>
+            <a:r>
+              <a:rPr lang="en-US" dirty="0"/>
+              <a:t>App Data</a:t>
+            </a:r>
+          </a:p>
+        </p:txBody>
+      </p:sp>
+      <p:sp>
+        <p:nvSpPr>
+          <p:cNvPr id="40" name="TextBox 39">
+            <a:extLst>
+              <a:ext uri="{FF2B5EF4-FFF2-40B4-BE49-F238E27FC236}">
+                <a16:creationId xmlns:a16="http://schemas.microsoft.com/office/drawing/2014/main" id="{3B086B01-CF61-EA80-5522-682EBCDAC354}"/>
+              </a:ext>
+            </a:extLst>
+          </p:cNvPr>
+          <p:cNvSpPr txBox="1"/>
+          <p:nvPr/>
+        </p:nvSpPr>
+        <p:spPr>
+          <a:xfrm>
+            <a:off x="4856356" y="3988226"/>
+            <a:ext cx="741556" cy="646331"/>
+          </a:xfrm>
+          <a:prstGeom prst="rect">
+            <a:avLst/>
+          </a:prstGeom>
+          <a:noFill/>
+          <a:ln>
+            <a:solidFill>
+              <a:schemeClr val="tx1"/>
+            </a:solidFill>
+          </a:ln>
+        </p:spPr>
+        <p:txBody>
+          <a:bodyPr wrap="square" rtlCol="0">
+            <a:spAutoFit/>
+          </a:bodyPr>
+          <a:lstStyle/>
+          <a:p>
+            <a:r>
+              <a:rPr lang="en-US" dirty="0"/>
+              <a:t>App Data</a:t>
+            </a:r>
+          </a:p>
+        </p:txBody>
+      </p:sp>
+      <p:sp>
+        <p:nvSpPr>
+          <p:cNvPr id="41" name="TextBox 40">
+            <a:extLst>
+              <a:ext uri="{FF2B5EF4-FFF2-40B4-BE49-F238E27FC236}">
+                <a16:creationId xmlns:a16="http://schemas.microsoft.com/office/drawing/2014/main" id="{03C48BD5-BDC6-03C9-792C-ECFF9F31C500}"/>
+              </a:ext>
+            </a:extLst>
+          </p:cNvPr>
+          <p:cNvSpPr txBox="1"/>
+          <p:nvPr/>
+        </p:nvSpPr>
+        <p:spPr>
+          <a:xfrm>
+            <a:off x="4852871" y="5276034"/>
+            <a:ext cx="741556" cy="646331"/>
+          </a:xfrm>
+          <a:prstGeom prst="rect">
+            <a:avLst/>
+          </a:prstGeom>
+          <a:noFill/>
+          <a:ln>
+            <a:solidFill>
+              <a:schemeClr val="tx1"/>
+            </a:solidFill>
+          </a:ln>
+        </p:spPr>
+        <p:txBody>
+          <a:bodyPr wrap="square" rtlCol="0">
+            <a:spAutoFit/>
+          </a:bodyPr>
+          <a:lstStyle/>
+          <a:p>
+            <a:r>
+              <a:rPr lang="en-US" dirty="0"/>
+              <a:t>App Data</a:t>
+            </a:r>
+          </a:p>
+        </p:txBody>
+      </p:sp>
+      <p:sp>
+        <p:nvSpPr>
+          <p:cNvPr id="42" name="TextBox 41">
+            <a:extLst>
+              <a:ext uri="{FF2B5EF4-FFF2-40B4-BE49-F238E27FC236}">
+                <a16:creationId xmlns:a16="http://schemas.microsoft.com/office/drawing/2014/main" id="{C3DB4D9F-5844-B391-ABB7-426DDFE8D942}"/>
+              </a:ext>
+            </a:extLst>
+          </p:cNvPr>
+          <p:cNvSpPr txBox="1"/>
+          <p:nvPr/>
+        </p:nvSpPr>
+        <p:spPr>
+          <a:xfrm>
+            <a:off x="2442582" y="5283532"/>
+            <a:ext cx="741556" cy="646331"/>
+          </a:xfrm>
+          <a:prstGeom prst="rect">
+            <a:avLst/>
+          </a:prstGeom>
+          <a:noFill/>
+          <a:ln>
+            <a:solidFill>
+              <a:schemeClr val="tx1"/>
+            </a:solidFill>
+          </a:ln>
+        </p:spPr>
+        <p:txBody>
+          <a:bodyPr wrap="square" rtlCol="0">
+            <a:spAutoFit/>
+          </a:bodyPr>
+          <a:lstStyle/>
+          <a:p>
+            <a:r>
+              <a:rPr lang="en-US" dirty="0"/>
+              <a:t>App Data</a:t>
+            </a:r>
+          </a:p>
+        </p:txBody>
+      </p:sp>
+      <p:sp>
+        <p:nvSpPr>
+          <p:cNvPr id="43" name="TextBox 42">
+            <a:extLst>
+              <a:ext uri="{FF2B5EF4-FFF2-40B4-BE49-F238E27FC236}">
+                <a16:creationId xmlns:a16="http://schemas.microsoft.com/office/drawing/2014/main" id="{1D53CFC6-B72F-9118-F938-C50614791DB8}"/>
+              </a:ext>
+            </a:extLst>
+          </p:cNvPr>
+          <p:cNvSpPr txBox="1"/>
+          <p:nvPr/>
+        </p:nvSpPr>
+        <p:spPr>
+          <a:xfrm>
+            <a:off x="2476732" y="3972437"/>
+            <a:ext cx="741556" cy="646331"/>
+          </a:xfrm>
+          <a:prstGeom prst="rect">
+            <a:avLst/>
+          </a:prstGeom>
+          <a:noFill/>
+          <a:ln>
+            <a:solidFill>
+              <a:schemeClr val="tx1"/>
+            </a:solidFill>
+          </a:ln>
+        </p:spPr>
+        <p:txBody>
+          <a:bodyPr wrap="square" rtlCol="0">
+            <a:spAutoFit/>
+          </a:bodyPr>
+          <a:lstStyle/>
+          <a:p>
+            <a:r>
+              <a:rPr lang="en-US" dirty="0"/>
+              <a:t>App Data</a:t>
+            </a:r>
+          </a:p>
+        </p:txBody>
+      </p:sp>
+      <p:cxnSp>
+        <p:nvCxnSpPr>
+          <p:cNvPr id="47" name="Straight Arrow Connector 46">
+            <a:extLst>
+              <a:ext uri="{FF2B5EF4-FFF2-40B4-BE49-F238E27FC236}">
+                <a16:creationId xmlns:a16="http://schemas.microsoft.com/office/drawing/2014/main" id="{7743563A-0463-A80A-1F32-DE7DEB59A186}"/>
+              </a:ext>
+            </a:extLst>
+          </p:cNvPr>
+          <p:cNvCxnSpPr>
+            <a:cxnSpLocks/>
+            <a:stCxn id="13" idx="3"/>
+          </p:cNvCxnSpPr>
+          <p:nvPr/>
+        </p:nvCxnSpPr>
+        <p:spPr>
+          <a:xfrm>
+            <a:off x="5614639" y="2642421"/>
+            <a:ext cx="1247480" cy="853687"/>
+          </a:xfrm>
+          <a:prstGeom prst="straightConnector1">
+            <a:avLst/>
+          </a:prstGeom>
+          <a:ln>
+            <a:solidFill>
+              <a:srgbClr val="FF0000"/>
+            </a:solidFill>
+            <a:tailEnd type="triangle"/>
+          </a:ln>
+        </p:spPr>
+        <p:style>
+          <a:lnRef idx="2">
+            <a:schemeClr val="accent2"/>
+          </a:lnRef>
+          <a:fillRef idx="0">
+            <a:schemeClr val="accent2"/>
+          </a:fillRef>
+          <a:effectRef idx="1">
+            <a:schemeClr val="accent2"/>
+          </a:effectRef>
+          <a:fontRef idx="minor">
+            <a:schemeClr val="tx1"/>
+          </a:fontRef>
+        </p:style>
+      </p:cxnSp>
+      <p:cxnSp>
+        <p:nvCxnSpPr>
+          <p:cNvPr id="48" name="Straight Arrow Connector 47">
+            <a:extLst>
+              <a:ext uri="{FF2B5EF4-FFF2-40B4-BE49-F238E27FC236}">
+                <a16:creationId xmlns:a16="http://schemas.microsoft.com/office/drawing/2014/main" id="{6E288860-4D8C-AB41-8986-D9FC4F5E54BA}"/>
+              </a:ext>
+            </a:extLst>
+          </p:cNvPr>
+          <p:cNvCxnSpPr>
+            <a:cxnSpLocks/>
+            <a:stCxn id="16" idx="3"/>
+            <a:endCxn id="54" idx="1"/>
+          </p:cNvCxnSpPr>
+          <p:nvPr/>
+        </p:nvCxnSpPr>
+        <p:spPr>
+          <a:xfrm flipV="1">
+            <a:off x="5634154" y="3712015"/>
+            <a:ext cx="1227965" cy="411576"/>
+          </a:xfrm>
+          <a:prstGeom prst="straightConnector1">
+            <a:avLst/>
+          </a:prstGeom>
+          <a:ln w="12700">
+            <a:solidFill>
+              <a:schemeClr val="accent4"/>
+            </a:solidFill>
+            <a:tailEnd type="triangle"/>
+          </a:ln>
+        </p:spPr>
+        <p:style>
+          <a:lnRef idx="1">
+            <a:schemeClr val="accent2"/>
+          </a:lnRef>
+          <a:fillRef idx="0">
+            <a:schemeClr val="accent2"/>
+          </a:fillRef>
+          <a:effectRef idx="0">
+            <a:schemeClr val="accent2"/>
+          </a:effectRef>
+          <a:fontRef idx="minor">
+            <a:schemeClr val="tx1"/>
+          </a:fontRef>
+        </p:style>
+      </p:cxnSp>
+      <p:cxnSp>
+        <p:nvCxnSpPr>
+          <p:cNvPr id="51" name="Straight Arrow Connector 50">
+            <a:extLst>
+              <a:ext uri="{FF2B5EF4-FFF2-40B4-BE49-F238E27FC236}">
+                <a16:creationId xmlns:a16="http://schemas.microsoft.com/office/drawing/2014/main" id="{66BBD5E9-00D9-823C-5B62-81BA4E2D4E3E}"/>
+              </a:ext>
+            </a:extLst>
+          </p:cNvPr>
+          <p:cNvCxnSpPr>
+            <a:cxnSpLocks/>
+            <a:stCxn id="17" idx="3"/>
+          </p:cNvCxnSpPr>
+          <p:nvPr/>
+        </p:nvCxnSpPr>
+        <p:spPr>
+          <a:xfrm flipV="1">
+            <a:off x="5634153" y="3942208"/>
+            <a:ext cx="1219200" cy="1463119"/>
+          </a:xfrm>
+          <a:prstGeom prst="straightConnector1">
+            <a:avLst/>
+          </a:prstGeom>
+          <a:ln w="12700">
+            <a:solidFill>
+              <a:schemeClr val="accent6"/>
+            </a:solidFill>
+            <a:tailEnd type="triangle"/>
+          </a:ln>
+        </p:spPr>
+        <p:style>
+          <a:lnRef idx="1">
+            <a:schemeClr val="accent1"/>
+          </a:lnRef>
+          <a:fillRef idx="0">
+            <a:schemeClr val="accent1"/>
+          </a:fillRef>
+          <a:effectRef idx="0">
+            <a:schemeClr val="accent1"/>
+          </a:effectRef>
+          <a:fontRef idx="minor">
+            <a:schemeClr val="tx1"/>
+          </a:fontRef>
+        </p:style>
+      </p:cxnSp>
+      <p:sp>
+        <p:nvSpPr>
+          <p:cNvPr id="54" name="TextBox 53">
+            <a:extLst>
+              <a:ext uri="{FF2B5EF4-FFF2-40B4-BE49-F238E27FC236}">
+                <a16:creationId xmlns:a16="http://schemas.microsoft.com/office/drawing/2014/main" id="{76C16E43-5582-0A2B-91CE-9D22277A78DB}"/>
+              </a:ext>
+            </a:extLst>
+          </p:cNvPr>
+          <p:cNvSpPr txBox="1"/>
+          <p:nvPr/>
+        </p:nvSpPr>
+        <p:spPr>
+          <a:xfrm>
+            <a:off x="6862119" y="3388849"/>
+            <a:ext cx="741556" cy="646331"/>
+          </a:xfrm>
+          <a:prstGeom prst="rect">
+            <a:avLst/>
+          </a:prstGeom>
+          <a:noFill/>
+          <a:ln>
+            <a:solidFill>
+              <a:schemeClr val="tx1"/>
+            </a:solidFill>
+          </a:ln>
+        </p:spPr>
+        <p:txBody>
+          <a:bodyPr wrap="square" rtlCol="0">
+            <a:spAutoFit/>
+          </a:bodyPr>
+          <a:lstStyle/>
+          <a:p>
+            <a:r>
+              <a:rPr lang="en-US" dirty="0"/>
+              <a:t>App Data</a:t>
+            </a:r>
+          </a:p>
+        </p:txBody>
+      </p:sp>
+      <p:sp>
+        <p:nvSpPr>
+          <p:cNvPr id="58" name="Rectangle 57">
+            <a:extLst>
+              <a:ext uri="{FF2B5EF4-FFF2-40B4-BE49-F238E27FC236}">
+                <a16:creationId xmlns:a16="http://schemas.microsoft.com/office/drawing/2014/main" id="{94381D9A-1615-1355-F7D3-DA96772D0C07}"/>
+              </a:ext>
+            </a:extLst>
+          </p:cNvPr>
+          <p:cNvSpPr/>
+          <p:nvPr/>
+        </p:nvSpPr>
+        <p:spPr>
+          <a:xfrm>
+            <a:off x="6519747" y="1890036"/>
+            <a:ext cx="2254405" cy="4056654"/>
+          </a:xfrm>
+          <a:prstGeom prst="rect">
+            <a:avLst/>
+          </a:prstGeom>
+          <a:noFill/>
+          <a:ln>
+            <a:solidFill>
+              <a:srgbClr val="00356B"/>
+            </a:solidFill>
+          </a:ln>
+        </p:spPr>
+        <p:style>
+          <a:lnRef idx="2">
+            <a:schemeClr val="accent1">
+              <a:shade val="50000"/>
+            </a:schemeClr>
+          </a:lnRef>
+          <a:fillRef idx="1">
+            <a:schemeClr val="accent1"/>
+          </a:fillRef>
+          <a:effectRef idx="0">
+            <a:schemeClr val="accent1"/>
+          </a:effectRef>
+          <a:fontRef idx="minor">
+            <a:schemeClr val="lt1"/>
+          </a:fontRef>
+        </p:style>
+        <p:txBody>
+          <a:bodyPr rtlCol="0" anchor="ctr"/>
+          <a:lstStyle/>
+          <a:p>
+            <a:pPr algn="ctr"/>
+            <a:endParaRPr lang="en-US"/>
+          </a:p>
+        </p:txBody>
+      </p:sp>
+      <p:sp>
+        <p:nvSpPr>
+          <p:cNvPr id="59" name="Rectangle 58">
+            <a:extLst>
+              <a:ext uri="{FF2B5EF4-FFF2-40B4-BE49-F238E27FC236}">
+                <a16:creationId xmlns:a16="http://schemas.microsoft.com/office/drawing/2014/main" id="{425782A7-9F3C-899D-4AC3-E8D36202F77E}"/>
+              </a:ext>
+            </a:extLst>
+          </p:cNvPr>
+          <p:cNvSpPr/>
+          <p:nvPr/>
+        </p:nvSpPr>
+        <p:spPr>
+          <a:xfrm>
+            <a:off x="6787375" y="4506957"/>
+            <a:ext cx="1865971" cy="1082728"/>
+          </a:xfrm>
+          <a:prstGeom prst="rect">
+            <a:avLst/>
+          </a:prstGeom>
+          <a:noFill/>
+          <a:ln>
+            <a:solidFill>
+              <a:srgbClr val="00356B"/>
+            </a:solidFill>
+          </a:ln>
+        </p:spPr>
+        <p:style>
+          <a:lnRef idx="2">
+            <a:schemeClr val="accent1">
+              <a:shade val="50000"/>
+            </a:schemeClr>
+          </a:lnRef>
+          <a:fillRef idx="1">
+            <a:schemeClr val="accent1"/>
+          </a:fillRef>
+          <a:effectRef idx="0">
+            <a:schemeClr val="accent1"/>
+          </a:effectRef>
+          <a:fontRef idx="minor">
+            <a:schemeClr val="lt1"/>
+          </a:fontRef>
+        </p:style>
+        <p:txBody>
+          <a:bodyPr rtlCol="0" anchor="ctr"/>
+          <a:lstStyle/>
+          <a:p>
+            <a:pPr algn="ctr"/>
+            <a:endParaRPr lang="en-US"/>
+          </a:p>
+        </p:txBody>
+      </p:sp>
+      <p:sp>
+        <p:nvSpPr>
+          <p:cNvPr id="60" name="TextBox 59">
+            <a:extLst>
+              <a:ext uri="{FF2B5EF4-FFF2-40B4-BE49-F238E27FC236}">
+                <a16:creationId xmlns:a16="http://schemas.microsoft.com/office/drawing/2014/main" id="{96B5519E-75E0-BB8C-47DD-409078A6C3E1}"/>
+              </a:ext>
+            </a:extLst>
+          </p:cNvPr>
+          <p:cNvSpPr txBox="1"/>
+          <p:nvPr/>
+        </p:nvSpPr>
+        <p:spPr>
+          <a:xfrm>
+            <a:off x="7235574" y="4506957"/>
+            <a:ext cx="1566746" cy="369332"/>
+          </a:xfrm>
+          <a:prstGeom prst="rect">
+            <a:avLst/>
+          </a:prstGeom>
+          <a:noFill/>
+        </p:spPr>
+        <p:txBody>
+          <a:bodyPr wrap="square" rtlCol="0">
+            <a:spAutoFit/>
+          </a:bodyPr>
+          <a:lstStyle/>
+          <a:p>
+            <a:r>
+              <a:rPr lang="en-US" dirty="0"/>
+              <a:t>Pipeline</a:t>
+            </a:r>
+          </a:p>
+        </p:txBody>
+      </p:sp>
+      <p:cxnSp>
+        <p:nvCxnSpPr>
+          <p:cNvPr id="62" name="Straight Arrow Connector 61">
+            <a:extLst>
+              <a:ext uri="{FF2B5EF4-FFF2-40B4-BE49-F238E27FC236}">
+                <a16:creationId xmlns:a16="http://schemas.microsoft.com/office/drawing/2014/main" id="{E3A860EA-CB26-6B47-2A73-AC10F9642CBC}"/>
+              </a:ext>
+            </a:extLst>
+          </p:cNvPr>
+          <p:cNvCxnSpPr>
+            <a:stCxn id="59" idx="1"/>
+            <a:endCxn id="13" idx="3"/>
+          </p:cNvCxnSpPr>
+          <p:nvPr/>
+        </p:nvCxnSpPr>
+        <p:spPr>
+          <a:xfrm flipH="1" flipV="1">
+            <a:off x="5614639" y="2642421"/>
+            <a:ext cx="1172736" cy="2405900"/>
+          </a:xfrm>
+          <a:prstGeom prst="straightConnector1">
+            <a:avLst/>
+          </a:prstGeom>
+          <a:ln w="12700">
+            <a:solidFill>
+              <a:schemeClr val="accent1"/>
+            </a:solidFill>
+            <a:tailEnd type="triangle"/>
+          </a:ln>
+        </p:spPr>
+        <p:style>
+          <a:lnRef idx="1">
+            <a:schemeClr val="accent6"/>
+          </a:lnRef>
+          <a:fillRef idx="0">
+            <a:schemeClr val="accent6"/>
+          </a:fillRef>
+          <a:effectRef idx="0">
+            <a:schemeClr val="accent6"/>
+          </a:effectRef>
+          <a:fontRef idx="minor">
+            <a:schemeClr val="tx1"/>
+          </a:fontRef>
+        </p:style>
+      </p:cxnSp>
+      <p:cxnSp>
+        <p:nvCxnSpPr>
+          <p:cNvPr id="63" name="Straight Arrow Connector 62">
+            <a:extLst>
+              <a:ext uri="{FF2B5EF4-FFF2-40B4-BE49-F238E27FC236}">
+                <a16:creationId xmlns:a16="http://schemas.microsoft.com/office/drawing/2014/main" id="{0D77CB9C-A3E9-7511-4986-E746FB1E409F}"/>
+              </a:ext>
+            </a:extLst>
+          </p:cNvPr>
+          <p:cNvCxnSpPr>
+            <a:cxnSpLocks/>
+            <a:stCxn id="59" idx="1"/>
+            <a:endCxn id="16" idx="3"/>
+          </p:cNvCxnSpPr>
+          <p:nvPr/>
+        </p:nvCxnSpPr>
+        <p:spPr>
+          <a:xfrm flipH="1" flipV="1">
+            <a:off x="5634154" y="4123591"/>
+            <a:ext cx="1153221" cy="924730"/>
+          </a:xfrm>
+          <a:prstGeom prst="straightConnector1">
+            <a:avLst/>
+          </a:prstGeom>
+          <a:ln w="12700">
+            <a:solidFill>
+              <a:schemeClr val="accent1"/>
+            </a:solidFill>
+            <a:tailEnd type="triangle"/>
+          </a:ln>
+        </p:spPr>
+        <p:style>
+          <a:lnRef idx="1">
+            <a:schemeClr val="accent6"/>
+          </a:lnRef>
+          <a:fillRef idx="0">
+            <a:schemeClr val="accent6"/>
+          </a:fillRef>
+          <a:effectRef idx="0">
+            <a:schemeClr val="accent6"/>
+          </a:effectRef>
+          <a:fontRef idx="minor">
+            <a:schemeClr val="tx1"/>
+          </a:fontRef>
+        </p:style>
+      </p:cxnSp>
+      <p:cxnSp>
+        <p:nvCxnSpPr>
+          <p:cNvPr id="66" name="Straight Arrow Connector 65">
+            <a:extLst>
+              <a:ext uri="{FF2B5EF4-FFF2-40B4-BE49-F238E27FC236}">
+                <a16:creationId xmlns:a16="http://schemas.microsoft.com/office/drawing/2014/main" id="{45368E67-DD34-7A80-0782-291E977E40FA}"/>
+              </a:ext>
+            </a:extLst>
+          </p:cNvPr>
+          <p:cNvCxnSpPr>
+            <a:cxnSpLocks/>
+            <a:stCxn id="59" idx="1"/>
+          </p:cNvCxnSpPr>
+          <p:nvPr/>
+        </p:nvCxnSpPr>
+        <p:spPr>
+          <a:xfrm flipH="1">
+            <a:off x="5646234" y="5048321"/>
+            <a:ext cx="1141141" cy="357004"/>
+          </a:xfrm>
+          <a:prstGeom prst="straightConnector1">
+            <a:avLst/>
+          </a:prstGeom>
+          <a:ln w="12700">
+            <a:solidFill>
+              <a:schemeClr val="accent1"/>
+            </a:solidFill>
+            <a:tailEnd type="triangle"/>
+          </a:ln>
+        </p:spPr>
+        <p:style>
+          <a:lnRef idx="1">
+            <a:schemeClr val="accent6"/>
+          </a:lnRef>
+          <a:fillRef idx="0">
+            <a:schemeClr val="accent6"/>
+          </a:fillRef>
+          <a:effectRef idx="0">
+            <a:schemeClr val="accent6"/>
+          </a:effectRef>
+          <a:fontRef idx="minor">
+            <a:schemeClr val="tx1"/>
+          </a:fontRef>
+        </p:style>
+      </p:cxnSp>
+      <p:sp>
+        <p:nvSpPr>
+          <p:cNvPr id="69" name="Arrow: Bent-Up 68">
+            <a:extLst>
+              <a:ext uri="{FF2B5EF4-FFF2-40B4-BE49-F238E27FC236}">
+                <a16:creationId xmlns:a16="http://schemas.microsoft.com/office/drawing/2014/main" id="{3CDD0562-AE3E-45D7-A128-86A6D7FDDECE}"/>
+              </a:ext>
+            </a:extLst>
+          </p:cNvPr>
+          <p:cNvSpPr/>
+          <p:nvPr/>
+        </p:nvSpPr>
+        <p:spPr>
+          <a:xfrm rot="16200000">
+            <a:off x="5129517" y="2204561"/>
+            <a:ext cx="310723" cy="356419"/>
+          </a:xfrm>
+          <a:prstGeom prst="bentUpArrow">
+            <a:avLst>
+              <a:gd name="adj1" fmla="val 25000"/>
+              <a:gd name="adj2" fmla="val 25000"/>
+              <a:gd name="adj3" fmla="val 35767"/>
+            </a:avLst>
+          </a:prstGeom>
+        </p:spPr>
+        <p:style>
+          <a:lnRef idx="2">
+            <a:schemeClr val="accent1">
+              <a:shade val="50000"/>
+            </a:schemeClr>
+          </a:lnRef>
+          <a:fillRef idx="1">
+            <a:schemeClr val="accent1"/>
+          </a:fillRef>
+          <a:effectRef idx="0">
+            <a:schemeClr val="accent1"/>
+          </a:effectRef>
+          <a:fontRef idx="minor">
+            <a:schemeClr val="lt1"/>
+          </a:fontRef>
+        </p:style>
+        <p:txBody>
+          <a:bodyPr rtlCol="0" anchor="ctr"/>
+          <a:lstStyle/>
+          <a:p>
+            <a:pPr algn="ctr"/>
+            <a:endParaRPr lang="en-US"/>
+          </a:p>
+        </p:txBody>
+      </p:sp>
+      <p:sp>
+        <p:nvSpPr>
+          <p:cNvPr id="70" name="Arrow: Bent-Up 69">
+            <a:extLst>
+              <a:ext uri="{FF2B5EF4-FFF2-40B4-BE49-F238E27FC236}">
+                <a16:creationId xmlns:a16="http://schemas.microsoft.com/office/drawing/2014/main" id="{BF83312B-2246-BA2E-C4A5-31CD72A6D944}"/>
+              </a:ext>
+            </a:extLst>
+          </p:cNvPr>
+          <p:cNvSpPr/>
+          <p:nvPr/>
+        </p:nvSpPr>
+        <p:spPr>
+          <a:xfrm rot="16200000">
+            <a:off x="5125462" y="3657293"/>
+            <a:ext cx="310723" cy="356419"/>
+          </a:xfrm>
+          <a:prstGeom prst="bentUpArrow">
+            <a:avLst>
+              <a:gd name="adj1" fmla="val 25000"/>
+              <a:gd name="adj2" fmla="val 25000"/>
+              <a:gd name="adj3" fmla="val 35767"/>
+            </a:avLst>
+          </a:prstGeom>
+        </p:spPr>
+        <p:style>
+          <a:lnRef idx="2">
+            <a:schemeClr val="accent1">
+              <a:shade val="50000"/>
+            </a:schemeClr>
+          </a:lnRef>
+          <a:fillRef idx="1">
+            <a:schemeClr val="accent1"/>
+          </a:fillRef>
+          <a:effectRef idx="0">
+            <a:schemeClr val="accent1"/>
+          </a:effectRef>
+          <a:fontRef idx="minor">
+            <a:schemeClr val="lt1"/>
+          </a:fontRef>
+        </p:style>
+        <p:txBody>
+          <a:bodyPr rtlCol="0" anchor="ctr"/>
+          <a:lstStyle/>
+          <a:p>
+            <a:pPr algn="ctr"/>
+            <a:endParaRPr lang="en-US"/>
+          </a:p>
+        </p:txBody>
+      </p:sp>
+      <p:sp>
+        <p:nvSpPr>
+          <p:cNvPr id="71" name="Arrow: Bent-Up 70">
+            <a:extLst>
+              <a:ext uri="{FF2B5EF4-FFF2-40B4-BE49-F238E27FC236}">
+                <a16:creationId xmlns:a16="http://schemas.microsoft.com/office/drawing/2014/main" id="{6260C7A0-5D0C-0221-E0F5-E42BC276558C}"/>
+              </a:ext>
+            </a:extLst>
+          </p:cNvPr>
+          <p:cNvSpPr/>
+          <p:nvPr/>
+        </p:nvSpPr>
+        <p:spPr>
+          <a:xfrm rot="16200000">
+            <a:off x="5126747" y="4942463"/>
+            <a:ext cx="310723" cy="356419"/>
+          </a:xfrm>
+          <a:prstGeom prst="bentUpArrow">
+            <a:avLst>
+              <a:gd name="adj1" fmla="val 25000"/>
+              <a:gd name="adj2" fmla="val 25000"/>
+              <a:gd name="adj3" fmla="val 35767"/>
+            </a:avLst>
+          </a:prstGeom>
+        </p:spPr>
+        <p:style>
+          <a:lnRef idx="2">
+            <a:schemeClr val="accent1">
+              <a:shade val="50000"/>
+            </a:schemeClr>
+          </a:lnRef>
+          <a:fillRef idx="1">
+            <a:schemeClr val="accent1"/>
+          </a:fillRef>
+          <a:effectRef idx="0">
+            <a:schemeClr val="accent1"/>
+          </a:effectRef>
+          <a:fontRef idx="minor">
+            <a:schemeClr val="lt1"/>
+          </a:fontRef>
+        </p:style>
+        <p:txBody>
+          <a:bodyPr rtlCol="0" anchor="ctr"/>
+          <a:lstStyle/>
+          <a:p>
+            <a:pPr algn="ctr"/>
+            <a:endParaRPr lang="en-US"/>
+          </a:p>
+        </p:txBody>
+      </p:sp>
+      <p:sp>
+        <p:nvSpPr>
+          <p:cNvPr id="72" name="Arrow: Bent-Up 71">
+            <a:extLst>
+              <a:ext uri="{FF2B5EF4-FFF2-40B4-BE49-F238E27FC236}">
+                <a16:creationId xmlns:a16="http://schemas.microsoft.com/office/drawing/2014/main" id="{72DFE41B-A727-3EBE-E346-0853D95343F3}"/>
+              </a:ext>
+            </a:extLst>
+          </p:cNvPr>
+          <p:cNvSpPr/>
+          <p:nvPr/>
+        </p:nvSpPr>
+        <p:spPr>
+          <a:xfrm rot="16200000">
+            <a:off x="2820987" y="4942463"/>
+            <a:ext cx="310723" cy="356419"/>
+          </a:xfrm>
+          <a:prstGeom prst="bentUpArrow">
+            <a:avLst>
+              <a:gd name="adj1" fmla="val 25000"/>
+              <a:gd name="adj2" fmla="val 25000"/>
+              <a:gd name="adj3" fmla="val 35767"/>
+            </a:avLst>
+          </a:prstGeom>
+        </p:spPr>
+        <p:style>
+          <a:lnRef idx="2">
+            <a:schemeClr val="accent1">
+              <a:shade val="50000"/>
+            </a:schemeClr>
+          </a:lnRef>
+          <a:fillRef idx="1">
+            <a:schemeClr val="accent1"/>
+          </a:fillRef>
+          <a:effectRef idx="0">
+            <a:schemeClr val="accent1"/>
+          </a:effectRef>
+          <a:fontRef idx="minor">
+            <a:schemeClr val="lt1"/>
+          </a:fontRef>
+        </p:style>
+        <p:txBody>
+          <a:bodyPr rtlCol="0" anchor="ctr"/>
+          <a:lstStyle/>
+          <a:p>
+            <a:pPr algn="ctr"/>
+            <a:endParaRPr lang="en-US"/>
+          </a:p>
+        </p:txBody>
+      </p:sp>
+      <p:sp>
+        <p:nvSpPr>
+          <p:cNvPr id="73" name="Arrow: Bent-Up 72">
+            <a:extLst>
+              <a:ext uri="{FF2B5EF4-FFF2-40B4-BE49-F238E27FC236}">
+                <a16:creationId xmlns:a16="http://schemas.microsoft.com/office/drawing/2014/main" id="{ECD1FB39-66B2-0F33-4FF8-E76C637EF7E1}"/>
+              </a:ext>
+            </a:extLst>
+          </p:cNvPr>
+          <p:cNvSpPr/>
+          <p:nvPr/>
+        </p:nvSpPr>
+        <p:spPr>
+          <a:xfrm rot="16200000">
+            <a:off x="2818437" y="3639811"/>
+            <a:ext cx="310723" cy="356419"/>
+          </a:xfrm>
+          <a:prstGeom prst="bentUpArrow">
+            <a:avLst>
+              <a:gd name="adj1" fmla="val 25000"/>
+              <a:gd name="adj2" fmla="val 25000"/>
+              <a:gd name="adj3" fmla="val 35767"/>
+            </a:avLst>
+          </a:prstGeom>
+        </p:spPr>
+        <p:style>
+          <a:lnRef idx="2">
+            <a:schemeClr val="accent1">
+              <a:shade val="50000"/>
+            </a:schemeClr>
+          </a:lnRef>
+          <a:fillRef idx="1">
+            <a:schemeClr val="accent1"/>
+          </a:fillRef>
+          <a:effectRef idx="0">
+            <a:schemeClr val="accent1"/>
+          </a:effectRef>
+          <a:fontRef idx="minor">
+            <a:schemeClr val="lt1"/>
+          </a:fontRef>
+        </p:style>
+        <p:txBody>
+          <a:bodyPr rtlCol="0" anchor="ctr"/>
+          <a:lstStyle/>
+          <a:p>
+            <a:pPr algn="ctr"/>
+            <a:endParaRPr lang="en-US"/>
+          </a:p>
+        </p:txBody>
+      </p:sp>
+      <p:sp>
+        <p:nvSpPr>
+          <p:cNvPr id="74" name="Arrow: Bent-Up 73">
+            <a:extLst>
+              <a:ext uri="{FF2B5EF4-FFF2-40B4-BE49-F238E27FC236}">
+                <a16:creationId xmlns:a16="http://schemas.microsoft.com/office/drawing/2014/main" id="{2A478DCC-ABE0-25C5-4715-5E7F2DD8FB97}"/>
+              </a:ext>
+            </a:extLst>
+          </p:cNvPr>
+          <p:cNvSpPr/>
+          <p:nvPr/>
+        </p:nvSpPr>
+        <p:spPr>
+          <a:xfrm rot="16200000">
+            <a:off x="2841994" y="2146194"/>
+            <a:ext cx="310723" cy="356419"/>
+          </a:xfrm>
+          <a:prstGeom prst="bentUpArrow">
+            <a:avLst>
+              <a:gd name="adj1" fmla="val 25000"/>
+              <a:gd name="adj2" fmla="val 25000"/>
+              <a:gd name="adj3" fmla="val 35767"/>
+            </a:avLst>
+          </a:prstGeom>
+        </p:spPr>
+        <p:style>
+          <a:lnRef idx="2">
+            <a:schemeClr val="accent1">
+              <a:shade val="50000"/>
+            </a:schemeClr>
+          </a:lnRef>
+          <a:fillRef idx="1">
+            <a:schemeClr val="accent1"/>
+          </a:fillRef>
+          <a:effectRef idx="0">
+            <a:schemeClr val="accent1"/>
+          </a:effectRef>
+          <a:fontRef idx="minor">
+            <a:schemeClr val="lt1"/>
+          </a:fontRef>
+        </p:style>
+        <p:txBody>
+          <a:bodyPr rtlCol="0" anchor="ctr"/>
+          <a:lstStyle/>
+          <a:p>
+            <a:pPr algn="ctr"/>
+            <a:endParaRPr lang="en-US"/>
+          </a:p>
+        </p:txBody>
+      </p:sp>
+      <p:sp>
+        <p:nvSpPr>
+          <p:cNvPr id="78" name="Rectangle 77">
+            <a:extLst>
+              <a:ext uri="{FF2B5EF4-FFF2-40B4-BE49-F238E27FC236}">
+                <a16:creationId xmlns:a16="http://schemas.microsoft.com/office/drawing/2014/main" id="{FEBA1676-4F13-949D-F47A-4793C5230509}"/>
+              </a:ext>
+            </a:extLst>
+          </p:cNvPr>
+          <p:cNvSpPr/>
+          <p:nvPr/>
+        </p:nvSpPr>
+        <p:spPr>
+          <a:xfrm>
+            <a:off x="9372854" y="1933220"/>
+            <a:ext cx="1846457" cy="1150131"/>
+          </a:xfrm>
+          <a:prstGeom prst="rect">
+            <a:avLst/>
+          </a:prstGeom>
+          <a:noFill/>
+          <a:ln>
+            <a:solidFill>
+              <a:srgbClr val="00356B"/>
+            </a:solidFill>
+          </a:ln>
+        </p:spPr>
+        <p:style>
+          <a:lnRef idx="2">
+            <a:schemeClr val="accent1">
+              <a:shade val="50000"/>
+            </a:schemeClr>
+          </a:lnRef>
+          <a:fillRef idx="1">
+            <a:schemeClr val="accent1"/>
+          </a:fillRef>
+          <a:effectRef idx="0">
+            <a:schemeClr val="accent1"/>
+          </a:effectRef>
+          <a:fontRef idx="minor">
+            <a:schemeClr val="lt1"/>
+          </a:fontRef>
+        </p:style>
+        <p:txBody>
+          <a:bodyPr rtlCol="0" anchor="ctr"/>
+          <a:lstStyle/>
+          <a:p>
+            <a:pPr algn="ctr"/>
+            <a:endParaRPr lang="en-US"/>
+          </a:p>
+        </p:txBody>
+      </p:sp>
+      <p:sp>
+        <p:nvSpPr>
+          <p:cNvPr id="79" name="Rectangle 78">
+            <a:extLst>
+              <a:ext uri="{FF2B5EF4-FFF2-40B4-BE49-F238E27FC236}">
+                <a16:creationId xmlns:a16="http://schemas.microsoft.com/office/drawing/2014/main" id="{5FAC9ADE-634A-C948-229C-FF58DC674AB6}"/>
+              </a:ext>
+            </a:extLst>
+          </p:cNvPr>
+          <p:cNvSpPr/>
+          <p:nvPr/>
+        </p:nvSpPr>
+        <p:spPr>
+          <a:xfrm>
+            <a:off x="9372854" y="3295509"/>
+            <a:ext cx="1846457" cy="1058045"/>
+          </a:xfrm>
+          <a:prstGeom prst="rect">
+            <a:avLst/>
+          </a:prstGeom>
+          <a:noFill/>
+          <a:ln>
+            <a:solidFill>
+              <a:srgbClr val="00356B"/>
+            </a:solidFill>
+          </a:ln>
+        </p:spPr>
+        <p:style>
+          <a:lnRef idx="2">
+            <a:schemeClr val="accent1">
+              <a:shade val="50000"/>
+            </a:schemeClr>
+          </a:lnRef>
+          <a:fillRef idx="1">
+            <a:schemeClr val="accent1"/>
+          </a:fillRef>
+          <a:effectRef idx="0">
+            <a:schemeClr val="accent1"/>
+          </a:effectRef>
+          <a:fontRef idx="minor">
+            <a:schemeClr val="lt1"/>
+          </a:fontRef>
+        </p:style>
+        <p:txBody>
+          <a:bodyPr rtlCol="0" anchor="ctr"/>
+          <a:lstStyle/>
+          <a:p>
+            <a:pPr algn="ctr"/>
+            <a:endParaRPr lang="en-US"/>
+          </a:p>
+        </p:txBody>
+      </p:sp>
+      <p:sp>
+        <p:nvSpPr>
+          <p:cNvPr id="80" name="Rectangle 79">
+            <a:extLst>
+              <a:ext uri="{FF2B5EF4-FFF2-40B4-BE49-F238E27FC236}">
+                <a16:creationId xmlns:a16="http://schemas.microsoft.com/office/drawing/2014/main" id="{FC872287-F781-B06D-2657-24271E37A844}"/>
+              </a:ext>
+            </a:extLst>
+          </p:cNvPr>
+          <p:cNvSpPr/>
+          <p:nvPr/>
+        </p:nvSpPr>
+        <p:spPr>
+          <a:xfrm>
+            <a:off x="9372854" y="4551074"/>
+            <a:ext cx="1846457" cy="967601"/>
+          </a:xfrm>
+          <a:prstGeom prst="rect">
+            <a:avLst/>
+          </a:prstGeom>
+          <a:noFill/>
+          <a:ln>
+            <a:solidFill>
+              <a:srgbClr val="00356B"/>
+            </a:solidFill>
+          </a:ln>
+        </p:spPr>
+        <p:style>
+          <a:lnRef idx="2">
+            <a:schemeClr val="accent1">
+              <a:shade val="50000"/>
+            </a:schemeClr>
+          </a:lnRef>
+          <a:fillRef idx="1">
+            <a:schemeClr val="accent1"/>
+          </a:fillRef>
+          <a:effectRef idx="0">
+            <a:schemeClr val="accent1"/>
+          </a:effectRef>
+          <a:fontRef idx="minor">
+            <a:schemeClr val="lt1"/>
+          </a:fontRef>
+        </p:style>
+        <p:txBody>
+          <a:bodyPr rtlCol="0" anchor="ctr"/>
+          <a:lstStyle/>
+          <a:p>
+            <a:pPr algn="ctr"/>
+            <a:endParaRPr lang="en-US"/>
+          </a:p>
+        </p:txBody>
+      </p:sp>
+      <p:sp>
+        <p:nvSpPr>
+          <p:cNvPr id="82" name="TextBox 81">
+            <a:extLst>
+              <a:ext uri="{FF2B5EF4-FFF2-40B4-BE49-F238E27FC236}">
+                <a16:creationId xmlns:a16="http://schemas.microsoft.com/office/drawing/2014/main" id="{01A128D7-47EA-A1B4-4D68-008425BA1088}"/>
+              </a:ext>
+            </a:extLst>
+          </p:cNvPr>
+          <p:cNvSpPr txBox="1"/>
+          <p:nvPr/>
+        </p:nvSpPr>
+        <p:spPr>
+          <a:xfrm>
+            <a:off x="10368776" y="3651958"/>
+            <a:ext cx="741556" cy="646331"/>
+          </a:xfrm>
+          <a:prstGeom prst="rect">
+            <a:avLst/>
+          </a:prstGeom>
+          <a:noFill/>
+          <a:ln>
+            <a:solidFill>
+              <a:schemeClr val="tx1"/>
+            </a:solidFill>
+          </a:ln>
+        </p:spPr>
+        <p:txBody>
+          <a:bodyPr wrap="square" rtlCol="0">
+            <a:spAutoFit/>
+          </a:bodyPr>
+          <a:lstStyle/>
+          <a:p>
+            <a:r>
+              <a:rPr lang="en-US" dirty="0"/>
+              <a:t>App Data</a:t>
+            </a:r>
+          </a:p>
+        </p:txBody>
+      </p:sp>
+      <p:sp>
+        <p:nvSpPr>
+          <p:cNvPr id="83" name="TextBox 82">
+            <a:extLst>
+              <a:ext uri="{FF2B5EF4-FFF2-40B4-BE49-F238E27FC236}">
+                <a16:creationId xmlns:a16="http://schemas.microsoft.com/office/drawing/2014/main" id="{9B6184F5-3382-0E5F-0B5C-196AB863BFE8}"/>
+              </a:ext>
+            </a:extLst>
+          </p:cNvPr>
+          <p:cNvSpPr txBox="1"/>
+          <p:nvPr/>
+        </p:nvSpPr>
+        <p:spPr>
+          <a:xfrm>
+            <a:off x="10448018" y="4843470"/>
+            <a:ext cx="741556" cy="646331"/>
+          </a:xfrm>
+          <a:prstGeom prst="rect">
+            <a:avLst/>
+          </a:prstGeom>
+          <a:noFill/>
+          <a:ln>
+            <a:solidFill>
+              <a:schemeClr val="tx1"/>
+            </a:solidFill>
+          </a:ln>
+        </p:spPr>
+        <p:txBody>
+          <a:bodyPr wrap="square" rtlCol="0">
+            <a:spAutoFit/>
+          </a:bodyPr>
+          <a:lstStyle/>
+          <a:p>
+            <a:r>
+              <a:rPr lang="en-US" dirty="0"/>
+              <a:t>App Data</a:t>
+            </a:r>
+          </a:p>
+        </p:txBody>
+      </p:sp>
+      <p:sp>
+        <p:nvSpPr>
+          <p:cNvPr id="84" name="TextBox 83">
+            <a:extLst>
+              <a:ext uri="{FF2B5EF4-FFF2-40B4-BE49-F238E27FC236}">
+                <a16:creationId xmlns:a16="http://schemas.microsoft.com/office/drawing/2014/main" id="{EF27A460-B278-29FD-3287-796445F58239}"/>
+              </a:ext>
+            </a:extLst>
+          </p:cNvPr>
+          <p:cNvSpPr txBox="1"/>
+          <p:nvPr/>
+        </p:nvSpPr>
+        <p:spPr>
+          <a:xfrm>
+            <a:off x="10416167" y="2361572"/>
+            <a:ext cx="741556" cy="646331"/>
+          </a:xfrm>
+          <a:prstGeom prst="rect">
+            <a:avLst/>
+          </a:prstGeom>
+          <a:noFill/>
+          <a:ln>
+            <a:solidFill>
+              <a:schemeClr val="tx1"/>
+            </a:solidFill>
+          </a:ln>
+        </p:spPr>
+        <p:txBody>
+          <a:bodyPr wrap="square" rtlCol="0">
+            <a:spAutoFit/>
+          </a:bodyPr>
+          <a:lstStyle/>
+          <a:p>
+            <a:r>
+              <a:rPr lang="en-US" dirty="0"/>
+              <a:t>App Data</a:t>
+            </a:r>
+          </a:p>
+        </p:txBody>
+      </p:sp>
+      <p:cxnSp>
+        <p:nvCxnSpPr>
+          <p:cNvPr id="87" name="Straight Arrow Connector 86">
+            <a:extLst>
+              <a:ext uri="{FF2B5EF4-FFF2-40B4-BE49-F238E27FC236}">
+                <a16:creationId xmlns:a16="http://schemas.microsoft.com/office/drawing/2014/main" id="{4B7EEB4F-F8F4-8DD4-168C-389C51FE41C7}"/>
+              </a:ext>
+            </a:extLst>
+          </p:cNvPr>
+          <p:cNvCxnSpPr>
+            <a:cxnSpLocks/>
+            <a:endCxn id="78" idx="1"/>
+          </p:cNvCxnSpPr>
+          <p:nvPr/>
+        </p:nvCxnSpPr>
+        <p:spPr>
+          <a:xfrm flipV="1">
+            <a:off x="8653346" y="2508286"/>
+            <a:ext cx="719508" cy="760707"/>
+          </a:xfrm>
+          <a:prstGeom prst="straightConnector1">
+            <a:avLst/>
+          </a:prstGeom>
+          <a:ln>
+            <a:solidFill>
+              <a:srgbClr val="FF0000"/>
+            </a:solidFill>
+            <a:tailEnd type="triangle"/>
+          </a:ln>
+        </p:spPr>
+        <p:style>
+          <a:lnRef idx="2">
+            <a:schemeClr val="accent2"/>
+          </a:lnRef>
+          <a:fillRef idx="0">
+            <a:schemeClr val="accent2"/>
+          </a:fillRef>
+          <a:effectRef idx="1">
+            <a:schemeClr val="accent2"/>
+          </a:effectRef>
+          <a:fontRef idx="minor">
+            <a:schemeClr val="tx1"/>
+          </a:fontRef>
+        </p:style>
+      </p:cxnSp>
+      <p:cxnSp>
+        <p:nvCxnSpPr>
+          <p:cNvPr id="91" name="Straight Arrow Connector 90">
+            <a:extLst>
+              <a:ext uri="{FF2B5EF4-FFF2-40B4-BE49-F238E27FC236}">
+                <a16:creationId xmlns:a16="http://schemas.microsoft.com/office/drawing/2014/main" id="{13CFB10E-04FA-472E-1098-F8B0D458CEE3}"/>
+              </a:ext>
+            </a:extLst>
+          </p:cNvPr>
+          <p:cNvCxnSpPr>
+            <a:cxnSpLocks/>
+            <a:stCxn id="30" idx="3"/>
+            <a:endCxn id="79" idx="1"/>
+          </p:cNvCxnSpPr>
+          <p:nvPr/>
+        </p:nvCxnSpPr>
+        <p:spPr>
+          <a:xfrm>
+            <a:off x="8653346" y="3567151"/>
+            <a:ext cx="719508" cy="257381"/>
+          </a:xfrm>
+          <a:prstGeom prst="straightConnector1">
+            <a:avLst/>
+          </a:prstGeom>
+          <a:ln w="12700">
+            <a:solidFill>
+              <a:schemeClr val="accent4"/>
+            </a:solidFill>
+            <a:tailEnd type="triangle"/>
+          </a:ln>
+        </p:spPr>
+        <p:style>
+          <a:lnRef idx="1">
+            <a:schemeClr val="accent2"/>
+          </a:lnRef>
+          <a:fillRef idx="0">
+            <a:schemeClr val="accent2"/>
+          </a:fillRef>
+          <a:effectRef idx="0">
+            <a:schemeClr val="accent2"/>
+          </a:effectRef>
+          <a:fontRef idx="minor">
+            <a:schemeClr val="tx1"/>
+          </a:fontRef>
+        </p:style>
+      </p:cxnSp>
+      <p:cxnSp>
+        <p:nvCxnSpPr>
+          <p:cNvPr id="94" name="Straight Arrow Connector 93">
+            <a:extLst>
+              <a:ext uri="{FF2B5EF4-FFF2-40B4-BE49-F238E27FC236}">
+                <a16:creationId xmlns:a16="http://schemas.microsoft.com/office/drawing/2014/main" id="{7E5ADAB2-9BC7-88C7-294D-A397DC19B1FF}"/>
+              </a:ext>
+            </a:extLst>
+          </p:cNvPr>
+          <p:cNvCxnSpPr>
+            <a:cxnSpLocks/>
+            <a:endCxn id="80" idx="1"/>
+          </p:cNvCxnSpPr>
+          <p:nvPr/>
+        </p:nvCxnSpPr>
+        <p:spPr>
+          <a:xfrm>
+            <a:off x="8653346" y="3844059"/>
+            <a:ext cx="719508" cy="1190816"/>
+          </a:xfrm>
+          <a:prstGeom prst="straightConnector1">
+            <a:avLst/>
+          </a:prstGeom>
+          <a:ln w="12700">
+            <a:solidFill>
+              <a:schemeClr val="accent6"/>
+            </a:solidFill>
+            <a:tailEnd type="triangle"/>
+          </a:ln>
+        </p:spPr>
+        <p:style>
+          <a:lnRef idx="1">
+            <a:schemeClr val="accent1"/>
+          </a:lnRef>
+          <a:fillRef idx="0">
+            <a:schemeClr val="accent1"/>
+          </a:fillRef>
+          <a:effectRef idx="0">
+            <a:schemeClr val="accent1"/>
+          </a:effectRef>
+          <a:fontRef idx="minor">
+            <a:schemeClr val="tx1"/>
+          </a:fontRef>
+        </p:style>
+      </p:cxnSp>
+      <p:sp>
+        <p:nvSpPr>
+          <p:cNvPr id="97" name="TextBox 96">
+            <a:extLst>
+              <a:ext uri="{FF2B5EF4-FFF2-40B4-BE49-F238E27FC236}">
+                <a16:creationId xmlns:a16="http://schemas.microsoft.com/office/drawing/2014/main" id="{2C27436F-1524-6951-17A4-26894BD12B8A}"/>
+              </a:ext>
+            </a:extLst>
+          </p:cNvPr>
+          <p:cNvSpPr txBox="1"/>
+          <p:nvPr/>
+        </p:nvSpPr>
+        <p:spPr>
+          <a:xfrm>
+            <a:off x="9703590" y="1972828"/>
+            <a:ext cx="1330371" cy="369332"/>
+          </a:xfrm>
+          <a:prstGeom prst="rect">
+            <a:avLst/>
+          </a:prstGeom>
+          <a:noFill/>
+        </p:spPr>
+        <p:txBody>
+          <a:bodyPr wrap="square" rtlCol="0">
+            <a:spAutoFit/>
+          </a:bodyPr>
+          <a:lstStyle/>
+          <a:p>
+            <a:r>
+              <a:rPr lang="en-US" dirty="0"/>
+              <a:t>exRNA App</a:t>
+            </a:r>
+          </a:p>
+        </p:txBody>
+      </p:sp>
+      <p:sp>
+        <p:nvSpPr>
+          <p:cNvPr id="98" name="TextBox 97">
+            <a:extLst>
+              <a:ext uri="{FF2B5EF4-FFF2-40B4-BE49-F238E27FC236}">
+                <a16:creationId xmlns:a16="http://schemas.microsoft.com/office/drawing/2014/main" id="{0583DF03-2666-7175-F243-A8395D48101A}"/>
+              </a:ext>
+            </a:extLst>
+          </p:cNvPr>
+          <p:cNvSpPr txBox="1"/>
+          <p:nvPr/>
+        </p:nvSpPr>
+        <p:spPr>
+          <a:xfrm>
+            <a:off x="9626453" y="3311442"/>
+            <a:ext cx="1634455" cy="369332"/>
+          </a:xfrm>
+          <a:prstGeom prst="rect">
+            <a:avLst/>
+          </a:prstGeom>
+          <a:noFill/>
+        </p:spPr>
+        <p:txBody>
+          <a:bodyPr wrap="square" rtlCol="0">
+            <a:spAutoFit/>
+          </a:bodyPr>
+          <a:lstStyle/>
+          <a:p>
+            <a:r>
+              <a:rPr lang="en-US" dirty="0"/>
+              <a:t>EN-</a:t>
+            </a:r>
+            <a:r>
+              <a:rPr lang="en-US" dirty="0" err="1"/>
+              <a:t>TEx</a:t>
+            </a:r>
+            <a:r>
+              <a:rPr lang="en-US" dirty="0"/>
+              <a:t> App</a:t>
+            </a:r>
+          </a:p>
+        </p:txBody>
+      </p:sp>
+      <p:sp>
+        <p:nvSpPr>
+          <p:cNvPr id="99" name="TextBox 98">
+            <a:extLst>
+              <a:ext uri="{FF2B5EF4-FFF2-40B4-BE49-F238E27FC236}">
+                <a16:creationId xmlns:a16="http://schemas.microsoft.com/office/drawing/2014/main" id="{FFF8FA19-8BCC-3C37-3CCE-7367297C9A92}"/>
+              </a:ext>
+            </a:extLst>
+          </p:cNvPr>
+          <p:cNvSpPr txBox="1"/>
+          <p:nvPr/>
+        </p:nvSpPr>
+        <p:spPr>
+          <a:xfrm>
+            <a:off x="9679222" y="4521761"/>
+            <a:ext cx="1566746" cy="369332"/>
+          </a:xfrm>
+          <a:prstGeom prst="rect">
+            <a:avLst/>
+          </a:prstGeom>
+          <a:noFill/>
+        </p:spPr>
+        <p:txBody>
+          <a:bodyPr wrap="square" rtlCol="0">
+            <a:spAutoFit/>
+          </a:bodyPr>
+          <a:lstStyle/>
+          <a:p>
+            <a:r>
+              <a:rPr lang="en-US" dirty="0"/>
+              <a:t>MNIST App</a:t>
+            </a:r>
+          </a:p>
+        </p:txBody>
+      </p:sp>
+      <p:sp>
+        <p:nvSpPr>
+          <p:cNvPr id="101" name="TextBox 100">
+            <a:extLst>
+              <a:ext uri="{FF2B5EF4-FFF2-40B4-BE49-F238E27FC236}">
+                <a16:creationId xmlns:a16="http://schemas.microsoft.com/office/drawing/2014/main" id="{E010B84D-2203-BB1F-91B6-A9D58F41B9BC}"/>
+              </a:ext>
+            </a:extLst>
+          </p:cNvPr>
+          <p:cNvSpPr txBox="1"/>
+          <p:nvPr/>
+        </p:nvSpPr>
+        <p:spPr>
+          <a:xfrm>
+            <a:off x="6519747" y="1929025"/>
+            <a:ext cx="1566746" cy="369332"/>
+          </a:xfrm>
+          <a:prstGeom prst="rect">
+            <a:avLst/>
+          </a:prstGeom>
+          <a:noFill/>
+        </p:spPr>
+        <p:txBody>
+          <a:bodyPr wrap="square" rtlCol="0">
+            <a:spAutoFit/>
+          </a:bodyPr>
+          <a:lstStyle/>
+          <a:p>
+            <a:r>
+              <a:rPr lang="en-US" dirty="0"/>
+              <a:t>Repo</a:t>
+            </a:r>
+          </a:p>
+        </p:txBody>
+      </p:sp>
+      <p:sp>
+        <p:nvSpPr>
+          <p:cNvPr id="102" name="Rectangle 101">
+            <a:extLst>
+              <a:ext uri="{FF2B5EF4-FFF2-40B4-BE49-F238E27FC236}">
+                <a16:creationId xmlns:a16="http://schemas.microsoft.com/office/drawing/2014/main" id="{FA11CDC5-FFF8-796C-5691-2853AD7748E0}"/>
+              </a:ext>
+            </a:extLst>
+          </p:cNvPr>
+          <p:cNvSpPr/>
+          <p:nvPr/>
+        </p:nvSpPr>
+        <p:spPr>
+          <a:xfrm>
+            <a:off x="6794961" y="2324905"/>
+            <a:ext cx="1858385" cy="460288"/>
+          </a:xfrm>
+          <a:prstGeom prst="rect">
+            <a:avLst/>
+          </a:prstGeom>
+          <a:noFill/>
+          <a:ln>
+            <a:solidFill>
+              <a:srgbClr val="00356B"/>
+            </a:solidFill>
+          </a:ln>
+        </p:spPr>
+        <p:style>
+          <a:lnRef idx="2">
+            <a:schemeClr val="accent1">
+              <a:shade val="50000"/>
+            </a:schemeClr>
+          </a:lnRef>
+          <a:fillRef idx="1">
+            <a:schemeClr val="accent1"/>
+          </a:fillRef>
+          <a:effectRef idx="0">
+            <a:schemeClr val="accent1"/>
+          </a:effectRef>
+          <a:fontRef idx="minor">
+            <a:schemeClr val="lt1"/>
+          </a:fontRef>
+        </p:style>
+        <p:txBody>
+          <a:bodyPr rtlCol="0" anchor="ctr"/>
+          <a:lstStyle/>
+          <a:p>
+            <a:pPr algn="ctr"/>
+            <a:endParaRPr lang="en-US"/>
+          </a:p>
+        </p:txBody>
+      </p:sp>
+      <p:sp>
+        <p:nvSpPr>
+          <p:cNvPr id="103" name="TextBox 102">
+            <a:extLst>
+              <a:ext uri="{FF2B5EF4-FFF2-40B4-BE49-F238E27FC236}">
+                <a16:creationId xmlns:a16="http://schemas.microsoft.com/office/drawing/2014/main" id="{F0329BC0-39A5-E1DB-F2A9-B719AAE4B9C5}"/>
+              </a:ext>
+            </a:extLst>
+          </p:cNvPr>
+          <p:cNvSpPr txBox="1"/>
+          <p:nvPr/>
+        </p:nvSpPr>
+        <p:spPr>
+          <a:xfrm>
+            <a:off x="6824699" y="2321627"/>
+            <a:ext cx="1566746" cy="369332"/>
+          </a:xfrm>
+          <a:prstGeom prst="rect">
+            <a:avLst/>
+          </a:prstGeom>
+          <a:noFill/>
+        </p:spPr>
+        <p:txBody>
+          <a:bodyPr wrap="square" rtlCol="0">
+            <a:spAutoFit/>
+          </a:bodyPr>
+          <a:lstStyle/>
+          <a:p>
+            <a:r>
+              <a:rPr lang="en-US" dirty="0"/>
+              <a:t>Interpreter</a:t>
+            </a:r>
+          </a:p>
+        </p:txBody>
+      </p:sp>
+      <p:sp>
+        <p:nvSpPr>
+          <p:cNvPr id="104" name="Arrow: Down 103">
+            <a:extLst>
+              <a:ext uri="{FF2B5EF4-FFF2-40B4-BE49-F238E27FC236}">
+                <a16:creationId xmlns:a16="http://schemas.microsoft.com/office/drawing/2014/main" id="{35134AA3-63CF-3E3B-0C01-B2A9AAA4E1DB}"/>
+              </a:ext>
+            </a:extLst>
+          </p:cNvPr>
+          <p:cNvSpPr/>
+          <p:nvPr/>
+        </p:nvSpPr>
+        <p:spPr>
+          <a:xfrm>
+            <a:off x="7678714" y="2787486"/>
+            <a:ext cx="84563" cy="248338"/>
+          </a:xfrm>
+          <a:prstGeom prst="downArrow">
+            <a:avLst/>
+          </a:prstGeom>
+        </p:spPr>
+        <p:style>
+          <a:lnRef idx="2">
+            <a:schemeClr val="accent1">
+              <a:shade val="50000"/>
+            </a:schemeClr>
+          </a:lnRef>
+          <a:fillRef idx="1">
+            <a:schemeClr val="accent1"/>
+          </a:fillRef>
+          <a:effectRef idx="0">
+            <a:schemeClr val="accent1"/>
+          </a:effectRef>
+          <a:fontRef idx="minor">
+            <a:schemeClr val="lt1"/>
+          </a:fontRef>
+        </p:style>
+        <p:txBody>
+          <a:bodyPr rtlCol="0" anchor="ctr"/>
+          <a:lstStyle/>
+          <a:p>
+            <a:pPr algn="ctr"/>
+            <a:endParaRPr lang="en-US"/>
+          </a:p>
+        </p:txBody>
+      </p:sp>
+      <p:sp>
+        <p:nvSpPr>
+          <p:cNvPr id="110" name="TextBox 109">
+            <a:extLst>
+              <a:ext uri="{FF2B5EF4-FFF2-40B4-BE49-F238E27FC236}">
+                <a16:creationId xmlns:a16="http://schemas.microsoft.com/office/drawing/2014/main" id="{D2B60541-00D2-F83D-7E8E-30A44F38DCA8}"/>
+              </a:ext>
+            </a:extLst>
+          </p:cNvPr>
+          <p:cNvSpPr txBox="1"/>
+          <p:nvPr/>
+        </p:nvSpPr>
+        <p:spPr>
+          <a:xfrm>
+            <a:off x="7855998" y="3399296"/>
+            <a:ext cx="741556" cy="646331"/>
+          </a:xfrm>
+          <a:prstGeom prst="rect">
+            <a:avLst/>
+          </a:prstGeom>
+          <a:noFill/>
+          <a:ln>
+            <a:solidFill>
+              <a:schemeClr val="tx1"/>
+            </a:solidFill>
+          </a:ln>
+        </p:spPr>
+        <p:txBody>
+          <a:bodyPr wrap="square" rtlCol="0">
+            <a:spAutoFit/>
+          </a:bodyPr>
+          <a:lstStyle/>
+          <a:p>
+            <a:r>
+              <a:rPr lang="en-US" dirty="0"/>
+              <a:t>App</a:t>
+            </a:r>
+          </a:p>
+          <a:p>
+            <a:r>
+              <a:rPr lang="en-US" dirty="0"/>
+              <a:t>Code</a:t>
+            </a:r>
+          </a:p>
+        </p:txBody>
+      </p:sp>
+      <p:sp>
+        <p:nvSpPr>
+          <p:cNvPr id="114" name="TextBox 113">
+            <a:extLst>
+              <a:ext uri="{FF2B5EF4-FFF2-40B4-BE49-F238E27FC236}">
+                <a16:creationId xmlns:a16="http://schemas.microsoft.com/office/drawing/2014/main" id="{E7314FB4-1802-9FF0-C8CF-0305933AFD96}"/>
+              </a:ext>
+            </a:extLst>
+          </p:cNvPr>
+          <p:cNvSpPr txBox="1"/>
+          <p:nvPr/>
+        </p:nvSpPr>
+        <p:spPr>
+          <a:xfrm>
+            <a:off x="9454716" y="2361572"/>
+            <a:ext cx="741556" cy="646331"/>
+          </a:xfrm>
+          <a:prstGeom prst="rect">
+            <a:avLst/>
+          </a:prstGeom>
+          <a:noFill/>
+          <a:ln>
+            <a:solidFill>
+              <a:schemeClr val="tx1"/>
+            </a:solidFill>
+          </a:ln>
+        </p:spPr>
+        <p:txBody>
+          <a:bodyPr wrap="square" rtlCol="0">
+            <a:spAutoFit/>
+          </a:bodyPr>
+          <a:lstStyle/>
+          <a:p>
+            <a:r>
+              <a:rPr lang="en-US" dirty="0"/>
+              <a:t>App</a:t>
+            </a:r>
+          </a:p>
+          <a:p>
+            <a:r>
+              <a:rPr lang="en-US" dirty="0"/>
+              <a:t>Code</a:t>
+            </a:r>
+          </a:p>
+        </p:txBody>
+      </p:sp>
+      <p:sp>
+        <p:nvSpPr>
+          <p:cNvPr id="115" name="TextBox 114">
+            <a:extLst>
+              <a:ext uri="{FF2B5EF4-FFF2-40B4-BE49-F238E27FC236}">
+                <a16:creationId xmlns:a16="http://schemas.microsoft.com/office/drawing/2014/main" id="{55AF293F-9687-D122-94A8-6574FB23AE88}"/>
+              </a:ext>
+            </a:extLst>
+          </p:cNvPr>
+          <p:cNvSpPr txBox="1"/>
+          <p:nvPr/>
+        </p:nvSpPr>
+        <p:spPr>
+          <a:xfrm>
+            <a:off x="9447599" y="3662659"/>
+            <a:ext cx="741556" cy="646331"/>
+          </a:xfrm>
+          <a:prstGeom prst="rect">
+            <a:avLst/>
+          </a:prstGeom>
+          <a:noFill/>
+          <a:ln>
+            <a:solidFill>
+              <a:schemeClr val="tx1"/>
+            </a:solidFill>
+          </a:ln>
+        </p:spPr>
+        <p:txBody>
+          <a:bodyPr wrap="square" rtlCol="0">
+            <a:spAutoFit/>
+          </a:bodyPr>
+          <a:lstStyle/>
+          <a:p>
+            <a:r>
+              <a:rPr lang="en-US" dirty="0"/>
+              <a:t>App</a:t>
+            </a:r>
+          </a:p>
+          <a:p>
+            <a:r>
+              <a:rPr lang="en-US" dirty="0"/>
+              <a:t>Code</a:t>
+            </a:r>
+          </a:p>
+        </p:txBody>
+      </p:sp>
+      <p:sp>
+        <p:nvSpPr>
+          <p:cNvPr id="117" name="TextBox 116">
+            <a:extLst>
+              <a:ext uri="{FF2B5EF4-FFF2-40B4-BE49-F238E27FC236}">
+                <a16:creationId xmlns:a16="http://schemas.microsoft.com/office/drawing/2014/main" id="{A6B52469-BE8F-8535-7934-8B883216E4B1}"/>
+              </a:ext>
+            </a:extLst>
+          </p:cNvPr>
+          <p:cNvSpPr txBox="1"/>
+          <p:nvPr/>
+        </p:nvSpPr>
+        <p:spPr>
+          <a:xfrm>
+            <a:off x="9439470" y="4836039"/>
+            <a:ext cx="741556" cy="646331"/>
+          </a:xfrm>
+          <a:prstGeom prst="rect">
+            <a:avLst/>
+          </a:prstGeom>
+          <a:noFill/>
+          <a:ln>
+            <a:solidFill>
+              <a:schemeClr val="tx1"/>
+            </a:solidFill>
+          </a:ln>
+        </p:spPr>
+        <p:txBody>
+          <a:bodyPr wrap="square" rtlCol="0">
+            <a:spAutoFit/>
+          </a:bodyPr>
+          <a:lstStyle/>
+          <a:p>
+            <a:r>
+              <a:rPr lang="en-US" dirty="0"/>
+              <a:t>App</a:t>
+            </a:r>
+          </a:p>
+          <a:p>
+            <a:r>
+              <a:rPr lang="en-US" dirty="0"/>
+              <a:t>Code</a:t>
+            </a:r>
+          </a:p>
+        </p:txBody>
+      </p:sp>
+      <p:sp>
+        <p:nvSpPr>
+          <p:cNvPr id="121" name="TextBox 120">
+            <a:extLst>
+              <a:ext uri="{FF2B5EF4-FFF2-40B4-BE49-F238E27FC236}">
+                <a16:creationId xmlns:a16="http://schemas.microsoft.com/office/drawing/2014/main" id="{9929CE7B-4D43-ED4D-671B-25A7BBF29917}"/>
+              </a:ext>
+            </a:extLst>
+          </p:cNvPr>
+          <p:cNvSpPr txBox="1"/>
+          <p:nvPr/>
+        </p:nvSpPr>
+        <p:spPr>
+          <a:xfrm>
+            <a:off x="6851897" y="4891093"/>
+            <a:ext cx="1715429" cy="646331"/>
+          </a:xfrm>
+          <a:prstGeom prst="rect">
+            <a:avLst/>
+          </a:prstGeom>
+          <a:noFill/>
+          <a:ln>
+            <a:solidFill>
+              <a:schemeClr val="tx1"/>
+            </a:solidFill>
+          </a:ln>
+        </p:spPr>
+        <p:txBody>
+          <a:bodyPr wrap="square" rtlCol="0">
+            <a:spAutoFit/>
+          </a:bodyPr>
+          <a:lstStyle/>
+          <a:p>
+            <a:r>
+              <a:rPr lang="en-US" dirty="0"/>
+              <a:t>Pipeline Code (R, Python, C++)</a:t>
+            </a:r>
+          </a:p>
+        </p:txBody>
+      </p:sp>
+    </p:spTree>
+    <p:extLst>
+      <p:ext uri="{BB962C8B-B14F-4D97-AF65-F5344CB8AC3E}">
+        <p14:creationId xmlns:p14="http://schemas.microsoft.com/office/powerpoint/2010/main" val="2530692551"/>
       </p:ext>
     </p:extLst>
   </p:cSld>
